--- a/presentation/sicherheits_final_an.pptx
+++ b/presentation/sicherheits_final_an.pptx
@@ -5,10 +5,10 @@
     <p:sldMasterId id="2147483678" r:id="rId3"/>
   </p:sldMasterIdLst>
   <p:notesMasterIdLst>
-    <p:notesMasterId r:id="rId34"/>
+    <p:notesMasterId r:id="rId36"/>
   </p:notesMasterIdLst>
   <p:handoutMasterIdLst>
-    <p:handoutMasterId r:id="rId35"/>
+    <p:handoutMasterId r:id="rId37"/>
   </p:handoutMasterIdLst>
   <p:sldIdLst>
     <p:sldId id="256" r:id="rId4"/>
@@ -40,7 +40,9 @@
     <p:sldId id="311" r:id="rId30"/>
     <p:sldId id="312" r:id="rId31"/>
     <p:sldId id="313" r:id="rId32"/>
-    <p:sldId id="314" r:id="rId33"/>
+    <p:sldId id="317" r:id="rId33"/>
+    <p:sldId id="318" r:id="rId34"/>
+    <p:sldId id="314" r:id="rId35"/>
   </p:sldIdLst>
   <p:sldSz cx="9144000" cy="6858000" type="screen4x3"/>
   <p:notesSz cx="9942513" cy="6761163"/>
@@ -305,7 +307,7 @@
             <a:fld id="{5BB45A7C-CD8D-4615-9E21-7904701129AE}" type="datetimeFigureOut">
               <a:rPr lang="de-DE"/>
               <a:pPr/>
-              <a:t>30.01.2018</a:t>
+              <a:t>31.01.2018</a:t>
             </a:fld>
             <a:endParaRPr lang="de-DE"/>
           </a:p>
@@ -1355,6 +1357,567 @@
     <p:extLst>
       <p:ext uri="{BB962C8B-B14F-4D97-AF65-F5344CB8AC3E}">
         <p14:creationId xmlns:p14="http://schemas.microsoft.com/office/powerpoint/2010/main" val="1656114160"/>
+      </p:ext>
+    </p:extLst>
+  </p:cSld>
+  <p:clrMapOvr>
+    <a:masterClrMapping/>
+  </p:clrMapOvr>
+</p:notes>
+</file>
+
+<file path=ppt/notesSlides/notesSlide11.xml><?xml version="1.0" encoding="utf-8"?>
+<p:notes xmlns:a="http://schemas.openxmlformats.org/drawingml/2006/main" xmlns:r="http://schemas.openxmlformats.org/officeDocument/2006/relationships" xmlns:p="http://schemas.openxmlformats.org/presentationml/2006/main">
+  <p:cSld>
+    <p:spTree>
+      <p:nvGrpSpPr>
+        <p:cNvPr id="1" name=""/>
+        <p:cNvGrpSpPr/>
+        <p:nvPr/>
+      </p:nvGrpSpPr>
+      <p:grpSpPr>
+        <a:xfrm>
+          <a:off x="0" y="0"/>
+          <a:ext cx="0" cy="0"/>
+          <a:chOff x="0" y="0"/>
+          <a:chExt cx="0" cy="0"/>
+        </a:xfrm>
+      </p:grpSpPr>
+      <p:sp>
+        <p:nvSpPr>
+          <p:cNvPr id="2" name="Folienbildplatzhalter 1"/>
+          <p:cNvSpPr>
+            <a:spLocks noGrp="1" noRot="1" noChangeAspect="1"/>
+          </p:cNvSpPr>
+          <p:nvPr>
+            <p:ph type="sldImg"/>
+          </p:nvPr>
+        </p:nvSpPr>
+        <p:spPr/>
+      </p:sp>
+      <p:sp>
+        <p:nvSpPr>
+          <p:cNvPr id="3" name="Notizenplatzhalter 2"/>
+          <p:cNvSpPr>
+            <a:spLocks noGrp="1"/>
+          </p:cNvSpPr>
+          <p:nvPr>
+            <p:ph type="body" idx="1"/>
+          </p:nvPr>
+        </p:nvSpPr>
+        <p:spPr/>
+        <p:txBody>
+          <a:bodyPr/>
+          <a:lstStyle/>
+          <a:p>
+            <a:pPr marL="0" marR="0" lvl="0" indent="0" algn="l" defTabSz="914400" rtl="0" eaLnBrk="1" fontAlgn="base" latinLnBrk="0" hangingPunct="1">
+              <a:lnSpc>
+                <a:spcPct val="100000"/>
+              </a:lnSpc>
+              <a:spcBef>
+                <a:spcPct val="30000"/>
+              </a:spcBef>
+              <a:spcAft>
+                <a:spcPct val="0"/>
+              </a:spcAft>
+              <a:buClrTx/>
+              <a:buSzTx/>
+              <a:buFontTx/>
+              <a:buNone/>
+              <a:tabLst/>
+              <a:defRPr/>
+            </a:pPr>
+            <a:r>
+              <a:rPr lang="en-US" dirty="0"/>
+              <a:t>Sanitization of a document involves removing sensitive information from the document, in order to reduce </a:t>
+            </a:r>
+            <a:r>
+              <a:rPr lang="en-US" dirty="0" err="1"/>
+              <a:t>thdocument’s</a:t>
+            </a:r>
+            <a:r>
+              <a:rPr lang="en-US" dirty="0"/>
+              <a:t> classification level, possibly yielding an unclassified </a:t>
+            </a:r>
+            <a:r>
+              <a:rPr lang="de-DE" dirty="0" err="1"/>
+              <a:t>document</a:t>
+            </a:r>
+            <a:r>
+              <a:rPr lang="de-DE" dirty="0"/>
+              <a:t>.</a:t>
+            </a:r>
+          </a:p>
+          <a:p>
+            <a:pPr marL="0" marR="0" lvl="0" indent="0" algn="l" defTabSz="914400" rtl="0" eaLnBrk="1" fontAlgn="base" latinLnBrk="0" hangingPunct="1">
+              <a:lnSpc>
+                <a:spcPct val="100000"/>
+              </a:lnSpc>
+              <a:spcBef>
+                <a:spcPct val="30000"/>
+              </a:spcBef>
+              <a:spcAft>
+                <a:spcPct val="0"/>
+              </a:spcAft>
+              <a:buClrTx/>
+              <a:buSzTx/>
+              <a:buFontTx/>
+              <a:buNone/>
+              <a:tabLst/>
+              <a:defRPr/>
+            </a:pPr>
+            <a:endParaRPr lang="de-DE" dirty="0"/>
+          </a:p>
+          <a:p>
+            <a:r>
+              <a:rPr lang="en-US" sz="1200" b="0" i="0" u="none" strike="noStrike" kern="1200" baseline="0" dirty="0">
+                <a:solidFill>
+                  <a:schemeClr val="tx1"/>
+                </a:solidFill>
+                <a:latin typeface="Arial" charset="0"/>
+                <a:ea typeface="+mn-ea"/>
+                <a:cs typeface="+mn-cs"/>
+              </a:rPr>
+              <a:t>In hospitals, medical records are sanitized to </a:t>
+            </a:r>
+            <a:r>
+              <a:rPr lang="de-DE" sz="1200" b="0" i="0" u="none" strike="noStrike" kern="1200" baseline="0" dirty="0" err="1">
+                <a:solidFill>
+                  <a:schemeClr val="tx1"/>
+                </a:solidFill>
+                <a:latin typeface="Arial" charset="0"/>
+                <a:ea typeface="+mn-ea"/>
+                <a:cs typeface="+mn-cs"/>
+              </a:rPr>
+              <a:t>remove</a:t>
+            </a:r>
+            <a:r>
+              <a:rPr lang="de-DE" sz="1200" b="0" i="0" u="none" strike="noStrike" kern="1200" baseline="0" dirty="0">
+                <a:solidFill>
+                  <a:schemeClr val="tx1"/>
+                </a:solidFill>
+                <a:latin typeface="Arial" charset="0"/>
+                <a:ea typeface="+mn-ea"/>
+                <a:cs typeface="+mn-cs"/>
+              </a:rPr>
+              <a:t> sensitive patent </a:t>
+            </a:r>
+            <a:r>
+              <a:rPr lang="de-DE" sz="1200" b="0" i="0" u="none" strike="noStrike" kern="1200" baseline="0" dirty="0" err="1">
+                <a:solidFill>
+                  <a:schemeClr val="tx1"/>
+                </a:solidFill>
+                <a:latin typeface="Arial" charset="0"/>
+                <a:ea typeface="+mn-ea"/>
+                <a:cs typeface="+mn-cs"/>
+              </a:rPr>
+              <a:t>information</a:t>
+            </a:r>
+            <a:r>
+              <a:rPr lang="de-DE" sz="1200" b="0" i="0" u="none" strike="noStrike" kern="1200" baseline="0" dirty="0">
+                <a:solidFill>
+                  <a:schemeClr val="tx1"/>
+                </a:solidFill>
+                <a:latin typeface="Arial" charset="0"/>
+                <a:ea typeface="+mn-ea"/>
+                <a:cs typeface="+mn-cs"/>
+              </a:rPr>
+              <a:t> (</a:t>
+            </a:r>
+            <a:r>
+              <a:rPr lang="de-DE" sz="1200" b="0" i="0" u="none" strike="noStrike" kern="1200" baseline="0" dirty="0" err="1">
+                <a:solidFill>
+                  <a:schemeClr val="tx1"/>
+                </a:solidFill>
+                <a:latin typeface="Arial" charset="0"/>
+                <a:ea typeface="+mn-ea"/>
+                <a:cs typeface="+mn-cs"/>
+              </a:rPr>
+              <a:t>patient</a:t>
+            </a:r>
+            <a:r>
+              <a:rPr lang="de-DE" sz="1200" b="0" i="0" u="none" strike="noStrike" kern="1200" baseline="0" dirty="0">
+                <a:solidFill>
+                  <a:schemeClr val="tx1"/>
+                </a:solidFill>
+                <a:latin typeface="Arial" charset="0"/>
+                <a:ea typeface="+mn-ea"/>
+                <a:cs typeface="+mn-cs"/>
+              </a:rPr>
+              <a:t> </a:t>
+            </a:r>
+            <a:r>
+              <a:rPr lang="de-DE" sz="1200" b="0" i="0" u="none" strike="noStrike" kern="1200" baseline="0" dirty="0" err="1">
+                <a:solidFill>
+                  <a:schemeClr val="tx1"/>
+                </a:solidFill>
+                <a:latin typeface="Arial" charset="0"/>
+                <a:ea typeface="+mn-ea"/>
+                <a:cs typeface="+mn-cs"/>
+              </a:rPr>
+              <a:t>identity</a:t>
+            </a:r>
+            <a:r>
+              <a:rPr lang="de-DE" sz="1200" b="0" i="0" u="none" strike="noStrike" kern="1200" baseline="0" dirty="0">
+                <a:solidFill>
+                  <a:schemeClr val="tx1"/>
+                </a:solidFill>
+                <a:latin typeface="Arial" charset="0"/>
+                <a:ea typeface="+mn-ea"/>
+                <a:cs typeface="+mn-cs"/>
+              </a:rPr>
+              <a:t> </a:t>
+            </a:r>
+            <a:r>
+              <a:rPr lang="de-DE" sz="1200" b="0" i="0" u="none" strike="noStrike" kern="1200" baseline="0" dirty="0" err="1">
+                <a:solidFill>
+                  <a:schemeClr val="tx1"/>
+                </a:solidFill>
+                <a:latin typeface="Arial" charset="0"/>
+                <a:ea typeface="+mn-ea"/>
+                <a:cs typeface="+mn-cs"/>
+              </a:rPr>
+              <a:t>information</a:t>
+            </a:r>
+            <a:r>
+              <a:rPr lang="de-DE" sz="1200" b="0" i="0" u="none" strike="noStrike" kern="1200" baseline="0" dirty="0">
+                <a:solidFill>
+                  <a:schemeClr val="tx1"/>
+                </a:solidFill>
+                <a:latin typeface="Arial" charset="0"/>
+                <a:ea typeface="+mn-ea"/>
+                <a:cs typeface="+mn-cs"/>
+              </a:rPr>
+              <a:t>, </a:t>
+            </a:r>
+            <a:r>
+              <a:rPr lang="en-US" sz="1200" b="0" i="0" u="none" strike="noStrike" kern="1200" baseline="0" dirty="0">
+                <a:solidFill>
+                  <a:schemeClr val="tx1"/>
+                </a:solidFill>
+                <a:latin typeface="Arial" charset="0"/>
+                <a:ea typeface="+mn-ea"/>
+                <a:cs typeface="+mn-cs"/>
+              </a:rPr>
+              <a:t>diagnoses of deadly diseases, etc.). Document sanitization is also</a:t>
+            </a:r>
+          </a:p>
+          <a:p>
+            <a:r>
+              <a:rPr lang="en-US" sz="1200" b="0" i="0" u="none" strike="noStrike" kern="1200" baseline="0" dirty="0">
+                <a:solidFill>
+                  <a:schemeClr val="tx1"/>
+                </a:solidFill>
+                <a:latin typeface="Arial" charset="0"/>
+                <a:ea typeface="+mn-ea"/>
+                <a:cs typeface="+mn-cs"/>
+              </a:rPr>
+              <a:t>critical to companies who need to prevent </a:t>
+            </a:r>
+            <a:r>
+              <a:rPr lang="en-US" sz="1200" b="0" i="0" u="none" strike="noStrike" kern="1200" baseline="0" dirty="0" err="1">
+                <a:solidFill>
+                  <a:schemeClr val="tx1"/>
+                </a:solidFill>
+                <a:latin typeface="Arial" charset="0"/>
+                <a:ea typeface="+mn-ea"/>
+                <a:cs typeface="+mn-cs"/>
+              </a:rPr>
+              <a:t>malafide</a:t>
+            </a:r>
+            <a:r>
+              <a:rPr lang="en-US" sz="1200" b="0" i="0" u="none" strike="noStrike" kern="1200" baseline="0" dirty="0">
+                <a:solidFill>
+                  <a:schemeClr val="tx1"/>
+                </a:solidFill>
+                <a:latin typeface="Arial" charset="0"/>
+                <a:ea typeface="+mn-ea"/>
+                <a:cs typeface="+mn-cs"/>
+              </a:rPr>
+              <a:t> or </a:t>
+            </a:r>
+            <a:r>
+              <a:rPr lang="en-US" sz="1200" b="0" i="0" u="none" strike="noStrike" kern="1200" baseline="0" dirty="0" err="1">
+                <a:solidFill>
+                  <a:schemeClr val="tx1"/>
+                </a:solidFill>
+                <a:latin typeface="Arial" charset="0"/>
+                <a:ea typeface="+mn-ea"/>
+                <a:cs typeface="+mn-cs"/>
+              </a:rPr>
+              <a:t>inadvertentdisclosure</a:t>
+            </a:r>
+            <a:r>
+              <a:rPr lang="en-US" sz="1200" b="0" i="0" u="none" strike="noStrike" kern="1200" baseline="0" dirty="0">
+                <a:solidFill>
+                  <a:schemeClr val="tx1"/>
+                </a:solidFill>
+                <a:latin typeface="Arial" charset="0"/>
+                <a:ea typeface="+mn-ea"/>
+                <a:cs typeface="+mn-cs"/>
+              </a:rPr>
+              <a:t> of proprietary information while sharing data with outsourced </a:t>
+            </a:r>
+            <a:r>
+              <a:rPr lang="de-DE" sz="1200" b="0" i="0" u="none" strike="noStrike" kern="1200" baseline="0" dirty="0" err="1">
+                <a:solidFill>
+                  <a:schemeClr val="tx1"/>
+                </a:solidFill>
+                <a:latin typeface="Arial" charset="0"/>
+                <a:ea typeface="+mn-ea"/>
+                <a:cs typeface="+mn-cs"/>
+              </a:rPr>
+              <a:t>operations</a:t>
+            </a:r>
+            <a:r>
+              <a:rPr lang="de-DE" sz="1200" b="0" i="0" u="none" strike="noStrike" kern="1200" baseline="0" dirty="0">
+                <a:solidFill>
+                  <a:schemeClr val="tx1"/>
+                </a:solidFill>
+                <a:latin typeface="Arial" charset="0"/>
+                <a:ea typeface="+mn-ea"/>
+                <a:cs typeface="+mn-cs"/>
+              </a:rPr>
+              <a:t>.</a:t>
+            </a:r>
+          </a:p>
+          <a:p>
+            <a:endParaRPr lang="de-DE" sz="1200" b="0" i="0" u="none" strike="noStrike" kern="1200" baseline="0" dirty="0">
+              <a:solidFill>
+                <a:schemeClr val="tx1"/>
+              </a:solidFill>
+              <a:latin typeface="Arial" charset="0"/>
+              <a:ea typeface="+mn-ea"/>
+              <a:cs typeface="+mn-cs"/>
+            </a:endParaRPr>
+          </a:p>
+          <a:p>
+            <a:r>
+              <a:rPr lang="en-US" dirty="0"/>
+              <a:t>We wish to retain same facial information about the photographed people, for example a fashion shop interested in knowing how many of it’s visitors are male or female. I Sometimes, the photograph may be used psychologically and should therefore look more visually appealing (For a photo of a war victim, a blurred face would be much more eﬀective in raising awareness then a black rectangle). I Because we can achieve results as good as blackout but better looking</a:t>
+            </a:r>
+            <a:endParaRPr lang="de-DE" dirty="0"/>
+          </a:p>
+          <a:p>
+            <a:endParaRPr lang="de-DE" dirty="0"/>
+          </a:p>
+        </p:txBody>
+      </p:sp>
+      <p:sp>
+        <p:nvSpPr>
+          <p:cNvPr id="4" name="Foliennummernplatzhalter 3"/>
+          <p:cNvSpPr>
+            <a:spLocks noGrp="1"/>
+          </p:cNvSpPr>
+          <p:nvPr>
+            <p:ph type="sldNum" sz="quarter" idx="10"/>
+          </p:nvPr>
+        </p:nvSpPr>
+        <p:spPr/>
+        <p:txBody>
+          <a:bodyPr/>
+          <a:lstStyle/>
+          <a:p>
+            <a:pPr>
+              <a:defRPr/>
+            </a:pPr>
+            <a:fld id="{4351B0B5-D942-48DD-B88D-7AC11D76AF21}" type="slidenum">
+              <a:rPr lang="de-DE" smtClean="0"/>
+              <a:pPr>
+                <a:defRPr/>
+              </a:pPr>
+              <a:t>29</a:t>
+            </a:fld>
+            <a:endParaRPr lang="de-DE"/>
+          </a:p>
+        </p:txBody>
+      </p:sp>
+    </p:spTree>
+    <p:extLst>
+      <p:ext uri="{BB962C8B-B14F-4D97-AF65-F5344CB8AC3E}">
+        <p14:creationId xmlns:p14="http://schemas.microsoft.com/office/powerpoint/2010/main" val="863718230"/>
+      </p:ext>
+    </p:extLst>
+  </p:cSld>
+  <p:clrMapOvr>
+    <a:masterClrMapping/>
+  </p:clrMapOvr>
+</p:notes>
+</file>
+
+<file path=ppt/notesSlides/notesSlide12.xml><?xml version="1.0" encoding="utf-8"?>
+<p:notes xmlns:a="http://schemas.openxmlformats.org/drawingml/2006/main" xmlns:r="http://schemas.openxmlformats.org/officeDocument/2006/relationships" xmlns:p="http://schemas.openxmlformats.org/presentationml/2006/main">
+  <p:cSld>
+    <p:spTree>
+      <p:nvGrpSpPr>
+        <p:cNvPr id="1" name=""/>
+        <p:cNvGrpSpPr/>
+        <p:nvPr/>
+      </p:nvGrpSpPr>
+      <p:grpSpPr>
+        <a:xfrm>
+          <a:off x="0" y="0"/>
+          <a:ext cx="0" cy="0"/>
+          <a:chOff x="0" y="0"/>
+          <a:chExt cx="0" cy="0"/>
+        </a:xfrm>
+      </p:grpSpPr>
+      <p:sp>
+        <p:nvSpPr>
+          <p:cNvPr id="2" name="Folienbildplatzhalter 1"/>
+          <p:cNvSpPr>
+            <a:spLocks noGrp="1" noRot="1" noChangeAspect="1"/>
+          </p:cNvSpPr>
+          <p:nvPr>
+            <p:ph type="sldImg"/>
+          </p:nvPr>
+        </p:nvSpPr>
+        <p:spPr/>
+      </p:sp>
+      <p:sp>
+        <p:nvSpPr>
+          <p:cNvPr id="3" name="Notizenplatzhalter 2"/>
+          <p:cNvSpPr>
+            <a:spLocks noGrp="1"/>
+          </p:cNvSpPr>
+          <p:nvPr>
+            <p:ph type="body" idx="1"/>
+          </p:nvPr>
+        </p:nvSpPr>
+        <p:spPr/>
+        <p:txBody>
+          <a:bodyPr/>
+          <a:lstStyle/>
+          <a:p>
+            <a:r>
+              <a:rPr lang="en-US" sz="1200" b="0" i="0" u="none" strike="noStrike" kern="1200" baseline="0" dirty="0">
+                <a:solidFill>
+                  <a:schemeClr val="tx1"/>
+                </a:solidFill>
+                <a:latin typeface="Arial" charset="0"/>
+                <a:ea typeface="+mn-ea"/>
+                <a:cs typeface="+mn-cs"/>
+              </a:rPr>
+              <a:t>Traditionally, documents are sanitized manually by qualified reviewers.</a:t>
+            </a:r>
+          </a:p>
+          <a:p>
+            <a:r>
+              <a:rPr lang="en-US" sz="1200" b="0" i="0" u="none" strike="noStrike" kern="1200" baseline="0" dirty="0">
+                <a:solidFill>
+                  <a:schemeClr val="tx1"/>
+                </a:solidFill>
+                <a:latin typeface="Arial" charset="0"/>
+                <a:ea typeface="+mn-ea"/>
+                <a:cs typeface="+mn-cs"/>
+              </a:rPr>
+              <a:t>However, manual sanitization does not scale as the volume</a:t>
+            </a:r>
+          </a:p>
+          <a:p>
+            <a:r>
+              <a:rPr lang="de-DE" sz="1200" b="0" i="0" u="none" strike="noStrike" kern="1200" baseline="0" dirty="0" err="1">
+                <a:solidFill>
+                  <a:schemeClr val="tx1"/>
+                </a:solidFill>
+                <a:latin typeface="Arial" charset="0"/>
+                <a:ea typeface="+mn-ea"/>
+                <a:cs typeface="+mn-cs"/>
+              </a:rPr>
+              <a:t>of</a:t>
+            </a:r>
+            <a:r>
+              <a:rPr lang="de-DE" sz="1200" b="0" i="0" u="none" strike="noStrike" kern="1200" baseline="0" dirty="0">
+                <a:solidFill>
+                  <a:schemeClr val="tx1"/>
+                </a:solidFill>
+                <a:latin typeface="Arial" charset="0"/>
+                <a:ea typeface="+mn-ea"/>
+                <a:cs typeface="+mn-cs"/>
+              </a:rPr>
+              <a:t> </a:t>
+            </a:r>
+            <a:r>
+              <a:rPr lang="de-DE" sz="1200" b="0" i="0" u="none" strike="noStrike" kern="1200" baseline="0" dirty="0" err="1">
+                <a:solidFill>
+                  <a:schemeClr val="tx1"/>
+                </a:solidFill>
+                <a:latin typeface="Arial" charset="0"/>
+                <a:ea typeface="+mn-ea"/>
+                <a:cs typeface="+mn-cs"/>
+              </a:rPr>
+              <a:t>data</a:t>
+            </a:r>
+            <a:r>
+              <a:rPr lang="de-DE" sz="1200" b="0" i="0" u="none" strike="noStrike" kern="1200" baseline="0" dirty="0">
+                <a:solidFill>
+                  <a:schemeClr val="tx1"/>
+                </a:solidFill>
+                <a:latin typeface="Arial" charset="0"/>
+                <a:ea typeface="+mn-ea"/>
+                <a:cs typeface="+mn-cs"/>
+              </a:rPr>
+              <a:t> </a:t>
+            </a:r>
+            <a:r>
+              <a:rPr lang="de-DE" sz="1200" b="0" i="0" u="none" strike="noStrike" kern="1200" baseline="0" dirty="0" err="1">
+                <a:solidFill>
+                  <a:schemeClr val="tx1"/>
+                </a:solidFill>
+                <a:latin typeface="Arial" charset="0"/>
+                <a:ea typeface="+mn-ea"/>
+                <a:cs typeface="+mn-cs"/>
+              </a:rPr>
+              <a:t>increases</a:t>
+            </a:r>
+            <a:r>
+              <a:rPr lang="de-DE" sz="1200" b="0" i="0" u="none" strike="noStrike" kern="1200" baseline="0" dirty="0">
+                <a:solidFill>
+                  <a:schemeClr val="tx1"/>
+                </a:solidFill>
+                <a:latin typeface="Arial" charset="0"/>
+                <a:ea typeface="+mn-ea"/>
+                <a:cs typeface="+mn-cs"/>
+              </a:rPr>
+              <a:t>.</a:t>
+            </a:r>
+            <a:endParaRPr lang="de-DE" dirty="0"/>
+          </a:p>
+        </p:txBody>
+      </p:sp>
+      <p:sp>
+        <p:nvSpPr>
+          <p:cNvPr id="4" name="Foliennummernplatzhalter 3"/>
+          <p:cNvSpPr>
+            <a:spLocks noGrp="1"/>
+          </p:cNvSpPr>
+          <p:nvPr>
+            <p:ph type="sldNum" sz="quarter" idx="10"/>
+          </p:nvPr>
+        </p:nvSpPr>
+        <p:spPr/>
+        <p:txBody>
+          <a:bodyPr/>
+          <a:lstStyle/>
+          <a:p>
+            <a:pPr>
+              <a:defRPr/>
+            </a:pPr>
+            <a:fld id="{4351B0B5-D942-48DD-B88D-7AC11D76AF21}" type="slidenum">
+              <a:rPr lang="de-DE" smtClean="0"/>
+              <a:pPr>
+                <a:defRPr/>
+              </a:pPr>
+              <a:t>30</a:t>
+            </a:fld>
+            <a:endParaRPr lang="de-DE"/>
+          </a:p>
+        </p:txBody>
+      </p:sp>
+    </p:spTree>
+    <p:extLst>
+      <p:ext uri="{BB962C8B-B14F-4D97-AF65-F5344CB8AC3E}">
+        <p14:creationId xmlns:p14="http://schemas.microsoft.com/office/powerpoint/2010/main" val="2937820869"/>
       </p:ext>
     </p:extLst>
   </p:cSld>
@@ -14712,6 +15275,26 @@
               <a:t>Text and Pictures</a:t>
             </a:r>
           </a:p>
+          <a:p>
+            <a:r>
+              <a:rPr lang="en-US" dirty="0"/>
+              <a:t>Sanitization</a:t>
+            </a:r>
+          </a:p>
+          <a:p>
+            <a:r>
+              <a:rPr lang="de-DE" dirty="0"/>
+              <a:t>de-</a:t>
+            </a:r>
+            <a:r>
+              <a:rPr lang="de-DE" dirty="0" err="1"/>
+              <a:t>identiﬁcation</a:t>
+            </a:r>
+            <a:r>
+              <a:rPr lang="de-DE" dirty="0"/>
+              <a:t> </a:t>
+            </a:r>
+          </a:p>
         </p:txBody>
       </p:sp>
       <p:sp>
@@ -14746,14 +15329,14 @@
       </p:sp>
       <p:pic>
         <p:nvPicPr>
-          <p:cNvPr id="1026" name="Picture 2" descr="F:\PSI-MSem\cl-monalisa2-DW-Wissenschaft-Turin-jpg.jpg"/>
+          <p:cNvPr id="1027" name="Picture 3" descr="F:\PSI-MSem\die-bundesbeauftragte-fc3bcr-den-datenschutz-und-informationsfreiheit-002.jpg"/>
           <p:cNvPicPr>
             <a:picLocks noChangeAspect="1" noChangeArrowheads="1"/>
           </p:cNvPicPr>
           <p:nvPr/>
         </p:nvPicPr>
         <p:blipFill>
-          <a:blip r:embed="rId2" cstate="print">
+          <a:blip r:embed="rId3" cstate="print">
             <a:extLst>
               <a:ext uri="{28A0092B-C50C-407E-A947-70E740481C1C}">
                 <a14:useLocalDpi xmlns:a14="http://schemas.microsoft.com/office/drawing/2010/main" val="0"/>
@@ -14767,8 +15350,8 @@
         </p:blipFill>
         <p:spPr bwMode="auto">
           <a:xfrm>
-            <a:off x="5722303" y="2348880"/>
-            <a:ext cx="2395003" cy="2341209"/>
+            <a:off x="3948200" y="1496113"/>
+            <a:ext cx="2815654" cy="3865773"/>
           </a:xfrm>
           <a:prstGeom prst="rect">
             <a:avLst/>
@@ -14787,14 +15370,14 @@
       </p:pic>
       <p:pic>
         <p:nvPicPr>
-          <p:cNvPr id="1027" name="Picture 3" descr="F:\PSI-MSem\die-bundesbeauftragte-fc3bcr-den-datenschutz-und-informationsfreiheit-002.jpg"/>
+          <p:cNvPr id="1026" name="Picture 2" descr="F:\PSI-MSem\cl-monalisa2-DW-Wissenschaft-Turin-jpg.jpg"/>
           <p:cNvPicPr>
             <a:picLocks noChangeAspect="1" noChangeArrowheads="1"/>
           </p:cNvPicPr>
           <p:nvPr/>
         </p:nvPicPr>
         <p:blipFill>
-          <a:blip r:embed="rId3" cstate="print">
+          <a:blip r:embed="rId4" cstate="print">
             <a:extLst>
               <a:ext uri="{28A0092B-C50C-407E-A947-70E740481C1C}">
                 <a14:useLocalDpi xmlns:a14="http://schemas.microsoft.com/office/drawing/2010/main" val="0"/>
@@ -14808,8 +15391,8 @@
         </p:blipFill>
         <p:spPr bwMode="auto">
           <a:xfrm>
-            <a:off x="1065451" y="1772816"/>
-            <a:ext cx="3126897" cy="4293096"/>
+            <a:off x="6384995" y="3662269"/>
+            <a:ext cx="2592288" cy="2534062"/>
           </a:xfrm>
           <a:prstGeom prst="rect">
             <a:avLst/>
@@ -15091,6 +15674,623 @@
       </p:grpSpPr>
       <p:sp>
         <p:nvSpPr>
+          <p:cNvPr id="2" name="Textplatzhalter 1">
+            <a:extLst>
+              <a:ext uri="{FF2B5EF4-FFF2-40B4-BE49-F238E27FC236}">
+                <a16:creationId xmlns:a16="http://schemas.microsoft.com/office/drawing/2014/main" id="{577C42F9-8E74-40CA-8AA0-C0AD6BFAC4E2}"/>
+              </a:ext>
+            </a:extLst>
+          </p:cNvPr>
+          <p:cNvSpPr>
+            <a:spLocks noGrp="1"/>
+          </p:cNvSpPr>
+          <p:nvPr>
+            <p:ph type="body" sz="quarter" idx="13"/>
+          </p:nvPr>
+        </p:nvSpPr>
+        <p:spPr/>
+        <p:txBody>
+          <a:bodyPr/>
+          <a:lstStyle/>
+          <a:p>
+            <a:r>
+              <a:rPr lang="de-DE" dirty="0" err="1"/>
+              <a:t>Erase</a:t>
+            </a:r>
+            <a:endParaRPr lang="de-DE" dirty="0"/>
+          </a:p>
+          <a:p>
+            <a:r>
+              <a:rPr lang="de-DE" dirty="0" err="1"/>
+              <a:t>However</a:t>
+            </a:r>
+            <a:r>
+              <a:rPr lang="de-DE" dirty="0"/>
+              <a:t>, </a:t>
+            </a:r>
+            <a:r>
+              <a:rPr lang="de-DE" dirty="0" err="1"/>
+              <a:t>the</a:t>
+            </a:r>
+            <a:r>
+              <a:rPr lang="de-DE" dirty="0"/>
+              <a:t> </a:t>
+            </a:r>
+            <a:r>
+              <a:rPr lang="de-DE" dirty="0" err="1"/>
+              <a:t>problem</a:t>
+            </a:r>
+            <a:r>
+              <a:rPr lang="de-DE" dirty="0"/>
+              <a:t> </a:t>
+            </a:r>
+            <a:r>
+              <a:rPr lang="de-DE" dirty="0" err="1"/>
+              <a:t>formulation</a:t>
+            </a:r>
+            <a:r>
+              <a:rPr lang="de-DE" dirty="0"/>
+              <a:t> </a:t>
+            </a:r>
+            <a:r>
+              <a:rPr lang="en-US" dirty="0"/>
+              <a:t>considered in the above setup and ERASE are different. While the goal in the K-anonymization is to anonymize a given  </a:t>
+            </a:r>
+            <a:r>
+              <a:rPr lang="de-DE" dirty="0" err="1"/>
+              <a:t>database</a:t>
+            </a:r>
+            <a:r>
+              <a:rPr lang="de-DE" dirty="0"/>
+              <a:t>, in ERASE, </a:t>
+            </a:r>
+            <a:r>
+              <a:rPr lang="de-DE" dirty="0" err="1"/>
+              <a:t>the</a:t>
+            </a:r>
+            <a:r>
+              <a:rPr lang="de-DE" dirty="0"/>
+              <a:t> </a:t>
+            </a:r>
+            <a:r>
+              <a:rPr lang="de-DE" dirty="0" err="1"/>
+              <a:t>aim</a:t>
+            </a:r>
+            <a:r>
+              <a:rPr lang="de-DE" dirty="0"/>
+              <a:t> </a:t>
+            </a:r>
+            <a:r>
+              <a:rPr lang="de-DE" dirty="0" err="1"/>
+              <a:t>to</a:t>
+            </a:r>
+            <a:r>
+              <a:rPr lang="de-DE" dirty="0"/>
+              <a:t> </a:t>
+            </a:r>
+            <a:r>
+              <a:rPr lang="de-DE" dirty="0" err="1"/>
+              <a:t>sanitize</a:t>
+            </a:r>
+            <a:r>
+              <a:rPr lang="de-DE" dirty="0"/>
+              <a:t> a </a:t>
+            </a:r>
+            <a:r>
+              <a:rPr lang="de-DE" dirty="0" err="1"/>
+              <a:t>single</a:t>
+            </a:r>
+            <a:r>
+              <a:rPr lang="de-DE" dirty="0"/>
+              <a:t> </a:t>
+            </a:r>
+            <a:r>
+              <a:rPr lang="de-DE" dirty="0" err="1"/>
+              <a:t>document</a:t>
+            </a:r>
+            <a:r>
+              <a:rPr lang="de-DE" dirty="0"/>
+              <a:t>. </a:t>
+            </a:r>
+            <a:r>
+              <a:rPr lang="de-DE" b="1" dirty="0"/>
+              <a:t>(</a:t>
+            </a:r>
+            <a:r>
+              <a:rPr lang="de-DE" dirty="0"/>
+              <a:t>K</a:t>
+            </a:r>
+            <a:r>
+              <a:rPr lang="de-DE" b="1" dirty="0"/>
+              <a:t>-</a:t>
+            </a:r>
+            <a:r>
+              <a:rPr lang="de-DE" b="1" dirty="0" err="1"/>
+              <a:t>safety</a:t>
+            </a:r>
+            <a:r>
+              <a:rPr lang="de-DE" b="1" dirty="0"/>
+              <a:t>)</a:t>
+            </a:r>
+          </a:p>
+          <a:p>
+            <a:r>
+              <a:rPr lang="en-US" dirty="0"/>
+              <a:t>E denote the set of entities</a:t>
+            </a:r>
+          </a:p>
+          <a:p>
+            <a:r>
+              <a:rPr lang="de-DE" dirty="0" err="1"/>
+              <a:t>We</a:t>
+            </a:r>
+            <a:r>
+              <a:rPr lang="de-DE" dirty="0"/>
+              <a:t> </a:t>
+            </a:r>
+            <a:r>
+              <a:rPr lang="de-DE" dirty="0" err="1"/>
+              <a:t>associate</a:t>
+            </a:r>
+            <a:r>
+              <a:rPr lang="de-DE" dirty="0"/>
+              <a:t> </a:t>
+            </a:r>
+            <a:r>
+              <a:rPr lang="de-DE" dirty="0" err="1"/>
+              <a:t>each</a:t>
+            </a:r>
+            <a:r>
+              <a:rPr lang="de-DE" dirty="0"/>
+              <a:t> </a:t>
+            </a:r>
+            <a:r>
+              <a:rPr lang="de-DE" dirty="0" err="1"/>
+              <a:t>entity</a:t>
+            </a:r>
+            <a:r>
+              <a:rPr lang="de-DE" dirty="0"/>
+              <a:t> e 2 E </a:t>
+            </a:r>
+            <a:r>
+              <a:rPr lang="en-US" dirty="0"/>
+              <a:t>with a set of terms C(e) which collectively represent the entire knowledge the adversary has about the entity</a:t>
+            </a:r>
+          </a:p>
+          <a:p>
+            <a:r>
+              <a:rPr lang="en-US" dirty="0"/>
+              <a:t>Each disease is an entity, and its context includes the symptoms and the drugs used to cure the disease.</a:t>
+            </a:r>
+            <a:r>
+              <a:rPr lang="de-DE" dirty="0"/>
+              <a:t>P </a:t>
+            </a:r>
+            <a:r>
+              <a:rPr lang="de-DE" dirty="0" err="1"/>
+              <a:t>of</a:t>
+            </a:r>
+            <a:r>
+              <a:rPr lang="de-DE" dirty="0"/>
+              <a:t> </a:t>
+            </a:r>
+            <a:r>
+              <a:rPr lang="de-DE" i="1" dirty="0" err="1"/>
+              <a:t>protected</a:t>
+            </a:r>
+            <a:endParaRPr lang="de-DE" b="1" dirty="0"/>
+          </a:p>
+          <a:p>
+            <a:endParaRPr lang="de-DE" b="1" dirty="0"/>
+          </a:p>
+          <a:p>
+            <a:endParaRPr lang="de-DE" b="1" dirty="0"/>
+          </a:p>
+          <a:p>
+            <a:endParaRPr lang="de-DE" b="1" dirty="0"/>
+          </a:p>
+          <a:p>
+            <a:endParaRPr lang="de-DE" b="1" dirty="0"/>
+          </a:p>
+          <a:p>
+            <a:r>
+              <a:rPr lang="de-DE" dirty="0"/>
+              <a:t>Problem NP-Hard</a:t>
+            </a:r>
+          </a:p>
+        </p:txBody>
+      </p:sp>
+      <p:sp>
+        <p:nvSpPr>
+          <p:cNvPr id="3" name="Datumsplatzhalter 2">
+            <a:extLst>
+              <a:ext uri="{FF2B5EF4-FFF2-40B4-BE49-F238E27FC236}">
+                <a16:creationId xmlns:a16="http://schemas.microsoft.com/office/drawing/2014/main" id="{DD25A7C7-A5B6-4B13-A9D6-3724754DEFDD}"/>
+              </a:ext>
+            </a:extLst>
+          </p:cNvPr>
+          <p:cNvSpPr>
+            <a:spLocks noGrp="1"/>
+          </p:cNvSpPr>
+          <p:nvPr>
+            <p:ph type="dt" sz="half" idx="14"/>
+          </p:nvPr>
+        </p:nvSpPr>
+        <p:spPr/>
+        <p:txBody>
+          <a:bodyPr/>
+          <a:lstStyle/>
+          <a:p>
+            <a:r>
+              <a:rPr lang="de-DE"/>
+              <a:t>30.01.2018</a:t>
+            </a:r>
+            <a:endParaRPr lang="de-DE" dirty="0"/>
+          </a:p>
+        </p:txBody>
+      </p:sp>
+      <p:sp>
+        <p:nvSpPr>
+          <p:cNvPr id="4" name="Fußzeilenplatzhalter 3">
+            <a:extLst>
+              <a:ext uri="{FF2B5EF4-FFF2-40B4-BE49-F238E27FC236}">
+                <a16:creationId xmlns:a16="http://schemas.microsoft.com/office/drawing/2014/main" id="{B6FD571C-9DB0-4F33-8101-9F69BB1DEB36}"/>
+              </a:ext>
+            </a:extLst>
+          </p:cNvPr>
+          <p:cNvSpPr>
+            <a:spLocks noGrp="1"/>
+          </p:cNvSpPr>
+          <p:nvPr>
+            <p:ph type="ftr" sz="quarter" idx="15"/>
+          </p:nvPr>
+        </p:nvSpPr>
+        <p:spPr/>
+        <p:txBody>
+          <a:bodyPr/>
+          <a:lstStyle/>
+          <a:p>
+            <a:r>
+              <a:rPr lang="de-DE"/>
+              <a:t>Schallner Ludwig, Wiegnand Andreas</a:t>
+            </a:r>
+            <a:endParaRPr lang="de-DE" dirty="0"/>
+          </a:p>
+        </p:txBody>
+      </p:sp>
+      <p:sp>
+        <p:nvSpPr>
+          <p:cNvPr id="5" name="Foliennummernplatzhalter 4">
+            <a:extLst>
+              <a:ext uri="{FF2B5EF4-FFF2-40B4-BE49-F238E27FC236}">
+                <a16:creationId xmlns:a16="http://schemas.microsoft.com/office/drawing/2014/main" id="{FF64C9BD-BB48-4958-9EF7-0B9AD95DE67B}"/>
+              </a:ext>
+            </a:extLst>
+          </p:cNvPr>
+          <p:cNvSpPr>
+            <a:spLocks noGrp="1"/>
+          </p:cNvSpPr>
+          <p:nvPr>
+            <p:ph type="sldNum" sz="quarter" idx="16"/>
+          </p:nvPr>
+        </p:nvSpPr>
+        <p:spPr/>
+        <p:txBody>
+          <a:bodyPr/>
+          <a:lstStyle/>
+          <a:p>
+            <a:fld id="{50E76E58-F275-47A3-BB17-470016A267B6}" type="slidenum">
+              <a:rPr lang="de-DE" smtClean="0"/>
+              <a:pPr/>
+              <a:t>30</a:t>
+            </a:fld>
+            <a:endParaRPr lang="de-DE"/>
+          </a:p>
+        </p:txBody>
+      </p:sp>
+      <p:sp>
+        <p:nvSpPr>
+          <p:cNvPr id="6" name="Titel 5">
+            <a:extLst>
+              <a:ext uri="{FF2B5EF4-FFF2-40B4-BE49-F238E27FC236}">
+                <a16:creationId xmlns:a16="http://schemas.microsoft.com/office/drawing/2014/main" id="{F4005843-4524-4142-AAD9-795F09BD1662}"/>
+              </a:ext>
+            </a:extLst>
+          </p:cNvPr>
+          <p:cNvSpPr>
+            <a:spLocks noGrp="1"/>
+          </p:cNvSpPr>
+          <p:nvPr>
+            <p:ph type="title"/>
+          </p:nvPr>
+        </p:nvSpPr>
+        <p:spPr/>
+        <p:txBody>
+          <a:bodyPr/>
+          <a:lstStyle/>
+          <a:p>
+            <a:r>
+              <a:rPr lang="de-DE" b="1" dirty="0" err="1"/>
+              <a:t>Datatyp</a:t>
+            </a:r>
+            <a:r>
+              <a:rPr lang="de-DE" b="1" dirty="0"/>
+              <a:t> - </a:t>
+            </a:r>
+            <a:r>
+              <a:rPr lang="de-DE" b="1" dirty="0" err="1"/>
+              <a:t>Unstructured</a:t>
+            </a:r>
+            <a:r>
+              <a:rPr lang="de-DE" b="1" dirty="0"/>
+              <a:t> Data </a:t>
+            </a:r>
+            <a:r>
+              <a:rPr lang="de-DE" b="1" dirty="0" err="1"/>
+              <a:t>cont‘d</a:t>
+            </a:r>
+            <a:endParaRPr lang="de-DE" dirty="0"/>
+          </a:p>
+        </p:txBody>
+      </p:sp>
+    </p:spTree>
+    <p:extLst>
+      <p:ext uri="{BB962C8B-B14F-4D97-AF65-F5344CB8AC3E}">
+        <p14:creationId xmlns:p14="http://schemas.microsoft.com/office/powerpoint/2010/main" val="1737291820"/>
+      </p:ext>
+    </p:extLst>
+  </p:cSld>
+  <p:clrMapOvr>
+    <a:masterClrMapping/>
+  </p:clrMapOvr>
+</p:sld>
+</file>
+
+<file path=ppt/slides/slide31.xml><?xml version="1.0" encoding="utf-8"?>
+<p:sld xmlns:a="http://schemas.openxmlformats.org/drawingml/2006/main" xmlns:r="http://schemas.openxmlformats.org/officeDocument/2006/relationships" xmlns:p="http://schemas.openxmlformats.org/presentationml/2006/main">
+  <p:cSld>
+    <p:spTree>
+      <p:nvGrpSpPr>
+        <p:cNvPr id="1" name=""/>
+        <p:cNvGrpSpPr/>
+        <p:nvPr/>
+      </p:nvGrpSpPr>
+      <p:grpSpPr>
+        <a:xfrm>
+          <a:off x="0" y="0"/>
+          <a:ext cx="0" cy="0"/>
+          <a:chOff x="0" y="0"/>
+          <a:chExt cx="0" cy="0"/>
+        </a:xfrm>
+      </p:grpSpPr>
+      <p:sp>
+        <p:nvSpPr>
+          <p:cNvPr id="2" name="Textplatzhalter 1">
+            <a:extLst>
+              <a:ext uri="{FF2B5EF4-FFF2-40B4-BE49-F238E27FC236}">
+                <a16:creationId xmlns:a16="http://schemas.microsoft.com/office/drawing/2014/main" id="{567C864D-96CB-4AAD-8F69-46F95369D423}"/>
+              </a:ext>
+            </a:extLst>
+          </p:cNvPr>
+          <p:cNvSpPr>
+            <a:spLocks noGrp="1"/>
+          </p:cNvSpPr>
+          <p:nvPr>
+            <p:ph type="body" sz="quarter" idx="13"/>
+          </p:nvPr>
+        </p:nvSpPr>
+        <p:spPr/>
+        <p:txBody>
+          <a:bodyPr/>
+          <a:lstStyle/>
+          <a:p>
+            <a:r>
+              <a:rPr lang="de-DE" i="1" dirty="0"/>
+              <a:t>k</a:t>
+            </a:r>
+            <a:r>
+              <a:rPr lang="de-DE" dirty="0"/>
+              <a:t>-Same. </a:t>
+            </a:r>
+            <a:r>
+              <a:rPr lang="en-US" b="1" dirty="0"/>
+              <a:t>Face identification </a:t>
+            </a:r>
+            <a:r>
+              <a:rPr lang="en-US" dirty="0"/>
+              <a:t>results when a face image is properly associated with explicit identifiers, such as name and address, of the person who is the subject of the face </a:t>
+            </a:r>
+            <a:r>
+              <a:rPr lang="de-DE" dirty="0" err="1"/>
+              <a:t>image</a:t>
+            </a:r>
+            <a:r>
+              <a:rPr lang="de-DE" dirty="0"/>
+              <a:t>.</a:t>
+            </a:r>
+          </a:p>
+          <a:p>
+            <a:r>
+              <a:rPr lang="en-US" dirty="0"/>
+              <a:t>In the next section, face recognition software is examined in detail. The goal of this work is to alter face images in such a way that automated face recognition cannot be reliably performed on the resulting images. Before claims of thwarting face recognition software can be made, more discussion is </a:t>
+            </a:r>
+            <a:r>
+              <a:rPr lang="en-US"/>
+              <a:t>needed on altering </a:t>
+            </a:r>
+            <a:r>
+              <a:rPr lang="en-US" dirty="0"/>
+              <a:t>face images. This is termed de-identification of face images, as described in Definition 2.7.</a:t>
+            </a:r>
+            <a:endParaRPr lang="de-DE" dirty="0"/>
+          </a:p>
+        </p:txBody>
+      </p:sp>
+      <p:sp>
+        <p:nvSpPr>
+          <p:cNvPr id="3" name="Datumsplatzhalter 2">
+            <a:extLst>
+              <a:ext uri="{FF2B5EF4-FFF2-40B4-BE49-F238E27FC236}">
+                <a16:creationId xmlns:a16="http://schemas.microsoft.com/office/drawing/2014/main" id="{E0A2EFC3-F5F3-44F7-A354-3FDB28A8B478}"/>
+              </a:ext>
+            </a:extLst>
+          </p:cNvPr>
+          <p:cNvSpPr>
+            <a:spLocks noGrp="1"/>
+          </p:cNvSpPr>
+          <p:nvPr>
+            <p:ph type="dt" sz="half" idx="14"/>
+          </p:nvPr>
+        </p:nvSpPr>
+        <p:spPr/>
+        <p:txBody>
+          <a:bodyPr/>
+          <a:lstStyle/>
+          <a:p>
+            <a:r>
+              <a:rPr lang="de-DE"/>
+              <a:t>30.01.2018</a:t>
+            </a:r>
+            <a:endParaRPr lang="de-DE" dirty="0"/>
+          </a:p>
+        </p:txBody>
+      </p:sp>
+      <p:sp>
+        <p:nvSpPr>
+          <p:cNvPr id="4" name="Fußzeilenplatzhalter 3">
+            <a:extLst>
+              <a:ext uri="{FF2B5EF4-FFF2-40B4-BE49-F238E27FC236}">
+                <a16:creationId xmlns:a16="http://schemas.microsoft.com/office/drawing/2014/main" id="{FE989A17-18D4-4F20-8F30-B8827799AFC8}"/>
+              </a:ext>
+            </a:extLst>
+          </p:cNvPr>
+          <p:cNvSpPr>
+            <a:spLocks noGrp="1"/>
+          </p:cNvSpPr>
+          <p:nvPr>
+            <p:ph type="ftr" sz="quarter" idx="15"/>
+          </p:nvPr>
+        </p:nvSpPr>
+        <p:spPr/>
+        <p:txBody>
+          <a:bodyPr/>
+          <a:lstStyle/>
+          <a:p>
+            <a:r>
+              <a:rPr lang="de-DE"/>
+              <a:t>Schallner Ludwig, Wiegnand Andreas</a:t>
+            </a:r>
+            <a:endParaRPr lang="de-DE" dirty="0"/>
+          </a:p>
+        </p:txBody>
+      </p:sp>
+      <p:sp>
+        <p:nvSpPr>
+          <p:cNvPr id="5" name="Foliennummernplatzhalter 4">
+            <a:extLst>
+              <a:ext uri="{FF2B5EF4-FFF2-40B4-BE49-F238E27FC236}">
+                <a16:creationId xmlns:a16="http://schemas.microsoft.com/office/drawing/2014/main" id="{E06B3509-98FF-413B-95F1-D9411CC2C6E7}"/>
+              </a:ext>
+            </a:extLst>
+          </p:cNvPr>
+          <p:cNvSpPr>
+            <a:spLocks noGrp="1"/>
+          </p:cNvSpPr>
+          <p:nvPr>
+            <p:ph type="sldNum" sz="quarter" idx="16"/>
+          </p:nvPr>
+        </p:nvSpPr>
+        <p:spPr/>
+        <p:txBody>
+          <a:bodyPr/>
+          <a:lstStyle/>
+          <a:p>
+            <a:fld id="{50E76E58-F275-47A3-BB17-470016A267B6}" type="slidenum">
+              <a:rPr lang="de-DE" smtClean="0"/>
+              <a:pPr/>
+              <a:t>31</a:t>
+            </a:fld>
+            <a:endParaRPr lang="de-DE"/>
+          </a:p>
+        </p:txBody>
+      </p:sp>
+      <p:sp>
+        <p:nvSpPr>
+          <p:cNvPr id="6" name="Titel 5">
+            <a:extLst>
+              <a:ext uri="{FF2B5EF4-FFF2-40B4-BE49-F238E27FC236}">
+                <a16:creationId xmlns:a16="http://schemas.microsoft.com/office/drawing/2014/main" id="{94496B6B-9684-4747-8FBE-1E47B83F6560}"/>
+              </a:ext>
+            </a:extLst>
+          </p:cNvPr>
+          <p:cNvSpPr>
+            <a:spLocks noGrp="1"/>
+          </p:cNvSpPr>
+          <p:nvPr>
+            <p:ph type="title"/>
+          </p:nvPr>
+        </p:nvSpPr>
+        <p:spPr/>
+        <p:txBody>
+          <a:bodyPr/>
+          <a:lstStyle/>
+          <a:p>
+            <a:r>
+              <a:rPr lang="de-DE" b="1" dirty="0" err="1"/>
+              <a:t>Datatyp</a:t>
+            </a:r>
+            <a:r>
+              <a:rPr lang="de-DE" b="1" dirty="0"/>
+              <a:t> - </a:t>
+            </a:r>
+            <a:r>
+              <a:rPr lang="de-DE" b="1" dirty="0" err="1"/>
+              <a:t>Unstructured</a:t>
+            </a:r>
+            <a:r>
+              <a:rPr lang="de-DE" b="1" dirty="0"/>
+              <a:t> Data </a:t>
+            </a:r>
+            <a:r>
+              <a:rPr lang="de-DE" b="1" dirty="0" err="1"/>
+              <a:t>cont‘d</a:t>
+            </a:r>
+            <a:endParaRPr lang="de-DE" dirty="0"/>
+          </a:p>
+        </p:txBody>
+      </p:sp>
+    </p:spTree>
+    <p:extLst>
+      <p:ext uri="{BB962C8B-B14F-4D97-AF65-F5344CB8AC3E}">
+        <p14:creationId xmlns:p14="http://schemas.microsoft.com/office/powerpoint/2010/main" val="52467605"/>
+      </p:ext>
+    </p:extLst>
+  </p:cSld>
+  <p:clrMapOvr>
+    <a:masterClrMapping/>
+  </p:clrMapOvr>
+</p:sld>
+</file>
+
+<file path=ppt/slides/slide32.xml><?xml version="1.0" encoding="utf-8"?>
+<p:sld xmlns:a="http://schemas.openxmlformats.org/drawingml/2006/main" xmlns:r="http://schemas.openxmlformats.org/officeDocument/2006/relationships" xmlns:p="http://schemas.openxmlformats.org/presentationml/2006/main">
+  <p:cSld>
+    <p:spTree>
+      <p:nvGrpSpPr>
+        <p:cNvPr id="1" name=""/>
+        <p:cNvGrpSpPr/>
+        <p:nvPr/>
+      </p:nvGrpSpPr>
+      <p:grpSpPr>
+        <a:xfrm>
+          <a:off x="0" y="0"/>
+          <a:ext cx="0" cy="0"/>
+          <a:chOff x="0" y="0"/>
+          <a:chExt cx="0" cy="0"/>
+        </a:xfrm>
+      </p:grpSpPr>
+      <p:sp>
+        <p:nvSpPr>
           <p:cNvPr id="2" name="Titel 1">
             <a:extLst>
               <a:ext uri="{FF2B5EF4-FFF2-40B4-BE49-F238E27FC236}">
@@ -15245,7 +16445,7 @@
             <a:fld id="{50E76E58-F275-47A3-BB17-470016A267B6}" type="slidenum">
               <a:rPr lang="de-DE" smtClean="0"/>
               <a:pPr/>
-              <a:t>30</a:t>
+              <a:t>32</a:t>
             </a:fld>
             <a:endParaRPr lang="de-DE" dirty="0"/>
           </a:p>
@@ -17849,18 +19049,18 @@
 
 <file path=customXml/item1.xml><?xml version="1.0" encoding="utf-8"?>
 <Control xmlns="http://schemas.microsoft.com/VisualStudio/2011/storyboarding/control">
-  <Id Name="System.Storyboarding.Common.Button" Revision="1" Stencil="System.Storyboarding.Common" StencilVersion="0.1"/>
+  <Id Name="dec3670c-0d6f-4455-9c2f-971d108358d4" Revision="1" Stencil="System.MyShapes" StencilVersion="1.0"/>
 </Control>
 </file>
 
 <file path=customXml/item2.xml><?xml version="1.0" encoding="utf-8"?>
 <Control xmlns="http://schemas.microsoft.com/VisualStudio/2011/storyboarding/control">
-  <Id Name="dec3670c-0d6f-4455-9c2f-971d108358d4" Revision="1" Stencil="System.MyShapes" StencilVersion="1.0"/>
+  <Id Name="System.Storyboarding.Common.Button" Revision="1" Stencil="System.Storyboarding.Common" StencilVersion="0.1"/>
 </Control>
 </file>
 
 <file path=customXml/itemProps1.xml><?xml version="1.0" encoding="utf-8"?>
-<ds:datastoreItem xmlns:ds="http://schemas.openxmlformats.org/officeDocument/2006/customXml" ds:itemID="{206AFEA3-501E-4E71-91B3-BDBE1D839E11}">
+<ds:datastoreItem xmlns:ds="http://schemas.openxmlformats.org/officeDocument/2006/customXml" ds:itemID="{566C5A5A-5A83-4A95-95C1-260C6D486DE6}">
   <ds:schemaRefs>
     <ds:schemaRef ds:uri="http://schemas.microsoft.com/VisualStudio/2011/storyboarding/control"/>
   </ds:schemaRefs>
@@ -17868,7 +19068,7 @@
 </file>
 
 <file path=customXml/itemProps2.xml><?xml version="1.0" encoding="utf-8"?>
-<ds:datastoreItem xmlns:ds="http://schemas.openxmlformats.org/officeDocument/2006/customXml" ds:itemID="{566C5A5A-5A83-4A95-95C1-260C6D486DE6}">
+<ds:datastoreItem xmlns:ds="http://schemas.openxmlformats.org/officeDocument/2006/customXml" ds:itemID="{206AFEA3-501E-4E71-91B3-BDBE1D839E11}">
   <ds:schemaRefs>
     <ds:schemaRef ds:uri="http://schemas.microsoft.com/VisualStudio/2011/storyboarding/control"/>
   </ds:schemaRefs>

--- a/presentation/sicherheits_final_an.pptx
+++ b/presentation/sicherheits_final_an.pptx
@@ -5,10 +5,10 @@
     <p:sldMasterId id="2147483678" r:id="rId3"/>
   </p:sldMasterIdLst>
   <p:notesMasterIdLst>
-    <p:notesMasterId r:id="rId36"/>
+    <p:notesMasterId r:id="rId31"/>
   </p:notesMasterIdLst>
   <p:handoutMasterIdLst>
-    <p:handoutMasterId r:id="rId37"/>
+    <p:handoutMasterId r:id="rId32"/>
   </p:handoutMasterIdLst>
   <p:sldIdLst>
     <p:sldId id="256" r:id="rId4"/>
@@ -23,26 +23,21 @@
     <p:sldId id="290" r:id="rId13"/>
     <p:sldId id="291" r:id="rId14"/>
     <p:sldId id="296" r:id="rId15"/>
-    <p:sldId id="298" r:id="rId16"/>
-    <p:sldId id="299" r:id="rId17"/>
-    <p:sldId id="300" r:id="rId18"/>
-    <p:sldId id="302" r:id="rId19"/>
-    <p:sldId id="303" r:id="rId20"/>
-    <p:sldId id="304" r:id="rId21"/>
-    <p:sldId id="305" r:id="rId22"/>
-    <p:sldId id="306" r:id="rId23"/>
-    <p:sldId id="307" r:id="rId24"/>
-    <p:sldId id="308" r:id="rId25"/>
-    <p:sldId id="309" r:id="rId26"/>
-    <p:sldId id="310" r:id="rId27"/>
-    <p:sldId id="316" r:id="rId28"/>
-    <p:sldId id="315" r:id="rId29"/>
-    <p:sldId id="311" r:id="rId30"/>
-    <p:sldId id="312" r:id="rId31"/>
-    <p:sldId id="313" r:id="rId32"/>
-    <p:sldId id="317" r:id="rId33"/>
-    <p:sldId id="318" r:id="rId34"/>
-    <p:sldId id="314" r:id="rId35"/>
+    <p:sldId id="304" r:id="rId16"/>
+    <p:sldId id="305" r:id="rId17"/>
+    <p:sldId id="306" r:id="rId18"/>
+    <p:sldId id="307" r:id="rId19"/>
+    <p:sldId id="308" r:id="rId20"/>
+    <p:sldId id="309" r:id="rId21"/>
+    <p:sldId id="310" r:id="rId22"/>
+    <p:sldId id="316" r:id="rId23"/>
+    <p:sldId id="315" r:id="rId24"/>
+    <p:sldId id="311" r:id="rId25"/>
+    <p:sldId id="312" r:id="rId26"/>
+    <p:sldId id="313" r:id="rId27"/>
+    <p:sldId id="317" r:id="rId28"/>
+    <p:sldId id="318" r:id="rId29"/>
+    <p:sldId id="314" r:id="rId30"/>
   </p:sldIdLst>
   <p:sldSz cx="9144000" cy="6858000" type="screen4x3"/>
   <p:notesSz cx="9942513" cy="6761163"/>
@@ -909,33 +904,17 @@
           <a:lstStyle/>
           <a:p>
             <a:r>
-              <a:rPr lang="en-US" dirty="0"/>
-              <a:t>Entropy l diversity</a:t>
-            </a:r>
-          </a:p>
-          <a:p>
-            <a:r>
-              <a:rPr lang="en-US" dirty="0"/>
-              <a:t>Sometimes this may too restrictive,</a:t>
-            </a:r>
-          </a:p>
-          <a:p>
-            <a:r>
-              <a:rPr lang="en-US" dirty="0"/>
-              <a:t>as the entropy of the entire table may be low if a few</a:t>
-            </a:r>
-          </a:p>
-          <a:p>
-            <a:r>
-              <a:rPr lang="en-US" dirty="0"/>
-              <a:t>values are very common. This leads to the following</a:t>
-            </a:r>
-          </a:p>
-          <a:p>
-            <a:r>
-              <a:rPr lang="en-US" dirty="0"/>
-              <a:t>less conservative notion of -diversity.</a:t>
-            </a:r>
+              <a:rPr lang="de-DE" sz="1200" b="1" i="0" u="none" strike="noStrike" kern="1200" baseline="0" dirty="0">
+                <a:solidFill>
+                  <a:schemeClr val="tx1"/>
+                </a:solidFill>
+                <a:latin typeface="Arial" charset="0"/>
+                <a:ea typeface="+mn-ea"/>
+                <a:cs typeface="+mn-cs"/>
+              </a:rPr>
+              <a:t>Complementary Release Attack: </a:t>
+            </a:r>
+            <a:endParaRPr lang="de-DE" dirty="0"/>
           </a:p>
         </p:txBody>
       </p:sp>
@@ -964,960 +943,14 @@
               </a:pPr>
               <a:t>13</a:t>
             </a:fld>
-            <a:endParaRPr lang="de-DE"/>
+            <a:endParaRPr lang="de-DE" dirty="0"/>
           </a:p>
         </p:txBody>
       </p:sp>
     </p:spTree>
     <p:extLst>
       <p:ext uri="{BB962C8B-B14F-4D97-AF65-F5344CB8AC3E}">
-        <p14:creationId xmlns:p14="http://schemas.microsoft.com/office/powerpoint/2010/main" val="3587067440"/>
-      </p:ext>
-    </p:extLst>
-  </p:cSld>
-  <p:clrMapOvr>
-    <a:masterClrMapping/>
-  </p:clrMapOvr>
-</p:notes>
-</file>
-
-<file path=ppt/notesSlides/notesSlide10.xml><?xml version="1.0" encoding="utf-8"?>
-<p:notes xmlns:a="http://schemas.openxmlformats.org/drawingml/2006/main" xmlns:r="http://schemas.openxmlformats.org/officeDocument/2006/relationships" xmlns:p="http://schemas.openxmlformats.org/presentationml/2006/main">
-  <p:cSld>
-    <p:spTree>
-      <p:nvGrpSpPr>
-        <p:cNvPr id="1" name=""/>
-        <p:cNvGrpSpPr/>
-        <p:nvPr/>
-      </p:nvGrpSpPr>
-      <p:grpSpPr>
-        <a:xfrm>
-          <a:off x="0" y="0"/>
-          <a:ext cx="0" cy="0"/>
-          <a:chOff x="0" y="0"/>
-          <a:chExt cx="0" cy="0"/>
-        </a:xfrm>
-      </p:grpSpPr>
-      <p:sp>
-        <p:nvSpPr>
-          <p:cNvPr id="2" name="Folienbildplatzhalter 1"/>
-          <p:cNvSpPr>
-            <a:spLocks noGrp="1" noRot="1" noChangeAspect="1"/>
-          </p:cNvSpPr>
-          <p:nvPr>
-            <p:ph type="sldImg"/>
-          </p:nvPr>
-        </p:nvSpPr>
-        <p:spPr/>
-      </p:sp>
-      <p:sp>
-        <p:nvSpPr>
-          <p:cNvPr id="3" name="Notizenplatzhalter 2"/>
-          <p:cNvSpPr>
-            <a:spLocks noGrp="1"/>
-          </p:cNvSpPr>
-          <p:nvPr>
-            <p:ph type="body" idx="1"/>
-          </p:nvPr>
-        </p:nvSpPr>
-        <p:spPr/>
-        <p:txBody>
-          <a:bodyPr/>
-          <a:lstStyle/>
-          <a:p>
-            <a:r>
-              <a:rPr lang="en-US" sz="1200" b="0" i="0" u="none" strike="noStrike" kern="1200" baseline="0" dirty="0">
-                <a:solidFill>
-                  <a:schemeClr val="tx1"/>
-                </a:solidFill>
-                <a:latin typeface="Arial" charset="0"/>
-                <a:ea typeface="+mn-ea"/>
-                <a:cs typeface="+mn-cs"/>
-              </a:rPr>
-              <a:t>Transaction data is usually high-dimensional. For example, Amazon.com has several</a:t>
-            </a:r>
-          </a:p>
-          <a:p>
-            <a:r>
-              <a:rPr lang="en-US" sz="1200" b="0" i="0" u="none" strike="noStrike" kern="1200" baseline="0" dirty="0">
-                <a:solidFill>
-                  <a:schemeClr val="tx1"/>
-                </a:solidFill>
-                <a:latin typeface="Arial" charset="0"/>
-                <a:ea typeface="+mn-ea"/>
-                <a:cs typeface="+mn-cs"/>
-              </a:rPr>
-              <a:t>million catalog items. Each dimension could be a potential </a:t>
-            </a:r>
-            <a:r>
-              <a:rPr lang="en-US" sz="1200" b="0" i="1" u="none" strike="noStrike" kern="1200" baseline="0" dirty="0">
-                <a:solidFill>
-                  <a:schemeClr val="tx1"/>
-                </a:solidFill>
-                <a:latin typeface="Arial" charset="0"/>
-                <a:ea typeface="+mn-ea"/>
-                <a:cs typeface="+mn-cs"/>
-              </a:rPr>
-              <a:t>QID </a:t>
-            </a:r>
-            <a:r>
-              <a:rPr lang="en-US" sz="1200" b="0" i="0" u="none" strike="noStrike" kern="1200" baseline="0" dirty="0">
-                <a:solidFill>
-                  <a:schemeClr val="tx1"/>
-                </a:solidFill>
-                <a:latin typeface="Arial" charset="0"/>
-                <a:ea typeface="+mn-ea"/>
-                <a:cs typeface="+mn-cs"/>
-              </a:rPr>
-              <a:t>attribute used</a:t>
-            </a:r>
-          </a:p>
-          <a:p>
-            <a:r>
-              <a:rPr lang="en-US" sz="1200" b="0" i="0" u="none" strike="noStrike" kern="1200" baseline="0" dirty="0">
-                <a:solidFill>
-                  <a:schemeClr val="tx1"/>
-                </a:solidFill>
-                <a:latin typeface="Arial" charset="0"/>
-                <a:ea typeface="+mn-ea"/>
-                <a:cs typeface="+mn-cs"/>
-              </a:rPr>
-              <a:t>for record or attribute linkages; therefore, employing traditional privacy models, such</a:t>
-            </a:r>
-          </a:p>
-          <a:p>
-            <a:r>
-              <a:rPr lang="en-US" sz="1200" b="0" i="0" u="none" strike="noStrike" kern="1200" baseline="0" dirty="0">
-                <a:solidFill>
-                  <a:schemeClr val="tx1"/>
-                </a:solidFill>
-                <a:latin typeface="Arial" charset="0"/>
-                <a:ea typeface="+mn-ea"/>
-                <a:cs typeface="+mn-cs"/>
-              </a:rPr>
-              <a:t>as </a:t>
-            </a:r>
-            <a:r>
-              <a:rPr lang="en-US" sz="1200" b="0" i="1" u="none" strike="noStrike" kern="1200" baseline="0" dirty="0">
-                <a:solidFill>
-                  <a:schemeClr val="tx1"/>
-                </a:solidFill>
-                <a:latin typeface="Arial" charset="0"/>
-                <a:ea typeface="+mn-ea"/>
-                <a:cs typeface="+mn-cs"/>
-              </a:rPr>
-              <a:t>k</a:t>
-            </a:r>
-            <a:r>
-              <a:rPr lang="en-US" sz="1200" b="0" i="0" u="none" strike="noStrike" kern="1200" baseline="0" dirty="0">
-                <a:solidFill>
-                  <a:schemeClr val="tx1"/>
-                </a:solidFill>
-                <a:latin typeface="Arial" charset="0"/>
-                <a:ea typeface="+mn-ea"/>
-                <a:cs typeface="+mn-cs"/>
-              </a:rPr>
-              <a:t>-anonymity, would require including all dimensions into a single </a:t>
-            </a:r>
-            <a:r>
-              <a:rPr lang="en-US" sz="1200" b="0" i="1" u="none" strike="noStrike" kern="1200" baseline="0" dirty="0">
-                <a:solidFill>
-                  <a:schemeClr val="tx1"/>
-                </a:solidFill>
-                <a:latin typeface="Arial" charset="0"/>
-                <a:ea typeface="+mn-ea"/>
-                <a:cs typeface="+mn-cs"/>
-              </a:rPr>
-              <a:t>QID</a:t>
-            </a:r>
-            <a:r>
-              <a:rPr lang="en-US" sz="1200" b="0" i="0" u="none" strike="noStrike" kern="1200" baseline="0" dirty="0">
-                <a:solidFill>
-                  <a:schemeClr val="tx1"/>
-                </a:solidFill>
-                <a:latin typeface="Arial" charset="0"/>
-                <a:ea typeface="+mn-ea"/>
-                <a:cs typeface="+mn-cs"/>
-              </a:rPr>
-              <a:t>.</a:t>
-            </a:r>
-          </a:p>
-          <a:p>
-            <a:endParaRPr lang="en-US" sz="1200" b="0" i="0" u="none" strike="noStrike" kern="1200" baseline="0" dirty="0">
-              <a:solidFill>
-                <a:schemeClr val="tx1"/>
-              </a:solidFill>
-              <a:latin typeface="Arial" charset="0"/>
-              <a:ea typeface="+mn-ea"/>
-              <a:cs typeface="+mn-cs"/>
-            </a:endParaRPr>
-          </a:p>
-          <a:p>
-            <a:r>
-              <a:rPr lang="de-DE" sz="1200" b="0" i="0" u="none" strike="noStrike" kern="1200" baseline="0" dirty="0">
-                <a:solidFill>
-                  <a:schemeClr val="tx1"/>
-                </a:solidFill>
-                <a:latin typeface="Arial" charset="0"/>
-                <a:ea typeface="+mn-ea"/>
-                <a:cs typeface="+mn-cs"/>
-              </a:rPr>
-              <a:t>Due to the</a:t>
-            </a:r>
-          </a:p>
-          <a:p>
-            <a:r>
-              <a:rPr lang="en-US" sz="1200" b="0" i="0" u="none" strike="noStrike" kern="1200" baseline="0" dirty="0">
-                <a:solidFill>
-                  <a:schemeClr val="tx1"/>
-                </a:solidFill>
-                <a:latin typeface="Arial" charset="0"/>
-                <a:ea typeface="+mn-ea"/>
-                <a:cs typeface="+mn-cs"/>
-              </a:rPr>
-              <a:t>curse of high-dimensionality [Aggarwal 2005], it is very likely that lots of data has to</a:t>
-            </a:r>
-          </a:p>
-          <a:p>
-            <a:r>
-              <a:rPr lang="en-US" sz="1200" b="0" i="0" u="none" strike="noStrike" kern="1200" baseline="0" dirty="0">
-                <a:solidFill>
-                  <a:schemeClr val="tx1"/>
-                </a:solidFill>
-                <a:latin typeface="Arial" charset="0"/>
-                <a:ea typeface="+mn-ea"/>
-                <a:cs typeface="+mn-cs"/>
-              </a:rPr>
-              <a:t>be suppressed or generalized to the top-most values in order to satisfy </a:t>
-            </a:r>
-            <a:r>
-              <a:rPr lang="en-US" sz="1200" b="0" i="1" u="none" strike="noStrike" kern="1200" baseline="0" dirty="0">
-                <a:solidFill>
-                  <a:schemeClr val="tx1"/>
-                </a:solidFill>
-                <a:latin typeface="Arial" charset="0"/>
-                <a:ea typeface="+mn-ea"/>
-                <a:cs typeface="+mn-cs"/>
-              </a:rPr>
-              <a:t>k</a:t>
-            </a:r>
-            <a:r>
-              <a:rPr lang="en-US" sz="1200" b="0" i="0" u="none" strike="noStrike" kern="1200" baseline="0" dirty="0">
-                <a:solidFill>
-                  <a:schemeClr val="tx1"/>
-                </a:solidFill>
-                <a:latin typeface="Arial" charset="0"/>
-                <a:ea typeface="+mn-ea"/>
-                <a:cs typeface="+mn-cs"/>
-              </a:rPr>
-              <a:t>-anonymity,</a:t>
-            </a:r>
-          </a:p>
-          <a:p>
-            <a:r>
-              <a:rPr lang="en-US" sz="1200" b="0" i="0" u="none" strike="noStrike" kern="1200" baseline="0" dirty="0">
-                <a:solidFill>
-                  <a:schemeClr val="tx1"/>
-                </a:solidFill>
-                <a:latin typeface="Arial" charset="0"/>
-                <a:ea typeface="+mn-ea"/>
-                <a:cs typeface="+mn-cs"/>
-              </a:rPr>
-              <a:t>even if </a:t>
-            </a:r>
-            <a:r>
-              <a:rPr lang="en-US" sz="1200" b="0" i="1" u="none" strike="noStrike" kern="1200" baseline="0" dirty="0">
-                <a:solidFill>
-                  <a:schemeClr val="tx1"/>
-                </a:solidFill>
-                <a:latin typeface="Arial" charset="0"/>
-                <a:ea typeface="+mn-ea"/>
-                <a:cs typeface="+mn-cs"/>
-              </a:rPr>
-              <a:t>k </a:t>
-            </a:r>
-            <a:r>
-              <a:rPr lang="en-US" sz="1200" b="0" i="0" u="none" strike="noStrike" kern="1200" baseline="0" dirty="0">
-                <a:solidFill>
-                  <a:schemeClr val="tx1"/>
-                </a:solidFill>
-                <a:latin typeface="Arial" charset="0"/>
-                <a:ea typeface="+mn-ea"/>
-                <a:cs typeface="+mn-cs"/>
-              </a:rPr>
-              <a:t>is small. Obviously, such anonymous data is useless for data analysis.</a:t>
-            </a:r>
-          </a:p>
-          <a:p>
-            <a:endParaRPr lang="en-US" sz="1200" b="0" i="0" u="none" strike="noStrike" kern="1200" baseline="0" dirty="0">
-              <a:solidFill>
-                <a:schemeClr val="tx1"/>
-              </a:solidFill>
-              <a:latin typeface="Arial" charset="0"/>
-              <a:ea typeface="+mn-ea"/>
-              <a:cs typeface="+mn-cs"/>
-            </a:endParaRPr>
-          </a:p>
-          <a:p>
-            <a:r>
-              <a:rPr lang="en-US" sz="1200" b="0" i="0" u="none" strike="noStrike" kern="1200" baseline="0" dirty="0">
-                <a:solidFill>
-                  <a:schemeClr val="tx1"/>
-                </a:solidFill>
-                <a:latin typeface="Arial" charset="0"/>
-                <a:ea typeface="+mn-ea"/>
-                <a:cs typeface="+mn-cs"/>
-              </a:rPr>
-              <a:t>In any real-life privacy attack, it is unlikely that the attacker would know </a:t>
-            </a:r>
-            <a:r>
-              <a:rPr lang="en-US" sz="1200" b="0" i="1" u="none" strike="noStrike" kern="1200" baseline="0" dirty="0">
-                <a:solidFill>
-                  <a:schemeClr val="tx1"/>
-                </a:solidFill>
-                <a:latin typeface="Arial" charset="0"/>
-                <a:ea typeface="+mn-ea"/>
-                <a:cs typeface="+mn-cs"/>
-              </a:rPr>
-              <a:t>all</a:t>
-            </a:r>
-          </a:p>
-          <a:p>
-            <a:r>
-              <a:rPr lang="en-US" sz="1200" b="0" i="0" u="none" strike="noStrike" kern="1200" baseline="0" dirty="0">
-                <a:solidFill>
-                  <a:schemeClr val="tx1"/>
-                </a:solidFill>
-                <a:latin typeface="Arial" charset="0"/>
-                <a:ea typeface="+mn-ea"/>
-                <a:cs typeface="+mn-cs"/>
-              </a:rPr>
-              <a:t>quasi-identifying attributes of a target victim due to the effort it would take to gather</a:t>
-            </a:r>
-          </a:p>
-          <a:p>
-            <a:r>
-              <a:rPr lang="en-US" sz="1200" b="0" i="0" u="none" strike="noStrike" kern="1200" baseline="0" dirty="0">
-                <a:solidFill>
-                  <a:schemeClr val="tx1"/>
-                </a:solidFill>
-                <a:latin typeface="Arial" charset="0"/>
-                <a:ea typeface="+mn-ea"/>
-                <a:cs typeface="+mn-cs"/>
-              </a:rPr>
-              <a:t>every piece of background knowledge. Thus, it is reasonable to bound the attacker’s</a:t>
-            </a:r>
-          </a:p>
-          <a:p>
-            <a:r>
-              <a:rPr lang="en-US" sz="1200" b="0" i="0" u="none" strike="noStrike" kern="1200" baseline="0" dirty="0">
-                <a:solidFill>
-                  <a:schemeClr val="tx1"/>
-                </a:solidFill>
-                <a:latin typeface="Arial" charset="0"/>
-                <a:ea typeface="+mn-ea"/>
-                <a:cs typeface="+mn-cs"/>
-              </a:rPr>
-              <a:t>background knowledge in the privacy model.</a:t>
-            </a:r>
-            <a:endParaRPr lang="de-DE" dirty="0"/>
-          </a:p>
-        </p:txBody>
-      </p:sp>
-      <p:sp>
-        <p:nvSpPr>
-          <p:cNvPr id="4" name="Foliennummernplatzhalter 3"/>
-          <p:cNvSpPr>
-            <a:spLocks noGrp="1"/>
-          </p:cNvSpPr>
-          <p:nvPr>
-            <p:ph type="sldNum" sz="quarter" idx="10"/>
-          </p:nvPr>
-        </p:nvSpPr>
-        <p:spPr/>
-        <p:txBody>
-          <a:bodyPr/>
-          <a:lstStyle/>
-          <a:p>
-            <a:pPr>
-              <a:defRPr/>
-            </a:pPr>
-            <a:fld id="{4351B0B5-D942-48DD-B88D-7AC11D76AF21}" type="slidenum">
-              <a:rPr lang="de-DE" smtClean="0"/>
-              <a:pPr>
-                <a:defRPr/>
-              </a:pPr>
-              <a:t>27</a:t>
-            </a:fld>
-            <a:endParaRPr lang="de-DE" dirty="0"/>
-          </a:p>
-        </p:txBody>
-      </p:sp>
-    </p:spTree>
-    <p:extLst>
-      <p:ext uri="{BB962C8B-B14F-4D97-AF65-F5344CB8AC3E}">
-        <p14:creationId xmlns:p14="http://schemas.microsoft.com/office/powerpoint/2010/main" val="1656114160"/>
-      </p:ext>
-    </p:extLst>
-  </p:cSld>
-  <p:clrMapOvr>
-    <a:masterClrMapping/>
-  </p:clrMapOvr>
-</p:notes>
-</file>
-
-<file path=ppt/notesSlides/notesSlide11.xml><?xml version="1.0" encoding="utf-8"?>
-<p:notes xmlns:a="http://schemas.openxmlformats.org/drawingml/2006/main" xmlns:r="http://schemas.openxmlformats.org/officeDocument/2006/relationships" xmlns:p="http://schemas.openxmlformats.org/presentationml/2006/main">
-  <p:cSld>
-    <p:spTree>
-      <p:nvGrpSpPr>
-        <p:cNvPr id="1" name=""/>
-        <p:cNvGrpSpPr/>
-        <p:nvPr/>
-      </p:nvGrpSpPr>
-      <p:grpSpPr>
-        <a:xfrm>
-          <a:off x="0" y="0"/>
-          <a:ext cx="0" cy="0"/>
-          <a:chOff x="0" y="0"/>
-          <a:chExt cx="0" cy="0"/>
-        </a:xfrm>
-      </p:grpSpPr>
-      <p:sp>
-        <p:nvSpPr>
-          <p:cNvPr id="2" name="Folienbildplatzhalter 1"/>
-          <p:cNvSpPr>
-            <a:spLocks noGrp="1" noRot="1" noChangeAspect="1"/>
-          </p:cNvSpPr>
-          <p:nvPr>
-            <p:ph type="sldImg"/>
-          </p:nvPr>
-        </p:nvSpPr>
-        <p:spPr/>
-      </p:sp>
-      <p:sp>
-        <p:nvSpPr>
-          <p:cNvPr id="3" name="Notizenplatzhalter 2"/>
-          <p:cNvSpPr>
-            <a:spLocks noGrp="1"/>
-          </p:cNvSpPr>
-          <p:nvPr>
-            <p:ph type="body" idx="1"/>
-          </p:nvPr>
-        </p:nvSpPr>
-        <p:spPr/>
-        <p:txBody>
-          <a:bodyPr/>
-          <a:lstStyle/>
-          <a:p>
-            <a:pPr marL="0" marR="0" lvl="0" indent="0" algn="l" defTabSz="914400" rtl="0" eaLnBrk="1" fontAlgn="base" latinLnBrk="0" hangingPunct="1">
-              <a:lnSpc>
-                <a:spcPct val="100000"/>
-              </a:lnSpc>
-              <a:spcBef>
-                <a:spcPct val="30000"/>
-              </a:spcBef>
-              <a:spcAft>
-                <a:spcPct val="0"/>
-              </a:spcAft>
-              <a:buClrTx/>
-              <a:buSzTx/>
-              <a:buFontTx/>
-              <a:buNone/>
-              <a:tabLst/>
-              <a:defRPr/>
-            </a:pPr>
-            <a:r>
-              <a:rPr lang="en-US" dirty="0"/>
-              <a:t>Sanitization of a document involves removing sensitive information from the document, in order to reduce </a:t>
-            </a:r>
-            <a:r>
-              <a:rPr lang="en-US" dirty="0" err="1"/>
-              <a:t>thdocument’s</a:t>
-            </a:r>
-            <a:r>
-              <a:rPr lang="en-US" dirty="0"/>
-              <a:t> classification level, possibly yielding an unclassified </a:t>
-            </a:r>
-            <a:r>
-              <a:rPr lang="de-DE" dirty="0" err="1"/>
-              <a:t>document</a:t>
-            </a:r>
-            <a:r>
-              <a:rPr lang="de-DE" dirty="0"/>
-              <a:t>.</a:t>
-            </a:r>
-          </a:p>
-          <a:p>
-            <a:pPr marL="0" marR="0" lvl="0" indent="0" algn="l" defTabSz="914400" rtl="0" eaLnBrk="1" fontAlgn="base" latinLnBrk="0" hangingPunct="1">
-              <a:lnSpc>
-                <a:spcPct val="100000"/>
-              </a:lnSpc>
-              <a:spcBef>
-                <a:spcPct val="30000"/>
-              </a:spcBef>
-              <a:spcAft>
-                <a:spcPct val="0"/>
-              </a:spcAft>
-              <a:buClrTx/>
-              <a:buSzTx/>
-              <a:buFontTx/>
-              <a:buNone/>
-              <a:tabLst/>
-              <a:defRPr/>
-            </a:pPr>
-            <a:endParaRPr lang="de-DE" dirty="0"/>
-          </a:p>
-          <a:p>
-            <a:r>
-              <a:rPr lang="en-US" sz="1200" b="0" i="0" u="none" strike="noStrike" kern="1200" baseline="0" dirty="0">
-                <a:solidFill>
-                  <a:schemeClr val="tx1"/>
-                </a:solidFill>
-                <a:latin typeface="Arial" charset="0"/>
-                <a:ea typeface="+mn-ea"/>
-                <a:cs typeface="+mn-cs"/>
-              </a:rPr>
-              <a:t>In hospitals, medical records are sanitized to </a:t>
-            </a:r>
-            <a:r>
-              <a:rPr lang="de-DE" sz="1200" b="0" i="0" u="none" strike="noStrike" kern="1200" baseline="0" dirty="0" err="1">
-                <a:solidFill>
-                  <a:schemeClr val="tx1"/>
-                </a:solidFill>
-                <a:latin typeface="Arial" charset="0"/>
-                <a:ea typeface="+mn-ea"/>
-                <a:cs typeface="+mn-cs"/>
-              </a:rPr>
-              <a:t>remove</a:t>
-            </a:r>
-            <a:r>
-              <a:rPr lang="de-DE" sz="1200" b="0" i="0" u="none" strike="noStrike" kern="1200" baseline="0" dirty="0">
-                <a:solidFill>
-                  <a:schemeClr val="tx1"/>
-                </a:solidFill>
-                <a:latin typeface="Arial" charset="0"/>
-                <a:ea typeface="+mn-ea"/>
-                <a:cs typeface="+mn-cs"/>
-              </a:rPr>
-              <a:t> sensitive patent </a:t>
-            </a:r>
-            <a:r>
-              <a:rPr lang="de-DE" sz="1200" b="0" i="0" u="none" strike="noStrike" kern="1200" baseline="0" dirty="0" err="1">
-                <a:solidFill>
-                  <a:schemeClr val="tx1"/>
-                </a:solidFill>
-                <a:latin typeface="Arial" charset="0"/>
-                <a:ea typeface="+mn-ea"/>
-                <a:cs typeface="+mn-cs"/>
-              </a:rPr>
-              <a:t>information</a:t>
-            </a:r>
-            <a:r>
-              <a:rPr lang="de-DE" sz="1200" b="0" i="0" u="none" strike="noStrike" kern="1200" baseline="0" dirty="0">
-                <a:solidFill>
-                  <a:schemeClr val="tx1"/>
-                </a:solidFill>
-                <a:latin typeface="Arial" charset="0"/>
-                <a:ea typeface="+mn-ea"/>
-                <a:cs typeface="+mn-cs"/>
-              </a:rPr>
-              <a:t> (</a:t>
-            </a:r>
-            <a:r>
-              <a:rPr lang="de-DE" sz="1200" b="0" i="0" u="none" strike="noStrike" kern="1200" baseline="0" dirty="0" err="1">
-                <a:solidFill>
-                  <a:schemeClr val="tx1"/>
-                </a:solidFill>
-                <a:latin typeface="Arial" charset="0"/>
-                <a:ea typeface="+mn-ea"/>
-                <a:cs typeface="+mn-cs"/>
-              </a:rPr>
-              <a:t>patient</a:t>
-            </a:r>
-            <a:r>
-              <a:rPr lang="de-DE" sz="1200" b="0" i="0" u="none" strike="noStrike" kern="1200" baseline="0" dirty="0">
-                <a:solidFill>
-                  <a:schemeClr val="tx1"/>
-                </a:solidFill>
-                <a:latin typeface="Arial" charset="0"/>
-                <a:ea typeface="+mn-ea"/>
-                <a:cs typeface="+mn-cs"/>
-              </a:rPr>
-              <a:t> </a:t>
-            </a:r>
-            <a:r>
-              <a:rPr lang="de-DE" sz="1200" b="0" i="0" u="none" strike="noStrike" kern="1200" baseline="0" dirty="0" err="1">
-                <a:solidFill>
-                  <a:schemeClr val="tx1"/>
-                </a:solidFill>
-                <a:latin typeface="Arial" charset="0"/>
-                <a:ea typeface="+mn-ea"/>
-                <a:cs typeface="+mn-cs"/>
-              </a:rPr>
-              <a:t>identity</a:t>
-            </a:r>
-            <a:r>
-              <a:rPr lang="de-DE" sz="1200" b="0" i="0" u="none" strike="noStrike" kern="1200" baseline="0" dirty="0">
-                <a:solidFill>
-                  <a:schemeClr val="tx1"/>
-                </a:solidFill>
-                <a:latin typeface="Arial" charset="0"/>
-                <a:ea typeface="+mn-ea"/>
-                <a:cs typeface="+mn-cs"/>
-              </a:rPr>
-              <a:t> </a:t>
-            </a:r>
-            <a:r>
-              <a:rPr lang="de-DE" sz="1200" b="0" i="0" u="none" strike="noStrike" kern="1200" baseline="0" dirty="0" err="1">
-                <a:solidFill>
-                  <a:schemeClr val="tx1"/>
-                </a:solidFill>
-                <a:latin typeface="Arial" charset="0"/>
-                <a:ea typeface="+mn-ea"/>
-                <a:cs typeface="+mn-cs"/>
-              </a:rPr>
-              <a:t>information</a:t>
-            </a:r>
-            <a:r>
-              <a:rPr lang="de-DE" sz="1200" b="0" i="0" u="none" strike="noStrike" kern="1200" baseline="0" dirty="0">
-                <a:solidFill>
-                  <a:schemeClr val="tx1"/>
-                </a:solidFill>
-                <a:latin typeface="Arial" charset="0"/>
-                <a:ea typeface="+mn-ea"/>
-                <a:cs typeface="+mn-cs"/>
-              </a:rPr>
-              <a:t>, </a:t>
-            </a:r>
-            <a:r>
-              <a:rPr lang="en-US" sz="1200" b="0" i="0" u="none" strike="noStrike" kern="1200" baseline="0" dirty="0">
-                <a:solidFill>
-                  <a:schemeClr val="tx1"/>
-                </a:solidFill>
-                <a:latin typeface="Arial" charset="0"/>
-                <a:ea typeface="+mn-ea"/>
-                <a:cs typeface="+mn-cs"/>
-              </a:rPr>
-              <a:t>diagnoses of deadly diseases, etc.). Document sanitization is also</a:t>
-            </a:r>
-          </a:p>
-          <a:p>
-            <a:r>
-              <a:rPr lang="en-US" sz="1200" b="0" i="0" u="none" strike="noStrike" kern="1200" baseline="0" dirty="0">
-                <a:solidFill>
-                  <a:schemeClr val="tx1"/>
-                </a:solidFill>
-                <a:latin typeface="Arial" charset="0"/>
-                <a:ea typeface="+mn-ea"/>
-                <a:cs typeface="+mn-cs"/>
-              </a:rPr>
-              <a:t>critical to companies who need to prevent </a:t>
-            </a:r>
-            <a:r>
-              <a:rPr lang="en-US" sz="1200" b="0" i="0" u="none" strike="noStrike" kern="1200" baseline="0" dirty="0" err="1">
-                <a:solidFill>
-                  <a:schemeClr val="tx1"/>
-                </a:solidFill>
-                <a:latin typeface="Arial" charset="0"/>
-                <a:ea typeface="+mn-ea"/>
-                <a:cs typeface="+mn-cs"/>
-              </a:rPr>
-              <a:t>malafide</a:t>
-            </a:r>
-            <a:r>
-              <a:rPr lang="en-US" sz="1200" b="0" i="0" u="none" strike="noStrike" kern="1200" baseline="0" dirty="0">
-                <a:solidFill>
-                  <a:schemeClr val="tx1"/>
-                </a:solidFill>
-                <a:latin typeface="Arial" charset="0"/>
-                <a:ea typeface="+mn-ea"/>
-                <a:cs typeface="+mn-cs"/>
-              </a:rPr>
-              <a:t> or </a:t>
-            </a:r>
-            <a:r>
-              <a:rPr lang="en-US" sz="1200" b="0" i="0" u="none" strike="noStrike" kern="1200" baseline="0" dirty="0" err="1">
-                <a:solidFill>
-                  <a:schemeClr val="tx1"/>
-                </a:solidFill>
-                <a:latin typeface="Arial" charset="0"/>
-                <a:ea typeface="+mn-ea"/>
-                <a:cs typeface="+mn-cs"/>
-              </a:rPr>
-              <a:t>inadvertentdisclosure</a:t>
-            </a:r>
-            <a:r>
-              <a:rPr lang="en-US" sz="1200" b="0" i="0" u="none" strike="noStrike" kern="1200" baseline="0" dirty="0">
-                <a:solidFill>
-                  <a:schemeClr val="tx1"/>
-                </a:solidFill>
-                <a:latin typeface="Arial" charset="0"/>
-                <a:ea typeface="+mn-ea"/>
-                <a:cs typeface="+mn-cs"/>
-              </a:rPr>
-              <a:t> of proprietary information while sharing data with outsourced </a:t>
-            </a:r>
-            <a:r>
-              <a:rPr lang="de-DE" sz="1200" b="0" i="0" u="none" strike="noStrike" kern="1200" baseline="0" dirty="0" err="1">
-                <a:solidFill>
-                  <a:schemeClr val="tx1"/>
-                </a:solidFill>
-                <a:latin typeface="Arial" charset="0"/>
-                <a:ea typeface="+mn-ea"/>
-                <a:cs typeface="+mn-cs"/>
-              </a:rPr>
-              <a:t>operations</a:t>
-            </a:r>
-            <a:r>
-              <a:rPr lang="de-DE" sz="1200" b="0" i="0" u="none" strike="noStrike" kern="1200" baseline="0" dirty="0">
-                <a:solidFill>
-                  <a:schemeClr val="tx1"/>
-                </a:solidFill>
-                <a:latin typeface="Arial" charset="0"/>
-                <a:ea typeface="+mn-ea"/>
-                <a:cs typeface="+mn-cs"/>
-              </a:rPr>
-              <a:t>.</a:t>
-            </a:r>
-          </a:p>
-          <a:p>
-            <a:endParaRPr lang="de-DE" sz="1200" b="0" i="0" u="none" strike="noStrike" kern="1200" baseline="0" dirty="0">
-              <a:solidFill>
-                <a:schemeClr val="tx1"/>
-              </a:solidFill>
-              <a:latin typeface="Arial" charset="0"/>
-              <a:ea typeface="+mn-ea"/>
-              <a:cs typeface="+mn-cs"/>
-            </a:endParaRPr>
-          </a:p>
-          <a:p>
-            <a:r>
-              <a:rPr lang="en-US" dirty="0"/>
-              <a:t>We wish to retain same facial information about the photographed people, for example a fashion shop interested in knowing how many of it’s visitors are male or female. I Sometimes, the photograph may be used psychologically and should therefore look more visually appealing (For a photo of a war victim, a blurred face would be much more eﬀective in raising awareness then a black rectangle). I Because we can achieve results as good as blackout but better looking</a:t>
-            </a:r>
-            <a:endParaRPr lang="de-DE" dirty="0"/>
-          </a:p>
-          <a:p>
-            <a:endParaRPr lang="de-DE" dirty="0"/>
-          </a:p>
-        </p:txBody>
-      </p:sp>
-      <p:sp>
-        <p:nvSpPr>
-          <p:cNvPr id="4" name="Foliennummernplatzhalter 3"/>
-          <p:cNvSpPr>
-            <a:spLocks noGrp="1"/>
-          </p:cNvSpPr>
-          <p:nvPr>
-            <p:ph type="sldNum" sz="quarter" idx="10"/>
-          </p:nvPr>
-        </p:nvSpPr>
-        <p:spPr/>
-        <p:txBody>
-          <a:bodyPr/>
-          <a:lstStyle/>
-          <a:p>
-            <a:pPr>
-              <a:defRPr/>
-            </a:pPr>
-            <a:fld id="{4351B0B5-D942-48DD-B88D-7AC11D76AF21}" type="slidenum">
-              <a:rPr lang="de-DE" smtClean="0"/>
-              <a:pPr>
-                <a:defRPr/>
-              </a:pPr>
-              <a:t>29</a:t>
-            </a:fld>
-            <a:endParaRPr lang="de-DE"/>
-          </a:p>
-        </p:txBody>
-      </p:sp>
-    </p:spTree>
-    <p:extLst>
-      <p:ext uri="{BB962C8B-B14F-4D97-AF65-F5344CB8AC3E}">
-        <p14:creationId xmlns:p14="http://schemas.microsoft.com/office/powerpoint/2010/main" val="863718230"/>
-      </p:ext>
-    </p:extLst>
-  </p:cSld>
-  <p:clrMapOvr>
-    <a:masterClrMapping/>
-  </p:clrMapOvr>
-</p:notes>
-</file>
-
-<file path=ppt/notesSlides/notesSlide12.xml><?xml version="1.0" encoding="utf-8"?>
-<p:notes xmlns:a="http://schemas.openxmlformats.org/drawingml/2006/main" xmlns:r="http://schemas.openxmlformats.org/officeDocument/2006/relationships" xmlns:p="http://schemas.openxmlformats.org/presentationml/2006/main">
-  <p:cSld>
-    <p:spTree>
-      <p:nvGrpSpPr>
-        <p:cNvPr id="1" name=""/>
-        <p:cNvGrpSpPr/>
-        <p:nvPr/>
-      </p:nvGrpSpPr>
-      <p:grpSpPr>
-        <a:xfrm>
-          <a:off x="0" y="0"/>
-          <a:ext cx="0" cy="0"/>
-          <a:chOff x="0" y="0"/>
-          <a:chExt cx="0" cy="0"/>
-        </a:xfrm>
-      </p:grpSpPr>
-      <p:sp>
-        <p:nvSpPr>
-          <p:cNvPr id="2" name="Folienbildplatzhalter 1"/>
-          <p:cNvSpPr>
-            <a:spLocks noGrp="1" noRot="1" noChangeAspect="1"/>
-          </p:cNvSpPr>
-          <p:nvPr>
-            <p:ph type="sldImg"/>
-          </p:nvPr>
-        </p:nvSpPr>
-        <p:spPr/>
-      </p:sp>
-      <p:sp>
-        <p:nvSpPr>
-          <p:cNvPr id="3" name="Notizenplatzhalter 2"/>
-          <p:cNvSpPr>
-            <a:spLocks noGrp="1"/>
-          </p:cNvSpPr>
-          <p:nvPr>
-            <p:ph type="body" idx="1"/>
-          </p:nvPr>
-        </p:nvSpPr>
-        <p:spPr/>
-        <p:txBody>
-          <a:bodyPr/>
-          <a:lstStyle/>
-          <a:p>
-            <a:r>
-              <a:rPr lang="en-US" sz="1200" b="0" i="0" u="none" strike="noStrike" kern="1200" baseline="0" dirty="0">
-                <a:solidFill>
-                  <a:schemeClr val="tx1"/>
-                </a:solidFill>
-                <a:latin typeface="Arial" charset="0"/>
-                <a:ea typeface="+mn-ea"/>
-                <a:cs typeface="+mn-cs"/>
-              </a:rPr>
-              <a:t>Traditionally, documents are sanitized manually by qualified reviewers.</a:t>
-            </a:r>
-          </a:p>
-          <a:p>
-            <a:r>
-              <a:rPr lang="en-US" sz="1200" b="0" i="0" u="none" strike="noStrike" kern="1200" baseline="0" dirty="0">
-                <a:solidFill>
-                  <a:schemeClr val="tx1"/>
-                </a:solidFill>
-                <a:latin typeface="Arial" charset="0"/>
-                <a:ea typeface="+mn-ea"/>
-                <a:cs typeface="+mn-cs"/>
-              </a:rPr>
-              <a:t>However, manual sanitization does not scale as the volume</a:t>
-            </a:r>
-          </a:p>
-          <a:p>
-            <a:r>
-              <a:rPr lang="de-DE" sz="1200" b="0" i="0" u="none" strike="noStrike" kern="1200" baseline="0" dirty="0" err="1">
-                <a:solidFill>
-                  <a:schemeClr val="tx1"/>
-                </a:solidFill>
-                <a:latin typeface="Arial" charset="0"/>
-                <a:ea typeface="+mn-ea"/>
-                <a:cs typeface="+mn-cs"/>
-              </a:rPr>
-              <a:t>of</a:t>
-            </a:r>
-            <a:r>
-              <a:rPr lang="de-DE" sz="1200" b="0" i="0" u="none" strike="noStrike" kern="1200" baseline="0" dirty="0">
-                <a:solidFill>
-                  <a:schemeClr val="tx1"/>
-                </a:solidFill>
-                <a:latin typeface="Arial" charset="0"/>
-                <a:ea typeface="+mn-ea"/>
-                <a:cs typeface="+mn-cs"/>
-              </a:rPr>
-              <a:t> </a:t>
-            </a:r>
-            <a:r>
-              <a:rPr lang="de-DE" sz="1200" b="0" i="0" u="none" strike="noStrike" kern="1200" baseline="0" dirty="0" err="1">
-                <a:solidFill>
-                  <a:schemeClr val="tx1"/>
-                </a:solidFill>
-                <a:latin typeface="Arial" charset="0"/>
-                <a:ea typeface="+mn-ea"/>
-                <a:cs typeface="+mn-cs"/>
-              </a:rPr>
-              <a:t>data</a:t>
-            </a:r>
-            <a:r>
-              <a:rPr lang="de-DE" sz="1200" b="0" i="0" u="none" strike="noStrike" kern="1200" baseline="0" dirty="0">
-                <a:solidFill>
-                  <a:schemeClr val="tx1"/>
-                </a:solidFill>
-                <a:latin typeface="Arial" charset="0"/>
-                <a:ea typeface="+mn-ea"/>
-                <a:cs typeface="+mn-cs"/>
-              </a:rPr>
-              <a:t> </a:t>
-            </a:r>
-            <a:r>
-              <a:rPr lang="de-DE" sz="1200" b="0" i="0" u="none" strike="noStrike" kern="1200" baseline="0" dirty="0" err="1">
-                <a:solidFill>
-                  <a:schemeClr val="tx1"/>
-                </a:solidFill>
-                <a:latin typeface="Arial" charset="0"/>
-                <a:ea typeface="+mn-ea"/>
-                <a:cs typeface="+mn-cs"/>
-              </a:rPr>
-              <a:t>increases</a:t>
-            </a:r>
-            <a:r>
-              <a:rPr lang="de-DE" sz="1200" b="0" i="0" u="none" strike="noStrike" kern="1200" baseline="0" dirty="0">
-                <a:solidFill>
-                  <a:schemeClr val="tx1"/>
-                </a:solidFill>
-                <a:latin typeface="Arial" charset="0"/>
-                <a:ea typeface="+mn-ea"/>
-                <a:cs typeface="+mn-cs"/>
-              </a:rPr>
-              <a:t>.</a:t>
-            </a:r>
-            <a:endParaRPr lang="de-DE" dirty="0"/>
-          </a:p>
-        </p:txBody>
-      </p:sp>
-      <p:sp>
-        <p:nvSpPr>
-          <p:cNvPr id="4" name="Foliennummernplatzhalter 3"/>
-          <p:cNvSpPr>
-            <a:spLocks noGrp="1"/>
-          </p:cNvSpPr>
-          <p:nvPr>
-            <p:ph type="sldNum" sz="quarter" idx="10"/>
-          </p:nvPr>
-        </p:nvSpPr>
-        <p:spPr/>
-        <p:txBody>
-          <a:bodyPr/>
-          <a:lstStyle/>
-          <a:p>
-            <a:pPr>
-              <a:defRPr/>
-            </a:pPr>
-            <a:fld id="{4351B0B5-D942-48DD-B88D-7AC11D76AF21}" type="slidenum">
-              <a:rPr lang="de-DE" smtClean="0"/>
-              <a:pPr>
-                <a:defRPr/>
-              </a:pPr>
-              <a:t>30</a:t>
-            </a:fld>
-            <a:endParaRPr lang="de-DE"/>
-          </a:p>
-        </p:txBody>
-      </p:sp>
-    </p:spTree>
-    <p:extLst>
-      <p:ext uri="{BB962C8B-B14F-4D97-AF65-F5344CB8AC3E}">
-        <p14:creationId xmlns:p14="http://schemas.microsoft.com/office/powerpoint/2010/main" val="2937820869"/>
+        <p14:creationId xmlns:p14="http://schemas.microsoft.com/office/powerpoint/2010/main" val="4273282586"/>
       </p:ext>
     </p:extLst>
   </p:cSld>
@@ -1971,470 +1004,6 @@
           <a:bodyPr/>
           <a:lstStyle/>
           <a:p>
-            <a:endParaRPr lang="en-US" dirty="0"/>
-          </a:p>
-        </p:txBody>
-      </p:sp>
-      <p:sp>
-        <p:nvSpPr>
-          <p:cNvPr id="4" name="Foliennummernplatzhalter 3"/>
-          <p:cNvSpPr>
-            <a:spLocks noGrp="1"/>
-          </p:cNvSpPr>
-          <p:nvPr>
-            <p:ph type="sldNum" sz="quarter" idx="10"/>
-          </p:nvPr>
-        </p:nvSpPr>
-        <p:spPr/>
-        <p:txBody>
-          <a:bodyPr/>
-          <a:lstStyle/>
-          <a:p>
-            <a:pPr>
-              <a:defRPr/>
-            </a:pPr>
-            <a:fld id="{4351B0B5-D942-48DD-B88D-7AC11D76AF21}" type="slidenum">
-              <a:rPr lang="de-DE" smtClean="0"/>
-              <a:pPr>
-                <a:defRPr/>
-              </a:pPr>
-              <a:t>15</a:t>
-            </a:fld>
-            <a:endParaRPr lang="de-DE"/>
-          </a:p>
-        </p:txBody>
-      </p:sp>
-    </p:spTree>
-    <p:extLst>
-      <p:ext uri="{BB962C8B-B14F-4D97-AF65-F5344CB8AC3E}">
-        <p14:creationId xmlns:p14="http://schemas.microsoft.com/office/powerpoint/2010/main" val="319268527"/>
-      </p:ext>
-    </p:extLst>
-  </p:cSld>
-  <p:clrMapOvr>
-    <a:masterClrMapping/>
-  </p:clrMapOvr>
-</p:notes>
-</file>
-
-<file path=ppt/notesSlides/notesSlide3.xml><?xml version="1.0" encoding="utf-8"?>
-<p:notes xmlns:a="http://schemas.openxmlformats.org/drawingml/2006/main" xmlns:r="http://schemas.openxmlformats.org/officeDocument/2006/relationships" xmlns:p="http://schemas.openxmlformats.org/presentationml/2006/main">
-  <p:cSld>
-    <p:spTree>
-      <p:nvGrpSpPr>
-        <p:cNvPr id="1" name=""/>
-        <p:cNvGrpSpPr/>
-        <p:nvPr/>
-      </p:nvGrpSpPr>
-      <p:grpSpPr>
-        <a:xfrm>
-          <a:off x="0" y="0"/>
-          <a:ext cx="0" cy="0"/>
-          <a:chOff x="0" y="0"/>
-          <a:chExt cx="0" cy="0"/>
-        </a:xfrm>
-      </p:grpSpPr>
-      <p:sp>
-        <p:nvSpPr>
-          <p:cNvPr id="2" name="Folienbildplatzhalter 1"/>
-          <p:cNvSpPr>
-            <a:spLocks noGrp="1" noRot="1" noChangeAspect="1"/>
-          </p:cNvSpPr>
-          <p:nvPr>
-            <p:ph type="sldImg"/>
-          </p:nvPr>
-        </p:nvSpPr>
-        <p:spPr/>
-      </p:sp>
-      <p:sp>
-        <p:nvSpPr>
-          <p:cNvPr id="3" name="Notizenplatzhalter 2"/>
-          <p:cNvSpPr>
-            <a:spLocks noGrp="1"/>
-          </p:cNvSpPr>
-          <p:nvPr>
-            <p:ph type="body" idx="1"/>
-          </p:nvPr>
-        </p:nvSpPr>
-        <p:spPr/>
-        <p:txBody>
-          <a:bodyPr/>
-          <a:lstStyle/>
-          <a:p>
-            <a:r>
-              <a:rPr lang="en-US" sz="1200" b="0" i="0" u="none" strike="noStrike" kern="1200" baseline="0" dirty="0">
-                <a:solidFill>
-                  <a:schemeClr val="tx1"/>
-                </a:solidFill>
-                <a:latin typeface="Arial" charset="0"/>
-                <a:ea typeface="+mn-ea"/>
-                <a:cs typeface="+mn-cs"/>
-              </a:rPr>
-              <a:t>t-closeness formalizes the idea of global background knowledge by requiring that the distribution of a sensitive attribute in any equivalence class is close to the distribution of the attribute in the overall table (i.e., the distance between the two distributions should be no more than a threshold t). This effectively limits the amount of individual-specific information an observer can learn. </a:t>
-            </a:r>
-            <a:endParaRPr lang="de-DE" dirty="0"/>
-          </a:p>
-        </p:txBody>
-      </p:sp>
-      <p:sp>
-        <p:nvSpPr>
-          <p:cNvPr id="4" name="Foliennummernplatzhalter 3"/>
-          <p:cNvSpPr>
-            <a:spLocks noGrp="1"/>
-          </p:cNvSpPr>
-          <p:nvPr>
-            <p:ph type="sldNum" sz="quarter" idx="10"/>
-          </p:nvPr>
-        </p:nvSpPr>
-        <p:spPr/>
-        <p:txBody>
-          <a:bodyPr/>
-          <a:lstStyle/>
-          <a:p>
-            <a:pPr>
-              <a:defRPr/>
-            </a:pPr>
-            <a:fld id="{4351B0B5-D942-48DD-B88D-7AC11D76AF21}" type="slidenum">
-              <a:rPr lang="de-DE" smtClean="0"/>
-              <a:pPr>
-                <a:defRPr/>
-              </a:pPr>
-              <a:t>16</a:t>
-            </a:fld>
-            <a:endParaRPr lang="de-DE" dirty="0"/>
-          </a:p>
-        </p:txBody>
-      </p:sp>
-    </p:spTree>
-    <p:extLst>
-      <p:ext uri="{BB962C8B-B14F-4D97-AF65-F5344CB8AC3E}">
-        <p14:creationId xmlns:p14="http://schemas.microsoft.com/office/powerpoint/2010/main" val="1622074058"/>
-      </p:ext>
-    </p:extLst>
-  </p:cSld>
-  <p:clrMapOvr>
-    <a:masterClrMapping/>
-  </p:clrMapOvr>
-</p:notes>
-</file>
-
-<file path=ppt/notesSlides/notesSlide4.xml><?xml version="1.0" encoding="utf-8"?>
-<p:notes xmlns:a="http://schemas.openxmlformats.org/drawingml/2006/main" xmlns:r="http://schemas.openxmlformats.org/officeDocument/2006/relationships" xmlns:p="http://schemas.openxmlformats.org/presentationml/2006/main">
-  <p:cSld>
-    <p:spTree>
-      <p:nvGrpSpPr>
-        <p:cNvPr id="1" name=""/>
-        <p:cNvGrpSpPr/>
-        <p:nvPr/>
-      </p:nvGrpSpPr>
-      <p:grpSpPr>
-        <a:xfrm>
-          <a:off x="0" y="0"/>
-          <a:ext cx="0" cy="0"/>
-          <a:chOff x="0" y="0"/>
-          <a:chExt cx="0" cy="0"/>
-        </a:xfrm>
-      </p:grpSpPr>
-      <p:sp>
-        <p:nvSpPr>
-          <p:cNvPr id="2" name="Folienbildplatzhalter 1"/>
-          <p:cNvSpPr>
-            <a:spLocks noGrp="1" noRot="1" noChangeAspect="1"/>
-          </p:cNvSpPr>
-          <p:nvPr>
-            <p:ph type="sldImg"/>
-          </p:nvPr>
-        </p:nvSpPr>
-        <p:spPr/>
-      </p:sp>
-      <p:sp>
-        <p:nvSpPr>
-          <p:cNvPr id="3" name="Notizenplatzhalter 2"/>
-          <p:cNvSpPr>
-            <a:spLocks noGrp="1"/>
-          </p:cNvSpPr>
-          <p:nvPr>
-            <p:ph type="body" idx="1"/>
-          </p:nvPr>
-        </p:nvSpPr>
-        <p:spPr/>
-        <p:txBody>
-          <a:bodyPr/>
-          <a:lstStyle/>
-          <a:p>
-            <a:pPr marL="0" indent="0">
-              <a:buNone/>
-            </a:pPr>
-            <a:r>
-              <a:rPr lang="en-US" dirty="0"/>
-              <a:t>First, it lacks the flexibility of specifying different</a:t>
-            </a:r>
-          </a:p>
-          <a:p>
-            <a:pPr marL="0" indent="0">
-              <a:buNone/>
-            </a:pPr>
-            <a:r>
-              <a:rPr lang="en-US" dirty="0"/>
-              <a:t>protection levels for different sensitive values. </a:t>
-            </a:r>
-          </a:p>
-          <a:p>
-            <a:pPr marL="0" indent="0">
-              <a:buNone/>
-            </a:pPr>
-            <a:endParaRPr lang="en-US" dirty="0"/>
-          </a:p>
-          <a:p>
-            <a:pPr marL="0" indent="0">
-              <a:buNone/>
-            </a:pPr>
-            <a:r>
-              <a:rPr lang="en-US" dirty="0"/>
-              <a:t>Second, the </a:t>
-            </a:r>
-            <a:r>
-              <a:rPr lang="en-US" i="1" dirty="0"/>
-              <a:t>EMD </a:t>
-            </a:r>
-            <a:r>
-              <a:rPr lang="en-US" dirty="0"/>
-              <a:t>function is not suitable </a:t>
-            </a:r>
-            <a:r>
-              <a:rPr lang="de-DE" dirty="0"/>
-              <a:t>for preventing attribute linkage on numerical sensitive attributes</a:t>
-            </a:r>
-          </a:p>
-          <a:p>
-            <a:pPr marL="0" indent="0">
-              <a:buNone/>
-            </a:pPr>
-            <a:endParaRPr lang="de-DE" dirty="0"/>
-          </a:p>
-          <a:p>
-            <a:pPr marL="0" indent="0">
-              <a:buNone/>
-            </a:pPr>
-            <a:r>
-              <a:rPr lang="en-US" dirty="0"/>
-              <a:t>Third, enforcing </a:t>
-            </a:r>
-            <a:r>
-              <a:rPr lang="en-US" i="1" dirty="0"/>
-              <a:t>t</a:t>
-            </a:r>
-            <a:r>
-              <a:rPr lang="en-US" dirty="0"/>
-              <a:t>-closeness would greatly degrade the data utility because it requires the distribution of sensitive values to be the same in all </a:t>
-            </a:r>
-            <a:r>
-              <a:rPr lang="en-US" i="1" dirty="0"/>
-              <a:t>qid </a:t>
-            </a:r>
-            <a:r>
-              <a:rPr lang="en-US" dirty="0"/>
-              <a:t>groups. This would significantly damage the correlation between </a:t>
-            </a:r>
-            <a:r>
-              <a:rPr lang="en-US" i="1" dirty="0"/>
-              <a:t>QID </a:t>
-            </a:r>
-            <a:r>
-              <a:rPr lang="en-US" dirty="0"/>
-              <a:t>and sensitive attributes.</a:t>
-            </a:r>
-            <a:endParaRPr lang="de-DE" dirty="0"/>
-          </a:p>
-        </p:txBody>
-      </p:sp>
-      <p:sp>
-        <p:nvSpPr>
-          <p:cNvPr id="4" name="Foliennummernplatzhalter 3"/>
-          <p:cNvSpPr>
-            <a:spLocks noGrp="1"/>
-          </p:cNvSpPr>
-          <p:nvPr>
-            <p:ph type="sldNum" sz="quarter" idx="10"/>
-          </p:nvPr>
-        </p:nvSpPr>
-        <p:spPr/>
-        <p:txBody>
-          <a:bodyPr/>
-          <a:lstStyle/>
-          <a:p>
-            <a:pPr>
-              <a:defRPr/>
-            </a:pPr>
-            <a:fld id="{4351B0B5-D942-48DD-B88D-7AC11D76AF21}" type="slidenum">
-              <a:rPr lang="de-DE" smtClean="0"/>
-              <a:pPr>
-                <a:defRPr/>
-              </a:pPr>
-              <a:t>17</a:t>
-            </a:fld>
-            <a:endParaRPr lang="de-DE" dirty="0"/>
-          </a:p>
-        </p:txBody>
-      </p:sp>
-    </p:spTree>
-    <p:extLst>
-      <p:ext uri="{BB962C8B-B14F-4D97-AF65-F5344CB8AC3E}">
-        <p14:creationId xmlns:p14="http://schemas.microsoft.com/office/powerpoint/2010/main" val="1244089240"/>
-      </p:ext>
-    </p:extLst>
-  </p:cSld>
-  <p:clrMapOvr>
-    <a:masterClrMapping/>
-  </p:clrMapOvr>
-</p:notes>
-</file>
-
-<file path=ppt/notesSlides/notesSlide5.xml><?xml version="1.0" encoding="utf-8"?>
-<p:notes xmlns:a="http://schemas.openxmlformats.org/drawingml/2006/main" xmlns:r="http://schemas.openxmlformats.org/officeDocument/2006/relationships" xmlns:p="http://schemas.openxmlformats.org/presentationml/2006/main">
-  <p:cSld>
-    <p:spTree>
-      <p:nvGrpSpPr>
-        <p:cNvPr id="1" name=""/>
-        <p:cNvGrpSpPr/>
-        <p:nvPr/>
-      </p:nvGrpSpPr>
-      <p:grpSpPr>
-        <a:xfrm>
-          <a:off x="0" y="0"/>
-          <a:ext cx="0" cy="0"/>
-          <a:chOff x="0" y="0"/>
-          <a:chExt cx="0" cy="0"/>
-        </a:xfrm>
-      </p:grpSpPr>
-      <p:sp>
-        <p:nvSpPr>
-          <p:cNvPr id="2" name="Folienbildplatzhalter 1"/>
-          <p:cNvSpPr>
-            <a:spLocks noGrp="1" noRot="1" noChangeAspect="1"/>
-          </p:cNvSpPr>
-          <p:nvPr>
-            <p:ph type="sldImg"/>
-          </p:nvPr>
-        </p:nvSpPr>
-        <p:spPr/>
-      </p:sp>
-      <p:sp>
-        <p:nvSpPr>
-          <p:cNvPr id="3" name="Notizenplatzhalter 2"/>
-          <p:cNvSpPr>
-            <a:spLocks noGrp="1"/>
-          </p:cNvSpPr>
-          <p:nvPr>
-            <p:ph type="body" idx="1"/>
-          </p:nvPr>
-        </p:nvSpPr>
-        <p:spPr/>
-        <p:txBody>
-          <a:bodyPr/>
-          <a:lstStyle/>
-          <a:p>
-            <a:r>
-              <a:rPr lang="de-DE" sz="1200" b="1" i="0" u="none" strike="noStrike" kern="1200" baseline="0" dirty="0">
-                <a:solidFill>
-                  <a:schemeClr val="tx1"/>
-                </a:solidFill>
-                <a:latin typeface="Arial" charset="0"/>
-                <a:ea typeface="+mn-ea"/>
-                <a:cs typeface="+mn-cs"/>
-              </a:rPr>
-              <a:t>Complementary Release Attack: </a:t>
-            </a:r>
-            <a:endParaRPr lang="de-DE" dirty="0"/>
-          </a:p>
-        </p:txBody>
-      </p:sp>
-      <p:sp>
-        <p:nvSpPr>
-          <p:cNvPr id="4" name="Foliennummernplatzhalter 3"/>
-          <p:cNvSpPr>
-            <a:spLocks noGrp="1"/>
-          </p:cNvSpPr>
-          <p:nvPr>
-            <p:ph type="sldNum" sz="quarter" idx="10"/>
-          </p:nvPr>
-        </p:nvSpPr>
-        <p:spPr/>
-        <p:txBody>
-          <a:bodyPr/>
-          <a:lstStyle/>
-          <a:p>
-            <a:pPr>
-              <a:defRPr/>
-            </a:pPr>
-            <a:fld id="{4351B0B5-D942-48DD-B88D-7AC11D76AF21}" type="slidenum">
-              <a:rPr lang="de-DE" smtClean="0"/>
-              <a:pPr>
-                <a:defRPr/>
-              </a:pPr>
-              <a:t>18</a:t>
-            </a:fld>
-            <a:endParaRPr lang="de-DE" dirty="0"/>
-          </a:p>
-        </p:txBody>
-      </p:sp>
-    </p:spTree>
-    <p:extLst>
-      <p:ext uri="{BB962C8B-B14F-4D97-AF65-F5344CB8AC3E}">
-        <p14:creationId xmlns:p14="http://schemas.microsoft.com/office/powerpoint/2010/main" val="4273282586"/>
-      </p:ext>
-    </p:extLst>
-  </p:cSld>
-  <p:clrMapOvr>
-    <a:masterClrMapping/>
-  </p:clrMapOvr>
-</p:notes>
-</file>
-
-<file path=ppt/notesSlides/notesSlide6.xml><?xml version="1.0" encoding="utf-8"?>
-<p:notes xmlns:a="http://schemas.openxmlformats.org/drawingml/2006/main" xmlns:r="http://schemas.openxmlformats.org/officeDocument/2006/relationships" xmlns:p="http://schemas.openxmlformats.org/presentationml/2006/main">
-  <p:cSld>
-    <p:spTree>
-      <p:nvGrpSpPr>
-        <p:cNvPr id="1" name=""/>
-        <p:cNvGrpSpPr/>
-        <p:nvPr/>
-      </p:nvGrpSpPr>
-      <p:grpSpPr>
-        <a:xfrm>
-          <a:off x="0" y="0"/>
-          <a:ext cx="0" cy="0"/>
-          <a:chOff x="0" y="0"/>
-          <a:chExt cx="0" cy="0"/>
-        </a:xfrm>
-      </p:grpSpPr>
-      <p:sp>
-        <p:nvSpPr>
-          <p:cNvPr id="2" name="Folienbildplatzhalter 1"/>
-          <p:cNvSpPr>
-            <a:spLocks noGrp="1" noRot="1" noChangeAspect="1"/>
-          </p:cNvSpPr>
-          <p:nvPr>
-            <p:ph type="sldImg"/>
-          </p:nvPr>
-        </p:nvSpPr>
-        <p:spPr/>
-      </p:sp>
-      <p:sp>
-        <p:nvSpPr>
-          <p:cNvPr id="3" name="Notizenplatzhalter 2"/>
-          <p:cNvSpPr>
-            <a:spLocks noGrp="1"/>
-          </p:cNvSpPr>
-          <p:nvPr>
-            <p:ph type="body" idx="1"/>
-          </p:nvPr>
-        </p:nvSpPr>
-        <p:spPr/>
-        <p:txBody>
-          <a:bodyPr/>
-          <a:lstStyle/>
-          <a:p>
             <a:r>
               <a:rPr lang="en-US" sz="1200" b="0" i="0" u="none" strike="noStrike" kern="1200" baseline="0" dirty="0">
                 <a:solidFill>
@@ -3084,7 +1653,7 @@
               <a:pPr>
                 <a:defRPr/>
               </a:pPr>
-              <a:t>19</a:t>
+              <a:t>14</a:t>
             </a:fld>
             <a:endParaRPr lang="de-DE" dirty="0"/>
           </a:p>
@@ -3103,7 +1672,7 @@
 </p:notes>
 </file>
 
-<file path=ppt/notesSlides/notesSlide7.xml><?xml version="1.0" encoding="utf-8"?>
+<file path=ppt/notesSlides/notesSlide3.xml><?xml version="1.0" encoding="utf-8"?>
 <p:notes xmlns:a="http://schemas.openxmlformats.org/drawingml/2006/main" xmlns:r="http://schemas.openxmlformats.org/officeDocument/2006/relationships" xmlns:p="http://schemas.openxmlformats.org/presentationml/2006/main">
   <p:cSld>
     <p:spTree>
@@ -3133,6 +1702,1436 @@
 </p:notes>
 </file>
 
+<file path=ppt/notesSlides/notesSlide4.xml><?xml version="1.0" encoding="utf-8"?>
+<p:notes xmlns:a="http://schemas.openxmlformats.org/drawingml/2006/main" xmlns:r="http://schemas.openxmlformats.org/officeDocument/2006/relationships" xmlns:p="http://schemas.openxmlformats.org/presentationml/2006/main">
+  <p:cSld>
+    <p:spTree>
+      <p:nvGrpSpPr>
+        <p:cNvPr id="1" name=""/>
+        <p:cNvGrpSpPr/>
+        <p:nvPr/>
+      </p:nvGrpSpPr>
+      <p:grpSpPr>
+        <a:xfrm>
+          <a:off x="0" y="0"/>
+          <a:ext cx="0" cy="0"/>
+          <a:chOff x="0" y="0"/>
+          <a:chExt cx="0" cy="0"/>
+        </a:xfrm>
+      </p:grpSpPr>
+      <p:sp>
+        <p:nvSpPr>
+          <p:cNvPr id="2" name="Folienbildplatzhalter 1"/>
+          <p:cNvSpPr>
+            <a:spLocks noGrp="1" noRot="1" noChangeAspect="1"/>
+          </p:cNvSpPr>
+          <p:nvPr>
+            <p:ph type="sldImg"/>
+          </p:nvPr>
+        </p:nvSpPr>
+        <p:spPr/>
+      </p:sp>
+      <p:sp>
+        <p:nvSpPr>
+          <p:cNvPr id="3" name="Notizenplatzhalter 2"/>
+          <p:cNvSpPr>
+            <a:spLocks noGrp="1"/>
+          </p:cNvSpPr>
+          <p:nvPr>
+            <p:ph type="body" idx="1"/>
+          </p:nvPr>
+        </p:nvSpPr>
+        <p:spPr/>
+        <p:txBody>
+          <a:bodyPr/>
+          <a:lstStyle/>
+          <a:p>
+            <a:pPr marL="0" marR="0" lvl="0" indent="0" algn="l" defTabSz="914400" rtl="0" eaLnBrk="1" fontAlgn="base" latinLnBrk="0" hangingPunct="1">
+              <a:lnSpc>
+                <a:spcPct val="100000"/>
+              </a:lnSpc>
+              <a:spcBef>
+                <a:spcPct val="30000"/>
+              </a:spcBef>
+              <a:spcAft>
+                <a:spcPct val="0"/>
+              </a:spcAft>
+              <a:buClrTx/>
+              <a:buSzTx/>
+              <a:buFontTx/>
+              <a:buNone/>
+              <a:tabLst/>
+              <a:defRPr/>
+            </a:pPr>
+            <a:r>
+              <a:rPr lang="en-US" dirty="0"/>
+              <a:t>In the model of continuous data publishing, the data publisher has previously published </a:t>
+            </a:r>
+            <a:r>
+              <a:rPr lang="en-US" i="1" dirty="0"/>
+              <a:t>T</a:t>
+            </a:r>
+            <a:r>
+              <a:rPr lang="en-US" dirty="0"/>
+              <a:t>1</a:t>
+            </a:r>
+            <a:r>
+              <a:rPr lang="en-US" i="1" dirty="0"/>
+              <a:t>, . . . , Tp</a:t>
+            </a:r>
+            <a:r>
+              <a:rPr lang="en-US" dirty="0"/>
+              <a:t>−1 and now wants to publish </a:t>
+            </a:r>
+            <a:r>
+              <a:rPr lang="en-US" i="1" dirty="0" err="1"/>
+              <a:t>Tp</a:t>
+            </a:r>
+            <a:r>
+              <a:rPr lang="en-US" dirty="0"/>
+              <a:t>, where </a:t>
+            </a:r>
+            <a:r>
+              <a:rPr lang="en-US" i="1" dirty="0" err="1"/>
+              <a:t>Ti</a:t>
+            </a:r>
+            <a:r>
+              <a:rPr lang="en-US" i="1" dirty="0"/>
+              <a:t> </a:t>
+            </a:r>
+            <a:r>
+              <a:rPr lang="en-US" dirty="0"/>
+              <a:t>is an updated release of</a:t>
+            </a:r>
+            <a:r>
+              <a:rPr lang="en-US" i="1" dirty="0"/>
+              <a:t>Ti</a:t>
+            </a:r>
+            <a:r>
+              <a:rPr lang="en-US" dirty="0"/>
+              <a:t>−1 with record insertions and/or deletions </a:t>
+            </a:r>
+          </a:p>
+          <a:p>
+            <a:endParaRPr lang="de-DE" dirty="0"/>
+          </a:p>
+        </p:txBody>
+      </p:sp>
+      <p:sp>
+        <p:nvSpPr>
+          <p:cNvPr id="4" name="Foliennummernplatzhalter 3"/>
+          <p:cNvSpPr>
+            <a:spLocks noGrp="1"/>
+          </p:cNvSpPr>
+          <p:nvPr>
+            <p:ph type="sldNum" sz="quarter" idx="10"/>
+          </p:nvPr>
+        </p:nvSpPr>
+        <p:spPr/>
+        <p:txBody>
+          <a:bodyPr/>
+          <a:lstStyle/>
+          <a:p>
+            <a:pPr>
+              <a:defRPr/>
+            </a:pPr>
+            <a:fld id="{4351B0B5-D942-48DD-B88D-7AC11D76AF21}" type="slidenum">
+              <a:rPr lang="de-DE" smtClean="0"/>
+              <a:pPr>
+                <a:defRPr/>
+              </a:pPr>
+              <a:t>17</a:t>
+            </a:fld>
+            <a:endParaRPr lang="de-DE" dirty="0"/>
+          </a:p>
+        </p:txBody>
+      </p:sp>
+    </p:spTree>
+    <p:extLst>
+      <p:ext uri="{BB962C8B-B14F-4D97-AF65-F5344CB8AC3E}">
+        <p14:creationId xmlns:p14="http://schemas.microsoft.com/office/powerpoint/2010/main" val="3959884277"/>
+      </p:ext>
+    </p:extLst>
+  </p:cSld>
+  <p:clrMapOvr>
+    <a:masterClrMapping/>
+  </p:clrMapOvr>
+</p:notes>
+</file>
+
+<file path=ppt/notesSlides/notesSlide5.xml><?xml version="1.0" encoding="utf-8"?>
+<p:notes xmlns:a="http://schemas.openxmlformats.org/drawingml/2006/main" xmlns:r="http://schemas.openxmlformats.org/officeDocument/2006/relationships" xmlns:p="http://schemas.openxmlformats.org/presentationml/2006/main">
+  <p:cSld>
+    <p:spTree>
+      <p:nvGrpSpPr>
+        <p:cNvPr id="1" name=""/>
+        <p:cNvGrpSpPr/>
+        <p:nvPr/>
+      </p:nvGrpSpPr>
+      <p:grpSpPr>
+        <a:xfrm>
+          <a:off x="0" y="0"/>
+          <a:ext cx="0" cy="0"/>
+          <a:chOff x="0" y="0"/>
+          <a:chExt cx="0" cy="0"/>
+        </a:xfrm>
+      </p:grpSpPr>
+      <p:sp>
+        <p:nvSpPr>
+          <p:cNvPr id="2" name="Folienbildplatzhalter 1"/>
+          <p:cNvSpPr>
+            <a:spLocks noGrp="1" noRot="1" noChangeAspect="1"/>
+          </p:cNvSpPr>
+          <p:nvPr>
+            <p:ph type="sldImg"/>
+          </p:nvPr>
+        </p:nvSpPr>
+        <p:spPr/>
+      </p:sp>
+      <p:sp>
+        <p:nvSpPr>
+          <p:cNvPr id="3" name="Notizenplatzhalter 2"/>
+          <p:cNvSpPr>
+            <a:spLocks noGrp="1"/>
+          </p:cNvSpPr>
+          <p:nvPr>
+            <p:ph type="body" idx="1"/>
+          </p:nvPr>
+        </p:nvSpPr>
+        <p:spPr/>
+        <p:txBody>
+          <a:bodyPr/>
+          <a:lstStyle/>
+          <a:p>
+            <a:r>
+              <a:rPr lang="en-US" sz="1200" b="0" i="0" u="none" strike="noStrike" kern="1200" baseline="0" dirty="0">
+                <a:solidFill>
+                  <a:schemeClr val="tx1"/>
+                </a:solidFill>
+                <a:latin typeface="Arial" charset="0"/>
+                <a:ea typeface="+mn-ea"/>
+                <a:cs typeface="+mn-cs"/>
+              </a:rPr>
+              <a:t>Let Table VIII(a) be the first release </a:t>
+            </a:r>
+            <a:r>
+              <a:rPr lang="en-US" sz="1200" b="0" i="1" u="none" strike="noStrike" kern="1200" baseline="0" dirty="0">
+                <a:solidFill>
+                  <a:schemeClr val="tx1"/>
+                </a:solidFill>
+                <a:latin typeface="Arial" charset="0"/>
+                <a:ea typeface="+mn-ea"/>
+                <a:cs typeface="+mn-cs"/>
+              </a:rPr>
+              <a:t>T</a:t>
+            </a:r>
+            <a:r>
+              <a:rPr lang="en-US" sz="1200" b="0" i="0" u="none" strike="noStrike" kern="1200" baseline="0" dirty="0">
+                <a:solidFill>
+                  <a:schemeClr val="tx1"/>
+                </a:solidFill>
+                <a:latin typeface="Arial" charset="0"/>
+                <a:ea typeface="+mn-ea"/>
+                <a:cs typeface="+mn-cs"/>
+              </a:rPr>
+              <a:t>1. Let Table VIII(b) be the</a:t>
+            </a:r>
+          </a:p>
+          <a:p>
+            <a:r>
+              <a:rPr lang="en-US" sz="1200" b="0" i="0" u="none" strike="noStrike" kern="1200" baseline="0" dirty="0">
+                <a:solidFill>
+                  <a:schemeClr val="tx1"/>
+                </a:solidFill>
+                <a:latin typeface="Arial" charset="0"/>
+                <a:ea typeface="+mn-ea"/>
+                <a:cs typeface="+mn-cs"/>
+              </a:rPr>
+              <a:t>second release </a:t>
+            </a:r>
+            <a:r>
+              <a:rPr lang="en-US" sz="1200" b="0" i="1" u="none" strike="noStrike" kern="1200" baseline="0" dirty="0">
+                <a:solidFill>
+                  <a:schemeClr val="tx1"/>
+                </a:solidFill>
+                <a:latin typeface="Arial" charset="0"/>
+                <a:ea typeface="+mn-ea"/>
+                <a:cs typeface="+mn-cs"/>
+              </a:rPr>
+              <a:t>T</a:t>
+            </a:r>
+            <a:r>
+              <a:rPr lang="en-US" sz="1200" b="0" i="0" u="none" strike="noStrike" kern="1200" baseline="0" dirty="0">
+                <a:solidFill>
+                  <a:schemeClr val="tx1"/>
+                </a:solidFill>
+                <a:latin typeface="Arial" charset="0"/>
+                <a:ea typeface="+mn-ea"/>
+                <a:cs typeface="+mn-cs"/>
+              </a:rPr>
+              <a:t>2 after inserting a new record. Both </a:t>
+            </a:r>
+            <a:r>
+              <a:rPr lang="en-US" sz="1200" b="0" i="1" u="none" strike="noStrike" kern="1200" baseline="0" dirty="0">
+                <a:solidFill>
+                  <a:schemeClr val="tx1"/>
+                </a:solidFill>
+                <a:latin typeface="Arial" charset="0"/>
+                <a:ea typeface="+mn-ea"/>
+                <a:cs typeface="+mn-cs"/>
+              </a:rPr>
+              <a:t>T</a:t>
+            </a:r>
+            <a:r>
+              <a:rPr lang="en-US" sz="1200" b="0" i="0" u="none" strike="noStrike" kern="1200" baseline="0" dirty="0">
+                <a:solidFill>
+                  <a:schemeClr val="tx1"/>
+                </a:solidFill>
+                <a:latin typeface="Arial" charset="0"/>
+                <a:ea typeface="+mn-ea"/>
+                <a:cs typeface="+mn-cs"/>
+              </a:rPr>
+              <a:t>1 and </a:t>
+            </a:r>
+            <a:r>
+              <a:rPr lang="en-US" sz="1200" b="0" i="1" u="none" strike="noStrike" kern="1200" baseline="0" dirty="0">
+                <a:solidFill>
+                  <a:schemeClr val="tx1"/>
+                </a:solidFill>
+                <a:latin typeface="Arial" charset="0"/>
+                <a:ea typeface="+mn-ea"/>
+                <a:cs typeface="+mn-cs"/>
+              </a:rPr>
+              <a:t>T</a:t>
+            </a:r>
+            <a:r>
+              <a:rPr lang="en-US" sz="1200" b="0" i="0" u="none" strike="noStrike" kern="1200" baseline="0" dirty="0">
+                <a:solidFill>
+                  <a:schemeClr val="tx1"/>
+                </a:solidFill>
+                <a:latin typeface="Arial" charset="0"/>
+                <a:ea typeface="+mn-ea"/>
+                <a:cs typeface="+mn-cs"/>
+              </a:rPr>
+              <a:t>2 satisfy 2-diversity independently.</a:t>
+            </a:r>
+          </a:p>
+          <a:p>
+            <a:r>
+              <a:rPr lang="en-US" sz="1200" b="0" i="0" u="none" strike="noStrike" kern="1200" baseline="0" dirty="0">
+                <a:solidFill>
+                  <a:schemeClr val="tx1"/>
+                </a:solidFill>
+                <a:latin typeface="Arial" charset="0"/>
+                <a:ea typeface="+mn-ea"/>
+                <a:cs typeface="+mn-cs"/>
+              </a:rPr>
+              <a:t>Suppose the attacker knows that a female lawyer, Alice, has a record in </a:t>
+            </a:r>
+            <a:r>
+              <a:rPr lang="en-US" sz="1200" b="0" i="1" u="none" strike="noStrike" kern="1200" baseline="0" dirty="0">
+                <a:solidFill>
+                  <a:schemeClr val="tx1"/>
+                </a:solidFill>
+                <a:latin typeface="Arial" charset="0"/>
+                <a:ea typeface="+mn-ea"/>
+                <a:cs typeface="+mn-cs"/>
+              </a:rPr>
+              <a:t>T</a:t>
+            </a:r>
+            <a:r>
+              <a:rPr lang="en-US" sz="1200" b="0" i="0" u="none" strike="noStrike" kern="1200" baseline="0" dirty="0">
+                <a:solidFill>
+                  <a:schemeClr val="tx1"/>
+                </a:solidFill>
+                <a:latin typeface="Arial" charset="0"/>
+                <a:ea typeface="+mn-ea"/>
+                <a:cs typeface="+mn-cs"/>
+              </a:rPr>
+              <a:t>2</a:t>
+            </a:r>
+          </a:p>
+          <a:p>
+            <a:r>
+              <a:rPr lang="en-US" sz="1200" b="0" i="0" u="none" strike="noStrike" kern="1200" baseline="0" dirty="0">
+                <a:solidFill>
+                  <a:schemeClr val="tx1"/>
+                </a:solidFill>
+                <a:latin typeface="Arial" charset="0"/>
+                <a:ea typeface="+mn-ea"/>
+                <a:cs typeface="+mn-cs"/>
+              </a:rPr>
+              <a:t>but not in </a:t>
+            </a:r>
+            <a:r>
+              <a:rPr lang="en-US" sz="1200" b="0" i="1" u="none" strike="noStrike" kern="1200" baseline="0" dirty="0">
+                <a:solidFill>
+                  <a:schemeClr val="tx1"/>
+                </a:solidFill>
+                <a:latin typeface="Arial" charset="0"/>
+                <a:ea typeface="+mn-ea"/>
+                <a:cs typeface="+mn-cs"/>
+              </a:rPr>
+              <a:t>T</a:t>
+            </a:r>
+            <a:r>
+              <a:rPr lang="en-US" sz="1200" b="0" i="0" u="none" strike="noStrike" kern="1200" baseline="0" dirty="0">
+                <a:solidFill>
+                  <a:schemeClr val="tx1"/>
+                </a:solidFill>
+                <a:latin typeface="Arial" charset="0"/>
+                <a:ea typeface="+mn-ea"/>
+                <a:cs typeface="+mn-cs"/>
+              </a:rPr>
+              <a:t>1, based on the timestamp that Alice was admitted to a hospital. From </a:t>
+            </a:r>
+            <a:r>
+              <a:rPr lang="en-US" sz="1200" b="0" i="1" u="none" strike="noStrike" kern="1200" baseline="0" dirty="0">
+                <a:solidFill>
+                  <a:schemeClr val="tx1"/>
+                </a:solidFill>
+                <a:latin typeface="Arial" charset="0"/>
+                <a:ea typeface="+mn-ea"/>
+                <a:cs typeface="+mn-cs"/>
+              </a:rPr>
+              <a:t>T</a:t>
+            </a:r>
+            <a:r>
+              <a:rPr lang="en-US" sz="1200" b="0" i="0" u="none" strike="noStrike" kern="1200" baseline="0" dirty="0">
+                <a:solidFill>
+                  <a:schemeClr val="tx1"/>
+                </a:solidFill>
+                <a:latin typeface="Arial" charset="0"/>
+                <a:ea typeface="+mn-ea"/>
+                <a:cs typeface="+mn-cs"/>
+              </a:rPr>
+              <a:t>2,</a:t>
+            </a:r>
+          </a:p>
+          <a:p>
+            <a:r>
+              <a:rPr lang="en-US" sz="1200" b="0" i="0" u="none" strike="noStrike" kern="1200" baseline="0" dirty="0">
+                <a:solidFill>
+                  <a:schemeClr val="tx1"/>
+                </a:solidFill>
+                <a:latin typeface="Arial" charset="0"/>
+                <a:ea typeface="+mn-ea"/>
+                <a:cs typeface="+mn-cs"/>
+              </a:rPr>
+              <a:t>the attacker can infer that Alice must have contracted either </a:t>
+            </a:r>
+            <a:r>
+              <a:rPr lang="en-US" sz="1200" b="0" i="1" u="none" strike="noStrike" kern="1200" baseline="0" dirty="0">
+                <a:solidFill>
+                  <a:schemeClr val="tx1"/>
+                </a:solidFill>
+                <a:latin typeface="Arial" charset="0"/>
+                <a:ea typeface="+mn-ea"/>
+                <a:cs typeface="+mn-cs"/>
+              </a:rPr>
+              <a:t>Flu</a:t>
+            </a:r>
+            <a:r>
+              <a:rPr lang="en-US" sz="1200" b="0" i="0" u="none" strike="noStrike" kern="1200" baseline="0" dirty="0">
+                <a:solidFill>
+                  <a:schemeClr val="tx1"/>
+                </a:solidFill>
+                <a:latin typeface="Arial" charset="0"/>
+                <a:ea typeface="+mn-ea"/>
+                <a:cs typeface="+mn-cs"/>
+              </a:rPr>
+              <a:t>, </a:t>
+            </a:r>
+            <a:r>
+              <a:rPr lang="en-US" sz="1200" b="0" i="1" u="none" strike="noStrike" kern="1200" baseline="0" dirty="0">
+                <a:solidFill>
+                  <a:schemeClr val="tx1"/>
+                </a:solidFill>
+                <a:latin typeface="Arial" charset="0"/>
+                <a:ea typeface="+mn-ea"/>
+                <a:cs typeface="+mn-cs"/>
+              </a:rPr>
+              <a:t>Fever</a:t>
+            </a:r>
+            <a:r>
+              <a:rPr lang="en-US" sz="1200" b="0" i="0" u="none" strike="noStrike" kern="1200" baseline="0" dirty="0">
+                <a:solidFill>
+                  <a:schemeClr val="tx1"/>
+                </a:solidFill>
+                <a:latin typeface="Arial" charset="0"/>
+                <a:ea typeface="+mn-ea"/>
+                <a:cs typeface="+mn-cs"/>
+              </a:rPr>
+              <a:t>, or </a:t>
+            </a:r>
+            <a:r>
+              <a:rPr lang="en-US" sz="1200" b="0" i="1" u="none" strike="noStrike" kern="1200" baseline="0" dirty="0">
+                <a:solidFill>
+                  <a:schemeClr val="tx1"/>
+                </a:solidFill>
+                <a:latin typeface="Arial" charset="0"/>
+                <a:ea typeface="+mn-ea"/>
+                <a:cs typeface="+mn-cs"/>
+              </a:rPr>
+              <a:t>HIV</a:t>
+            </a:r>
+            <a:r>
+              <a:rPr lang="en-US" sz="1200" b="0" i="0" u="none" strike="noStrike" kern="1200" baseline="0" dirty="0">
+                <a:solidFill>
+                  <a:schemeClr val="tx1"/>
+                </a:solidFill>
+                <a:latin typeface="Arial" charset="0"/>
+                <a:ea typeface="+mn-ea"/>
+                <a:cs typeface="+mn-cs"/>
+              </a:rPr>
+              <a:t>. By</a:t>
+            </a:r>
+          </a:p>
+          <a:p>
+            <a:r>
+              <a:rPr lang="en-US" sz="1200" b="0" i="0" u="none" strike="noStrike" kern="1200" baseline="0" dirty="0">
+                <a:solidFill>
+                  <a:schemeClr val="tx1"/>
+                </a:solidFill>
+                <a:latin typeface="Arial" charset="0"/>
+                <a:ea typeface="+mn-ea"/>
+                <a:cs typeface="+mn-cs"/>
+              </a:rPr>
+              <a:t>comparing </a:t>
+            </a:r>
+            <a:r>
+              <a:rPr lang="en-US" sz="1200" b="0" i="1" u="none" strike="noStrike" kern="1200" baseline="0" dirty="0">
+                <a:solidFill>
+                  <a:schemeClr val="tx1"/>
+                </a:solidFill>
+                <a:latin typeface="Arial" charset="0"/>
+                <a:ea typeface="+mn-ea"/>
+                <a:cs typeface="+mn-cs"/>
+              </a:rPr>
+              <a:t>T</a:t>
+            </a:r>
+            <a:r>
+              <a:rPr lang="en-US" sz="1200" b="0" i="0" u="none" strike="noStrike" kern="1200" baseline="0" dirty="0">
+                <a:solidFill>
+                  <a:schemeClr val="tx1"/>
+                </a:solidFill>
+                <a:latin typeface="Arial" charset="0"/>
+                <a:ea typeface="+mn-ea"/>
+                <a:cs typeface="+mn-cs"/>
+              </a:rPr>
+              <a:t>2 with </a:t>
+            </a:r>
+            <a:r>
+              <a:rPr lang="en-US" sz="1200" b="0" i="1" u="none" strike="noStrike" kern="1200" baseline="0" dirty="0">
+                <a:solidFill>
+                  <a:schemeClr val="tx1"/>
+                </a:solidFill>
+                <a:latin typeface="Arial" charset="0"/>
+                <a:ea typeface="+mn-ea"/>
+                <a:cs typeface="+mn-cs"/>
+              </a:rPr>
+              <a:t>T</a:t>
+            </a:r>
+            <a:r>
+              <a:rPr lang="en-US" sz="1200" b="0" i="0" u="none" strike="noStrike" kern="1200" baseline="0" dirty="0">
+                <a:solidFill>
+                  <a:schemeClr val="tx1"/>
+                </a:solidFill>
+                <a:latin typeface="Arial" charset="0"/>
+                <a:ea typeface="+mn-ea"/>
+                <a:cs typeface="+mn-cs"/>
+              </a:rPr>
+              <a:t>1, the attacker can identify that the first two records in </a:t>
+            </a:r>
+            <a:r>
+              <a:rPr lang="en-US" sz="1200" b="0" i="1" u="none" strike="noStrike" kern="1200" baseline="0" dirty="0">
+                <a:solidFill>
+                  <a:schemeClr val="tx1"/>
+                </a:solidFill>
+                <a:latin typeface="Arial" charset="0"/>
+                <a:ea typeface="+mn-ea"/>
+                <a:cs typeface="+mn-cs"/>
+              </a:rPr>
+              <a:t>T</a:t>
+            </a:r>
+            <a:r>
+              <a:rPr lang="en-US" sz="1200" b="0" i="0" u="none" strike="noStrike" kern="1200" baseline="0" dirty="0">
+                <a:solidFill>
+                  <a:schemeClr val="tx1"/>
+                </a:solidFill>
+                <a:latin typeface="Arial" charset="0"/>
+                <a:ea typeface="+mn-ea"/>
+                <a:cs typeface="+mn-cs"/>
+              </a:rPr>
+              <a:t>2 must</a:t>
+            </a:r>
+          </a:p>
+          <a:p>
+            <a:r>
+              <a:rPr lang="en-US" sz="1200" b="0" i="0" u="none" strike="noStrike" kern="1200" baseline="0" dirty="0">
+                <a:solidFill>
+                  <a:schemeClr val="tx1"/>
+                </a:solidFill>
+                <a:latin typeface="Arial" charset="0"/>
+                <a:ea typeface="+mn-ea"/>
+                <a:cs typeface="+mn-cs"/>
+              </a:rPr>
+              <a:t>be old records from </a:t>
+            </a:r>
+            <a:r>
+              <a:rPr lang="en-US" sz="1200" b="0" i="1" u="none" strike="noStrike" kern="1200" baseline="0" dirty="0">
+                <a:solidFill>
+                  <a:schemeClr val="tx1"/>
+                </a:solidFill>
+                <a:latin typeface="Arial" charset="0"/>
+                <a:ea typeface="+mn-ea"/>
+                <a:cs typeface="+mn-cs"/>
+              </a:rPr>
+              <a:t>T</a:t>
+            </a:r>
+            <a:r>
+              <a:rPr lang="en-US" sz="1200" b="0" i="0" u="none" strike="noStrike" kern="1200" baseline="0" dirty="0">
+                <a:solidFill>
+                  <a:schemeClr val="tx1"/>
+                </a:solidFill>
+                <a:latin typeface="Arial" charset="0"/>
+                <a:ea typeface="+mn-ea"/>
+                <a:cs typeface="+mn-cs"/>
+              </a:rPr>
+              <a:t>1 and, thus, infer that Alice must have contracted </a:t>
+            </a:r>
+            <a:r>
+              <a:rPr lang="en-US" sz="1200" b="0" i="1" u="none" strike="noStrike" kern="1200" baseline="0" dirty="0">
+                <a:solidFill>
+                  <a:schemeClr val="tx1"/>
+                </a:solidFill>
+                <a:latin typeface="Arial" charset="0"/>
+                <a:ea typeface="+mn-ea"/>
+                <a:cs typeface="+mn-cs"/>
+              </a:rPr>
+              <a:t>HIV</a:t>
+            </a:r>
+            <a:r>
+              <a:rPr lang="en-US" sz="1200" b="0" i="0" u="none" strike="noStrike" kern="1200" baseline="0" dirty="0">
+                <a:solidFill>
+                  <a:schemeClr val="tx1"/>
+                </a:solidFill>
+                <a:latin typeface="Arial" charset="0"/>
+                <a:ea typeface="+mn-ea"/>
+                <a:cs typeface="+mn-cs"/>
+              </a:rPr>
+              <a:t>.</a:t>
+            </a:r>
+            <a:endParaRPr lang="de-DE" dirty="0"/>
+          </a:p>
+        </p:txBody>
+      </p:sp>
+      <p:sp>
+        <p:nvSpPr>
+          <p:cNvPr id="4" name="Foliennummernplatzhalter 3"/>
+          <p:cNvSpPr>
+            <a:spLocks noGrp="1"/>
+          </p:cNvSpPr>
+          <p:nvPr>
+            <p:ph type="sldNum" sz="quarter" idx="10"/>
+          </p:nvPr>
+        </p:nvSpPr>
+        <p:spPr/>
+        <p:txBody>
+          <a:bodyPr/>
+          <a:lstStyle/>
+          <a:p>
+            <a:pPr>
+              <a:defRPr/>
+            </a:pPr>
+            <a:fld id="{4351B0B5-D942-48DD-B88D-7AC11D76AF21}" type="slidenum">
+              <a:rPr lang="de-DE" smtClean="0"/>
+              <a:pPr>
+                <a:defRPr/>
+              </a:pPr>
+              <a:t>18</a:t>
+            </a:fld>
+            <a:endParaRPr lang="de-DE" dirty="0"/>
+          </a:p>
+        </p:txBody>
+      </p:sp>
+    </p:spTree>
+    <p:extLst>
+      <p:ext uri="{BB962C8B-B14F-4D97-AF65-F5344CB8AC3E}">
+        <p14:creationId xmlns:p14="http://schemas.microsoft.com/office/powerpoint/2010/main" val="3397008944"/>
+      </p:ext>
+    </p:extLst>
+  </p:cSld>
+  <p:clrMapOvr>
+    <a:masterClrMapping/>
+  </p:clrMapOvr>
+</p:notes>
+</file>
+
+<file path=ppt/notesSlides/notesSlide6.xml><?xml version="1.0" encoding="utf-8"?>
+<p:notes xmlns:a="http://schemas.openxmlformats.org/drawingml/2006/main" xmlns:r="http://schemas.openxmlformats.org/officeDocument/2006/relationships" xmlns:p="http://schemas.openxmlformats.org/presentationml/2006/main">
+  <p:cSld>
+    <p:spTree>
+      <p:nvGrpSpPr>
+        <p:cNvPr id="1" name=""/>
+        <p:cNvGrpSpPr/>
+        <p:nvPr/>
+      </p:nvGrpSpPr>
+      <p:grpSpPr>
+        <a:xfrm>
+          <a:off x="0" y="0"/>
+          <a:ext cx="0" cy="0"/>
+          <a:chOff x="0" y="0"/>
+          <a:chExt cx="0" cy="0"/>
+        </a:xfrm>
+      </p:grpSpPr>
+      <p:sp>
+        <p:nvSpPr>
+          <p:cNvPr id="2" name="Folienbildplatzhalter 1"/>
+          <p:cNvSpPr>
+            <a:spLocks noGrp="1" noRot="1" noChangeAspect="1"/>
+          </p:cNvSpPr>
+          <p:nvPr>
+            <p:ph type="sldImg"/>
+          </p:nvPr>
+        </p:nvSpPr>
+        <p:spPr/>
+      </p:sp>
+      <p:sp>
+        <p:nvSpPr>
+          <p:cNvPr id="3" name="Notizenplatzhalter 2"/>
+          <p:cNvSpPr>
+            <a:spLocks noGrp="1"/>
+          </p:cNvSpPr>
+          <p:nvPr>
+            <p:ph type="body" idx="1"/>
+          </p:nvPr>
+        </p:nvSpPr>
+        <p:spPr/>
+        <p:txBody>
+          <a:bodyPr/>
+          <a:lstStyle/>
+          <a:p>
+            <a:r>
+              <a:rPr lang="en-US" sz="1200" b="0" i="0" u="none" strike="noStrike" kern="1200" baseline="0" dirty="0">
+                <a:solidFill>
+                  <a:schemeClr val="tx1"/>
+                </a:solidFill>
+                <a:latin typeface="Arial" charset="0"/>
+                <a:ea typeface="+mn-ea"/>
+                <a:cs typeface="+mn-cs"/>
+              </a:rPr>
+              <a:t>Transaction data is usually high-dimensional. For example, Amazon.com has several</a:t>
+            </a:r>
+          </a:p>
+          <a:p>
+            <a:r>
+              <a:rPr lang="en-US" sz="1200" b="0" i="0" u="none" strike="noStrike" kern="1200" baseline="0" dirty="0">
+                <a:solidFill>
+                  <a:schemeClr val="tx1"/>
+                </a:solidFill>
+                <a:latin typeface="Arial" charset="0"/>
+                <a:ea typeface="+mn-ea"/>
+                <a:cs typeface="+mn-cs"/>
+              </a:rPr>
+              <a:t>million catalog items. Each dimension could be a potential </a:t>
+            </a:r>
+            <a:r>
+              <a:rPr lang="en-US" sz="1200" b="0" i="1" u="none" strike="noStrike" kern="1200" baseline="0" dirty="0">
+                <a:solidFill>
+                  <a:schemeClr val="tx1"/>
+                </a:solidFill>
+                <a:latin typeface="Arial" charset="0"/>
+                <a:ea typeface="+mn-ea"/>
+                <a:cs typeface="+mn-cs"/>
+              </a:rPr>
+              <a:t>QID </a:t>
+            </a:r>
+            <a:r>
+              <a:rPr lang="en-US" sz="1200" b="0" i="0" u="none" strike="noStrike" kern="1200" baseline="0" dirty="0">
+                <a:solidFill>
+                  <a:schemeClr val="tx1"/>
+                </a:solidFill>
+                <a:latin typeface="Arial" charset="0"/>
+                <a:ea typeface="+mn-ea"/>
+                <a:cs typeface="+mn-cs"/>
+              </a:rPr>
+              <a:t>attribute used</a:t>
+            </a:r>
+          </a:p>
+          <a:p>
+            <a:r>
+              <a:rPr lang="en-US" sz="1200" b="0" i="0" u="none" strike="noStrike" kern="1200" baseline="0" dirty="0">
+                <a:solidFill>
+                  <a:schemeClr val="tx1"/>
+                </a:solidFill>
+                <a:latin typeface="Arial" charset="0"/>
+                <a:ea typeface="+mn-ea"/>
+                <a:cs typeface="+mn-cs"/>
+              </a:rPr>
+              <a:t>for record or attribute linkages; therefore, employing traditional privacy models, such</a:t>
+            </a:r>
+          </a:p>
+          <a:p>
+            <a:r>
+              <a:rPr lang="en-US" sz="1200" b="0" i="0" u="none" strike="noStrike" kern="1200" baseline="0" dirty="0">
+                <a:solidFill>
+                  <a:schemeClr val="tx1"/>
+                </a:solidFill>
+                <a:latin typeface="Arial" charset="0"/>
+                <a:ea typeface="+mn-ea"/>
+                <a:cs typeface="+mn-cs"/>
+              </a:rPr>
+              <a:t>as </a:t>
+            </a:r>
+            <a:r>
+              <a:rPr lang="en-US" sz="1200" b="0" i="1" u="none" strike="noStrike" kern="1200" baseline="0" dirty="0">
+                <a:solidFill>
+                  <a:schemeClr val="tx1"/>
+                </a:solidFill>
+                <a:latin typeface="Arial" charset="0"/>
+                <a:ea typeface="+mn-ea"/>
+                <a:cs typeface="+mn-cs"/>
+              </a:rPr>
+              <a:t>k</a:t>
+            </a:r>
+            <a:r>
+              <a:rPr lang="en-US" sz="1200" b="0" i="0" u="none" strike="noStrike" kern="1200" baseline="0" dirty="0">
+                <a:solidFill>
+                  <a:schemeClr val="tx1"/>
+                </a:solidFill>
+                <a:latin typeface="Arial" charset="0"/>
+                <a:ea typeface="+mn-ea"/>
+                <a:cs typeface="+mn-cs"/>
+              </a:rPr>
+              <a:t>-anonymity, would require including all dimensions into a single </a:t>
+            </a:r>
+            <a:r>
+              <a:rPr lang="en-US" sz="1200" b="0" i="1" u="none" strike="noStrike" kern="1200" baseline="0" dirty="0">
+                <a:solidFill>
+                  <a:schemeClr val="tx1"/>
+                </a:solidFill>
+                <a:latin typeface="Arial" charset="0"/>
+                <a:ea typeface="+mn-ea"/>
+                <a:cs typeface="+mn-cs"/>
+              </a:rPr>
+              <a:t>QID</a:t>
+            </a:r>
+            <a:r>
+              <a:rPr lang="en-US" sz="1200" b="0" i="0" u="none" strike="noStrike" kern="1200" baseline="0" dirty="0">
+                <a:solidFill>
+                  <a:schemeClr val="tx1"/>
+                </a:solidFill>
+                <a:latin typeface="Arial" charset="0"/>
+                <a:ea typeface="+mn-ea"/>
+                <a:cs typeface="+mn-cs"/>
+              </a:rPr>
+              <a:t>.</a:t>
+            </a:r>
+          </a:p>
+          <a:p>
+            <a:endParaRPr lang="en-US" sz="1200" b="0" i="0" u="none" strike="noStrike" kern="1200" baseline="0" dirty="0">
+              <a:solidFill>
+                <a:schemeClr val="tx1"/>
+              </a:solidFill>
+              <a:latin typeface="Arial" charset="0"/>
+              <a:ea typeface="+mn-ea"/>
+              <a:cs typeface="+mn-cs"/>
+            </a:endParaRPr>
+          </a:p>
+          <a:p>
+            <a:r>
+              <a:rPr lang="de-DE" sz="1200" b="0" i="0" u="none" strike="noStrike" kern="1200" baseline="0" dirty="0">
+                <a:solidFill>
+                  <a:schemeClr val="tx1"/>
+                </a:solidFill>
+                <a:latin typeface="Arial" charset="0"/>
+                <a:ea typeface="+mn-ea"/>
+                <a:cs typeface="+mn-cs"/>
+              </a:rPr>
+              <a:t>Due to the</a:t>
+            </a:r>
+          </a:p>
+          <a:p>
+            <a:r>
+              <a:rPr lang="en-US" sz="1200" b="0" i="0" u="none" strike="noStrike" kern="1200" baseline="0" dirty="0">
+                <a:solidFill>
+                  <a:schemeClr val="tx1"/>
+                </a:solidFill>
+                <a:latin typeface="Arial" charset="0"/>
+                <a:ea typeface="+mn-ea"/>
+                <a:cs typeface="+mn-cs"/>
+              </a:rPr>
+              <a:t>curse of high-dimensionality [Aggarwal 2005], it is very likely that lots of data has to</a:t>
+            </a:r>
+          </a:p>
+          <a:p>
+            <a:r>
+              <a:rPr lang="en-US" sz="1200" b="0" i="0" u="none" strike="noStrike" kern="1200" baseline="0" dirty="0">
+                <a:solidFill>
+                  <a:schemeClr val="tx1"/>
+                </a:solidFill>
+                <a:latin typeface="Arial" charset="0"/>
+                <a:ea typeface="+mn-ea"/>
+                <a:cs typeface="+mn-cs"/>
+              </a:rPr>
+              <a:t>be suppressed or generalized to the top-most values in order to satisfy </a:t>
+            </a:r>
+            <a:r>
+              <a:rPr lang="en-US" sz="1200" b="0" i="1" u="none" strike="noStrike" kern="1200" baseline="0" dirty="0">
+                <a:solidFill>
+                  <a:schemeClr val="tx1"/>
+                </a:solidFill>
+                <a:latin typeface="Arial" charset="0"/>
+                <a:ea typeface="+mn-ea"/>
+                <a:cs typeface="+mn-cs"/>
+              </a:rPr>
+              <a:t>k</a:t>
+            </a:r>
+            <a:r>
+              <a:rPr lang="en-US" sz="1200" b="0" i="0" u="none" strike="noStrike" kern="1200" baseline="0" dirty="0">
+                <a:solidFill>
+                  <a:schemeClr val="tx1"/>
+                </a:solidFill>
+                <a:latin typeface="Arial" charset="0"/>
+                <a:ea typeface="+mn-ea"/>
+                <a:cs typeface="+mn-cs"/>
+              </a:rPr>
+              <a:t>-anonymity,</a:t>
+            </a:r>
+          </a:p>
+          <a:p>
+            <a:r>
+              <a:rPr lang="en-US" sz="1200" b="0" i="0" u="none" strike="noStrike" kern="1200" baseline="0" dirty="0">
+                <a:solidFill>
+                  <a:schemeClr val="tx1"/>
+                </a:solidFill>
+                <a:latin typeface="Arial" charset="0"/>
+                <a:ea typeface="+mn-ea"/>
+                <a:cs typeface="+mn-cs"/>
+              </a:rPr>
+              <a:t>even if </a:t>
+            </a:r>
+            <a:r>
+              <a:rPr lang="en-US" sz="1200" b="0" i="1" u="none" strike="noStrike" kern="1200" baseline="0" dirty="0">
+                <a:solidFill>
+                  <a:schemeClr val="tx1"/>
+                </a:solidFill>
+                <a:latin typeface="Arial" charset="0"/>
+                <a:ea typeface="+mn-ea"/>
+                <a:cs typeface="+mn-cs"/>
+              </a:rPr>
+              <a:t>k </a:t>
+            </a:r>
+            <a:r>
+              <a:rPr lang="en-US" sz="1200" b="0" i="0" u="none" strike="noStrike" kern="1200" baseline="0" dirty="0">
+                <a:solidFill>
+                  <a:schemeClr val="tx1"/>
+                </a:solidFill>
+                <a:latin typeface="Arial" charset="0"/>
+                <a:ea typeface="+mn-ea"/>
+                <a:cs typeface="+mn-cs"/>
+              </a:rPr>
+              <a:t>is small. Obviously, such anonymous data is useless for data analysis.</a:t>
+            </a:r>
+          </a:p>
+          <a:p>
+            <a:endParaRPr lang="en-US" sz="1200" b="0" i="0" u="none" strike="noStrike" kern="1200" baseline="0" dirty="0">
+              <a:solidFill>
+                <a:schemeClr val="tx1"/>
+              </a:solidFill>
+              <a:latin typeface="Arial" charset="0"/>
+              <a:ea typeface="+mn-ea"/>
+              <a:cs typeface="+mn-cs"/>
+            </a:endParaRPr>
+          </a:p>
+          <a:p>
+            <a:r>
+              <a:rPr lang="en-US" sz="1200" b="0" i="0" u="none" strike="noStrike" kern="1200" baseline="0" dirty="0">
+                <a:solidFill>
+                  <a:schemeClr val="tx1"/>
+                </a:solidFill>
+                <a:latin typeface="Arial" charset="0"/>
+                <a:ea typeface="+mn-ea"/>
+                <a:cs typeface="+mn-cs"/>
+              </a:rPr>
+              <a:t>In any real-life privacy attack, it is unlikely that the attacker would know </a:t>
+            </a:r>
+            <a:r>
+              <a:rPr lang="en-US" sz="1200" b="0" i="1" u="none" strike="noStrike" kern="1200" baseline="0" dirty="0">
+                <a:solidFill>
+                  <a:schemeClr val="tx1"/>
+                </a:solidFill>
+                <a:latin typeface="Arial" charset="0"/>
+                <a:ea typeface="+mn-ea"/>
+                <a:cs typeface="+mn-cs"/>
+              </a:rPr>
+              <a:t>all</a:t>
+            </a:r>
+          </a:p>
+          <a:p>
+            <a:r>
+              <a:rPr lang="en-US" sz="1200" b="0" i="0" u="none" strike="noStrike" kern="1200" baseline="0" dirty="0">
+                <a:solidFill>
+                  <a:schemeClr val="tx1"/>
+                </a:solidFill>
+                <a:latin typeface="Arial" charset="0"/>
+                <a:ea typeface="+mn-ea"/>
+                <a:cs typeface="+mn-cs"/>
+              </a:rPr>
+              <a:t>quasi-identifying attributes of a target victim due to the effort it would take to gather</a:t>
+            </a:r>
+          </a:p>
+          <a:p>
+            <a:r>
+              <a:rPr lang="en-US" sz="1200" b="0" i="0" u="none" strike="noStrike" kern="1200" baseline="0" dirty="0">
+                <a:solidFill>
+                  <a:schemeClr val="tx1"/>
+                </a:solidFill>
+                <a:latin typeface="Arial" charset="0"/>
+                <a:ea typeface="+mn-ea"/>
+                <a:cs typeface="+mn-cs"/>
+              </a:rPr>
+              <a:t>every piece of background knowledge. Thus, it is reasonable to bound the attacker’s</a:t>
+            </a:r>
+          </a:p>
+          <a:p>
+            <a:r>
+              <a:rPr lang="en-US" sz="1200" b="0" i="0" u="none" strike="noStrike" kern="1200" baseline="0" dirty="0">
+                <a:solidFill>
+                  <a:schemeClr val="tx1"/>
+                </a:solidFill>
+                <a:latin typeface="Arial" charset="0"/>
+                <a:ea typeface="+mn-ea"/>
+                <a:cs typeface="+mn-cs"/>
+              </a:rPr>
+              <a:t>background knowledge in the privacy model.</a:t>
+            </a:r>
+            <a:endParaRPr lang="de-DE" dirty="0"/>
+          </a:p>
+        </p:txBody>
+      </p:sp>
+      <p:sp>
+        <p:nvSpPr>
+          <p:cNvPr id="4" name="Foliennummernplatzhalter 3"/>
+          <p:cNvSpPr>
+            <a:spLocks noGrp="1"/>
+          </p:cNvSpPr>
+          <p:nvPr>
+            <p:ph type="sldNum" sz="quarter" idx="10"/>
+          </p:nvPr>
+        </p:nvSpPr>
+        <p:spPr/>
+        <p:txBody>
+          <a:bodyPr/>
+          <a:lstStyle/>
+          <a:p>
+            <a:pPr>
+              <a:defRPr/>
+            </a:pPr>
+            <a:fld id="{4351B0B5-D942-48DD-B88D-7AC11D76AF21}" type="slidenum">
+              <a:rPr lang="de-DE" smtClean="0"/>
+              <a:pPr>
+                <a:defRPr/>
+              </a:pPr>
+              <a:t>22</a:t>
+            </a:fld>
+            <a:endParaRPr lang="de-DE" dirty="0"/>
+          </a:p>
+        </p:txBody>
+      </p:sp>
+    </p:spTree>
+    <p:extLst>
+      <p:ext uri="{BB962C8B-B14F-4D97-AF65-F5344CB8AC3E}">
+        <p14:creationId xmlns:p14="http://schemas.microsoft.com/office/powerpoint/2010/main" val="1656114160"/>
+      </p:ext>
+    </p:extLst>
+  </p:cSld>
+  <p:clrMapOvr>
+    <a:masterClrMapping/>
+  </p:clrMapOvr>
+</p:notes>
+</file>
+
+<file path=ppt/notesSlides/notesSlide7.xml><?xml version="1.0" encoding="utf-8"?>
+<p:notes xmlns:a="http://schemas.openxmlformats.org/drawingml/2006/main" xmlns:r="http://schemas.openxmlformats.org/officeDocument/2006/relationships" xmlns:p="http://schemas.openxmlformats.org/presentationml/2006/main">
+  <p:cSld>
+    <p:spTree>
+      <p:nvGrpSpPr>
+        <p:cNvPr id="1" name=""/>
+        <p:cNvGrpSpPr/>
+        <p:nvPr/>
+      </p:nvGrpSpPr>
+      <p:grpSpPr>
+        <a:xfrm>
+          <a:off x="0" y="0"/>
+          <a:ext cx="0" cy="0"/>
+          <a:chOff x="0" y="0"/>
+          <a:chExt cx="0" cy="0"/>
+        </a:xfrm>
+      </p:grpSpPr>
+      <p:sp>
+        <p:nvSpPr>
+          <p:cNvPr id="2" name="Folienbildplatzhalter 1"/>
+          <p:cNvSpPr>
+            <a:spLocks noGrp="1" noRot="1" noChangeAspect="1"/>
+          </p:cNvSpPr>
+          <p:nvPr>
+            <p:ph type="sldImg"/>
+          </p:nvPr>
+        </p:nvSpPr>
+        <p:spPr/>
+      </p:sp>
+      <p:sp>
+        <p:nvSpPr>
+          <p:cNvPr id="3" name="Notizenplatzhalter 2"/>
+          <p:cNvSpPr>
+            <a:spLocks noGrp="1"/>
+          </p:cNvSpPr>
+          <p:nvPr>
+            <p:ph type="body" idx="1"/>
+          </p:nvPr>
+        </p:nvSpPr>
+        <p:spPr/>
+        <p:txBody>
+          <a:bodyPr/>
+          <a:lstStyle/>
+          <a:p>
+            <a:pPr marL="0" marR="0" lvl="0" indent="0" algn="l" defTabSz="914400" rtl="0" eaLnBrk="1" fontAlgn="base" latinLnBrk="0" hangingPunct="1">
+              <a:lnSpc>
+                <a:spcPct val="100000"/>
+              </a:lnSpc>
+              <a:spcBef>
+                <a:spcPct val="30000"/>
+              </a:spcBef>
+              <a:spcAft>
+                <a:spcPct val="0"/>
+              </a:spcAft>
+              <a:buClrTx/>
+              <a:buSzTx/>
+              <a:buFontTx/>
+              <a:buNone/>
+              <a:tabLst/>
+              <a:defRPr/>
+            </a:pPr>
+            <a:r>
+              <a:rPr lang="en-US" dirty="0"/>
+              <a:t>Sanitization of a document involves removing sensitive information from the document, in order to reduce </a:t>
+            </a:r>
+            <a:r>
+              <a:rPr lang="en-US" dirty="0" err="1"/>
+              <a:t>thdocument’s</a:t>
+            </a:r>
+            <a:r>
+              <a:rPr lang="en-US" dirty="0"/>
+              <a:t> classification level, possibly yielding an unclassified </a:t>
+            </a:r>
+            <a:r>
+              <a:rPr lang="de-DE" dirty="0" err="1"/>
+              <a:t>document</a:t>
+            </a:r>
+            <a:r>
+              <a:rPr lang="de-DE" dirty="0"/>
+              <a:t>.</a:t>
+            </a:r>
+          </a:p>
+          <a:p>
+            <a:pPr marL="0" marR="0" lvl="0" indent="0" algn="l" defTabSz="914400" rtl="0" eaLnBrk="1" fontAlgn="base" latinLnBrk="0" hangingPunct="1">
+              <a:lnSpc>
+                <a:spcPct val="100000"/>
+              </a:lnSpc>
+              <a:spcBef>
+                <a:spcPct val="30000"/>
+              </a:spcBef>
+              <a:spcAft>
+                <a:spcPct val="0"/>
+              </a:spcAft>
+              <a:buClrTx/>
+              <a:buSzTx/>
+              <a:buFontTx/>
+              <a:buNone/>
+              <a:tabLst/>
+              <a:defRPr/>
+            </a:pPr>
+            <a:endParaRPr lang="de-DE" dirty="0"/>
+          </a:p>
+          <a:p>
+            <a:r>
+              <a:rPr lang="en-US" sz="1200" b="0" i="0" u="none" strike="noStrike" kern="1200" baseline="0" dirty="0">
+                <a:solidFill>
+                  <a:schemeClr val="tx1"/>
+                </a:solidFill>
+                <a:latin typeface="Arial" charset="0"/>
+                <a:ea typeface="+mn-ea"/>
+                <a:cs typeface="+mn-cs"/>
+              </a:rPr>
+              <a:t>In hospitals, medical records are sanitized to </a:t>
+            </a:r>
+            <a:r>
+              <a:rPr lang="de-DE" sz="1200" b="0" i="0" u="none" strike="noStrike" kern="1200" baseline="0" dirty="0" err="1">
+                <a:solidFill>
+                  <a:schemeClr val="tx1"/>
+                </a:solidFill>
+                <a:latin typeface="Arial" charset="0"/>
+                <a:ea typeface="+mn-ea"/>
+                <a:cs typeface="+mn-cs"/>
+              </a:rPr>
+              <a:t>remove</a:t>
+            </a:r>
+            <a:r>
+              <a:rPr lang="de-DE" sz="1200" b="0" i="0" u="none" strike="noStrike" kern="1200" baseline="0" dirty="0">
+                <a:solidFill>
+                  <a:schemeClr val="tx1"/>
+                </a:solidFill>
+                <a:latin typeface="Arial" charset="0"/>
+                <a:ea typeface="+mn-ea"/>
+                <a:cs typeface="+mn-cs"/>
+              </a:rPr>
+              <a:t> sensitive patent </a:t>
+            </a:r>
+            <a:r>
+              <a:rPr lang="de-DE" sz="1200" b="0" i="0" u="none" strike="noStrike" kern="1200" baseline="0" dirty="0" err="1">
+                <a:solidFill>
+                  <a:schemeClr val="tx1"/>
+                </a:solidFill>
+                <a:latin typeface="Arial" charset="0"/>
+                <a:ea typeface="+mn-ea"/>
+                <a:cs typeface="+mn-cs"/>
+              </a:rPr>
+              <a:t>information</a:t>
+            </a:r>
+            <a:r>
+              <a:rPr lang="de-DE" sz="1200" b="0" i="0" u="none" strike="noStrike" kern="1200" baseline="0" dirty="0">
+                <a:solidFill>
+                  <a:schemeClr val="tx1"/>
+                </a:solidFill>
+                <a:latin typeface="Arial" charset="0"/>
+                <a:ea typeface="+mn-ea"/>
+                <a:cs typeface="+mn-cs"/>
+              </a:rPr>
+              <a:t> (</a:t>
+            </a:r>
+            <a:r>
+              <a:rPr lang="de-DE" sz="1200" b="0" i="0" u="none" strike="noStrike" kern="1200" baseline="0" dirty="0" err="1">
+                <a:solidFill>
+                  <a:schemeClr val="tx1"/>
+                </a:solidFill>
+                <a:latin typeface="Arial" charset="0"/>
+                <a:ea typeface="+mn-ea"/>
+                <a:cs typeface="+mn-cs"/>
+              </a:rPr>
+              <a:t>patient</a:t>
+            </a:r>
+            <a:r>
+              <a:rPr lang="de-DE" sz="1200" b="0" i="0" u="none" strike="noStrike" kern="1200" baseline="0" dirty="0">
+                <a:solidFill>
+                  <a:schemeClr val="tx1"/>
+                </a:solidFill>
+                <a:latin typeface="Arial" charset="0"/>
+                <a:ea typeface="+mn-ea"/>
+                <a:cs typeface="+mn-cs"/>
+              </a:rPr>
+              <a:t> </a:t>
+            </a:r>
+            <a:r>
+              <a:rPr lang="de-DE" sz="1200" b="0" i="0" u="none" strike="noStrike" kern="1200" baseline="0" dirty="0" err="1">
+                <a:solidFill>
+                  <a:schemeClr val="tx1"/>
+                </a:solidFill>
+                <a:latin typeface="Arial" charset="0"/>
+                <a:ea typeface="+mn-ea"/>
+                <a:cs typeface="+mn-cs"/>
+              </a:rPr>
+              <a:t>identity</a:t>
+            </a:r>
+            <a:r>
+              <a:rPr lang="de-DE" sz="1200" b="0" i="0" u="none" strike="noStrike" kern="1200" baseline="0" dirty="0">
+                <a:solidFill>
+                  <a:schemeClr val="tx1"/>
+                </a:solidFill>
+                <a:latin typeface="Arial" charset="0"/>
+                <a:ea typeface="+mn-ea"/>
+                <a:cs typeface="+mn-cs"/>
+              </a:rPr>
+              <a:t> </a:t>
+            </a:r>
+            <a:r>
+              <a:rPr lang="de-DE" sz="1200" b="0" i="0" u="none" strike="noStrike" kern="1200" baseline="0" dirty="0" err="1">
+                <a:solidFill>
+                  <a:schemeClr val="tx1"/>
+                </a:solidFill>
+                <a:latin typeface="Arial" charset="0"/>
+                <a:ea typeface="+mn-ea"/>
+                <a:cs typeface="+mn-cs"/>
+              </a:rPr>
+              <a:t>information</a:t>
+            </a:r>
+            <a:r>
+              <a:rPr lang="de-DE" sz="1200" b="0" i="0" u="none" strike="noStrike" kern="1200" baseline="0" dirty="0">
+                <a:solidFill>
+                  <a:schemeClr val="tx1"/>
+                </a:solidFill>
+                <a:latin typeface="Arial" charset="0"/>
+                <a:ea typeface="+mn-ea"/>
+                <a:cs typeface="+mn-cs"/>
+              </a:rPr>
+              <a:t>, </a:t>
+            </a:r>
+            <a:r>
+              <a:rPr lang="en-US" sz="1200" b="0" i="0" u="none" strike="noStrike" kern="1200" baseline="0" dirty="0">
+                <a:solidFill>
+                  <a:schemeClr val="tx1"/>
+                </a:solidFill>
+                <a:latin typeface="Arial" charset="0"/>
+                <a:ea typeface="+mn-ea"/>
+                <a:cs typeface="+mn-cs"/>
+              </a:rPr>
+              <a:t>diagnoses of deadly diseases, etc.). Document sanitization is also</a:t>
+            </a:r>
+          </a:p>
+          <a:p>
+            <a:r>
+              <a:rPr lang="en-US" sz="1200" b="0" i="0" u="none" strike="noStrike" kern="1200" baseline="0" dirty="0">
+                <a:solidFill>
+                  <a:schemeClr val="tx1"/>
+                </a:solidFill>
+                <a:latin typeface="Arial" charset="0"/>
+                <a:ea typeface="+mn-ea"/>
+                <a:cs typeface="+mn-cs"/>
+              </a:rPr>
+              <a:t>critical to companies who need to prevent </a:t>
+            </a:r>
+            <a:r>
+              <a:rPr lang="en-US" sz="1200" b="0" i="0" u="none" strike="noStrike" kern="1200" baseline="0" dirty="0" err="1">
+                <a:solidFill>
+                  <a:schemeClr val="tx1"/>
+                </a:solidFill>
+                <a:latin typeface="Arial" charset="0"/>
+                <a:ea typeface="+mn-ea"/>
+                <a:cs typeface="+mn-cs"/>
+              </a:rPr>
+              <a:t>malafide</a:t>
+            </a:r>
+            <a:r>
+              <a:rPr lang="en-US" sz="1200" b="0" i="0" u="none" strike="noStrike" kern="1200" baseline="0" dirty="0">
+                <a:solidFill>
+                  <a:schemeClr val="tx1"/>
+                </a:solidFill>
+                <a:latin typeface="Arial" charset="0"/>
+                <a:ea typeface="+mn-ea"/>
+                <a:cs typeface="+mn-cs"/>
+              </a:rPr>
+              <a:t> or </a:t>
+            </a:r>
+            <a:r>
+              <a:rPr lang="en-US" sz="1200" b="0" i="0" u="none" strike="noStrike" kern="1200" baseline="0" dirty="0" err="1">
+                <a:solidFill>
+                  <a:schemeClr val="tx1"/>
+                </a:solidFill>
+                <a:latin typeface="Arial" charset="0"/>
+                <a:ea typeface="+mn-ea"/>
+                <a:cs typeface="+mn-cs"/>
+              </a:rPr>
+              <a:t>inadvertentdisclosure</a:t>
+            </a:r>
+            <a:r>
+              <a:rPr lang="en-US" sz="1200" b="0" i="0" u="none" strike="noStrike" kern="1200" baseline="0" dirty="0">
+                <a:solidFill>
+                  <a:schemeClr val="tx1"/>
+                </a:solidFill>
+                <a:latin typeface="Arial" charset="0"/>
+                <a:ea typeface="+mn-ea"/>
+                <a:cs typeface="+mn-cs"/>
+              </a:rPr>
+              <a:t> of proprietary information while sharing data with outsourced </a:t>
+            </a:r>
+            <a:r>
+              <a:rPr lang="de-DE" sz="1200" b="0" i="0" u="none" strike="noStrike" kern="1200" baseline="0" dirty="0" err="1">
+                <a:solidFill>
+                  <a:schemeClr val="tx1"/>
+                </a:solidFill>
+                <a:latin typeface="Arial" charset="0"/>
+                <a:ea typeface="+mn-ea"/>
+                <a:cs typeface="+mn-cs"/>
+              </a:rPr>
+              <a:t>operations</a:t>
+            </a:r>
+            <a:r>
+              <a:rPr lang="de-DE" sz="1200" b="0" i="0" u="none" strike="noStrike" kern="1200" baseline="0" dirty="0">
+                <a:solidFill>
+                  <a:schemeClr val="tx1"/>
+                </a:solidFill>
+                <a:latin typeface="Arial" charset="0"/>
+                <a:ea typeface="+mn-ea"/>
+                <a:cs typeface="+mn-cs"/>
+              </a:rPr>
+              <a:t>.</a:t>
+            </a:r>
+          </a:p>
+          <a:p>
+            <a:endParaRPr lang="de-DE" sz="1200" b="0" i="0" u="none" strike="noStrike" kern="1200" baseline="0" dirty="0">
+              <a:solidFill>
+                <a:schemeClr val="tx1"/>
+              </a:solidFill>
+              <a:latin typeface="Arial" charset="0"/>
+              <a:ea typeface="+mn-ea"/>
+              <a:cs typeface="+mn-cs"/>
+            </a:endParaRPr>
+          </a:p>
+          <a:p>
+            <a:r>
+              <a:rPr lang="en-US" dirty="0"/>
+              <a:t>We wish to retain same facial information about the photographed people, for example a fashion shop interested in knowing how many of it’s visitors are male or female. I Sometimes, the photograph may be used psychologically and should therefore look more visually appealing (For a photo of a war victim, a blurred face would be much more eﬀective in raising awareness then a black rectangle). I Because we can achieve results as good as blackout but better looking</a:t>
+            </a:r>
+            <a:endParaRPr lang="de-DE" dirty="0"/>
+          </a:p>
+          <a:p>
+            <a:endParaRPr lang="de-DE" dirty="0"/>
+          </a:p>
+        </p:txBody>
+      </p:sp>
+      <p:sp>
+        <p:nvSpPr>
+          <p:cNvPr id="4" name="Foliennummernplatzhalter 3"/>
+          <p:cNvSpPr>
+            <a:spLocks noGrp="1"/>
+          </p:cNvSpPr>
+          <p:nvPr>
+            <p:ph type="sldNum" sz="quarter" idx="10"/>
+          </p:nvPr>
+        </p:nvSpPr>
+        <p:spPr/>
+        <p:txBody>
+          <a:bodyPr/>
+          <a:lstStyle/>
+          <a:p>
+            <a:pPr>
+              <a:defRPr/>
+            </a:pPr>
+            <a:fld id="{4351B0B5-D942-48DD-B88D-7AC11D76AF21}" type="slidenum">
+              <a:rPr lang="de-DE" smtClean="0"/>
+              <a:pPr>
+                <a:defRPr/>
+              </a:pPr>
+              <a:t>24</a:t>
+            </a:fld>
+            <a:endParaRPr lang="de-DE"/>
+          </a:p>
+        </p:txBody>
+      </p:sp>
+    </p:spTree>
+    <p:extLst>
+      <p:ext uri="{BB962C8B-B14F-4D97-AF65-F5344CB8AC3E}">
+        <p14:creationId xmlns:p14="http://schemas.microsoft.com/office/powerpoint/2010/main" val="863718230"/>
+      </p:ext>
+    </p:extLst>
+  </p:cSld>
+  <p:clrMapOvr>
+    <a:masterClrMapping/>
+  </p:clrMapOvr>
+</p:notes>
+</file>
+
 <file path=ppt/notesSlides/notesSlide8.xml><?xml version="1.0" encoding="utf-8"?>
 <p:notes xmlns:a="http://schemas.openxmlformats.org/drawingml/2006/main" xmlns:r="http://schemas.openxmlformats.org/officeDocument/2006/relationships" xmlns:p="http://schemas.openxmlformats.org/presentationml/2006/main">
   <p:cSld>
@@ -3177,73 +3176,98 @@
           <a:bodyPr/>
           <a:lstStyle/>
           <a:p>
-            <a:pPr marL="0" marR="0" lvl="0" indent="0" algn="l" defTabSz="914400" rtl="0" eaLnBrk="1" fontAlgn="base" latinLnBrk="0" hangingPunct="1">
-              <a:lnSpc>
-                <a:spcPct val="100000"/>
-              </a:lnSpc>
-              <a:spcBef>
-                <a:spcPct val="30000"/>
-              </a:spcBef>
-              <a:spcAft>
-                <a:spcPct val="0"/>
-              </a:spcAft>
-              <a:buClrTx/>
-              <a:buSzTx/>
-              <a:buFontTx/>
-              <a:buNone/>
-              <a:tabLst/>
-              <a:defRPr/>
-            </a:pPr>
-            <a:r>
-              <a:rPr lang="en-US" dirty="0"/>
-              <a:t>In the model of continuous data publishing, the data publisher has previously published </a:t>
-            </a:r>
-            <a:r>
-              <a:rPr lang="en-US" i="1" dirty="0"/>
-              <a:t>T</a:t>
-            </a:r>
-            <a:r>
-              <a:rPr lang="en-US" dirty="0"/>
-              <a:t>1</a:t>
-            </a:r>
-            <a:r>
-              <a:rPr lang="en-US" i="1" dirty="0"/>
-              <a:t>, . . . , Tp</a:t>
-            </a:r>
-            <a:r>
-              <a:rPr lang="en-US" dirty="0"/>
-              <a:t>−1 and now wants to publish </a:t>
-            </a:r>
-            <a:r>
-              <a:rPr lang="en-US" i="1" dirty="0" err="1"/>
-              <a:t>Tp</a:t>
-            </a:r>
-            <a:r>
-              <a:rPr lang="en-US" dirty="0"/>
-              <a:t>, where </a:t>
-            </a:r>
-            <a:r>
-              <a:rPr lang="en-US" i="1" dirty="0" err="1"/>
-              <a:t>Ti</a:t>
-            </a:r>
-            <a:r>
-              <a:rPr lang="en-US" i="1" dirty="0"/>
+            <a:r>
+              <a:rPr lang="en-US" sz="1200" b="0" i="0" u="none" strike="noStrike" kern="1200" baseline="0" dirty="0">
+                <a:solidFill>
+                  <a:schemeClr val="tx1"/>
+                </a:solidFill>
+                <a:latin typeface="Arial" charset="0"/>
+                <a:ea typeface="+mn-ea"/>
+                <a:cs typeface="+mn-cs"/>
+              </a:rPr>
+              <a:t>Traditionally, documents are sanitized manually by qualified reviewers.</a:t>
+            </a:r>
+          </a:p>
+          <a:p>
+            <a:r>
+              <a:rPr lang="en-US" sz="1200" b="0" i="0" u="none" strike="noStrike" kern="1200" baseline="0" dirty="0">
+                <a:solidFill>
+                  <a:schemeClr val="tx1"/>
+                </a:solidFill>
+                <a:latin typeface="Arial" charset="0"/>
+                <a:ea typeface="+mn-ea"/>
+                <a:cs typeface="+mn-cs"/>
+              </a:rPr>
+              <a:t>However, manual sanitization does not scale as the volume</a:t>
+            </a:r>
+          </a:p>
+          <a:p>
+            <a:r>
+              <a:rPr lang="de-DE" sz="1200" b="0" i="0" u="none" strike="noStrike" kern="1200" baseline="0" dirty="0" err="1">
+                <a:solidFill>
+                  <a:schemeClr val="tx1"/>
+                </a:solidFill>
+                <a:latin typeface="Arial" charset="0"/>
+                <a:ea typeface="+mn-ea"/>
+                <a:cs typeface="+mn-cs"/>
+              </a:rPr>
+              <a:t>of</a:t>
+            </a:r>
+            <a:r>
+              <a:rPr lang="de-DE" sz="1200" b="0" i="0" u="none" strike="noStrike" kern="1200" baseline="0" dirty="0">
+                <a:solidFill>
+                  <a:schemeClr val="tx1"/>
+                </a:solidFill>
+                <a:latin typeface="Arial" charset="0"/>
+                <a:ea typeface="+mn-ea"/>
+                <a:cs typeface="+mn-cs"/>
+              </a:rPr>
               <a:t> </a:t>
             </a:r>
             <a:r>
-              <a:rPr lang="en-US" dirty="0"/>
-              <a:t>is an updated release of</a:t>
-            </a:r>
-            <a:r>
-              <a:rPr lang="en-US" i="1" dirty="0"/>
-              <a:t>Ti</a:t>
-            </a:r>
-            <a:r>
-              <a:rPr lang="en-US" dirty="0"/>
-              <a:t>−1 with record insertions and/or deletions </a:t>
-            </a:r>
-          </a:p>
-          <a:p>
+              <a:rPr lang="de-DE" sz="1200" b="0" i="0" u="none" strike="noStrike" kern="1200" baseline="0" dirty="0" err="1">
+                <a:solidFill>
+                  <a:schemeClr val="tx1"/>
+                </a:solidFill>
+                <a:latin typeface="Arial" charset="0"/>
+                <a:ea typeface="+mn-ea"/>
+                <a:cs typeface="+mn-cs"/>
+              </a:rPr>
+              <a:t>data</a:t>
+            </a:r>
+            <a:r>
+              <a:rPr lang="de-DE" sz="1200" b="0" i="0" u="none" strike="noStrike" kern="1200" baseline="0" dirty="0">
+                <a:solidFill>
+                  <a:schemeClr val="tx1"/>
+                </a:solidFill>
+                <a:latin typeface="Arial" charset="0"/>
+                <a:ea typeface="+mn-ea"/>
+                <a:cs typeface="+mn-cs"/>
+              </a:rPr>
+              <a:t> </a:t>
+            </a:r>
+            <a:r>
+              <a:rPr lang="de-DE" sz="1200" b="0" i="0" u="none" strike="noStrike" kern="1200" baseline="0" dirty="0" err="1">
+                <a:solidFill>
+                  <a:schemeClr val="tx1"/>
+                </a:solidFill>
+                <a:latin typeface="Arial" charset="0"/>
+                <a:ea typeface="+mn-ea"/>
+                <a:cs typeface="+mn-cs"/>
+              </a:rPr>
+              <a:t>increases</a:t>
+            </a:r>
+            <a:r>
+              <a:rPr lang="de-DE" sz="1200" b="0" i="0" u="none" strike="noStrike" kern="1200" baseline="0" dirty="0">
+                <a:solidFill>
+                  <a:schemeClr val="tx1"/>
+                </a:solidFill>
+                <a:latin typeface="Arial" charset="0"/>
+                <a:ea typeface="+mn-ea"/>
+                <a:cs typeface="+mn-cs"/>
+              </a:rPr>
+              <a:t>.</a:t>
+            </a:r>
             <a:endParaRPr lang="de-DE" dirty="0"/>
           </a:p>
         </p:txBody>
@@ -3271,525 +3295,16 @@
               <a:pPr>
                 <a:defRPr/>
               </a:pPr>
-              <a:t>22</a:t>
+              <a:t>25</a:t>
             </a:fld>
-            <a:endParaRPr lang="de-DE" dirty="0"/>
+            <a:endParaRPr lang="de-DE"/>
           </a:p>
         </p:txBody>
       </p:sp>
     </p:spTree>
     <p:extLst>
       <p:ext uri="{BB962C8B-B14F-4D97-AF65-F5344CB8AC3E}">
-        <p14:creationId xmlns:p14="http://schemas.microsoft.com/office/powerpoint/2010/main" val="3959884277"/>
-      </p:ext>
-    </p:extLst>
-  </p:cSld>
-  <p:clrMapOvr>
-    <a:masterClrMapping/>
-  </p:clrMapOvr>
-</p:notes>
-</file>
-
-<file path=ppt/notesSlides/notesSlide9.xml><?xml version="1.0" encoding="utf-8"?>
-<p:notes xmlns:a="http://schemas.openxmlformats.org/drawingml/2006/main" xmlns:r="http://schemas.openxmlformats.org/officeDocument/2006/relationships" xmlns:p="http://schemas.openxmlformats.org/presentationml/2006/main">
-  <p:cSld>
-    <p:spTree>
-      <p:nvGrpSpPr>
-        <p:cNvPr id="1" name=""/>
-        <p:cNvGrpSpPr/>
-        <p:nvPr/>
-      </p:nvGrpSpPr>
-      <p:grpSpPr>
-        <a:xfrm>
-          <a:off x="0" y="0"/>
-          <a:ext cx="0" cy="0"/>
-          <a:chOff x="0" y="0"/>
-          <a:chExt cx="0" cy="0"/>
-        </a:xfrm>
-      </p:grpSpPr>
-      <p:sp>
-        <p:nvSpPr>
-          <p:cNvPr id="2" name="Folienbildplatzhalter 1"/>
-          <p:cNvSpPr>
-            <a:spLocks noGrp="1" noRot="1" noChangeAspect="1"/>
-          </p:cNvSpPr>
-          <p:nvPr>
-            <p:ph type="sldImg"/>
-          </p:nvPr>
-        </p:nvSpPr>
-        <p:spPr/>
-      </p:sp>
-      <p:sp>
-        <p:nvSpPr>
-          <p:cNvPr id="3" name="Notizenplatzhalter 2"/>
-          <p:cNvSpPr>
-            <a:spLocks noGrp="1"/>
-          </p:cNvSpPr>
-          <p:nvPr>
-            <p:ph type="body" idx="1"/>
-          </p:nvPr>
-        </p:nvSpPr>
-        <p:spPr/>
-        <p:txBody>
-          <a:bodyPr/>
-          <a:lstStyle/>
-          <a:p>
-            <a:r>
-              <a:rPr lang="en-US" sz="1200" b="0" i="0" u="none" strike="noStrike" kern="1200" baseline="0" dirty="0">
-                <a:solidFill>
-                  <a:schemeClr val="tx1"/>
-                </a:solidFill>
-                <a:latin typeface="Arial" charset="0"/>
-                <a:ea typeface="+mn-ea"/>
-                <a:cs typeface="+mn-cs"/>
-              </a:rPr>
-              <a:t>Let Table VIII(a) be the first release </a:t>
-            </a:r>
-            <a:r>
-              <a:rPr lang="en-US" sz="1200" b="0" i="1" u="none" strike="noStrike" kern="1200" baseline="0" dirty="0">
-                <a:solidFill>
-                  <a:schemeClr val="tx1"/>
-                </a:solidFill>
-                <a:latin typeface="Arial" charset="0"/>
-                <a:ea typeface="+mn-ea"/>
-                <a:cs typeface="+mn-cs"/>
-              </a:rPr>
-              <a:t>T</a:t>
-            </a:r>
-            <a:r>
-              <a:rPr lang="en-US" sz="1200" b="0" i="0" u="none" strike="noStrike" kern="1200" baseline="0" dirty="0">
-                <a:solidFill>
-                  <a:schemeClr val="tx1"/>
-                </a:solidFill>
-                <a:latin typeface="Arial" charset="0"/>
-                <a:ea typeface="+mn-ea"/>
-                <a:cs typeface="+mn-cs"/>
-              </a:rPr>
-              <a:t>1. Let Table VIII(b) be the</a:t>
-            </a:r>
-          </a:p>
-          <a:p>
-            <a:r>
-              <a:rPr lang="en-US" sz="1200" b="0" i="0" u="none" strike="noStrike" kern="1200" baseline="0" dirty="0">
-                <a:solidFill>
-                  <a:schemeClr val="tx1"/>
-                </a:solidFill>
-                <a:latin typeface="Arial" charset="0"/>
-                <a:ea typeface="+mn-ea"/>
-                <a:cs typeface="+mn-cs"/>
-              </a:rPr>
-              <a:t>second release </a:t>
-            </a:r>
-            <a:r>
-              <a:rPr lang="en-US" sz="1200" b="0" i="1" u="none" strike="noStrike" kern="1200" baseline="0" dirty="0">
-                <a:solidFill>
-                  <a:schemeClr val="tx1"/>
-                </a:solidFill>
-                <a:latin typeface="Arial" charset="0"/>
-                <a:ea typeface="+mn-ea"/>
-                <a:cs typeface="+mn-cs"/>
-              </a:rPr>
-              <a:t>T</a:t>
-            </a:r>
-            <a:r>
-              <a:rPr lang="en-US" sz="1200" b="0" i="0" u="none" strike="noStrike" kern="1200" baseline="0" dirty="0">
-                <a:solidFill>
-                  <a:schemeClr val="tx1"/>
-                </a:solidFill>
-                <a:latin typeface="Arial" charset="0"/>
-                <a:ea typeface="+mn-ea"/>
-                <a:cs typeface="+mn-cs"/>
-              </a:rPr>
-              <a:t>2 after inserting a new record. Both </a:t>
-            </a:r>
-            <a:r>
-              <a:rPr lang="en-US" sz="1200" b="0" i="1" u="none" strike="noStrike" kern="1200" baseline="0" dirty="0">
-                <a:solidFill>
-                  <a:schemeClr val="tx1"/>
-                </a:solidFill>
-                <a:latin typeface="Arial" charset="0"/>
-                <a:ea typeface="+mn-ea"/>
-                <a:cs typeface="+mn-cs"/>
-              </a:rPr>
-              <a:t>T</a:t>
-            </a:r>
-            <a:r>
-              <a:rPr lang="en-US" sz="1200" b="0" i="0" u="none" strike="noStrike" kern="1200" baseline="0" dirty="0">
-                <a:solidFill>
-                  <a:schemeClr val="tx1"/>
-                </a:solidFill>
-                <a:latin typeface="Arial" charset="0"/>
-                <a:ea typeface="+mn-ea"/>
-                <a:cs typeface="+mn-cs"/>
-              </a:rPr>
-              <a:t>1 and </a:t>
-            </a:r>
-            <a:r>
-              <a:rPr lang="en-US" sz="1200" b="0" i="1" u="none" strike="noStrike" kern="1200" baseline="0" dirty="0">
-                <a:solidFill>
-                  <a:schemeClr val="tx1"/>
-                </a:solidFill>
-                <a:latin typeface="Arial" charset="0"/>
-                <a:ea typeface="+mn-ea"/>
-                <a:cs typeface="+mn-cs"/>
-              </a:rPr>
-              <a:t>T</a:t>
-            </a:r>
-            <a:r>
-              <a:rPr lang="en-US" sz="1200" b="0" i="0" u="none" strike="noStrike" kern="1200" baseline="0" dirty="0">
-                <a:solidFill>
-                  <a:schemeClr val="tx1"/>
-                </a:solidFill>
-                <a:latin typeface="Arial" charset="0"/>
-                <a:ea typeface="+mn-ea"/>
-                <a:cs typeface="+mn-cs"/>
-              </a:rPr>
-              <a:t>2 satisfy 2-diversity independently.</a:t>
-            </a:r>
-          </a:p>
-          <a:p>
-            <a:r>
-              <a:rPr lang="en-US" sz="1200" b="0" i="0" u="none" strike="noStrike" kern="1200" baseline="0" dirty="0">
-                <a:solidFill>
-                  <a:schemeClr val="tx1"/>
-                </a:solidFill>
-                <a:latin typeface="Arial" charset="0"/>
-                <a:ea typeface="+mn-ea"/>
-                <a:cs typeface="+mn-cs"/>
-              </a:rPr>
-              <a:t>Suppose the attacker knows that a female lawyer, Alice, has a record in </a:t>
-            </a:r>
-            <a:r>
-              <a:rPr lang="en-US" sz="1200" b="0" i="1" u="none" strike="noStrike" kern="1200" baseline="0" dirty="0">
-                <a:solidFill>
-                  <a:schemeClr val="tx1"/>
-                </a:solidFill>
-                <a:latin typeface="Arial" charset="0"/>
-                <a:ea typeface="+mn-ea"/>
-                <a:cs typeface="+mn-cs"/>
-              </a:rPr>
-              <a:t>T</a:t>
-            </a:r>
-            <a:r>
-              <a:rPr lang="en-US" sz="1200" b="0" i="0" u="none" strike="noStrike" kern="1200" baseline="0" dirty="0">
-                <a:solidFill>
-                  <a:schemeClr val="tx1"/>
-                </a:solidFill>
-                <a:latin typeface="Arial" charset="0"/>
-                <a:ea typeface="+mn-ea"/>
-                <a:cs typeface="+mn-cs"/>
-              </a:rPr>
-              <a:t>2</a:t>
-            </a:r>
-          </a:p>
-          <a:p>
-            <a:r>
-              <a:rPr lang="en-US" sz="1200" b="0" i="0" u="none" strike="noStrike" kern="1200" baseline="0" dirty="0">
-                <a:solidFill>
-                  <a:schemeClr val="tx1"/>
-                </a:solidFill>
-                <a:latin typeface="Arial" charset="0"/>
-                <a:ea typeface="+mn-ea"/>
-                <a:cs typeface="+mn-cs"/>
-              </a:rPr>
-              <a:t>but not in </a:t>
-            </a:r>
-            <a:r>
-              <a:rPr lang="en-US" sz="1200" b="0" i="1" u="none" strike="noStrike" kern="1200" baseline="0" dirty="0">
-                <a:solidFill>
-                  <a:schemeClr val="tx1"/>
-                </a:solidFill>
-                <a:latin typeface="Arial" charset="0"/>
-                <a:ea typeface="+mn-ea"/>
-                <a:cs typeface="+mn-cs"/>
-              </a:rPr>
-              <a:t>T</a:t>
-            </a:r>
-            <a:r>
-              <a:rPr lang="en-US" sz="1200" b="0" i="0" u="none" strike="noStrike" kern="1200" baseline="0" dirty="0">
-                <a:solidFill>
-                  <a:schemeClr val="tx1"/>
-                </a:solidFill>
-                <a:latin typeface="Arial" charset="0"/>
-                <a:ea typeface="+mn-ea"/>
-                <a:cs typeface="+mn-cs"/>
-              </a:rPr>
-              <a:t>1, based on the timestamp that Alice was admitted to a hospital. From </a:t>
-            </a:r>
-            <a:r>
-              <a:rPr lang="en-US" sz="1200" b="0" i="1" u="none" strike="noStrike" kern="1200" baseline="0" dirty="0">
-                <a:solidFill>
-                  <a:schemeClr val="tx1"/>
-                </a:solidFill>
-                <a:latin typeface="Arial" charset="0"/>
-                <a:ea typeface="+mn-ea"/>
-                <a:cs typeface="+mn-cs"/>
-              </a:rPr>
-              <a:t>T</a:t>
-            </a:r>
-            <a:r>
-              <a:rPr lang="en-US" sz="1200" b="0" i="0" u="none" strike="noStrike" kern="1200" baseline="0" dirty="0">
-                <a:solidFill>
-                  <a:schemeClr val="tx1"/>
-                </a:solidFill>
-                <a:latin typeface="Arial" charset="0"/>
-                <a:ea typeface="+mn-ea"/>
-                <a:cs typeface="+mn-cs"/>
-              </a:rPr>
-              <a:t>2,</a:t>
-            </a:r>
-          </a:p>
-          <a:p>
-            <a:r>
-              <a:rPr lang="en-US" sz="1200" b="0" i="0" u="none" strike="noStrike" kern="1200" baseline="0" dirty="0">
-                <a:solidFill>
-                  <a:schemeClr val="tx1"/>
-                </a:solidFill>
-                <a:latin typeface="Arial" charset="0"/>
-                <a:ea typeface="+mn-ea"/>
-                <a:cs typeface="+mn-cs"/>
-              </a:rPr>
-              <a:t>the attacker can infer that Alice must have contracted either </a:t>
-            </a:r>
-            <a:r>
-              <a:rPr lang="en-US" sz="1200" b="0" i="1" u="none" strike="noStrike" kern="1200" baseline="0" dirty="0">
-                <a:solidFill>
-                  <a:schemeClr val="tx1"/>
-                </a:solidFill>
-                <a:latin typeface="Arial" charset="0"/>
-                <a:ea typeface="+mn-ea"/>
-                <a:cs typeface="+mn-cs"/>
-              </a:rPr>
-              <a:t>Flu</a:t>
-            </a:r>
-            <a:r>
-              <a:rPr lang="en-US" sz="1200" b="0" i="0" u="none" strike="noStrike" kern="1200" baseline="0" dirty="0">
-                <a:solidFill>
-                  <a:schemeClr val="tx1"/>
-                </a:solidFill>
-                <a:latin typeface="Arial" charset="0"/>
-                <a:ea typeface="+mn-ea"/>
-                <a:cs typeface="+mn-cs"/>
-              </a:rPr>
-              <a:t>, </a:t>
-            </a:r>
-            <a:r>
-              <a:rPr lang="en-US" sz="1200" b="0" i="1" u="none" strike="noStrike" kern="1200" baseline="0" dirty="0">
-                <a:solidFill>
-                  <a:schemeClr val="tx1"/>
-                </a:solidFill>
-                <a:latin typeface="Arial" charset="0"/>
-                <a:ea typeface="+mn-ea"/>
-                <a:cs typeface="+mn-cs"/>
-              </a:rPr>
-              <a:t>Fever</a:t>
-            </a:r>
-            <a:r>
-              <a:rPr lang="en-US" sz="1200" b="0" i="0" u="none" strike="noStrike" kern="1200" baseline="0" dirty="0">
-                <a:solidFill>
-                  <a:schemeClr val="tx1"/>
-                </a:solidFill>
-                <a:latin typeface="Arial" charset="0"/>
-                <a:ea typeface="+mn-ea"/>
-                <a:cs typeface="+mn-cs"/>
-              </a:rPr>
-              <a:t>, or </a:t>
-            </a:r>
-            <a:r>
-              <a:rPr lang="en-US" sz="1200" b="0" i="1" u="none" strike="noStrike" kern="1200" baseline="0" dirty="0">
-                <a:solidFill>
-                  <a:schemeClr val="tx1"/>
-                </a:solidFill>
-                <a:latin typeface="Arial" charset="0"/>
-                <a:ea typeface="+mn-ea"/>
-                <a:cs typeface="+mn-cs"/>
-              </a:rPr>
-              <a:t>HIV</a:t>
-            </a:r>
-            <a:r>
-              <a:rPr lang="en-US" sz="1200" b="0" i="0" u="none" strike="noStrike" kern="1200" baseline="0" dirty="0">
-                <a:solidFill>
-                  <a:schemeClr val="tx1"/>
-                </a:solidFill>
-                <a:latin typeface="Arial" charset="0"/>
-                <a:ea typeface="+mn-ea"/>
-                <a:cs typeface="+mn-cs"/>
-              </a:rPr>
-              <a:t>. By</a:t>
-            </a:r>
-          </a:p>
-          <a:p>
-            <a:r>
-              <a:rPr lang="en-US" sz="1200" b="0" i="0" u="none" strike="noStrike" kern="1200" baseline="0" dirty="0">
-                <a:solidFill>
-                  <a:schemeClr val="tx1"/>
-                </a:solidFill>
-                <a:latin typeface="Arial" charset="0"/>
-                <a:ea typeface="+mn-ea"/>
-                <a:cs typeface="+mn-cs"/>
-              </a:rPr>
-              <a:t>comparing </a:t>
-            </a:r>
-            <a:r>
-              <a:rPr lang="en-US" sz="1200" b="0" i="1" u="none" strike="noStrike" kern="1200" baseline="0" dirty="0">
-                <a:solidFill>
-                  <a:schemeClr val="tx1"/>
-                </a:solidFill>
-                <a:latin typeface="Arial" charset="0"/>
-                <a:ea typeface="+mn-ea"/>
-                <a:cs typeface="+mn-cs"/>
-              </a:rPr>
-              <a:t>T</a:t>
-            </a:r>
-            <a:r>
-              <a:rPr lang="en-US" sz="1200" b="0" i="0" u="none" strike="noStrike" kern="1200" baseline="0" dirty="0">
-                <a:solidFill>
-                  <a:schemeClr val="tx1"/>
-                </a:solidFill>
-                <a:latin typeface="Arial" charset="0"/>
-                <a:ea typeface="+mn-ea"/>
-                <a:cs typeface="+mn-cs"/>
-              </a:rPr>
-              <a:t>2 with </a:t>
-            </a:r>
-            <a:r>
-              <a:rPr lang="en-US" sz="1200" b="0" i="1" u="none" strike="noStrike" kern="1200" baseline="0" dirty="0">
-                <a:solidFill>
-                  <a:schemeClr val="tx1"/>
-                </a:solidFill>
-                <a:latin typeface="Arial" charset="0"/>
-                <a:ea typeface="+mn-ea"/>
-                <a:cs typeface="+mn-cs"/>
-              </a:rPr>
-              <a:t>T</a:t>
-            </a:r>
-            <a:r>
-              <a:rPr lang="en-US" sz="1200" b="0" i="0" u="none" strike="noStrike" kern="1200" baseline="0" dirty="0">
-                <a:solidFill>
-                  <a:schemeClr val="tx1"/>
-                </a:solidFill>
-                <a:latin typeface="Arial" charset="0"/>
-                <a:ea typeface="+mn-ea"/>
-                <a:cs typeface="+mn-cs"/>
-              </a:rPr>
-              <a:t>1, the attacker can identify that the first two records in </a:t>
-            </a:r>
-            <a:r>
-              <a:rPr lang="en-US" sz="1200" b="0" i="1" u="none" strike="noStrike" kern="1200" baseline="0" dirty="0">
-                <a:solidFill>
-                  <a:schemeClr val="tx1"/>
-                </a:solidFill>
-                <a:latin typeface="Arial" charset="0"/>
-                <a:ea typeface="+mn-ea"/>
-                <a:cs typeface="+mn-cs"/>
-              </a:rPr>
-              <a:t>T</a:t>
-            </a:r>
-            <a:r>
-              <a:rPr lang="en-US" sz="1200" b="0" i="0" u="none" strike="noStrike" kern="1200" baseline="0" dirty="0">
-                <a:solidFill>
-                  <a:schemeClr val="tx1"/>
-                </a:solidFill>
-                <a:latin typeface="Arial" charset="0"/>
-                <a:ea typeface="+mn-ea"/>
-                <a:cs typeface="+mn-cs"/>
-              </a:rPr>
-              <a:t>2 must</a:t>
-            </a:r>
-          </a:p>
-          <a:p>
-            <a:r>
-              <a:rPr lang="en-US" sz="1200" b="0" i="0" u="none" strike="noStrike" kern="1200" baseline="0" dirty="0">
-                <a:solidFill>
-                  <a:schemeClr val="tx1"/>
-                </a:solidFill>
-                <a:latin typeface="Arial" charset="0"/>
-                <a:ea typeface="+mn-ea"/>
-                <a:cs typeface="+mn-cs"/>
-              </a:rPr>
-              <a:t>be old records from </a:t>
-            </a:r>
-            <a:r>
-              <a:rPr lang="en-US" sz="1200" b="0" i="1" u="none" strike="noStrike" kern="1200" baseline="0" dirty="0">
-                <a:solidFill>
-                  <a:schemeClr val="tx1"/>
-                </a:solidFill>
-                <a:latin typeface="Arial" charset="0"/>
-                <a:ea typeface="+mn-ea"/>
-                <a:cs typeface="+mn-cs"/>
-              </a:rPr>
-              <a:t>T</a:t>
-            </a:r>
-            <a:r>
-              <a:rPr lang="en-US" sz="1200" b="0" i="0" u="none" strike="noStrike" kern="1200" baseline="0" dirty="0">
-                <a:solidFill>
-                  <a:schemeClr val="tx1"/>
-                </a:solidFill>
-                <a:latin typeface="Arial" charset="0"/>
-                <a:ea typeface="+mn-ea"/>
-                <a:cs typeface="+mn-cs"/>
-              </a:rPr>
-              <a:t>1 and, thus, infer that Alice must have contracted </a:t>
-            </a:r>
-            <a:r>
-              <a:rPr lang="en-US" sz="1200" b="0" i="1" u="none" strike="noStrike" kern="1200" baseline="0" dirty="0">
-                <a:solidFill>
-                  <a:schemeClr val="tx1"/>
-                </a:solidFill>
-                <a:latin typeface="Arial" charset="0"/>
-                <a:ea typeface="+mn-ea"/>
-                <a:cs typeface="+mn-cs"/>
-              </a:rPr>
-              <a:t>HIV</a:t>
-            </a:r>
-            <a:r>
-              <a:rPr lang="en-US" sz="1200" b="0" i="0" u="none" strike="noStrike" kern="1200" baseline="0" dirty="0">
-                <a:solidFill>
-                  <a:schemeClr val="tx1"/>
-                </a:solidFill>
-                <a:latin typeface="Arial" charset="0"/>
-                <a:ea typeface="+mn-ea"/>
-                <a:cs typeface="+mn-cs"/>
-              </a:rPr>
-              <a:t>.</a:t>
-            </a:r>
-            <a:endParaRPr lang="de-DE" dirty="0"/>
-          </a:p>
-        </p:txBody>
-      </p:sp>
-      <p:sp>
-        <p:nvSpPr>
-          <p:cNvPr id="4" name="Foliennummernplatzhalter 3"/>
-          <p:cNvSpPr>
-            <a:spLocks noGrp="1"/>
-          </p:cNvSpPr>
-          <p:nvPr>
-            <p:ph type="sldNum" sz="quarter" idx="10"/>
-          </p:nvPr>
-        </p:nvSpPr>
-        <p:spPr/>
-        <p:txBody>
-          <a:bodyPr/>
-          <a:lstStyle/>
-          <a:p>
-            <a:pPr>
-              <a:defRPr/>
-            </a:pPr>
-            <a:fld id="{4351B0B5-D942-48DD-B88D-7AC11D76AF21}" type="slidenum">
-              <a:rPr lang="de-DE" smtClean="0"/>
-              <a:pPr>
-                <a:defRPr/>
-              </a:pPr>
-              <a:t>23</a:t>
-            </a:fld>
-            <a:endParaRPr lang="de-DE" dirty="0"/>
-          </a:p>
-        </p:txBody>
-      </p:sp>
-    </p:spTree>
-    <p:extLst>
-      <p:ext uri="{BB962C8B-B14F-4D97-AF65-F5344CB8AC3E}">
-        <p14:creationId xmlns:p14="http://schemas.microsoft.com/office/powerpoint/2010/main" val="3397008944"/>
+        <p14:creationId xmlns:p14="http://schemas.microsoft.com/office/powerpoint/2010/main" val="2937820869"/>
       </p:ext>
     </p:extLst>
   </p:cSld>
@@ -6792,312 +6307,41 @@
           <a:chExt cx="0" cy="0"/>
         </a:xfrm>
       </p:grpSpPr>
-      <mc:AlternateContent xmlns:mc="http://schemas.openxmlformats.org/markup-compatibility/2006" xmlns:a14="http://schemas.microsoft.com/office/drawing/2010/main">
-        <mc:Choice Requires="a14">
-          <p:sp>
-            <p:nvSpPr>
-              <p:cNvPr id="2" name="Textplatzhalter 1">
-                <a:extLst>
-                  <a:ext uri="{FF2B5EF4-FFF2-40B4-BE49-F238E27FC236}">
-                    <a16:creationId xmlns:a16="http://schemas.microsoft.com/office/drawing/2014/main" id="{18C46945-AD05-4FAB-A28A-B0760EC3A1B6}"/>
-                  </a:ext>
-                </a:extLst>
-              </p:cNvPr>
-              <p:cNvSpPr>
-                <a:spLocks noGrp="1"/>
-              </p:cNvSpPr>
-              <p:nvPr>
-                <p:ph type="body" sz="quarter" idx="13"/>
-              </p:nvPr>
-            </p:nvSpPr>
-            <p:spPr/>
-            <p:txBody>
-              <a:bodyPr/>
-              <a:lstStyle/>
-              <a:p>
-                <a:r>
-                  <a:rPr lang="en-US" dirty="0"/>
-                  <a:t>Definition:</a:t>
-                </a:r>
-              </a:p>
-              <a:p>
-                <a:pPr lvl="1"/>
-                <a:r>
-                  <a:rPr lang="en-US" dirty="0"/>
-                  <a:t>A table is l-diverse if there are at least l “</a:t>
-                </a:r>
-                <a:r>
-                  <a:rPr lang="en-US" b="1" dirty="0"/>
-                  <a:t>well represented</a:t>
-                </a:r>
-                <a:r>
-                  <a:rPr lang="en-US" dirty="0"/>
-                  <a:t>” values for the sensitive attribute</a:t>
-                </a:r>
-              </a:p>
-              <a:p>
-                <a:r>
-                  <a:rPr lang="en-US" dirty="0"/>
-                  <a:t>Distinct l-diversity</a:t>
-                </a:r>
-              </a:p>
-              <a:p>
-                <a:pPr lvl="1"/>
-                <a:r>
-                  <a:rPr lang="en-US" dirty="0"/>
-                  <a:t>The simplest definition </a:t>
-                </a:r>
-              </a:p>
-              <a:p>
-                <a:pPr lvl="2"/>
-                <a:r>
-                  <a:rPr lang="en-US" dirty="0"/>
-                  <a:t>ensures that at least </a:t>
-                </a:r>
-                <a:r>
-                  <a:rPr lang="en-US" i="1" dirty="0"/>
-                  <a:t>l</a:t>
-                </a:r>
-                <a:r>
-                  <a:rPr lang="en-US" dirty="0"/>
-                  <a:t> distinct values for the sensitive field</a:t>
-                </a:r>
-              </a:p>
-              <a:p>
-                <a:r>
-                  <a:rPr lang="en-US" dirty="0"/>
-                  <a:t>Entropy l-diversity </a:t>
-                </a:r>
-              </a:p>
-              <a:p>
-                <a:pPr lvl="1"/>
-                <a14:m>
-                  <m:oMath xmlns:m="http://schemas.openxmlformats.org/officeDocument/2006/math">
-                    <m:r>
-                      <a:rPr lang="de-DE" b="0" i="1" smtClean="0">
-                        <a:latin typeface="Cambria Math" panose="02040503050406030204" pitchFamily="18" charset="0"/>
-                      </a:rPr>
-                      <m:t>𝐸𝑛𝑡𝑟𝑜𝑝𝑦</m:t>
-                    </m:r>
-                    <m:r>
-                      <a:rPr lang="de-DE" b="0" i="1" smtClean="0">
-                        <a:latin typeface="Cambria Math" panose="02040503050406030204" pitchFamily="18" charset="0"/>
-                      </a:rPr>
-                      <m:t> </m:t>
-                    </m:r>
-                    <m:d>
-                      <m:dPr>
-                        <m:ctrlPr>
-                          <a:rPr lang="de-DE" b="0" i="1" smtClean="0">
-                            <a:latin typeface="Cambria Math" panose="02040503050406030204" pitchFamily="18" charset="0"/>
-                          </a:rPr>
-                        </m:ctrlPr>
-                      </m:dPr>
-                      <m:e>
-                        <m:r>
-                          <a:rPr lang="de-DE" b="0" i="1" smtClean="0">
-                            <a:latin typeface="Cambria Math" panose="02040503050406030204" pitchFamily="18" charset="0"/>
-                          </a:rPr>
-                          <m:t>𝐸</m:t>
-                        </m:r>
-                      </m:e>
-                    </m:d>
-                    <m:r>
-                      <a:rPr lang="de-DE" b="0" i="1" smtClean="0">
-                        <a:latin typeface="Cambria Math" panose="02040503050406030204" pitchFamily="18" charset="0"/>
-                      </a:rPr>
-                      <m:t>=−</m:t>
-                    </m:r>
-                    <m:nary>
-                      <m:naryPr>
-                        <m:chr m:val="∑"/>
-                        <m:ctrlPr>
-                          <a:rPr lang="de-DE" b="0" i="1" smtClean="0">
-                            <a:latin typeface="Cambria Math" panose="02040503050406030204" pitchFamily="18" charset="0"/>
-                          </a:rPr>
-                        </m:ctrlPr>
-                      </m:naryPr>
-                      <m:sub>
-                        <m:r>
-                          <m:rPr>
-                            <m:brk m:alnAt="23"/>
-                          </m:rPr>
-                          <a:rPr lang="de-DE" b="0" i="1" smtClean="0">
-                            <a:latin typeface="Cambria Math" panose="02040503050406030204" pitchFamily="18" charset="0"/>
-                          </a:rPr>
-                          <m:t>𝑠</m:t>
-                        </m:r>
-                        <m:r>
-                          <a:rPr lang="de-DE" b="0" i="1" smtClean="0">
-                            <a:latin typeface="Cambria Math" panose="02040503050406030204" pitchFamily="18" charset="0"/>
-                          </a:rPr>
-                          <m:t> ∈</m:t>
-                        </m:r>
-                        <m:r>
-                          <a:rPr lang="de-DE" b="0" i="1" smtClean="0">
-                            <a:latin typeface="Cambria Math" panose="02040503050406030204" pitchFamily="18" charset="0"/>
-                            <a:ea typeface="Cambria Math" panose="02040503050406030204" pitchFamily="18" charset="0"/>
-                          </a:rPr>
-                          <m:t>𝑆</m:t>
-                        </m:r>
-                      </m:sub>
-                      <m:sup/>
-                      <m:e>
-                        <m:r>
-                          <a:rPr lang="de-DE" b="0" i="1" smtClean="0">
-                            <a:latin typeface="Cambria Math" panose="02040503050406030204" pitchFamily="18" charset="0"/>
-                          </a:rPr>
-                          <m:t>𝑝</m:t>
-                        </m:r>
-                        <m:d>
-                          <m:dPr>
-                            <m:ctrlPr>
-                              <a:rPr lang="de-DE" b="0" i="1" smtClean="0">
-                                <a:latin typeface="Cambria Math" panose="02040503050406030204" pitchFamily="18" charset="0"/>
-                              </a:rPr>
-                            </m:ctrlPr>
-                          </m:dPr>
-                          <m:e>
-                            <m:r>
-                              <a:rPr lang="de-DE" b="0" i="1" smtClean="0">
-                                <a:latin typeface="Cambria Math" panose="02040503050406030204" pitchFamily="18" charset="0"/>
-                              </a:rPr>
-                              <m:t>𝐸</m:t>
-                            </m:r>
-                            <m:r>
-                              <a:rPr lang="de-DE" b="0" i="1" smtClean="0">
-                                <a:latin typeface="Cambria Math" panose="02040503050406030204" pitchFamily="18" charset="0"/>
-                              </a:rPr>
-                              <m:t>,</m:t>
-                            </m:r>
-                            <m:r>
-                              <a:rPr lang="de-DE" b="0" i="1" smtClean="0">
-                                <a:latin typeface="Cambria Math" panose="02040503050406030204" pitchFamily="18" charset="0"/>
-                              </a:rPr>
-                              <m:t>𝑠</m:t>
-                            </m:r>
-                          </m:e>
-                        </m:d>
-                        <m:func>
-                          <m:funcPr>
-                            <m:ctrlPr>
-                              <a:rPr lang="de-DE" b="0" i="1" smtClean="0">
-                                <a:latin typeface="Cambria Math" panose="02040503050406030204" pitchFamily="18" charset="0"/>
-                              </a:rPr>
-                            </m:ctrlPr>
-                          </m:funcPr>
-                          <m:fName>
-                            <m:r>
-                              <m:rPr>
-                                <m:sty m:val="p"/>
-                              </m:rPr>
-                              <a:rPr lang="de-DE" b="0" i="0" smtClean="0">
-                                <a:latin typeface="Cambria Math" panose="02040503050406030204" pitchFamily="18" charset="0"/>
-                              </a:rPr>
-                              <m:t>log</m:t>
-                            </m:r>
-                          </m:fName>
-                          <m:e>
-                            <m:r>
-                              <a:rPr lang="de-DE" b="0" i="1" smtClean="0">
-                                <a:latin typeface="Cambria Math" panose="02040503050406030204" pitchFamily="18" charset="0"/>
-                              </a:rPr>
-                              <m:t>𝑝</m:t>
-                            </m:r>
-                            <m:r>
-                              <a:rPr lang="de-DE" b="0" i="1" smtClean="0">
-                                <a:latin typeface="Cambria Math" panose="02040503050406030204" pitchFamily="18" charset="0"/>
-                              </a:rPr>
-                              <m:t>(</m:t>
-                            </m:r>
-                            <m:r>
-                              <a:rPr lang="de-DE" b="0" i="1" smtClean="0">
-                                <a:latin typeface="Cambria Math" panose="02040503050406030204" pitchFamily="18" charset="0"/>
-                              </a:rPr>
-                              <m:t>𝐸</m:t>
-                            </m:r>
-                            <m:r>
-                              <a:rPr lang="de-DE" b="0" i="1" smtClean="0">
-                                <a:latin typeface="Cambria Math" panose="02040503050406030204" pitchFamily="18" charset="0"/>
-                              </a:rPr>
-                              <m:t>,</m:t>
-                            </m:r>
-                            <m:r>
-                              <a:rPr lang="de-DE" b="0" i="1" smtClean="0">
-                                <a:latin typeface="Cambria Math" panose="02040503050406030204" pitchFamily="18" charset="0"/>
-                              </a:rPr>
-                              <m:t>𝑠</m:t>
-                            </m:r>
-                            <m:r>
-                              <a:rPr lang="de-DE" b="0" i="1" smtClean="0">
-                                <a:latin typeface="Cambria Math" panose="02040503050406030204" pitchFamily="18" charset="0"/>
-                              </a:rPr>
-                              <m:t>)</m:t>
-                            </m:r>
-                          </m:e>
-                        </m:func>
-                      </m:e>
-                    </m:nary>
-                  </m:oMath>
-                </a14:m>
-                <a:endParaRPr lang="en-US" dirty="0"/>
-              </a:p>
-              <a:p>
-                <a:pPr lvl="1"/>
-                <a:r>
-                  <a:rPr lang="en-US" dirty="0"/>
-                  <a:t>l-diversity if for every equivalence class E, Entropy(E) ≥ log l </a:t>
-                </a:r>
-              </a:p>
-            </p:txBody>
-          </p:sp>
-        </mc:Choice>
-        <mc:Fallback xmlns="">
-          <p:sp>
-            <p:nvSpPr>
-              <p:cNvPr id="2" name="Textplatzhalter 1">
-                <a:extLst>
-                  <a:ext uri="{FF2B5EF4-FFF2-40B4-BE49-F238E27FC236}">
-                    <a16:creationId xmlns:a16="http://schemas.microsoft.com/office/drawing/2014/main" id="{18C46945-AD05-4FAB-A28A-B0760EC3A1B6}"/>
-                  </a:ext>
-                </a:extLst>
-              </p:cNvPr>
-              <p:cNvSpPr>
-                <a:spLocks noGrp="1" noRot="1" noChangeAspect="1" noMove="1" noResize="1" noEditPoints="1" noAdjustHandles="1" noChangeArrowheads="1" noChangeShapeType="1" noTextEdit="1"/>
-              </p:cNvSpPr>
-              <p:nvPr>
-                <p:ph type="body" sz="quarter" idx="13"/>
-              </p:nvPr>
-            </p:nvSpPr>
-            <p:spPr>
-              <a:blipFill>
-                <a:blip r:embed="rId3"/>
-                <a:stretch>
-                  <a:fillRect l="-356" t="-662"/>
-                </a:stretch>
-              </a:blipFill>
-            </p:spPr>
-            <p:txBody>
-              <a:bodyPr/>
-              <a:lstStyle/>
-              <a:p>
-                <a:r>
-                  <a:rPr lang="en-US">
-                    <a:noFill/>
-                  </a:rPr>
-                  <a:t> </a:t>
-                </a:r>
-              </a:p>
-            </p:txBody>
-          </p:sp>
-        </mc:Fallback>
-      </mc:AlternateContent>
+      <p:sp>
+        <p:nvSpPr>
+          <p:cNvPr id="2" name="Titel 1">
+            <a:extLst>
+              <a:ext uri="{FF2B5EF4-FFF2-40B4-BE49-F238E27FC236}">
+                <a16:creationId xmlns:a16="http://schemas.microsoft.com/office/drawing/2014/main" id="{5DFF05F5-BFE1-403A-A36E-6A2828649D6F}"/>
+              </a:ext>
+            </a:extLst>
+          </p:cNvPr>
+          <p:cNvSpPr>
+            <a:spLocks noGrp="1"/>
+          </p:cNvSpPr>
+          <p:nvPr>
+            <p:ph type="title"/>
+          </p:nvPr>
+        </p:nvSpPr>
+        <p:spPr/>
+        <p:txBody>
+          <a:bodyPr/>
+          <a:lstStyle/>
+          <a:p>
+            <a:r>
+              <a:rPr lang="de-DE" sz="2400" b="1" dirty="0"/>
+              <a:t>5. Extended Scenarios - Multiple Release Publishing</a:t>
+            </a:r>
+            <a:endParaRPr lang="de-DE" sz="2400" dirty="0"/>
+          </a:p>
+        </p:txBody>
+      </p:sp>
       <p:sp>
         <p:nvSpPr>
           <p:cNvPr id="3" name="Datumsplatzhalter 2">
             <a:extLst>
               <a:ext uri="{FF2B5EF4-FFF2-40B4-BE49-F238E27FC236}">
-                <a16:creationId xmlns:a16="http://schemas.microsoft.com/office/drawing/2014/main" id="{3747FE7D-B712-4418-99A5-34C36589CF8E}"/>
+                <a16:creationId xmlns:a16="http://schemas.microsoft.com/office/drawing/2014/main" id="{90B812E9-FF67-440E-8D43-E9D95CEADC88}"/>
               </a:ext>
             </a:extLst>
           </p:cNvPr>
@@ -7105,7 +6349,40 @@
             <a:spLocks noGrp="1"/>
           </p:cNvSpPr>
           <p:nvPr>
-            <p:ph type="dt" sz="half" idx="14"/>
+            <p:ph type="dt" sz="half" idx="4294967295"/>
+          </p:nvPr>
+        </p:nvSpPr>
+        <p:spPr>
+          <a:xfrm>
+            <a:off x="1331913" y="6208713"/>
+            <a:ext cx="1296987" cy="476250"/>
+          </a:xfrm>
+        </p:spPr>
+        <p:txBody>
+          <a:bodyPr/>
+          <a:lstStyle/>
+          <a:p>
+            <a:r>
+              <a:rPr lang="de-DE" dirty="0"/>
+              <a:t>30.01.2018</a:t>
+            </a:r>
+          </a:p>
+        </p:txBody>
+      </p:sp>
+      <p:sp>
+        <p:nvSpPr>
+          <p:cNvPr id="4" name="Fußzeilenplatzhalter 3">
+            <a:extLst>
+              <a:ext uri="{FF2B5EF4-FFF2-40B4-BE49-F238E27FC236}">
+                <a16:creationId xmlns:a16="http://schemas.microsoft.com/office/drawing/2014/main" id="{830002ED-C0A7-4887-8B84-D46B721CD647}"/>
+              </a:ext>
+            </a:extLst>
+          </p:cNvPr>
+          <p:cNvSpPr>
+            <a:spLocks noGrp="1"/>
+          </p:cNvSpPr>
+          <p:nvPr>
+            <p:ph type="ftr" sz="quarter" idx="11"/>
           </p:nvPr>
         </p:nvSpPr>
         <p:spPr/>
@@ -7114,19 +6391,18 @@
           <a:lstStyle/>
           <a:p>
             <a:r>
-              <a:rPr lang="de-DE"/>
-              <a:t>30.01.2018</a:t>
-            </a:r>
-            <a:endParaRPr lang="de-DE" dirty="0"/>
-          </a:p>
-        </p:txBody>
-      </p:sp>
-      <p:sp>
-        <p:nvSpPr>
-          <p:cNvPr id="4" name="Fußzeilenplatzhalter 3">
-            <a:extLst>
-              <a:ext uri="{FF2B5EF4-FFF2-40B4-BE49-F238E27FC236}">
-                <a16:creationId xmlns:a16="http://schemas.microsoft.com/office/drawing/2014/main" id="{EFA8983E-DF29-4EBC-AD6B-2651C7AFF07B}"/>
+              <a:rPr lang="de-DE" dirty="0"/>
+              <a:t>Andreas Wiegand &amp; Ludwig Schallner</a:t>
+            </a:r>
+          </a:p>
+        </p:txBody>
+      </p:sp>
+      <p:sp>
+        <p:nvSpPr>
+          <p:cNvPr id="5" name="Textplatzhalter 4">
+            <a:extLst>
+              <a:ext uri="{FF2B5EF4-FFF2-40B4-BE49-F238E27FC236}">
+                <a16:creationId xmlns:a16="http://schemas.microsoft.com/office/drawing/2014/main" id="{817EA547-F858-48D5-A99A-AC24CC5B1BEE}"/>
               </a:ext>
             </a:extLst>
           </p:cNvPr>
@@ -7134,7 +6410,7 @@
             <a:spLocks noGrp="1"/>
           </p:cNvSpPr>
           <p:nvPr>
-            <p:ph type="ftr" sz="quarter" idx="15"/>
+            <p:ph type="body" sz="quarter" idx="13"/>
           </p:nvPr>
         </p:nvSpPr>
         <p:spPr/>
@@ -7143,19 +6419,48 @@
           <a:lstStyle/>
           <a:p>
             <a:r>
-              <a:rPr lang="de-DE"/>
-              <a:t>Schallner Ludwig, Wiegnand Andreas</a:t>
-            </a:r>
-            <a:endParaRPr lang="de-DE" dirty="0"/>
-          </a:p>
-        </p:txBody>
-      </p:sp>
-      <p:sp>
-        <p:nvSpPr>
-          <p:cNvPr id="5" name="Foliennummernplatzhalter 4">
-            <a:extLst>
-              <a:ext uri="{FF2B5EF4-FFF2-40B4-BE49-F238E27FC236}">
-                <a16:creationId xmlns:a16="http://schemas.microsoft.com/office/drawing/2014/main" id="{ABB5DF7C-AA19-485B-AD25-307B8FD270AE}"/>
+              <a:rPr lang="de-DE" dirty="0"/>
+              <a:t>Different data recipients got different claims to the data</a:t>
+            </a:r>
+          </a:p>
+          <a:p>
+            <a:r>
+              <a:rPr lang="de-DE" dirty="0"/>
+              <a:t>T(Job, Sex, Age, Race, Disease, Salary)</a:t>
+            </a:r>
+          </a:p>
+          <a:p>
+            <a:r>
+              <a:rPr lang="de-DE" dirty="0"/>
+              <a:t>Another is intereset in {JOB, AGE, RACE}</a:t>
+            </a:r>
+          </a:p>
+          <a:p>
+            <a:r>
+              <a:rPr lang="de-DE" dirty="0"/>
+              <a:t>Realse one table with {JOB, Sex, Age, Race}</a:t>
+            </a:r>
+          </a:p>
+          <a:p>
+            <a:r>
+              <a:rPr lang="en-US" dirty="0"/>
+              <a:t>A drawback is that information is released unnecessarily, in that neither of the two purposes needs all four attributes</a:t>
+            </a:r>
+          </a:p>
+          <a:p>
+            <a:r>
+              <a:rPr lang="en-US" dirty="0"/>
+              <a:t>They take the QID and merge their releases together</a:t>
+            </a:r>
+          </a:p>
+        </p:txBody>
+      </p:sp>
+      <p:sp>
+        <p:nvSpPr>
+          <p:cNvPr id="6" name="Foliennummernplatzhalter 5">
+            <a:extLst>
+              <a:ext uri="{FF2B5EF4-FFF2-40B4-BE49-F238E27FC236}">
+                <a16:creationId xmlns:a16="http://schemas.microsoft.com/office/drawing/2014/main" id="{1A5F5161-AF90-426C-A082-2392411945CF}"/>
               </a:ext>
             </a:extLst>
           </p:cNvPr>
@@ -7163,7 +6468,7 @@
             <a:spLocks noGrp="1"/>
           </p:cNvSpPr>
           <p:nvPr>
-            <p:ph type="sldNum" sz="quarter" idx="16"/>
+            <p:ph type="sldNum" sz="quarter" idx="12"/>
           </p:nvPr>
         </p:nvSpPr>
         <p:spPr/>
@@ -7176,42 +6481,14 @@
               <a:pPr/>
               <a:t>13</a:t>
             </a:fld>
-            <a:endParaRPr lang="de-DE"/>
-          </a:p>
-        </p:txBody>
-      </p:sp>
-      <p:sp>
-        <p:nvSpPr>
-          <p:cNvPr id="6" name="Titel 5">
-            <a:extLst>
-              <a:ext uri="{FF2B5EF4-FFF2-40B4-BE49-F238E27FC236}">
-                <a16:creationId xmlns:a16="http://schemas.microsoft.com/office/drawing/2014/main" id="{70AC9209-5E89-4065-840E-6FECF1F86379}"/>
-              </a:ext>
-            </a:extLst>
-          </p:cNvPr>
-          <p:cNvSpPr>
-            <a:spLocks noGrp="1"/>
-          </p:cNvSpPr>
-          <p:nvPr>
-            <p:ph type="title"/>
-          </p:nvPr>
-        </p:nvSpPr>
-        <p:spPr/>
-        <p:txBody>
-          <a:bodyPr/>
-          <a:lstStyle/>
-          <a:p>
-            <a:r>
-              <a:rPr lang="en-US" dirty="0"/>
-              <a:t>L-Diversity</a:t>
-            </a:r>
+            <a:endParaRPr lang="de-DE" dirty="0"/>
           </a:p>
         </p:txBody>
       </p:sp>
     </p:spTree>
     <p:extLst>
       <p:ext uri="{BB962C8B-B14F-4D97-AF65-F5344CB8AC3E}">
-        <p14:creationId xmlns:p14="http://schemas.microsoft.com/office/powerpoint/2010/main" val="3387551990"/>
+        <p14:creationId xmlns:p14="http://schemas.microsoft.com/office/powerpoint/2010/main" val="839178868"/>
       </p:ext>
     </p:extLst>
   </p:cSld>
@@ -7240,10 +6517,10 @@
       </p:grpSpPr>
       <p:sp>
         <p:nvSpPr>
-          <p:cNvPr id="2" name="Textplatzhalter 1">
-            <a:extLst>
-              <a:ext uri="{FF2B5EF4-FFF2-40B4-BE49-F238E27FC236}">
-                <a16:creationId xmlns:a16="http://schemas.microsoft.com/office/drawing/2014/main" id="{6B941A83-4BB8-4716-8A05-BDBD6A692FBA}"/>
+          <p:cNvPr id="2" name="Titel 1">
+            <a:extLst>
+              <a:ext uri="{FF2B5EF4-FFF2-40B4-BE49-F238E27FC236}">
+                <a16:creationId xmlns:a16="http://schemas.microsoft.com/office/drawing/2014/main" id="{A250AA1D-CBA5-4BF9-827F-0AC0BEF9E671}"/>
               </a:ext>
             </a:extLst>
           </p:cNvPr>
@@ -7251,7 +6528,7 @@
             <a:spLocks noGrp="1"/>
           </p:cNvSpPr>
           <p:nvPr>
-            <p:ph type="body" sz="quarter" idx="13"/>
+            <p:ph type="title"/>
           </p:nvPr>
         </p:nvSpPr>
         <p:spPr/>
@@ -7260,185 +6537,10 @@
           <a:lstStyle/>
           <a:p>
             <a:r>
-              <a:rPr lang="en-US" dirty="0"/>
-              <a:t>Recursive (</a:t>
-            </a:r>
-            <a:r>
-              <a:rPr lang="en-US" i="1" dirty="0"/>
-              <a:t>c, l</a:t>
-            </a:r>
-            <a:r>
-              <a:rPr lang="en-US" dirty="0"/>
-              <a:t>)-diversity.</a:t>
-            </a:r>
-          </a:p>
-          <a:p>
-            <a:pPr lvl="1"/>
-            <a:r>
-              <a:rPr lang="en-US" dirty="0"/>
-              <a:t>Makes sure that most frequent values not too often and</a:t>
-            </a:r>
-          </a:p>
-          <a:p>
-            <a:pPr lvl="1"/>
-            <a:r>
-              <a:rPr lang="en-US" dirty="0"/>
-              <a:t>Most less frequent not too rarely</a:t>
-            </a:r>
-          </a:p>
-          <a:p>
-            <a:pPr lvl="1"/>
-            <a:r>
-              <a:rPr lang="en-US" dirty="0"/>
-              <a:t>Compromise between the prior ones </a:t>
-            </a:r>
-          </a:p>
-          <a:p>
-            <a:pPr lvl="2"/>
-            <a:r>
-              <a:rPr lang="en-US" dirty="0"/>
-              <a:t>Let</a:t>
-            </a:r>
-            <a:r>
-              <a:rPr lang="en-US" i="1" dirty="0"/>
-              <a:t> m </a:t>
-            </a:r>
-            <a:r>
-              <a:rPr lang="en-US" dirty="0"/>
-              <a:t>be the number of values in a equivalent class</a:t>
-            </a:r>
-          </a:p>
-          <a:p>
-            <a:pPr lvl="2"/>
-            <a:r>
-              <a:rPr lang="en-US" dirty="0"/>
-              <a:t>And</a:t>
-            </a:r>
-            <a:r>
-              <a:rPr lang="en-US" i="1" dirty="0"/>
-              <a:t> </a:t>
-            </a:r>
-            <a:r>
-              <a:rPr lang="en-US" i="1" dirty="0" err="1"/>
-              <a:t>r</a:t>
-            </a:r>
-            <a:r>
-              <a:rPr lang="en-US" baseline="-25000" dirty="0" err="1"/>
-              <a:t>i</a:t>
-            </a:r>
-            <a:r>
-              <a:rPr lang="en-US" baseline="-25000" dirty="0"/>
-              <a:t> </a:t>
-            </a:r>
-            <a:r>
-              <a:rPr lang="en-US" dirty="0"/>
-              <a:t>, l &lt;= </a:t>
-            </a:r>
-            <a:r>
-              <a:rPr lang="en-US" dirty="0" err="1"/>
-              <a:t>i</a:t>
-            </a:r>
-            <a:r>
-              <a:rPr lang="en-US" dirty="0"/>
-              <a:t> &lt;= m</a:t>
-            </a:r>
-          </a:p>
-          <a:p>
-            <a:pPr lvl="2"/>
-            <a:r>
-              <a:rPr lang="en-US" dirty="0"/>
-              <a:t>Then </a:t>
-            </a:r>
-            <a:r>
-              <a:rPr lang="en-US" i="1" dirty="0"/>
-              <a:t>E </a:t>
-            </a:r>
-            <a:r>
-              <a:rPr lang="en-US" dirty="0"/>
-              <a:t>is said to have recursive ((</a:t>
-            </a:r>
-            <a:r>
-              <a:rPr lang="en-US" i="1" dirty="0"/>
-              <a:t>c, l</a:t>
-            </a:r>
-            <a:r>
-              <a:rPr lang="en-US" dirty="0"/>
-              <a:t>)-diversity if </a:t>
-            </a:r>
-            <a:r>
-              <a:rPr lang="en-US" i="1" dirty="0"/>
-              <a:t>r</a:t>
-            </a:r>
-            <a:r>
-              <a:rPr lang="en-US" sz="1800" baseline="-25000" dirty="0"/>
-              <a:t>1</a:t>
-            </a:r>
-            <a:r>
-              <a:rPr lang="en-US" baseline="-25000" dirty="0"/>
-              <a:t> </a:t>
-            </a:r>
-            <a:r>
-              <a:rPr lang="en-US" i="1" dirty="0"/>
-              <a:t>&lt; c</a:t>
-            </a:r>
-            <a:r>
-              <a:rPr lang="en-US" dirty="0"/>
-              <a:t>(</a:t>
-            </a:r>
-            <a:r>
-              <a:rPr lang="en-US" i="1" dirty="0" err="1"/>
-              <a:t>r</a:t>
-            </a:r>
-            <a:r>
-              <a:rPr lang="en-US" sz="1800" i="1" baseline="-25000" dirty="0" err="1"/>
-              <a:t>l</a:t>
-            </a:r>
-            <a:r>
-              <a:rPr lang="en-US" sz="400" i="1" dirty="0"/>
-              <a:t> </a:t>
-            </a:r>
-            <a:r>
-              <a:rPr lang="en-US" dirty="0"/>
-              <a:t>+</a:t>
-            </a:r>
-            <a:r>
-              <a:rPr lang="en-US" i="1" dirty="0"/>
-              <a:t>r</a:t>
-            </a:r>
-            <a:r>
-              <a:rPr lang="en-US" i="1" baseline="-25000" dirty="0"/>
-              <a:t>l+1</a:t>
-            </a:r>
-            <a:r>
-              <a:rPr lang="en-US" dirty="0"/>
-              <a:t>+.</a:t>
-            </a:r>
-            <a:r>
-              <a:rPr lang="en-US" i="1" dirty="0"/>
-              <a:t>..</a:t>
-            </a:r>
-            <a:r>
-              <a:rPr lang="en-US" dirty="0"/>
-              <a:t>+</a:t>
-            </a:r>
-            <a:r>
-              <a:rPr lang="en-US" i="1" dirty="0" err="1"/>
-              <a:t>r</a:t>
-            </a:r>
-            <a:r>
-              <a:rPr lang="en-US" i="1" baseline="-25000" dirty="0" err="1"/>
-              <a:t>m</a:t>
-            </a:r>
-            <a:r>
-              <a:rPr lang="en-US" dirty="0"/>
-              <a:t>)</a:t>
-            </a:r>
-          </a:p>
-          <a:p>
-            <a:pPr marL="0" indent="0">
-              <a:buNone/>
-            </a:pPr>
-            <a:endParaRPr lang="en-US" dirty="0"/>
+              <a:rPr lang="de-DE" sz="2400" b="1" dirty="0"/>
+              <a:t>5. Extended Scenarios – Multiple Release Publishing</a:t>
+            </a:r>
+            <a:endParaRPr lang="de-DE" sz="2400" dirty="0"/>
           </a:p>
         </p:txBody>
       </p:sp>
@@ -7447,1248 +6549,7 @@
           <p:cNvPr id="3" name="Datumsplatzhalter 2">
             <a:extLst>
               <a:ext uri="{FF2B5EF4-FFF2-40B4-BE49-F238E27FC236}">
-                <a16:creationId xmlns:a16="http://schemas.microsoft.com/office/drawing/2014/main" id="{73A2A1FE-83FE-487A-9105-1D95C041988C}"/>
-              </a:ext>
-            </a:extLst>
-          </p:cNvPr>
-          <p:cNvSpPr>
-            <a:spLocks noGrp="1"/>
-          </p:cNvSpPr>
-          <p:nvPr>
-            <p:ph type="dt" sz="half" idx="14"/>
-          </p:nvPr>
-        </p:nvSpPr>
-        <p:spPr/>
-        <p:txBody>
-          <a:bodyPr/>
-          <a:lstStyle/>
-          <a:p>
-            <a:r>
-              <a:rPr lang="de-DE"/>
-              <a:t>30.01.2018</a:t>
-            </a:r>
-            <a:endParaRPr lang="de-DE" dirty="0"/>
-          </a:p>
-        </p:txBody>
-      </p:sp>
-      <p:sp>
-        <p:nvSpPr>
-          <p:cNvPr id="4" name="Fußzeilenplatzhalter 3">
-            <a:extLst>
-              <a:ext uri="{FF2B5EF4-FFF2-40B4-BE49-F238E27FC236}">
-                <a16:creationId xmlns:a16="http://schemas.microsoft.com/office/drawing/2014/main" id="{98378E79-B487-426A-AF28-48D8BAFB8414}"/>
-              </a:ext>
-            </a:extLst>
-          </p:cNvPr>
-          <p:cNvSpPr>
-            <a:spLocks noGrp="1"/>
-          </p:cNvSpPr>
-          <p:nvPr>
-            <p:ph type="ftr" sz="quarter" idx="15"/>
-          </p:nvPr>
-        </p:nvSpPr>
-        <p:spPr/>
-        <p:txBody>
-          <a:bodyPr/>
-          <a:lstStyle/>
-          <a:p>
-            <a:r>
-              <a:rPr lang="de-DE"/>
-              <a:t>Schallner Ludwig, Wiegnand Andreas</a:t>
-            </a:r>
-            <a:endParaRPr lang="de-DE" dirty="0"/>
-          </a:p>
-        </p:txBody>
-      </p:sp>
-      <p:sp>
-        <p:nvSpPr>
-          <p:cNvPr id="5" name="Foliennummernplatzhalter 4">
-            <a:extLst>
-              <a:ext uri="{FF2B5EF4-FFF2-40B4-BE49-F238E27FC236}">
-                <a16:creationId xmlns:a16="http://schemas.microsoft.com/office/drawing/2014/main" id="{B10EAD66-757F-4810-AEDA-4E29FAA51CDD}"/>
-              </a:ext>
-            </a:extLst>
-          </p:cNvPr>
-          <p:cNvSpPr>
-            <a:spLocks noGrp="1"/>
-          </p:cNvSpPr>
-          <p:nvPr>
-            <p:ph type="sldNum" sz="quarter" idx="16"/>
-          </p:nvPr>
-        </p:nvSpPr>
-        <p:spPr/>
-        <p:txBody>
-          <a:bodyPr/>
-          <a:lstStyle/>
-          <a:p>
-            <a:fld id="{50E76E58-F275-47A3-BB17-470016A267B6}" type="slidenum">
-              <a:rPr lang="de-DE" smtClean="0"/>
-              <a:pPr/>
-              <a:t>14</a:t>
-            </a:fld>
-            <a:endParaRPr lang="de-DE"/>
-          </a:p>
-        </p:txBody>
-      </p:sp>
-      <p:sp>
-        <p:nvSpPr>
-          <p:cNvPr id="6" name="Titel 5">
-            <a:extLst>
-              <a:ext uri="{FF2B5EF4-FFF2-40B4-BE49-F238E27FC236}">
-                <a16:creationId xmlns:a16="http://schemas.microsoft.com/office/drawing/2014/main" id="{6702746B-B7F7-41CB-AF7C-EC3D1EEF89ED}"/>
-              </a:ext>
-            </a:extLst>
-          </p:cNvPr>
-          <p:cNvSpPr>
-            <a:spLocks noGrp="1"/>
-          </p:cNvSpPr>
-          <p:nvPr>
-            <p:ph type="title"/>
-          </p:nvPr>
-        </p:nvSpPr>
-        <p:spPr/>
-        <p:txBody>
-          <a:bodyPr/>
-          <a:lstStyle/>
-          <a:p>
-            <a:r>
-              <a:rPr lang="en-US" dirty="0"/>
-              <a:t>L-Diversity</a:t>
-            </a:r>
-          </a:p>
-        </p:txBody>
-      </p:sp>
-    </p:spTree>
-    <p:extLst>
-      <p:ext uri="{BB962C8B-B14F-4D97-AF65-F5344CB8AC3E}">
-        <p14:creationId xmlns:p14="http://schemas.microsoft.com/office/powerpoint/2010/main" val="2362292413"/>
-      </p:ext>
-    </p:extLst>
-  </p:cSld>
-  <p:clrMapOvr>
-    <a:masterClrMapping/>
-  </p:clrMapOvr>
-</p:sld>
-</file>
-
-<file path=ppt/slides/slide15.xml><?xml version="1.0" encoding="utf-8"?>
-<p:sld xmlns:a="http://schemas.openxmlformats.org/drawingml/2006/main" xmlns:r="http://schemas.openxmlformats.org/officeDocument/2006/relationships" xmlns:p="http://schemas.openxmlformats.org/presentationml/2006/main">
-  <p:cSld>
-    <p:spTree>
-      <p:nvGrpSpPr>
-        <p:cNvPr id="1" name=""/>
-        <p:cNvGrpSpPr/>
-        <p:nvPr/>
-      </p:nvGrpSpPr>
-      <p:grpSpPr>
-        <a:xfrm>
-          <a:off x="0" y="0"/>
-          <a:ext cx="0" cy="0"/>
-          <a:chOff x="0" y="0"/>
-          <a:chExt cx="0" cy="0"/>
-        </a:xfrm>
-      </p:grpSpPr>
-      <p:sp>
-        <p:nvSpPr>
-          <p:cNvPr id="2" name="Textplatzhalter 1">
-            <a:extLst>
-              <a:ext uri="{FF2B5EF4-FFF2-40B4-BE49-F238E27FC236}">
-                <a16:creationId xmlns:a16="http://schemas.microsoft.com/office/drawing/2014/main" id="{90856EDA-AD57-46B3-AA25-E48EB5CAAD55}"/>
-              </a:ext>
-            </a:extLst>
-          </p:cNvPr>
-          <p:cNvSpPr>
-            <a:spLocks noGrp="1"/>
-          </p:cNvSpPr>
-          <p:nvPr>
-            <p:ph type="body" sz="quarter" idx="13"/>
-          </p:nvPr>
-        </p:nvSpPr>
-        <p:spPr/>
-        <p:txBody>
-          <a:bodyPr/>
-          <a:lstStyle/>
-          <a:p>
-            <a:r>
-              <a:rPr lang="en-US" dirty="0"/>
-              <a:t>Similarity attack:</a:t>
-            </a:r>
-          </a:p>
-          <a:p>
-            <a:pPr lvl="1"/>
-            <a:r>
-              <a:rPr lang="en-US" dirty="0"/>
-              <a:t>Attackers knows that victims data is e.g. one of the first three records</a:t>
-            </a:r>
-          </a:p>
-          <a:p>
-            <a:pPr lvl="2"/>
-            <a:r>
-              <a:rPr lang="en-US" dirty="0"/>
-              <a:t>Can conclude its salary is relatively low </a:t>
-            </a:r>
-          </a:p>
-          <a:p>
-            <a:endParaRPr lang="en-US" dirty="0"/>
-          </a:p>
-          <a:p>
-            <a:endParaRPr lang="en-US" dirty="0"/>
-          </a:p>
-          <a:p>
-            <a:endParaRPr lang="en-US" dirty="0"/>
-          </a:p>
-          <a:p>
-            <a:endParaRPr lang="en-US" dirty="0"/>
-          </a:p>
-          <a:p>
-            <a:endParaRPr lang="en-US" dirty="0"/>
-          </a:p>
-          <a:p>
-            <a:endParaRPr lang="en-US" dirty="0"/>
-          </a:p>
-          <a:p>
-            <a:r>
-              <a:rPr lang="en-US" dirty="0"/>
-              <a:t>Conclusion</a:t>
-            </a:r>
-          </a:p>
-          <a:p>
-            <a:pPr lvl="1"/>
-            <a:r>
-              <a:rPr lang="en-US" dirty="0"/>
-              <a:t>L-Diversity does not take semantic closeness into account </a:t>
-            </a:r>
-          </a:p>
-          <a:p>
-            <a:pPr lvl="1"/>
-            <a:endParaRPr lang="en-US" dirty="0"/>
-          </a:p>
-          <a:p>
-            <a:endParaRPr lang="en-US" dirty="0"/>
-          </a:p>
-        </p:txBody>
-      </p:sp>
-      <p:sp>
-        <p:nvSpPr>
-          <p:cNvPr id="3" name="Datumsplatzhalter 2">
-            <a:extLst>
-              <a:ext uri="{FF2B5EF4-FFF2-40B4-BE49-F238E27FC236}">
-                <a16:creationId xmlns:a16="http://schemas.microsoft.com/office/drawing/2014/main" id="{4AAA8D0A-7D3B-4959-A0A2-F0A4E2E40A71}"/>
-              </a:ext>
-            </a:extLst>
-          </p:cNvPr>
-          <p:cNvSpPr>
-            <a:spLocks noGrp="1"/>
-          </p:cNvSpPr>
-          <p:nvPr>
-            <p:ph type="dt" sz="half" idx="14"/>
-          </p:nvPr>
-        </p:nvSpPr>
-        <p:spPr/>
-        <p:txBody>
-          <a:bodyPr/>
-          <a:lstStyle/>
-          <a:p>
-            <a:r>
-              <a:rPr lang="de-DE"/>
-              <a:t>30.01.2018</a:t>
-            </a:r>
-            <a:endParaRPr lang="de-DE" dirty="0"/>
-          </a:p>
-        </p:txBody>
-      </p:sp>
-      <p:sp>
-        <p:nvSpPr>
-          <p:cNvPr id="4" name="Fußzeilenplatzhalter 3">
-            <a:extLst>
-              <a:ext uri="{FF2B5EF4-FFF2-40B4-BE49-F238E27FC236}">
-                <a16:creationId xmlns:a16="http://schemas.microsoft.com/office/drawing/2014/main" id="{80E9C0DE-9992-492B-875C-77FC20696202}"/>
-              </a:ext>
-            </a:extLst>
-          </p:cNvPr>
-          <p:cNvSpPr>
-            <a:spLocks noGrp="1"/>
-          </p:cNvSpPr>
-          <p:nvPr>
-            <p:ph type="ftr" sz="quarter" idx="15"/>
-          </p:nvPr>
-        </p:nvSpPr>
-        <p:spPr/>
-        <p:txBody>
-          <a:bodyPr/>
-          <a:lstStyle/>
-          <a:p>
-            <a:r>
-              <a:rPr lang="de-DE"/>
-              <a:t>Schallner Ludwig, Wiegnand Andreas</a:t>
-            </a:r>
-            <a:endParaRPr lang="de-DE" dirty="0"/>
-          </a:p>
-        </p:txBody>
-      </p:sp>
-      <p:sp>
-        <p:nvSpPr>
-          <p:cNvPr id="5" name="Foliennummernplatzhalter 4">
-            <a:extLst>
-              <a:ext uri="{FF2B5EF4-FFF2-40B4-BE49-F238E27FC236}">
-                <a16:creationId xmlns:a16="http://schemas.microsoft.com/office/drawing/2014/main" id="{E368EB05-FC35-471B-A8B7-3A4B5D978A63}"/>
-              </a:ext>
-            </a:extLst>
-          </p:cNvPr>
-          <p:cNvSpPr>
-            <a:spLocks noGrp="1"/>
-          </p:cNvSpPr>
-          <p:nvPr>
-            <p:ph type="sldNum" sz="quarter" idx="16"/>
-          </p:nvPr>
-        </p:nvSpPr>
-        <p:spPr/>
-        <p:txBody>
-          <a:bodyPr/>
-          <a:lstStyle/>
-          <a:p>
-            <a:fld id="{50E76E58-F275-47A3-BB17-470016A267B6}" type="slidenum">
-              <a:rPr lang="de-DE" smtClean="0"/>
-              <a:pPr/>
-              <a:t>15</a:t>
-            </a:fld>
-            <a:endParaRPr lang="de-DE"/>
-          </a:p>
-        </p:txBody>
-      </p:sp>
-      <p:sp>
-        <p:nvSpPr>
-          <p:cNvPr id="6" name="Titel 5">
-            <a:extLst>
-              <a:ext uri="{FF2B5EF4-FFF2-40B4-BE49-F238E27FC236}">
-                <a16:creationId xmlns:a16="http://schemas.microsoft.com/office/drawing/2014/main" id="{8CF6D5D9-8D59-462B-9B94-0451DAA13392}"/>
-              </a:ext>
-            </a:extLst>
-          </p:cNvPr>
-          <p:cNvSpPr>
-            <a:spLocks noGrp="1"/>
-          </p:cNvSpPr>
-          <p:nvPr>
-            <p:ph type="title"/>
-          </p:nvPr>
-        </p:nvSpPr>
-        <p:spPr/>
-        <p:txBody>
-          <a:bodyPr/>
-          <a:lstStyle/>
-          <a:p>
-            <a:r>
-              <a:rPr lang="en-US" dirty="0"/>
-              <a:t>L-diversity Weakness</a:t>
-            </a:r>
-          </a:p>
-        </p:txBody>
-      </p:sp>
-      <p:pic>
-        <p:nvPicPr>
-          <p:cNvPr id="10" name="Grafik 9">
-            <a:extLst>
-              <a:ext uri="{FF2B5EF4-FFF2-40B4-BE49-F238E27FC236}">
-                <a16:creationId xmlns:a16="http://schemas.microsoft.com/office/drawing/2014/main" id="{E447DCCA-3A85-470A-BA25-DA3526200C10}"/>
-              </a:ext>
-            </a:extLst>
-          </p:cNvPr>
-          <p:cNvPicPr>
-            <a:picLocks noChangeAspect="1"/>
-          </p:cNvPicPr>
-          <p:nvPr/>
-        </p:nvPicPr>
-        <p:blipFill rotWithShape="1">
-          <a:blip r:embed="rId3">
-            <a:extLst>
-              <a:ext uri="{28A0092B-C50C-407E-A947-70E740481C1C}">
-                <a14:useLocalDpi xmlns:a14="http://schemas.microsoft.com/office/drawing/2010/main" val="0"/>
-              </a:ext>
-            </a:extLst>
-          </a:blip>
-          <a:srcRect t="2236" b="2328"/>
-          <a:stretch/>
-        </p:blipFill>
-        <p:spPr>
-          <a:xfrm>
-            <a:off x="430213" y="2030110"/>
-            <a:ext cx="5149899" cy="2892559"/>
-          </a:xfrm>
-          <a:prstGeom prst="rect">
-            <a:avLst/>
-          </a:prstGeom>
-        </p:spPr>
-      </p:pic>
-    </p:spTree>
-    <p:extLst>
-      <p:ext uri="{BB962C8B-B14F-4D97-AF65-F5344CB8AC3E}">
-        <p14:creationId xmlns:p14="http://schemas.microsoft.com/office/powerpoint/2010/main" val="61237263"/>
-      </p:ext>
-    </p:extLst>
-  </p:cSld>
-  <p:clrMapOvr>
-    <a:masterClrMapping/>
-  </p:clrMapOvr>
-</p:sld>
-</file>
-
-<file path=ppt/slides/slide16.xml><?xml version="1.0" encoding="utf-8"?>
-<p:sld xmlns:a="http://schemas.openxmlformats.org/drawingml/2006/main" xmlns:r="http://schemas.openxmlformats.org/officeDocument/2006/relationships" xmlns:p="http://schemas.openxmlformats.org/presentationml/2006/main">
-  <p:cSld>
-    <p:spTree>
-      <p:nvGrpSpPr>
-        <p:cNvPr id="1" name=""/>
-        <p:cNvGrpSpPr/>
-        <p:nvPr/>
-      </p:nvGrpSpPr>
-      <p:grpSpPr>
-        <a:xfrm>
-          <a:off x="0" y="0"/>
-          <a:ext cx="0" cy="0"/>
-          <a:chOff x="0" y="0"/>
-          <a:chExt cx="0" cy="0"/>
-        </a:xfrm>
-      </p:grpSpPr>
-      <p:sp>
-        <p:nvSpPr>
-          <p:cNvPr id="2" name="Titel 1">
-            <a:extLst>
-              <a:ext uri="{FF2B5EF4-FFF2-40B4-BE49-F238E27FC236}">
-                <a16:creationId xmlns:a16="http://schemas.microsoft.com/office/drawing/2014/main" id="{03774710-EF24-496F-8E16-1860EB9452BD}"/>
-              </a:ext>
-            </a:extLst>
-          </p:cNvPr>
-          <p:cNvSpPr>
-            <a:spLocks noGrp="1"/>
-          </p:cNvSpPr>
-          <p:nvPr>
-            <p:ph type="title"/>
-          </p:nvPr>
-        </p:nvSpPr>
-        <p:spPr>
-          <a:xfrm>
-            <a:off x="430213" y="265113"/>
-            <a:ext cx="7886700" cy="573087"/>
-          </a:xfrm>
-        </p:spPr>
-        <p:txBody>
-          <a:bodyPr/>
-          <a:lstStyle/>
-          <a:p>
-            <a:r>
-              <a:rPr lang="de-DE" i="1" dirty="0"/>
-              <a:t>4. </a:t>
-            </a:r>
-            <a:r>
-              <a:rPr lang="de-DE" b="1" i="1" dirty="0"/>
-              <a:t>t</a:t>
-            </a:r>
-            <a:r>
-              <a:rPr lang="de-DE" b="1" dirty="0"/>
-              <a:t>-Closeness</a:t>
-            </a:r>
-          </a:p>
-        </p:txBody>
-      </p:sp>
-      <p:sp>
-        <p:nvSpPr>
-          <p:cNvPr id="5" name="Textplatzhalter 4">
-            <a:extLst>
-              <a:ext uri="{FF2B5EF4-FFF2-40B4-BE49-F238E27FC236}">
-                <a16:creationId xmlns:a16="http://schemas.microsoft.com/office/drawing/2014/main" id="{30F3C5B2-53AA-499A-886B-AA06C3A92963}"/>
-              </a:ext>
-            </a:extLst>
-          </p:cNvPr>
-          <p:cNvSpPr>
-            <a:spLocks noGrp="1"/>
-          </p:cNvSpPr>
-          <p:nvPr>
-            <p:ph type="body" sz="quarter" idx="13"/>
-          </p:nvPr>
-        </p:nvSpPr>
-        <p:spPr/>
-        <p:txBody>
-          <a:bodyPr/>
-          <a:lstStyle/>
-          <a:p>
-            <a:pPr marL="0" indent="0">
-              <a:buNone/>
-            </a:pPr>
-            <a:r>
-              <a:rPr lang="de-DE" dirty="0"/>
-              <a:t>Definition: </a:t>
-            </a:r>
-            <a:r>
-              <a:rPr lang="en-US" b="1" dirty="0"/>
-              <a:t>(The </a:t>
-            </a:r>
-            <a:r>
-              <a:rPr lang="en-US" i="1" dirty="0"/>
-              <a:t>t</a:t>
-            </a:r>
-            <a:r>
-              <a:rPr lang="en-US" b="1" dirty="0"/>
-              <a:t>-closeness Principle:) </a:t>
-            </a:r>
-            <a:r>
-              <a:rPr lang="en-US" i="1" dirty="0"/>
-              <a:t>An equivalence class is said to have t-closeness if the distance between the distribution of a sensitive attribute in this class and the distribution of the attribute in the whole table is no more than a threshold t. A table is said to have t-closeness if all equivalence </a:t>
-            </a:r>
-            <a:r>
-              <a:rPr lang="de-DE" i="1" dirty="0"/>
-              <a:t>classes have t-closeness.</a:t>
-            </a:r>
-          </a:p>
-          <a:p>
-            <a:pPr marL="0" indent="0">
-              <a:buNone/>
-            </a:pPr>
-            <a:r>
-              <a:rPr lang="de-DE" sz="1400" i="1" dirty="0"/>
-              <a:t>Source: </a:t>
-            </a:r>
-            <a:r>
-              <a:rPr lang="en-US" sz="1400" i="1" dirty="0"/>
-              <a:t>t</a:t>
-            </a:r>
-            <a:r>
-              <a:rPr lang="en-US" sz="1400" b="1" dirty="0"/>
-              <a:t>-Closeness: Privacy Beyond </a:t>
-            </a:r>
-            <a:r>
-              <a:rPr lang="en-US" sz="1400" i="1" dirty="0"/>
-              <a:t>k</a:t>
-            </a:r>
-            <a:r>
-              <a:rPr lang="en-US" sz="1400" b="1" dirty="0"/>
-              <a:t>-Anonymity and l–Diversity, </a:t>
-            </a:r>
-            <a:r>
-              <a:rPr lang="de-DE" sz="1400" dirty="0"/>
-              <a:t>Ninghui Li, Tiancheng Li</a:t>
-            </a:r>
-          </a:p>
-          <a:p>
-            <a:pPr marL="0" indent="0">
-              <a:buNone/>
-            </a:pPr>
-            <a:endParaRPr lang="de-DE" sz="1400" dirty="0"/>
-          </a:p>
-          <a:p>
-            <a:pPr marL="0" indent="0">
-              <a:buNone/>
-            </a:pPr>
-            <a:endParaRPr lang="de-DE" sz="1400" dirty="0"/>
-          </a:p>
-          <a:p>
-            <a:r>
-              <a:rPr lang="de-DE" dirty="0" err="1"/>
-              <a:t>Distance</a:t>
-            </a:r>
-            <a:r>
-              <a:rPr lang="de-DE" dirty="0"/>
-              <a:t> </a:t>
-            </a:r>
-            <a:r>
-              <a:rPr lang="en-US" dirty="0"/>
-              <a:t>measure</a:t>
-            </a:r>
-            <a:r>
-              <a:rPr lang="de-DE" dirty="0"/>
-              <a:t> </a:t>
-            </a:r>
-            <a:r>
-              <a:rPr lang="en-US" dirty="0"/>
-              <a:t>between</a:t>
-            </a:r>
-            <a:r>
-              <a:rPr lang="de-DE" dirty="0"/>
-              <a:t> the distribution with Earth mover's distance (EMD)</a:t>
-            </a:r>
-          </a:p>
-        </p:txBody>
-      </p:sp>
-      <p:sp>
-        <p:nvSpPr>
-          <p:cNvPr id="6" name="Foliennummernplatzhalter 5">
-            <a:extLst>
-              <a:ext uri="{FF2B5EF4-FFF2-40B4-BE49-F238E27FC236}">
-                <a16:creationId xmlns:a16="http://schemas.microsoft.com/office/drawing/2014/main" id="{54D3FDF2-2764-4BE6-BE4D-51DAF1C1A001}"/>
-              </a:ext>
-            </a:extLst>
-          </p:cNvPr>
-          <p:cNvSpPr>
-            <a:spLocks noGrp="1"/>
-          </p:cNvSpPr>
-          <p:nvPr>
-            <p:ph type="sldNum" sz="quarter" idx="16"/>
-          </p:nvPr>
-        </p:nvSpPr>
-        <p:spPr>
-          <a:xfrm>
-            <a:off x="8415338" y="6408738"/>
-            <a:ext cx="477837" cy="333375"/>
-          </a:xfrm>
-        </p:spPr>
-        <p:txBody>
-          <a:bodyPr/>
-          <a:lstStyle/>
-          <a:p>
-            <a:fld id="{50E76E58-F275-47A3-BB17-470016A267B6}" type="slidenum">
-              <a:rPr lang="de-DE" smtClean="0"/>
-              <a:pPr/>
-              <a:t>16</a:t>
-            </a:fld>
-            <a:endParaRPr lang="de-DE" dirty="0"/>
-          </a:p>
-        </p:txBody>
-      </p:sp>
-      <p:sp>
-        <p:nvSpPr>
-          <p:cNvPr id="7" name="Datumsplatzhalter 2">
-            <a:extLst>
-              <a:ext uri="{FF2B5EF4-FFF2-40B4-BE49-F238E27FC236}">
-                <a16:creationId xmlns:a16="http://schemas.microsoft.com/office/drawing/2014/main" id="{46640DB6-8CA6-4B50-9DDB-F860E8478F5A}"/>
-              </a:ext>
-            </a:extLst>
-          </p:cNvPr>
-          <p:cNvSpPr txBox="1">
-            <a:spLocks/>
-          </p:cNvSpPr>
-          <p:nvPr/>
-        </p:nvSpPr>
-        <p:spPr bwMode="auto">
-          <a:xfrm>
-            <a:off x="1331913" y="6208713"/>
-            <a:ext cx="1296987" cy="476250"/>
-          </a:xfrm>
-          <a:prstGeom prst="rect">
-            <a:avLst/>
-          </a:prstGeom>
-          <a:noFill/>
-          <a:ln w="9525" algn="ctr">
-            <a:noFill/>
-            <a:miter lim="800000"/>
-            <a:headEnd/>
-            <a:tailEnd/>
-          </a:ln>
-          <a:effectLst/>
-        </p:spPr>
-        <p:txBody>
-          <a:bodyPr vert="horz" wrap="square" lIns="36000" tIns="45720" rIns="18000" bIns="45720" numCol="1" anchor="ctr" anchorCtr="0" compatLnSpc="1">
-            <a:prstTxWarp prst="textNoShape">
-              <a:avLst/>
-            </a:prstTxWarp>
-          </a:bodyPr>
-          <a:lstStyle>
-            <a:defPPr>
-              <a:defRPr lang="de-DE"/>
-            </a:defPPr>
-            <a:lvl1pPr algn="l" defTabSz="1081088" rtl="0" eaLnBrk="0" fontAlgn="base" hangingPunct="0">
-              <a:spcBef>
-                <a:spcPct val="0"/>
-              </a:spcBef>
-              <a:spcAft>
-                <a:spcPct val="0"/>
-              </a:spcAft>
-              <a:tabLst>
-                <a:tab pos="2403475" algn="l"/>
-              </a:tabLst>
-              <a:defRPr sz="1200" b="0" kern="1200">
-                <a:solidFill>
-                  <a:srgbClr val="00407A"/>
-                </a:solidFill>
-                <a:latin typeface="Arial" charset="0"/>
-                <a:ea typeface="+mn-ea"/>
-                <a:cs typeface="+mn-cs"/>
-              </a:defRPr>
-            </a:lvl1pPr>
-            <a:lvl2pPr marL="457200" algn="ctr" rtl="0" fontAlgn="base">
-              <a:spcBef>
-                <a:spcPct val="0"/>
-              </a:spcBef>
-              <a:spcAft>
-                <a:spcPct val="0"/>
-              </a:spcAft>
-              <a:defRPr b="1" kern="1200">
-                <a:solidFill>
-                  <a:schemeClr val="tx1"/>
-                </a:solidFill>
-                <a:latin typeface="Arial" charset="0"/>
-                <a:ea typeface="+mn-ea"/>
-                <a:cs typeface="+mn-cs"/>
-              </a:defRPr>
-            </a:lvl2pPr>
-            <a:lvl3pPr marL="914400" algn="ctr" rtl="0" fontAlgn="base">
-              <a:spcBef>
-                <a:spcPct val="0"/>
-              </a:spcBef>
-              <a:spcAft>
-                <a:spcPct val="0"/>
-              </a:spcAft>
-              <a:defRPr b="1" kern="1200">
-                <a:solidFill>
-                  <a:schemeClr val="tx1"/>
-                </a:solidFill>
-                <a:latin typeface="Arial" charset="0"/>
-                <a:ea typeface="+mn-ea"/>
-                <a:cs typeface="+mn-cs"/>
-              </a:defRPr>
-            </a:lvl3pPr>
-            <a:lvl4pPr marL="1371600" algn="ctr" rtl="0" fontAlgn="base">
-              <a:spcBef>
-                <a:spcPct val="0"/>
-              </a:spcBef>
-              <a:spcAft>
-                <a:spcPct val="0"/>
-              </a:spcAft>
-              <a:defRPr b="1" kern="1200">
-                <a:solidFill>
-                  <a:schemeClr val="tx1"/>
-                </a:solidFill>
-                <a:latin typeface="Arial" charset="0"/>
-                <a:ea typeface="+mn-ea"/>
-                <a:cs typeface="+mn-cs"/>
-              </a:defRPr>
-            </a:lvl4pPr>
-            <a:lvl5pPr marL="1828800" algn="ctr" rtl="0" fontAlgn="base">
-              <a:spcBef>
-                <a:spcPct val="0"/>
-              </a:spcBef>
-              <a:spcAft>
-                <a:spcPct val="0"/>
-              </a:spcAft>
-              <a:defRPr b="1" kern="1200">
-                <a:solidFill>
-                  <a:schemeClr val="tx1"/>
-                </a:solidFill>
-                <a:latin typeface="Arial" charset="0"/>
-                <a:ea typeface="+mn-ea"/>
-                <a:cs typeface="+mn-cs"/>
-              </a:defRPr>
-            </a:lvl5pPr>
-            <a:lvl6pPr marL="2286000" algn="l" defTabSz="914400" rtl="0" eaLnBrk="1" latinLnBrk="0" hangingPunct="1">
-              <a:defRPr b="1" kern="1200">
-                <a:solidFill>
-                  <a:schemeClr val="tx1"/>
-                </a:solidFill>
-                <a:latin typeface="Arial" charset="0"/>
-                <a:ea typeface="+mn-ea"/>
-                <a:cs typeface="+mn-cs"/>
-              </a:defRPr>
-            </a:lvl6pPr>
-            <a:lvl7pPr marL="2743200" algn="l" defTabSz="914400" rtl="0" eaLnBrk="1" latinLnBrk="0" hangingPunct="1">
-              <a:defRPr b="1" kern="1200">
-                <a:solidFill>
-                  <a:schemeClr val="tx1"/>
-                </a:solidFill>
-                <a:latin typeface="Arial" charset="0"/>
-                <a:ea typeface="+mn-ea"/>
-                <a:cs typeface="+mn-cs"/>
-              </a:defRPr>
-            </a:lvl7pPr>
-            <a:lvl8pPr marL="3200400" algn="l" defTabSz="914400" rtl="0" eaLnBrk="1" latinLnBrk="0" hangingPunct="1">
-              <a:defRPr b="1" kern="1200">
-                <a:solidFill>
-                  <a:schemeClr val="tx1"/>
-                </a:solidFill>
-                <a:latin typeface="Arial" charset="0"/>
-                <a:ea typeface="+mn-ea"/>
-                <a:cs typeface="+mn-cs"/>
-              </a:defRPr>
-            </a:lvl8pPr>
-            <a:lvl9pPr marL="3657600" algn="l" defTabSz="914400" rtl="0" eaLnBrk="1" latinLnBrk="0" hangingPunct="1">
-              <a:defRPr b="1" kern="1200">
-                <a:solidFill>
-                  <a:schemeClr val="tx1"/>
-                </a:solidFill>
-                <a:latin typeface="Arial" charset="0"/>
-                <a:ea typeface="+mn-ea"/>
-                <a:cs typeface="+mn-cs"/>
-              </a:defRPr>
-            </a:lvl9pPr>
-          </a:lstStyle>
-          <a:p>
-            <a:r>
-              <a:rPr lang="de-DE" dirty="0"/>
-              <a:t>30.01.2018</a:t>
-            </a:r>
-          </a:p>
-        </p:txBody>
-      </p:sp>
-      <p:sp>
-        <p:nvSpPr>
-          <p:cNvPr id="8" name="Fußzeilenplatzhalter 3">
-            <a:extLst>
-              <a:ext uri="{FF2B5EF4-FFF2-40B4-BE49-F238E27FC236}">
-                <a16:creationId xmlns:a16="http://schemas.microsoft.com/office/drawing/2014/main" id="{F54B81AE-110D-4066-86DC-660538D3D1E4}"/>
-              </a:ext>
-            </a:extLst>
-          </p:cNvPr>
-          <p:cNvSpPr>
-            <a:spLocks noGrp="1"/>
-          </p:cNvSpPr>
-          <p:nvPr>
-            <p:ph type="ftr" sz="quarter" idx="11"/>
-          </p:nvPr>
-        </p:nvSpPr>
-        <p:spPr>
-          <a:xfrm>
-            <a:off x="2755900" y="6308725"/>
-            <a:ext cx="5487988" cy="288925"/>
-          </a:xfrm>
-        </p:spPr>
-        <p:txBody>
-          <a:bodyPr/>
-          <a:lstStyle/>
-          <a:p>
-            <a:r>
-              <a:rPr lang="de-DE" dirty="0"/>
-              <a:t>Andreas Wiegand &amp; Ludwig Schallner</a:t>
-            </a:r>
-          </a:p>
-        </p:txBody>
-      </p:sp>
-    </p:spTree>
-    <p:extLst>
-      <p:ext uri="{BB962C8B-B14F-4D97-AF65-F5344CB8AC3E}">
-        <p14:creationId xmlns:p14="http://schemas.microsoft.com/office/powerpoint/2010/main" val="1259660404"/>
-      </p:ext>
-    </p:extLst>
-  </p:cSld>
-  <p:clrMapOvr>
-    <a:masterClrMapping/>
-  </p:clrMapOvr>
-</p:sld>
-</file>
-
-<file path=ppt/slides/slide17.xml><?xml version="1.0" encoding="utf-8"?>
-<p:sld xmlns:a="http://schemas.openxmlformats.org/drawingml/2006/main" xmlns:r="http://schemas.openxmlformats.org/officeDocument/2006/relationships" xmlns:p="http://schemas.openxmlformats.org/presentationml/2006/main">
-  <p:cSld>
-    <p:spTree>
-      <p:nvGrpSpPr>
-        <p:cNvPr id="1" name=""/>
-        <p:cNvGrpSpPr/>
-        <p:nvPr/>
-      </p:nvGrpSpPr>
-      <p:grpSpPr>
-        <a:xfrm>
-          <a:off x="0" y="0"/>
-          <a:ext cx="0" cy="0"/>
-          <a:chOff x="0" y="0"/>
-          <a:chExt cx="0" cy="0"/>
-        </a:xfrm>
-      </p:grpSpPr>
-      <p:sp>
-        <p:nvSpPr>
-          <p:cNvPr id="2" name="Titel 1">
-            <a:extLst>
-              <a:ext uri="{FF2B5EF4-FFF2-40B4-BE49-F238E27FC236}">
-                <a16:creationId xmlns:a16="http://schemas.microsoft.com/office/drawing/2014/main" id="{ED74D9F5-7E88-40DD-A611-56459F70E672}"/>
-              </a:ext>
-            </a:extLst>
-          </p:cNvPr>
-          <p:cNvSpPr>
-            <a:spLocks noGrp="1"/>
-          </p:cNvSpPr>
-          <p:nvPr>
-            <p:ph type="title"/>
-          </p:nvPr>
-        </p:nvSpPr>
-        <p:spPr>
-          <a:xfrm>
-            <a:off x="430213" y="265113"/>
-            <a:ext cx="7886700" cy="573087"/>
-          </a:xfrm>
-        </p:spPr>
-        <p:txBody>
-          <a:bodyPr/>
-          <a:lstStyle/>
-          <a:p>
-            <a:r>
-              <a:rPr lang="de-DE" i="1" dirty="0"/>
-              <a:t>4. </a:t>
-            </a:r>
-            <a:r>
-              <a:rPr lang="de-DE" b="1" i="1" dirty="0"/>
-              <a:t>t</a:t>
-            </a:r>
-            <a:r>
-              <a:rPr lang="de-DE" b="1" dirty="0"/>
-              <a:t>-Closeness cont´d</a:t>
-            </a:r>
-          </a:p>
-        </p:txBody>
-      </p:sp>
-      <p:sp>
-        <p:nvSpPr>
-          <p:cNvPr id="5" name="Textplatzhalter 4">
-            <a:extLst>
-              <a:ext uri="{FF2B5EF4-FFF2-40B4-BE49-F238E27FC236}">
-                <a16:creationId xmlns:a16="http://schemas.microsoft.com/office/drawing/2014/main" id="{8F031245-BB29-41F9-8C5E-156AFC612440}"/>
-              </a:ext>
-            </a:extLst>
-          </p:cNvPr>
-          <p:cNvSpPr>
-            <a:spLocks noGrp="1"/>
-          </p:cNvSpPr>
-          <p:nvPr>
-            <p:ph type="body" sz="quarter" idx="13"/>
-          </p:nvPr>
-        </p:nvSpPr>
-        <p:spPr/>
-        <p:txBody>
-          <a:bodyPr/>
-          <a:lstStyle/>
-          <a:p>
-            <a:endParaRPr lang="en-US" dirty="0"/>
-          </a:p>
-          <a:p>
-            <a:endParaRPr lang="en-US" dirty="0"/>
-          </a:p>
-          <a:p>
-            <a:r>
-              <a:rPr lang="en-US" dirty="0"/>
-              <a:t>Lacks of flexibility </a:t>
-            </a:r>
-          </a:p>
-          <a:p>
-            <a:r>
-              <a:rPr lang="en-US" i="1" dirty="0"/>
-              <a:t>EMD </a:t>
-            </a:r>
-            <a:r>
-              <a:rPr lang="en-US" dirty="0"/>
-              <a:t>function is not suitable </a:t>
-            </a:r>
-            <a:r>
-              <a:rPr lang="de-DE" dirty="0"/>
-              <a:t>for preventing attribute linkage on numerical sensitive attributes</a:t>
-            </a:r>
-          </a:p>
-          <a:p>
-            <a:r>
-              <a:rPr lang="en-US" dirty="0"/>
-              <a:t>Enforcing </a:t>
-            </a:r>
-            <a:r>
-              <a:rPr lang="en-US" i="1" dirty="0"/>
-              <a:t>t</a:t>
-            </a:r>
-            <a:r>
-              <a:rPr lang="en-US" dirty="0"/>
-              <a:t>-closeness would greatly degrade the data utility because it requires the distribution of sensitive values to be the same in all QID groups. </a:t>
-            </a:r>
-            <a:endParaRPr lang="de-DE" dirty="0"/>
-          </a:p>
-        </p:txBody>
-      </p:sp>
-      <p:sp>
-        <p:nvSpPr>
-          <p:cNvPr id="6" name="Foliennummernplatzhalter 5">
-            <a:extLst>
-              <a:ext uri="{FF2B5EF4-FFF2-40B4-BE49-F238E27FC236}">
-                <a16:creationId xmlns:a16="http://schemas.microsoft.com/office/drawing/2014/main" id="{35C5C671-02F4-435F-A4CA-4659E0309639}"/>
-              </a:ext>
-            </a:extLst>
-          </p:cNvPr>
-          <p:cNvSpPr>
-            <a:spLocks noGrp="1"/>
-          </p:cNvSpPr>
-          <p:nvPr>
-            <p:ph type="sldNum" sz="quarter" idx="16"/>
-          </p:nvPr>
-        </p:nvSpPr>
-        <p:spPr>
-          <a:xfrm>
-            <a:off x="8415338" y="6408738"/>
-            <a:ext cx="477837" cy="333375"/>
-          </a:xfrm>
-        </p:spPr>
-        <p:txBody>
-          <a:bodyPr/>
-          <a:lstStyle/>
-          <a:p>
-            <a:fld id="{50E76E58-F275-47A3-BB17-470016A267B6}" type="slidenum">
-              <a:rPr lang="de-DE" smtClean="0"/>
-              <a:pPr/>
-              <a:t>17</a:t>
-            </a:fld>
-            <a:endParaRPr lang="de-DE" dirty="0"/>
-          </a:p>
-        </p:txBody>
-      </p:sp>
-      <p:sp>
-        <p:nvSpPr>
-          <p:cNvPr id="7" name="Datumsplatzhalter 2">
-            <a:extLst>
-              <a:ext uri="{FF2B5EF4-FFF2-40B4-BE49-F238E27FC236}">
-                <a16:creationId xmlns:a16="http://schemas.microsoft.com/office/drawing/2014/main" id="{824B8975-BE19-44BD-A4EC-E385B365F4CC}"/>
-              </a:ext>
-            </a:extLst>
-          </p:cNvPr>
-          <p:cNvSpPr txBox="1">
-            <a:spLocks/>
-          </p:cNvSpPr>
-          <p:nvPr/>
-        </p:nvSpPr>
-        <p:spPr bwMode="auto">
-          <a:xfrm>
-            <a:off x="1331913" y="6208713"/>
-            <a:ext cx="1296987" cy="476250"/>
-          </a:xfrm>
-          <a:prstGeom prst="rect">
-            <a:avLst/>
-          </a:prstGeom>
-          <a:noFill/>
-          <a:ln w="9525" algn="ctr">
-            <a:noFill/>
-            <a:miter lim="800000"/>
-            <a:headEnd/>
-            <a:tailEnd/>
-          </a:ln>
-          <a:effectLst/>
-        </p:spPr>
-        <p:txBody>
-          <a:bodyPr vert="horz" wrap="square" lIns="36000" tIns="45720" rIns="18000" bIns="45720" numCol="1" anchor="ctr" anchorCtr="0" compatLnSpc="1">
-            <a:prstTxWarp prst="textNoShape">
-              <a:avLst/>
-            </a:prstTxWarp>
-          </a:bodyPr>
-          <a:lstStyle>
-            <a:defPPr>
-              <a:defRPr lang="de-DE"/>
-            </a:defPPr>
-            <a:lvl1pPr algn="l" defTabSz="1081088" rtl="0" eaLnBrk="0" fontAlgn="base" hangingPunct="0">
-              <a:spcBef>
-                <a:spcPct val="0"/>
-              </a:spcBef>
-              <a:spcAft>
-                <a:spcPct val="0"/>
-              </a:spcAft>
-              <a:tabLst>
-                <a:tab pos="2403475" algn="l"/>
-              </a:tabLst>
-              <a:defRPr sz="1200" b="0" kern="1200">
-                <a:solidFill>
-                  <a:srgbClr val="00407A"/>
-                </a:solidFill>
-                <a:latin typeface="Arial" charset="0"/>
-                <a:ea typeface="+mn-ea"/>
-                <a:cs typeface="+mn-cs"/>
-              </a:defRPr>
-            </a:lvl1pPr>
-            <a:lvl2pPr marL="457200" algn="ctr" rtl="0" fontAlgn="base">
-              <a:spcBef>
-                <a:spcPct val="0"/>
-              </a:spcBef>
-              <a:spcAft>
-                <a:spcPct val="0"/>
-              </a:spcAft>
-              <a:defRPr b="1" kern="1200">
-                <a:solidFill>
-                  <a:schemeClr val="tx1"/>
-                </a:solidFill>
-                <a:latin typeface="Arial" charset="0"/>
-                <a:ea typeface="+mn-ea"/>
-                <a:cs typeface="+mn-cs"/>
-              </a:defRPr>
-            </a:lvl2pPr>
-            <a:lvl3pPr marL="914400" algn="ctr" rtl="0" fontAlgn="base">
-              <a:spcBef>
-                <a:spcPct val="0"/>
-              </a:spcBef>
-              <a:spcAft>
-                <a:spcPct val="0"/>
-              </a:spcAft>
-              <a:defRPr b="1" kern="1200">
-                <a:solidFill>
-                  <a:schemeClr val="tx1"/>
-                </a:solidFill>
-                <a:latin typeface="Arial" charset="0"/>
-                <a:ea typeface="+mn-ea"/>
-                <a:cs typeface="+mn-cs"/>
-              </a:defRPr>
-            </a:lvl3pPr>
-            <a:lvl4pPr marL="1371600" algn="ctr" rtl="0" fontAlgn="base">
-              <a:spcBef>
-                <a:spcPct val="0"/>
-              </a:spcBef>
-              <a:spcAft>
-                <a:spcPct val="0"/>
-              </a:spcAft>
-              <a:defRPr b="1" kern="1200">
-                <a:solidFill>
-                  <a:schemeClr val="tx1"/>
-                </a:solidFill>
-                <a:latin typeface="Arial" charset="0"/>
-                <a:ea typeface="+mn-ea"/>
-                <a:cs typeface="+mn-cs"/>
-              </a:defRPr>
-            </a:lvl4pPr>
-            <a:lvl5pPr marL="1828800" algn="ctr" rtl="0" fontAlgn="base">
-              <a:spcBef>
-                <a:spcPct val="0"/>
-              </a:spcBef>
-              <a:spcAft>
-                <a:spcPct val="0"/>
-              </a:spcAft>
-              <a:defRPr b="1" kern="1200">
-                <a:solidFill>
-                  <a:schemeClr val="tx1"/>
-                </a:solidFill>
-                <a:latin typeface="Arial" charset="0"/>
-                <a:ea typeface="+mn-ea"/>
-                <a:cs typeface="+mn-cs"/>
-              </a:defRPr>
-            </a:lvl5pPr>
-            <a:lvl6pPr marL="2286000" algn="l" defTabSz="914400" rtl="0" eaLnBrk="1" latinLnBrk="0" hangingPunct="1">
-              <a:defRPr b="1" kern="1200">
-                <a:solidFill>
-                  <a:schemeClr val="tx1"/>
-                </a:solidFill>
-                <a:latin typeface="Arial" charset="0"/>
-                <a:ea typeface="+mn-ea"/>
-                <a:cs typeface="+mn-cs"/>
-              </a:defRPr>
-            </a:lvl6pPr>
-            <a:lvl7pPr marL="2743200" algn="l" defTabSz="914400" rtl="0" eaLnBrk="1" latinLnBrk="0" hangingPunct="1">
-              <a:defRPr b="1" kern="1200">
-                <a:solidFill>
-                  <a:schemeClr val="tx1"/>
-                </a:solidFill>
-                <a:latin typeface="Arial" charset="0"/>
-                <a:ea typeface="+mn-ea"/>
-                <a:cs typeface="+mn-cs"/>
-              </a:defRPr>
-            </a:lvl7pPr>
-            <a:lvl8pPr marL="3200400" algn="l" defTabSz="914400" rtl="0" eaLnBrk="1" latinLnBrk="0" hangingPunct="1">
-              <a:defRPr b="1" kern="1200">
-                <a:solidFill>
-                  <a:schemeClr val="tx1"/>
-                </a:solidFill>
-                <a:latin typeface="Arial" charset="0"/>
-                <a:ea typeface="+mn-ea"/>
-                <a:cs typeface="+mn-cs"/>
-              </a:defRPr>
-            </a:lvl8pPr>
-            <a:lvl9pPr marL="3657600" algn="l" defTabSz="914400" rtl="0" eaLnBrk="1" latinLnBrk="0" hangingPunct="1">
-              <a:defRPr b="1" kern="1200">
-                <a:solidFill>
-                  <a:schemeClr val="tx1"/>
-                </a:solidFill>
-                <a:latin typeface="Arial" charset="0"/>
-                <a:ea typeface="+mn-ea"/>
-                <a:cs typeface="+mn-cs"/>
-              </a:defRPr>
-            </a:lvl9pPr>
-          </a:lstStyle>
-          <a:p>
-            <a:r>
-              <a:rPr lang="de-DE" dirty="0"/>
-              <a:t>30.01.2018</a:t>
-            </a:r>
-          </a:p>
-        </p:txBody>
-      </p:sp>
-      <p:sp>
-        <p:nvSpPr>
-          <p:cNvPr id="8" name="Fußzeilenplatzhalter 3">
-            <a:extLst>
-              <a:ext uri="{FF2B5EF4-FFF2-40B4-BE49-F238E27FC236}">
-                <a16:creationId xmlns:a16="http://schemas.microsoft.com/office/drawing/2014/main" id="{914742AB-D93B-4808-9FFA-2E78A8AC8AEE}"/>
-              </a:ext>
-            </a:extLst>
-          </p:cNvPr>
-          <p:cNvSpPr>
-            <a:spLocks noGrp="1"/>
-          </p:cNvSpPr>
-          <p:nvPr>
-            <p:ph type="ftr" sz="quarter" idx="11"/>
-          </p:nvPr>
-        </p:nvSpPr>
-        <p:spPr>
-          <a:xfrm>
-            <a:off x="2755900" y="6308725"/>
-            <a:ext cx="5487988" cy="288925"/>
-          </a:xfrm>
-        </p:spPr>
-        <p:txBody>
-          <a:bodyPr/>
-          <a:lstStyle/>
-          <a:p>
-            <a:r>
-              <a:rPr lang="de-DE" dirty="0"/>
-              <a:t>Andreas Wiegand &amp; Ludwig Schallner</a:t>
-            </a:r>
-          </a:p>
-        </p:txBody>
-      </p:sp>
-    </p:spTree>
-    <p:extLst>
-      <p:ext uri="{BB962C8B-B14F-4D97-AF65-F5344CB8AC3E}">
-        <p14:creationId xmlns:p14="http://schemas.microsoft.com/office/powerpoint/2010/main" val="2424205726"/>
-      </p:ext>
-    </p:extLst>
-  </p:cSld>
-  <p:clrMapOvr>
-    <a:masterClrMapping/>
-  </p:clrMapOvr>
-</p:sld>
-</file>
-
-<file path=ppt/slides/slide18.xml><?xml version="1.0" encoding="utf-8"?>
-<p:sld xmlns:a="http://schemas.openxmlformats.org/drawingml/2006/main" xmlns:r="http://schemas.openxmlformats.org/officeDocument/2006/relationships" xmlns:p="http://schemas.openxmlformats.org/presentationml/2006/main">
-  <p:cSld>
-    <p:spTree>
-      <p:nvGrpSpPr>
-        <p:cNvPr id="1" name=""/>
-        <p:cNvGrpSpPr/>
-        <p:nvPr/>
-      </p:nvGrpSpPr>
-      <p:grpSpPr>
-        <a:xfrm>
-          <a:off x="0" y="0"/>
-          <a:ext cx="0" cy="0"/>
-          <a:chOff x="0" y="0"/>
-          <a:chExt cx="0" cy="0"/>
-        </a:xfrm>
-      </p:grpSpPr>
-      <p:sp>
-        <p:nvSpPr>
-          <p:cNvPr id="2" name="Titel 1">
-            <a:extLst>
-              <a:ext uri="{FF2B5EF4-FFF2-40B4-BE49-F238E27FC236}">
-                <a16:creationId xmlns:a16="http://schemas.microsoft.com/office/drawing/2014/main" id="{5DFF05F5-BFE1-403A-A36E-6A2828649D6F}"/>
-              </a:ext>
-            </a:extLst>
-          </p:cNvPr>
-          <p:cNvSpPr>
-            <a:spLocks noGrp="1"/>
-          </p:cNvSpPr>
-          <p:nvPr>
-            <p:ph type="title"/>
-          </p:nvPr>
-        </p:nvSpPr>
-        <p:spPr/>
-        <p:txBody>
-          <a:bodyPr/>
-          <a:lstStyle/>
-          <a:p>
-            <a:r>
-              <a:rPr lang="de-DE" sz="2400" b="1" dirty="0"/>
-              <a:t>5. Extended Scenarios - Multiple Release Publishing</a:t>
-            </a:r>
-            <a:endParaRPr lang="de-DE" sz="2400" dirty="0"/>
-          </a:p>
-        </p:txBody>
-      </p:sp>
-      <p:sp>
-        <p:nvSpPr>
-          <p:cNvPr id="3" name="Datumsplatzhalter 2">
-            <a:extLst>
-              <a:ext uri="{FF2B5EF4-FFF2-40B4-BE49-F238E27FC236}">
-                <a16:creationId xmlns:a16="http://schemas.microsoft.com/office/drawing/2014/main" id="{90B812E9-FF67-440E-8D43-E9D95CEADC88}"/>
+                <a16:creationId xmlns:a16="http://schemas.microsoft.com/office/drawing/2014/main" id="{EA0EB5D0-C0FE-4AFE-8A81-2589296C778F}"/>
               </a:ext>
             </a:extLst>
           </p:cNvPr>
@@ -8721,7 +6582,7 @@
           <p:cNvPr id="4" name="Fußzeilenplatzhalter 3">
             <a:extLst>
               <a:ext uri="{FF2B5EF4-FFF2-40B4-BE49-F238E27FC236}">
-                <a16:creationId xmlns:a16="http://schemas.microsoft.com/office/drawing/2014/main" id="{830002ED-C0A7-4887-8B84-D46B721CD647}"/>
+                <a16:creationId xmlns:a16="http://schemas.microsoft.com/office/drawing/2014/main" id="{57F7375E-8B76-432F-8062-DE249F9B1296}"/>
               </a:ext>
             </a:extLst>
           </p:cNvPr>
@@ -8746,68 +6607,10 @@
       </p:sp>
       <p:sp>
         <p:nvSpPr>
-          <p:cNvPr id="5" name="Textplatzhalter 4">
-            <a:extLst>
-              <a:ext uri="{FF2B5EF4-FFF2-40B4-BE49-F238E27FC236}">
-                <a16:creationId xmlns:a16="http://schemas.microsoft.com/office/drawing/2014/main" id="{817EA547-F858-48D5-A99A-AC24CC5B1BEE}"/>
-              </a:ext>
-            </a:extLst>
-          </p:cNvPr>
-          <p:cNvSpPr>
-            <a:spLocks noGrp="1"/>
-          </p:cNvSpPr>
-          <p:nvPr>
-            <p:ph type="body" sz="quarter" idx="13"/>
-          </p:nvPr>
-        </p:nvSpPr>
-        <p:spPr/>
-        <p:txBody>
-          <a:bodyPr/>
-          <a:lstStyle/>
-          <a:p>
-            <a:r>
-              <a:rPr lang="de-DE" dirty="0"/>
-              <a:t>Different data recipients got different claims to the data</a:t>
-            </a:r>
-          </a:p>
-          <a:p>
-            <a:r>
-              <a:rPr lang="de-DE" dirty="0"/>
-              <a:t>T(Job, Sex, Age, Race, Disease, Salary)</a:t>
-            </a:r>
-          </a:p>
-          <a:p>
-            <a:r>
-              <a:rPr lang="de-DE" dirty="0"/>
-              <a:t>Another is intereset in {JOB, AGE, RACE}</a:t>
-            </a:r>
-          </a:p>
-          <a:p>
-            <a:r>
-              <a:rPr lang="de-DE" dirty="0"/>
-              <a:t>Realse one table with {JOB, Sex, Age, Race}</a:t>
-            </a:r>
-          </a:p>
-          <a:p>
-            <a:r>
-              <a:rPr lang="en-US" dirty="0"/>
-              <a:t>A drawback is that information is released unnecessarily, in that neither of the two purposes needs all four attributes</a:t>
-            </a:r>
-          </a:p>
-          <a:p>
-            <a:r>
-              <a:rPr lang="en-US" dirty="0"/>
-              <a:t>They take the QID and merge their releases together</a:t>
-            </a:r>
-          </a:p>
-        </p:txBody>
-      </p:sp>
-      <p:sp>
-        <p:nvSpPr>
           <p:cNvPr id="6" name="Foliennummernplatzhalter 5">
             <a:extLst>
               <a:ext uri="{FF2B5EF4-FFF2-40B4-BE49-F238E27FC236}">
-                <a16:creationId xmlns:a16="http://schemas.microsoft.com/office/drawing/2014/main" id="{1A5F5161-AF90-426C-A082-2392411945CF}"/>
+                <a16:creationId xmlns:a16="http://schemas.microsoft.com/office/drawing/2014/main" id="{1CAFD7E1-5AA6-4CA7-887C-3211D94A545D}"/>
               </a:ext>
             </a:extLst>
           </p:cNvPr>
@@ -8826,157 +6629,7 @@
             <a:fld id="{50E76E58-F275-47A3-BB17-470016A267B6}" type="slidenum">
               <a:rPr lang="de-DE" smtClean="0"/>
               <a:pPr/>
-              <a:t>18</a:t>
-            </a:fld>
-            <a:endParaRPr lang="de-DE" dirty="0"/>
-          </a:p>
-        </p:txBody>
-      </p:sp>
-    </p:spTree>
-    <p:extLst>
-      <p:ext uri="{BB962C8B-B14F-4D97-AF65-F5344CB8AC3E}">
-        <p14:creationId xmlns:p14="http://schemas.microsoft.com/office/powerpoint/2010/main" val="839178868"/>
-      </p:ext>
-    </p:extLst>
-  </p:cSld>
-  <p:clrMapOvr>
-    <a:masterClrMapping/>
-  </p:clrMapOvr>
-</p:sld>
-</file>
-
-<file path=ppt/slides/slide19.xml><?xml version="1.0" encoding="utf-8"?>
-<p:sld xmlns:a="http://schemas.openxmlformats.org/drawingml/2006/main" xmlns:r="http://schemas.openxmlformats.org/officeDocument/2006/relationships" xmlns:p="http://schemas.openxmlformats.org/presentationml/2006/main">
-  <p:cSld>
-    <p:spTree>
-      <p:nvGrpSpPr>
-        <p:cNvPr id="1" name=""/>
-        <p:cNvGrpSpPr/>
-        <p:nvPr/>
-      </p:nvGrpSpPr>
-      <p:grpSpPr>
-        <a:xfrm>
-          <a:off x="0" y="0"/>
-          <a:ext cx="0" cy="0"/>
-          <a:chOff x="0" y="0"/>
-          <a:chExt cx="0" cy="0"/>
-        </a:xfrm>
-      </p:grpSpPr>
-      <p:sp>
-        <p:nvSpPr>
-          <p:cNvPr id="2" name="Titel 1">
-            <a:extLst>
-              <a:ext uri="{FF2B5EF4-FFF2-40B4-BE49-F238E27FC236}">
-                <a16:creationId xmlns:a16="http://schemas.microsoft.com/office/drawing/2014/main" id="{A250AA1D-CBA5-4BF9-827F-0AC0BEF9E671}"/>
-              </a:ext>
-            </a:extLst>
-          </p:cNvPr>
-          <p:cNvSpPr>
-            <a:spLocks noGrp="1"/>
-          </p:cNvSpPr>
-          <p:nvPr>
-            <p:ph type="title"/>
-          </p:nvPr>
-        </p:nvSpPr>
-        <p:spPr/>
-        <p:txBody>
-          <a:bodyPr/>
-          <a:lstStyle/>
-          <a:p>
-            <a:r>
-              <a:rPr lang="de-DE" sz="2400" b="1" dirty="0"/>
-              <a:t>5. Extended Scenarios – Multiple Release Publishing</a:t>
-            </a:r>
-            <a:endParaRPr lang="de-DE" sz="2400" dirty="0"/>
-          </a:p>
-        </p:txBody>
-      </p:sp>
-      <p:sp>
-        <p:nvSpPr>
-          <p:cNvPr id="3" name="Datumsplatzhalter 2">
-            <a:extLst>
-              <a:ext uri="{FF2B5EF4-FFF2-40B4-BE49-F238E27FC236}">
-                <a16:creationId xmlns:a16="http://schemas.microsoft.com/office/drawing/2014/main" id="{EA0EB5D0-C0FE-4AFE-8A81-2589296C778F}"/>
-              </a:ext>
-            </a:extLst>
-          </p:cNvPr>
-          <p:cNvSpPr>
-            <a:spLocks noGrp="1"/>
-          </p:cNvSpPr>
-          <p:nvPr>
-            <p:ph type="dt" sz="half" idx="4294967295"/>
-          </p:nvPr>
-        </p:nvSpPr>
-        <p:spPr>
-          <a:xfrm>
-            <a:off x="1331913" y="6208713"/>
-            <a:ext cx="1296987" cy="476250"/>
-          </a:xfrm>
-        </p:spPr>
-        <p:txBody>
-          <a:bodyPr/>
-          <a:lstStyle/>
-          <a:p>
-            <a:r>
-              <a:rPr lang="de-DE" dirty="0"/>
-              <a:t>30.01.2018</a:t>
-            </a:r>
-          </a:p>
-        </p:txBody>
-      </p:sp>
-      <p:sp>
-        <p:nvSpPr>
-          <p:cNvPr id="4" name="Fußzeilenplatzhalter 3">
-            <a:extLst>
-              <a:ext uri="{FF2B5EF4-FFF2-40B4-BE49-F238E27FC236}">
-                <a16:creationId xmlns:a16="http://schemas.microsoft.com/office/drawing/2014/main" id="{57F7375E-8B76-432F-8062-DE249F9B1296}"/>
-              </a:ext>
-            </a:extLst>
-          </p:cNvPr>
-          <p:cNvSpPr>
-            <a:spLocks noGrp="1"/>
-          </p:cNvSpPr>
-          <p:nvPr>
-            <p:ph type="ftr" sz="quarter" idx="11"/>
-          </p:nvPr>
-        </p:nvSpPr>
-        <p:spPr/>
-        <p:txBody>
-          <a:bodyPr/>
-          <a:lstStyle/>
-          <a:p>
-            <a:r>
-              <a:rPr lang="de-DE" dirty="0"/>
-              <a:t>Andreas Wiegand &amp; Ludwig Schallner</a:t>
-            </a:r>
-          </a:p>
-        </p:txBody>
-      </p:sp>
-      <p:sp>
-        <p:nvSpPr>
-          <p:cNvPr id="6" name="Foliennummernplatzhalter 5">
-            <a:extLst>
-              <a:ext uri="{FF2B5EF4-FFF2-40B4-BE49-F238E27FC236}">
-                <a16:creationId xmlns:a16="http://schemas.microsoft.com/office/drawing/2014/main" id="{1CAFD7E1-5AA6-4CA7-887C-3211D94A545D}"/>
-              </a:ext>
-            </a:extLst>
-          </p:cNvPr>
-          <p:cNvSpPr>
-            <a:spLocks noGrp="1"/>
-          </p:cNvSpPr>
-          <p:nvPr>
-            <p:ph type="sldNum" sz="quarter" idx="12"/>
-          </p:nvPr>
-        </p:nvSpPr>
-        <p:spPr/>
-        <p:txBody>
-          <a:bodyPr/>
-          <a:lstStyle/>
-          <a:p>
-            <a:fld id="{50E76E58-F275-47A3-BB17-470016A267B6}" type="slidenum">
-              <a:rPr lang="de-DE" smtClean="0"/>
-              <a:pPr/>
-              <a:t>19</a:t>
+              <a:t>14</a:t>
             </a:fld>
             <a:endParaRPr lang="de-DE" dirty="0"/>
           </a:p>
@@ -10303,7 +7956,7 @@
 </p:sld>
 </file>
 
-<file path=ppt/slides/slide2.xml><?xml version="1.0" encoding="utf-8"?>
+<file path=ppt/slides/slide15.xml><?xml version="1.0" encoding="utf-8"?>
 <p:sld xmlns:a="http://schemas.openxmlformats.org/drawingml/2006/main" xmlns:r="http://schemas.openxmlformats.org/officeDocument/2006/relationships" xmlns:p="http://schemas.openxmlformats.org/presentationml/2006/main">
   <p:cSld>
     <p:spTree>
@@ -10322,7 +7975,13 @@
       </p:grpSpPr>
       <p:sp>
         <p:nvSpPr>
-          <p:cNvPr id="2" name="Titel 1"/>
+          <p:cNvPr id="2" name="Titel 1">
+            <a:extLst>
+              <a:ext uri="{FF2B5EF4-FFF2-40B4-BE49-F238E27FC236}">
+                <a16:creationId xmlns:a16="http://schemas.microsoft.com/office/drawing/2014/main" id="{8E25D8BA-34BD-4AB3-A8F1-5BE24DA46ED2}"/>
+              </a:ext>
+            </a:extLst>
+          </p:cNvPr>
           <p:cNvSpPr>
             <a:spLocks noGrp="1"/>
           </p:cNvSpPr>
@@ -10330,26 +7989,28 @@
             <p:ph type="title"/>
           </p:nvPr>
         </p:nvSpPr>
-        <p:spPr>
-          <a:xfrm>
-            <a:off x="827584" y="173037"/>
-            <a:ext cx="7886700" cy="573087"/>
-          </a:xfrm>
-        </p:spPr>
+        <p:spPr/>
         <p:txBody>
           <a:bodyPr/>
           <a:lstStyle/>
           <a:p>
             <a:r>
-              <a:rPr lang="de-DE" dirty="0"/>
-              <a:t>Index</a:t>
-            </a:r>
-          </a:p>
-        </p:txBody>
-      </p:sp>
-      <p:sp>
-        <p:nvSpPr>
-          <p:cNvPr id="3" name="Datumsplatzhalter 2"/>
+              <a:rPr lang="de-DE" sz="2000" b="1" dirty="0"/>
+              <a:t>5. Extended Scenarios - Sequential Release Publishing</a:t>
+            </a:r>
+            <a:endParaRPr lang="de-DE" sz="2000" dirty="0"/>
+          </a:p>
+        </p:txBody>
+      </p:sp>
+      <p:sp>
+        <p:nvSpPr>
+          <p:cNvPr id="3" name="Datumsplatzhalter 2">
+            <a:extLst>
+              <a:ext uri="{FF2B5EF4-FFF2-40B4-BE49-F238E27FC236}">
+                <a16:creationId xmlns:a16="http://schemas.microsoft.com/office/drawing/2014/main" id="{5079DD1B-902A-432A-8C60-C4C83007992A}"/>
+              </a:ext>
+            </a:extLst>
+          </p:cNvPr>
           <p:cNvSpPr>
             <a:spLocks noGrp="1"/>
           </p:cNvSpPr>
@@ -10376,7 +8037,13 @@
       </p:sp>
       <p:sp>
         <p:nvSpPr>
-          <p:cNvPr id="4" name="Fußzeilenplatzhalter 3"/>
+          <p:cNvPr id="4" name="Fußzeilenplatzhalter 3">
+            <a:extLst>
+              <a:ext uri="{FF2B5EF4-FFF2-40B4-BE49-F238E27FC236}">
+                <a16:creationId xmlns:a16="http://schemas.microsoft.com/office/drawing/2014/main" id="{7EFECC64-6F1A-4381-9B68-BF04EF1814E1}"/>
+              </a:ext>
+            </a:extLst>
+          </p:cNvPr>
           <p:cNvSpPr>
             <a:spLocks noGrp="1"/>
           </p:cNvSpPr>
@@ -10389,13 +8056,22 @@
           <a:bodyPr/>
           <a:lstStyle/>
           <a:p>
-            <a:endParaRPr lang="de-DE" dirty="0"/>
-          </a:p>
-        </p:txBody>
-      </p:sp>
-      <p:sp>
-        <p:nvSpPr>
-          <p:cNvPr id="5" name="Textplatzhalter 4"/>
+            <a:r>
+              <a:rPr lang="de-DE" dirty="0"/>
+              <a:t>Andreas Wiegand &amp; Ludwig Schallner</a:t>
+            </a:r>
+          </a:p>
+        </p:txBody>
+      </p:sp>
+      <p:sp>
+        <p:nvSpPr>
+          <p:cNvPr id="5" name="Textplatzhalter 4">
+            <a:extLst>
+              <a:ext uri="{FF2B5EF4-FFF2-40B4-BE49-F238E27FC236}">
+                <a16:creationId xmlns:a16="http://schemas.microsoft.com/office/drawing/2014/main" id="{6609FEC9-4889-4738-8FAA-9EDCD59C8959}"/>
+              </a:ext>
+            </a:extLst>
+          </p:cNvPr>
           <p:cNvSpPr>
             <a:spLocks noGrp="1"/>
           </p:cNvSpPr>
@@ -10403,107 +8079,57 @@
             <p:ph type="body" sz="quarter" idx="13"/>
           </p:nvPr>
         </p:nvSpPr>
-        <p:spPr>
-          <a:xfrm>
-            <a:off x="1980406" y="1342286"/>
-            <a:ext cx="8570912" cy="5526600"/>
-          </a:xfrm>
-        </p:spPr>
+        <p:spPr/>
         <p:txBody>
           <a:bodyPr/>
           <a:lstStyle/>
+          <a:p>
+            <a:r>
+              <a:rPr lang="en-US" dirty="0"/>
+              <a:t>the data is released continuously and sequentially as new information becomes available.</a:t>
+            </a:r>
+          </a:p>
+          <a:p>
+            <a:r>
+              <a:rPr lang="en-US" dirty="0"/>
+              <a:t>released T1, . . . , Tp−1 and now wants to publish the next release Tp</a:t>
+            </a:r>
+          </a:p>
+          <a:p>
+            <a:r>
+              <a:rPr lang="en-US" dirty="0"/>
+              <a:t>T1,…..,Tp-1 can´t be changed afterwards</a:t>
+            </a:r>
+          </a:p>
+          <a:p>
+            <a:r>
+              <a:rPr lang="en-US" dirty="0"/>
+              <a:t>Differents to multiple Release Publishing T1, . . . , Tp−1 have been published and, therefore, cannot be modified.</a:t>
+            </a:r>
+          </a:p>
+          <a:p>
+            <a:r>
+              <a:rPr lang="en-US" dirty="0"/>
+              <a:t>Any attempt at prevention of privacy violation has to rely on anonymizing the next</a:t>
+            </a:r>
+          </a:p>
           <a:p>
             <a:pPr marL="0" indent="0">
               <a:buNone/>
             </a:pPr>
             <a:endParaRPr lang="de-DE" dirty="0"/>
           </a:p>
-          <a:p>
-            <a:pPr marL="0" indent="0">
-              <a:buNone/>
-            </a:pPr>
-            <a:r>
-              <a:rPr lang="de-DE" dirty="0"/>
-              <a:t>1. Introduction</a:t>
-            </a:r>
-          </a:p>
-          <a:p>
-            <a:pPr marL="0" indent="0">
-              <a:buNone/>
-            </a:pPr>
-            <a:r>
-              <a:rPr lang="de-DE" dirty="0"/>
-              <a:t>2. k-anonymity</a:t>
-            </a:r>
-          </a:p>
-          <a:p>
-            <a:pPr marL="0" indent="0">
-              <a:buNone/>
-            </a:pPr>
-            <a:r>
-              <a:rPr lang="de-DE" dirty="0"/>
-              <a:t>3. l-diversity</a:t>
-            </a:r>
-          </a:p>
-          <a:p>
-            <a:pPr marL="0" indent="0">
-              <a:buNone/>
-            </a:pPr>
-            <a:r>
-              <a:rPr lang="de-DE" dirty="0"/>
-              <a:t>4. t-closeness</a:t>
-            </a:r>
-          </a:p>
-          <a:p>
-            <a:pPr marL="0" indent="0">
-              <a:buNone/>
-            </a:pPr>
-            <a:r>
-              <a:rPr lang="de-DE" dirty="0"/>
-              <a:t>5. Extendet scenarios</a:t>
-            </a:r>
-          </a:p>
-          <a:p>
-            <a:pPr marL="0" indent="0">
-              <a:buNone/>
-            </a:pPr>
-            <a:r>
-              <a:rPr lang="de-DE" dirty="0"/>
-              <a:t>6. Datatypes</a:t>
-            </a:r>
-          </a:p>
-          <a:p>
-            <a:pPr marL="0" indent="0">
-              <a:buNone/>
-            </a:pPr>
-            <a:r>
-              <a:rPr lang="de-DE" dirty="0"/>
-              <a:t>7. Summary</a:t>
-            </a:r>
-          </a:p>
-          <a:p>
-            <a:pPr marL="0" indent="0">
-              <a:buNone/>
-            </a:pPr>
-            <a:endParaRPr lang="de-DE" dirty="0"/>
-          </a:p>
-          <a:p>
-            <a:pPr marL="0" indent="0">
-              <a:buNone/>
-            </a:pPr>
-            <a:endParaRPr lang="de-DE" dirty="0"/>
-          </a:p>
-          <a:p>
-            <a:pPr marL="0" indent="0">
-              <a:buNone/>
-            </a:pPr>
-            <a:endParaRPr lang="de-DE" dirty="0"/>
-          </a:p>
-        </p:txBody>
-      </p:sp>
-      <p:sp>
-        <p:nvSpPr>
-          <p:cNvPr id="6" name="Foliennummernplatzhalter 5"/>
+        </p:txBody>
+      </p:sp>
+      <p:sp>
+        <p:nvSpPr>
+          <p:cNvPr id="6" name="Foliennummernplatzhalter 5">
+            <a:extLst>
+              <a:ext uri="{FF2B5EF4-FFF2-40B4-BE49-F238E27FC236}">
+                <a16:creationId xmlns:a16="http://schemas.microsoft.com/office/drawing/2014/main" id="{AB93F62D-EA09-4552-880A-D595452A36E3}"/>
+              </a:ext>
+            </a:extLst>
+          </p:cNvPr>
           <p:cNvSpPr>
             <a:spLocks noGrp="1"/>
           </p:cNvSpPr>
@@ -10519,7 +8145,7 @@
             <a:fld id="{50E76E58-F275-47A3-BB17-470016A267B6}" type="slidenum">
               <a:rPr lang="de-DE" smtClean="0"/>
               <a:pPr/>
-              <a:t>2</a:t>
+              <a:t>15</a:t>
             </a:fld>
             <a:endParaRPr lang="de-DE" dirty="0"/>
           </a:p>
@@ -10528,7 +8154,7 @@
     </p:spTree>
     <p:extLst>
       <p:ext uri="{BB962C8B-B14F-4D97-AF65-F5344CB8AC3E}">
-        <p14:creationId xmlns:p14="http://schemas.microsoft.com/office/powerpoint/2010/main" val="760479499"/>
+        <p14:creationId xmlns:p14="http://schemas.microsoft.com/office/powerpoint/2010/main" val="4223311860"/>
       </p:ext>
     </p:extLst>
   </p:cSld>
@@ -10538,7 +8164,7 @@
 </p:sld>
 </file>
 
-<file path=ppt/slides/slide20.xml><?xml version="1.0" encoding="utf-8"?>
+<file path=ppt/slides/slide16.xml><?xml version="1.0" encoding="utf-8"?>
 <p:sld xmlns:a="http://schemas.openxmlformats.org/drawingml/2006/main" xmlns:r="http://schemas.openxmlformats.org/officeDocument/2006/relationships" xmlns:p="http://schemas.openxmlformats.org/presentationml/2006/main">
   <p:cSld>
     <p:spTree>
@@ -10560,7 +8186,7 @@
           <p:cNvPr id="2" name="Titel 1">
             <a:extLst>
               <a:ext uri="{FF2B5EF4-FFF2-40B4-BE49-F238E27FC236}">
-                <a16:creationId xmlns:a16="http://schemas.microsoft.com/office/drawing/2014/main" id="{8E25D8BA-34BD-4AB3-A8F1-5BE24DA46ED2}"/>
+                <a16:creationId xmlns:a16="http://schemas.microsoft.com/office/drawing/2014/main" id="{A250AA1D-CBA5-4BF9-827F-0AC0BEF9E671}"/>
               </a:ext>
             </a:extLst>
           </p:cNvPr>
@@ -10589,7 +8215,7 @@
           <p:cNvPr id="3" name="Datumsplatzhalter 2">
             <a:extLst>
               <a:ext uri="{FF2B5EF4-FFF2-40B4-BE49-F238E27FC236}">
-                <a16:creationId xmlns:a16="http://schemas.microsoft.com/office/drawing/2014/main" id="{5079DD1B-902A-432A-8C60-C4C83007992A}"/>
+                <a16:creationId xmlns:a16="http://schemas.microsoft.com/office/drawing/2014/main" id="{EA0EB5D0-C0FE-4AFE-8A81-2589296C778F}"/>
               </a:ext>
             </a:extLst>
           </p:cNvPr>
@@ -10622,7 +8248,7 @@
           <p:cNvPr id="4" name="Fußzeilenplatzhalter 3">
             <a:extLst>
               <a:ext uri="{FF2B5EF4-FFF2-40B4-BE49-F238E27FC236}">
-                <a16:creationId xmlns:a16="http://schemas.microsoft.com/office/drawing/2014/main" id="{7EFECC64-6F1A-4381-9B68-BF04EF1814E1}"/>
+                <a16:creationId xmlns:a16="http://schemas.microsoft.com/office/drawing/2014/main" id="{57F7375E-8B76-432F-8062-DE249F9B1296}"/>
               </a:ext>
             </a:extLst>
           </p:cNvPr>
@@ -10647,68 +8273,10 @@
       </p:sp>
       <p:sp>
         <p:nvSpPr>
-          <p:cNvPr id="5" name="Textplatzhalter 4">
-            <a:extLst>
-              <a:ext uri="{FF2B5EF4-FFF2-40B4-BE49-F238E27FC236}">
-                <a16:creationId xmlns:a16="http://schemas.microsoft.com/office/drawing/2014/main" id="{6609FEC9-4889-4738-8FAA-9EDCD59C8959}"/>
-              </a:ext>
-            </a:extLst>
-          </p:cNvPr>
-          <p:cNvSpPr>
-            <a:spLocks noGrp="1"/>
-          </p:cNvSpPr>
-          <p:nvPr>
-            <p:ph type="body" sz="quarter" idx="13"/>
-          </p:nvPr>
-        </p:nvSpPr>
-        <p:spPr/>
-        <p:txBody>
-          <a:bodyPr/>
-          <a:lstStyle/>
-          <a:p>
-            <a:r>
-              <a:rPr lang="en-US" dirty="0"/>
-              <a:t>the data is released continuously and sequentially as new information becomes available.</a:t>
-            </a:r>
-          </a:p>
-          <a:p>
-            <a:r>
-              <a:rPr lang="en-US" dirty="0"/>
-              <a:t>released T1, . . . , Tp−1 and now wants to publish the next release Tp</a:t>
-            </a:r>
-          </a:p>
-          <a:p>
-            <a:r>
-              <a:rPr lang="en-US" dirty="0"/>
-              <a:t>T1,…..,Tp-1 can´t be changed afterwards</a:t>
-            </a:r>
-          </a:p>
-          <a:p>
-            <a:r>
-              <a:rPr lang="en-US" dirty="0"/>
-              <a:t>Differents to multiple Release Publishing T1, . . . , Tp−1 have been published and, therefore, cannot be modified.</a:t>
-            </a:r>
-          </a:p>
-          <a:p>
-            <a:r>
-              <a:rPr lang="en-US" dirty="0"/>
-              <a:t>Any attempt at prevention of privacy violation has to rely on anonymizing the next</a:t>
-            </a:r>
-          </a:p>
-          <a:p>
-            <a:pPr marL="0" indent="0">
-              <a:buNone/>
-            </a:pPr>
-            <a:endParaRPr lang="de-DE" dirty="0"/>
-          </a:p>
-        </p:txBody>
-      </p:sp>
-      <p:sp>
-        <p:nvSpPr>
           <p:cNvPr id="6" name="Foliennummernplatzhalter 5">
             <a:extLst>
               <a:ext uri="{FF2B5EF4-FFF2-40B4-BE49-F238E27FC236}">
-                <a16:creationId xmlns:a16="http://schemas.microsoft.com/office/drawing/2014/main" id="{AB93F62D-EA09-4552-880A-D595452A36E3}"/>
+                <a16:creationId xmlns:a16="http://schemas.microsoft.com/office/drawing/2014/main" id="{1CAFD7E1-5AA6-4CA7-887C-3211D94A545D}"/>
               </a:ext>
             </a:extLst>
           </p:cNvPr>
@@ -10727,157 +8295,7 @@
             <a:fld id="{50E76E58-F275-47A3-BB17-470016A267B6}" type="slidenum">
               <a:rPr lang="de-DE" smtClean="0"/>
               <a:pPr/>
-              <a:t>20</a:t>
-            </a:fld>
-            <a:endParaRPr lang="de-DE" dirty="0"/>
-          </a:p>
-        </p:txBody>
-      </p:sp>
-    </p:spTree>
-    <p:extLst>
-      <p:ext uri="{BB962C8B-B14F-4D97-AF65-F5344CB8AC3E}">
-        <p14:creationId xmlns:p14="http://schemas.microsoft.com/office/powerpoint/2010/main" val="4223311860"/>
-      </p:ext>
-    </p:extLst>
-  </p:cSld>
-  <p:clrMapOvr>
-    <a:masterClrMapping/>
-  </p:clrMapOvr>
-</p:sld>
-</file>
-
-<file path=ppt/slides/slide21.xml><?xml version="1.0" encoding="utf-8"?>
-<p:sld xmlns:a="http://schemas.openxmlformats.org/drawingml/2006/main" xmlns:r="http://schemas.openxmlformats.org/officeDocument/2006/relationships" xmlns:p="http://schemas.openxmlformats.org/presentationml/2006/main">
-  <p:cSld>
-    <p:spTree>
-      <p:nvGrpSpPr>
-        <p:cNvPr id="1" name=""/>
-        <p:cNvGrpSpPr/>
-        <p:nvPr/>
-      </p:nvGrpSpPr>
-      <p:grpSpPr>
-        <a:xfrm>
-          <a:off x="0" y="0"/>
-          <a:ext cx="0" cy="0"/>
-          <a:chOff x="0" y="0"/>
-          <a:chExt cx="0" cy="0"/>
-        </a:xfrm>
-      </p:grpSpPr>
-      <p:sp>
-        <p:nvSpPr>
-          <p:cNvPr id="2" name="Titel 1">
-            <a:extLst>
-              <a:ext uri="{FF2B5EF4-FFF2-40B4-BE49-F238E27FC236}">
-                <a16:creationId xmlns:a16="http://schemas.microsoft.com/office/drawing/2014/main" id="{A250AA1D-CBA5-4BF9-827F-0AC0BEF9E671}"/>
-              </a:ext>
-            </a:extLst>
-          </p:cNvPr>
-          <p:cNvSpPr>
-            <a:spLocks noGrp="1"/>
-          </p:cNvSpPr>
-          <p:nvPr>
-            <p:ph type="title"/>
-          </p:nvPr>
-        </p:nvSpPr>
-        <p:spPr/>
-        <p:txBody>
-          <a:bodyPr/>
-          <a:lstStyle/>
-          <a:p>
-            <a:r>
-              <a:rPr lang="de-DE" sz="2000" b="1" dirty="0"/>
-              <a:t>5. Extended Scenarios - Sequential Release Publishing</a:t>
-            </a:r>
-            <a:endParaRPr lang="de-DE" sz="2000" dirty="0"/>
-          </a:p>
-        </p:txBody>
-      </p:sp>
-      <p:sp>
-        <p:nvSpPr>
-          <p:cNvPr id="3" name="Datumsplatzhalter 2">
-            <a:extLst>
-              <a:ext uri="{FF2B5EF4-FFF2-40B4-BE49-F238E27FC236}">
-                <a16:creationId xmlns:a16="http://schemas.microsoft.com/office/drawing/2014/main" id="{EA0EB5D0-C0FE-4AFE-8A81-2589296C778F}"/>
-              </a:ext>
-            </a:extLst>
-          </p:cNvPr>
-          <p:cNvSpPr>
-            <a:spLocks noGrp="1"/>
-          </p:cNvSpPr>
-          <p:nvPr>
-            <p:ph type="dt" sz="half" idx="4294967295"/>
-          </p:nvPr>
-        </p:nvSpPr>
-        <p:spPr>
-          <a:xfrm>
-            <a:off x="1331913" y="6208713"/>
-            <a:ext cx="1296987" cy="476250"/>
-          </a:xfrm>
-        </p:spPr>
-        <p:txBody>
-          <a:bodyPr/>
-          <a:lstStyle/>
-          <a:p>
-            <a:r>
-              <a:rPr lang="de-DE" dirty="0"/>
-              <a:t>30.01.2018</a:t>
-            </a:r>
-          </a:p>
-        </p:txBody>
-      </p:sp>
-      <p:sp>
-        <p:nvSpPr>
-          <p:cNvPr id="4" name="Fußzeilenplatzhalter 3">
-            <a:extLst>
-              <a:ext uri="{FF2B5EF4-FFF2-40B4-BE49-F238E27FC236}">
-                <a16:creationId xmlns:a16="http://schemas.microsoft.com/office/drawing/2014/main" id="{57F7375E-8B76-432F-8062-DE249F9B1296}"/>
-              </a:ext>
-            </a:extLst>
-          </p:cNvPr>
-          <p:cNvSpPr>
-            <a:spLocks noGrp="1"/>
-          </p:cNvSpPr>
-          <p:nvPr>
-            <p:ph type="ftr" sz="quarter" idx="11"/>
-          </p:nvPr>
-        </p:nvSpPr>
-        <p:spPr/>
-        <p:txBody>
-          <a:bodyPr/>
-          <a:lstStyle/>
-          <a:p>
-            <a:r>
-              <a:rPr lang="de-DE" dirty="0"/>
-              <a:t>Andreas Wiegand &amp; Ludwig Schallner</a:t>
-            </a:r>
-          </a:p>
-        </p:txBody>
-      </p:sp>
-      <p:sp>
-        <p:nvSpPr>
-          <p:cNvPr id="6" name="Foliennummernplatzhalter 5">
-            <a:extLst>
-              <a:ext uri="{FF2B5EF4-FFF2-40B4-BE49-F238E27FC236}">
-                <a16:creationId xmlns:a16="http://schemas.microsoft.com/office/drawing/2014/main" id="{1CAFD7E1-5AA6-4CA7-887C-3211D94A545D}"/>
-              </a:ext>
-            </a:extLst>
-          </p:cNvPr>
-          <p:cNvSpPr>
-            <a:spLocks noGrp="1"/>
-          </p:cNvSpPr>
-          <p:nvPr>
-            <p:ph type="sldNum" sz="quarter" idx="12"/>
-          </p:nvPr>
-        </p:nvSpPr>
-        <p:spPr/>
-        <p:txBody>
-          <a:bodyPr/>
-          <a:lstStyle/>
-          <a:p>
-            <a:fld id="{50E76E58-F275-47A3-BB17-470016A267B6}" type="slidenum">
-              <a:rPr lang="de-DE" smtClean="0"/>
-              <a:pPr/>
-              <a:t>21</a:t>
+              <a:t>16</a:t>
             </a:fld>
             <a:endParaRPr lang="de-DE" dirty="0"/>
           </a:p>
@@ -12466,7 +9884,7 @@
 </p:sld>
 </file>
 
-<file path=ppt/slides/slide22.xml><?xml version="1.0" encoding="utf-8"?>
+<file path=ppt/slides/slide17.xml><?xml version="1.0" encoding="utf-8"?>
 <p:sld xmlns:a="http://schemas.openxmlformats.org/drawingml/2006/main" xmlns:r="http://schemas.openxmlformats.org/officeDocument/2006/relationships" xmlns:p="http://schemas.openxmlformats.org/presentationml/2006/main">
   <p:cSld>
     <p:spTree>
@@ -12694,7 +10112,7 @@
             <a:fld id="{50E76E58-F275-47A3-BB17-470016A267B6}" type="slidenum">
               <a:rPr lang="de-DE" smtClean="0"/>
               <a:pPr/>
-              <a:t>22</a:t>
+              <a:t>17</a:t>
             </a:fld>
             <a:endParaRPr lang="de-DE" dirty="0"/>
           </a:p>
@@ -12713,7 +10131,7 @@
 </p:sld>
 </file>
 
-<file path=ppt/slides/slide23.xml><?xml version="1.0" encoding="utf-8"?>
+<file path=ppt/slides/slide18.xml><?xml version="1.0" encoding="utf-8"?>
 <p:sld xmlns:a="http://schemas.openxmlformats.org/drawingml/2006/main" xmlns:r="http://schemas.openxmlformats.org/officeDocument/2006/relationships" xmlns:p="http://schemas.openxmlformats.org/presentationml/2006/main">
   <p:cSld>
     <p:spTree>
@@ -12878,7 +10296,7 @@
             <a:fld id="{50E76E58-F275-47A3-BB17-470016A267B6}" type="slidenum">
               <a:rPr lang="de-DE" smtClean="0"/>
               <a:pPr/>
-              <a:t>23</a:t>
+              <a:t>18</a:t>
             </a:fld>
             <a:endParaRPr lang="de-DE" dirty="0"/>
           </a:p>
@@ -13897,7 +11315,7 @@
 </p:sld>
 </file>
 
-<file path=ppt/slides/slide24.xml><?xml version="1.0" encoding="utf-8"?>
+<file path=ppt/slides/slide19.xml><?xml version="1.0" encoding="utf-8"?>
 <p:sld xmlns:a="http://schemas.openxmlformats.org/drawingml/2006/main" xmlns:r="http://schemas.openxmlformats.org/officeDocument/2006/relationships" xmlns:p="http://schemas.openxmlformats.org/presentationml/2006/main">
   <p:cSld>
     <p:spTree>
@@ -14096,7 +11514,7 @@
             <a:fld id="{50E76E58-F275-47A3-BB17-470016A267B6}" type="slidenum">
               <a:rPr lang="de-DE" smtClean="0"/>
               <a:pPr/>
-              <a:t>24</a:t>
+              <a:t>19</a:t>
             </a:fld>
             <a:endParaRPr lang="de-DE" dirty="0"/>
           </a:p>
@@ -14115,7 +11533,7 @@
 </p:sld>
 </file>
 
-<file path=ppt/slides/slide25.xml><?xml version="1.0" encoding="utf-8"?>
+<file path=ppt/slides/slide2.xml><?xml version="1.0" encoding="utf-8"?>
 <p:sld xmlns:a="http://schemas.openxmlformats.org/drawingml/2006/main" xmlns:r="http://schemas.openxmlformats.org/officeDocument/2006/relationships" xmlns:p="http://schemas.openxmlformats.org/presentationml/2006/main">
   <p:cSld>
     <p:spTree>
@@ -14134,101 +11552,193 @@
       </p:grpSpPr>
       <p:sp>
         <p:nvSpPr>
-          <p:cNvPr id="2" name="Textplatzhalter 1">
-            <a:extLst>
-              <a:ext uri="{FF2B5EF4-FFF2-40B4-BE49-F238E27FC236}">
-                <a16:creationId xmlns:a16="http://schemas.microsoft.com/office/drawing/2014/main" id="{F41E07C5-6582-46D5-BCF7-57DF68C25BEF}"/>
-              </a:ext>
-            </a:extLst>
-          </p:cNvPr>
+          <p:cNvPr id="2" name="Titel 1"/>
           <p:cNvSpPr>
             <a:spLocks noGrp="1"/>
           </p:cNvSpPr>
           <p:nvPr>
+            <p:ph type="title"/>
+          </p:nvPr>
+        </p:nvSpPr>
+        <p:spPr>
+          <a:xfrm>
+            <a:off x="827584" y="173037"/>
+            <a:ext cx="7886700" cy="573087"/>
+          </a:xfrm>
+        </p:spPr>
+        <p:txBody>
+          <a:bodyPr/>
+          <a:lstStyle/>
+          <a:p>
+            <a:r>
+              <a:rPr lang="de-DE" dirty="0"/>
+              <a:t>Index</a:t>
+            </a:r>
+          </a:p>
+        </p:txBody>
+      </p:sp>
+      <p:sp>
+        <p:nvSpPr>
+          <p:cNvPr id="3" name="Datumsplatzhalter 2"/>
+          <p:cNvSpPr>
+            <a:spLocks noGrp="1"/>
+          </p:cNvSpPr>
+          <p:nvPr>
+            <p:ph type="dt" sz="half" idx="4294967295"/>
+          </p:nvPr>
+        </p:nvSpPr>
+        <p:spPr>
+          <a:xfrm>
+            <a:off x="1331913" y="6208713"/>
+            <a:ext cx="1296987" cy="476250"/>
+          </a:xfrm>
+        </p:spPr>
+        <p:txBody>
+          <a:bodyPr/>
+          <a:lstStyle/>
+          <a:p>
+            <a:r>
+              <a:rPr lang="de-DE" dirty="0"/>
+              <a:t>30.01.2018</a:t>
+            </a:r>
+          </a:p>
+        </p:txBody>
+      </p:sp>
+      <p:sp>
+        <p:nvSpPr>
+          <p:cNvPr id="4" name="Fußzeilenplatzhalter 3"/>
+          <p:cNvSpPr>
+            <a:spLocks noGrp="1"/>
+          </p:cNvSpPr>
+          <p:nvPr>
+            <p:ph type="ftr" sz="quarter" idx="11"/>
+          </p:nvPr>
+        </p:nvSpPr>
+        <p:spPr/>
+        <p:txBody>
+          <a:bodyPr/>
+          <a:lstStyle/>
+          <a:p>
+            <a:endParaRPr lang="de-DE" dirty="0"/>
+          </a:p>
+        </p:txBody>
+      </p:sp>
+      <p:sp>
+        <p:nvSpPr>
+          <p:cNvPr id="5" name="Textplatzhalter 4"/>
+          <p:cNvSpPr>
+            <a:spLocks noGrp="1"/>
+          </p:cNvSpPr>
+          <p:nvPr>
             <p:ph type="body" sz="quarter" idx="13"/>
           </p:nvPr>
         </p:nvSpPr>
-        <p:spPr/>
+        <p:spPr>
+          <a:xfrm>
+            <a:off x="1980406" y="1342286"/>
+            <a:ext cx="8570912" cy="5526600"/>
+          </a:xfrm>
+        </p:spPr>
         <p:txBody>
           <a:bodyPr/>
           <a:lstStyle/>
           <a:p>
+            <a:pPr marL="0" indent="0">
+              <a:buNone/>
+            </a:pPr>
             <a:endParaRPr lang="de-DE" dirty="0"/>
           </a:p>
-        </p:txBody>
-      </p:sp>
-      <p:sp>
-        <p:nvSpPr>
-          <p:cNvPr id="3" name="Datumsplatzhalter 2">
-            <a:extLst>
-              <a:ext uri="{FF2B5EF4-FFF2-40B4-BE49-F238E27FC236}">
-                <a16:creationId xmlns:a16="http://schemas.microsoft.com/office/drawing/2014/main" id="{FF868612-49B8-4170-AACF-882FFF8B4699}"/>
-              </a:ext>
-            </a:extLst>
-          </p:cNvPr>
+          <a:p>
+            <a:pPr marL="0" indent="0">
+              <a:buNone/>
+            </a:pPr>
+            <a:r>
+              <a:rPr lang="de-DE" dirty="0"/>
+              <a:t>1. Introduction</a:t>
+            </a:r>
+          </a:p>
+          <a:p>
+            <a:pPr marL="0" indent="0">
+              <a:buNone/>
+            </a:pPr>
+            <a:r>
+              <a:rPr lang="de-DE" dirty="0"/>
+              <a:t>2. k-anonymity</a:t>
+            </a:r>
+          </a:p>
+          <a:p>
+            <a:pPr marL="0" indent="0">
+              <a:buNone/>
+            </a:pPr>
+            <a:r>
+              <a:rPr lang="de-DE" dirty="0"/>
+              <a:t>3. l-diversity</a:t>
+            </a:r>
+          </a:p>
+          <a:p>
+            <a:pPr marL="0" indent="0">
+              <a:buNone/>
+            </a:pPr>
+            <a:r>
+              <a:rPr lang="de-DE" dirty="0"/>
+              <a:t>4. t-closeness</a:t>
+            </a:r>
+          </a:p>
+          <a:p>
+            <a:pPr marL="0" indent="0">
+              <a:buNone/>
+            </a:pPr>
+            <a:r>
+              <a:rPr lang="de-DE" dirty="0"/>
+              <a:t>5. Extendet scenarios</a:t>
+            </a:r>
+          </a:p>
+          <a:p>
+            <a:pPr marL="0" indent="0">
+              <a:buNone/>
+            </a:pPr>
+            <a:r>
+              <a:rPr lang="de-DE" dirty="0"/>
+              <a:t>6. Datatypes</a:t>
+            </a:r>
+          </a:p>
+          <a:p>
+            <a:pPr marL="0" indent="0">
+              <a:buNone/>
+            </a:pPr>
+            <a:r>
+              <a:rPr lang="de-DE" dirty="0"/>
+              <a:t>7. Summary</a:t>
+            </a:r>
+          </a:p>
+          <a:p>
+            <a:pPr marL="0" indent="0">
+              <a:buNone/>
+            </a:pPr>
+            <a:endParaRPr lang="de-DE" dirty="0"/>
+          </a:p>
+          <a:p>
+            <a:pPr marL="0" indent="0">
+              <a:buNone/>
+            </a:pPr>
+            <a:endParaRPr lang="de-DE" dirty="0"/>
+          </a:p>
+          <a:p>
+            <a:pPr marL="0" indent="0">
+              <a:buNone/>
+            </a:pPr>
+            <a:endParaRPr lang="de-DE" dirty="0"/>
+          </a:p>
+        </p:txBody>
+      </p:sp>
+      <p:sp>
+        <p:nvSpPr>
+          <p:cNvPr id="6" name="Foliennummernplatzhalter 5"/>
           <p:cNvSpPr>
             <a:spLocks noGrp="1"/>
           </p:cNvSpPr>
           <p:nvPr>
-            <p:ph type="dt" sz="half" idx="14"/>
-          </p:nvPr>
-        </p:nvSpPr>
-        <p:spPr/>
-        <p:txBody>
-          <a:bodyPr/>
-          <a:lstStyle/>
-          <a:p>
-            <a:r>
-              <a:rPr lang="de-DE"/>
-              <a:t>30.01.2018</a:t>
-            </a:r>
-            <a:endParaRPr lang="de-DE" dirty="0"/>
-          </a:p>
-        </p:txBody>
-      </p:sp>
-      <p:sp>
-        <p:nvSpPr>
-          <p:cNvPr id="4" name="Fußzeilenplatzhalter 3">
-            <a:extLst>
-              <a:ext uri="{FF2B5EF4-FFF2-40B4-BE49-F238E27FC236}">
-                <a16:creationId xmlns:a16="http://schemas.microsoft.com/office/drawing/2014/main" id="{FDAAA187-E2BF-4F19-BD61-D96433275B3F}"/>
-              </a:ext>
-            </a:extLst>
-          </p:cNvPr>
-          <p:cNvSpPr>
-            <a:spLocks noGrp="1"/>
-          </p:cNvSpPr>
-          <p:nvPr>
-            <p:ph type="ftr" sz="quarter" idx="15"/>
-          </p:nvPr>
-        </p:nvSpPr>
-        <p:spPr/>
-        <p:txBody>
-          <a:bodyPr/>
-          <a:lstStyle/>
-          <a:p>
-            <a:r>
-              <a:rPr lang="de-DE"/>
-              <a:t>Schallner Ludwig, Wiegnand Andreas</a:t>
-            </a:r>
-            <a:endParaRPr lang="de-DE" dirty="0"/>
-          </a:p>
-        </p:txBody>
-      </p:sp>
-      <p:sp>
-        <p:nvSpPr>
-          <p:cNvPr id="5" name="Foliennummernplatzhalter 4">
-            <a:extLst>
-              <a:ext uri="{FF2B5EF4-FFF2-40B4-BE49-F238E27FC236}">
-                <a16:creationId xmlns:a16="http://schemas.microsoft.com/office/drawing/2014/main" id="{5E857941-B1BD-49F5-B8A9-2257E9083274}"/>
-              </a:ext>
-            </a:extLst>
-          </p:cNvPr>
-          <p:cNvSpPr>
-            <a:spLocks noGrp="1"/>
-          </p:cNvSpPr>
-          <p:nvPr>
-            <p:ph type="sldNum" sz="quarter" idx="16"/>
+            <p:ph type="sldNum" sz="quarter" idx="12"/>
           </p:nvPr>
         </p:nvSpPr>
         <p:spPr/>
@@ -14239,53 +11749,8 @@
             <a:fld id="{50E76E58-F275-47A3-BB17-470016A267B6}" type="slidenum">
               <a:rPr lang="de-DE" smtClean="0"/>
               <a:pPr/>
-              <a:t>25</a:t>
+              <a:t>2</a:t>
             </a:fld>
-            <a:endParaRPr lang="de-DE"/>
-          </a:p>
-        </p:txBody>
-      </p:sp>
-      <p:sp>
-        <p:nvSpPr>
-          <p:cNvPr id="6" name="Titel 5">
-            <a:extLst>
-              <a:ext uri="{FF2B5EF4-FFF2-40B4-BE49-F238E27FC236}">
-                <a16:creationId xmlns:a16="http://schemas.microsoft.com/office/drawing/2014/main" id="{58A5C443-9097-48B0-A2DC-6B76FC01754E}"/>
-              </a:ext>
-            </a:extLst>
-          </p:cNvPr>
-          <p:cNvSpPr>
-            <a:spLocks noGrp="1"/>
-          </p:cNvSpPr>
-          <p:nvPr>
-            <p:ph type="title"/>
-          </p:nvPr>
-        </p:nvSpPr>
-        <p:spPr/>
-        <p:txBody>
-          <a:bodyPr/>
-          <a:lstStyle/>
-          <a:p>
-            <a:r>
-              <a:rPr lang="de-DE" dirty="0" err="1"/>
-              <a:t>Finding</a:t>
-            </a:r>
-            <a:r>
-              <a:rPr lang="de-DE" dirty="0"/>
-              <a:t> </a:t>
-            </a:r>
-            <a:r>
-              <a:rPr lang="de-DE" dirty="0" err="1"/>
-              <a:t>the</a:t>
-            </a:r>
-            <a:r>
-              <a:rPr lang="de-DE" dirty="0"/>
-              <a:t> optimal </a:t>
-            </a:r>
-            <a:r>
-              <a:rPr lang="de-DE" dirty="0" err="1"/>
-              <a:t>solution</a:t>
-            </a:r>
             <a:endParaRPr lang="de-DE" dirty="0"/>
           </a:p>
         </p:txBody>
@@ -14293,7 +11758,7 @@
     </p:spTree>
     <p:extLst>
       <p:ext uri="{BB962C8B-B14F-4D97-AF65-F5344CB8AC3E}">
-        <p14:creationId xmlns:p14="http://schemas.microsoft.com/office/powerpoint/2010/main" val="614422746"/>
+        <p14:creationId xmlns:p14="http://schemas.microsoft.com/office/powerpoint/2010/main" val="760479499"/>
       </p:ext>
     </p:extLst>
   </p:cSld>
@@ -14303,7 +11768,7 @@
 </p:sld>
 </file>
 
-<file path=ppt/slides/slide26.xml><?xml version="1.0" encoding="utf-8"?>
+<file path=ppt/slides/slide20.xml><?xml version="1.0" encoding="utf-8"?>
 <p:sld xmlns:a="http://schemas.openxmlformats.org/drawingml/2006/main" xmlns:r="http://schemas.openxmlformats.org/officeDocument/2006/relationships" xmlns:p="http://schemas.openxmlformats.org/presentationml/2006/main">
   <p:cSld>
     <p:spTree>
@@ -14325,7 +11790,7 @@
           <p:cNvPr id="2" name="Textplatzhalter 1">
             <a:extLst>
               <a:ext uri="{FF2B5EF4-FFF2-40B4-BE49-F238E27FC236}">
-                <a16:creationId xmlns:a16="http://schemas.microsoft.com/office/drawing/2014/main" id="{D000CC02-1D8E-45FC-8F9D-589C6291B248}"/>
+                <a16:creationId xmlns:a16="http://schemas.microsoft.com/office/drawing/2014/main" id="{F41E07C5-6582-46D5-BCF7-57DF68C25BEF}"/>
               </a:ext>
             </a:extLst>
           </p:cNvPr>
@@ -14341,110 +11806,8 @@
           <a:bodyPr/>
           <a:lstStyle/>
           <a:p>
-            <a:r>
-              <a:rPr lang="de-DE" dirty="0"/>
-              <a:t>NP-</a:t>
-            </a:r>
-            <a:r>
-              <a:rPr lang="de-DE" dirty="0" err="1"/>
-              <a:t>hard</a:t>
-            </a:r>
             <a:endParaRPr lang="de-DE" dirty="0"/>
           </a:p>
-          <a:p>
-            <a:r>
-              <a:rPr lang="en-US" dirty="0"/>
-              <a:t>Finally, we presented two </a:t>
-            </a:r>
-            <a:r>
-              <a:rPr lang="en-US" dirty="0" err="1"/>
-              <a:t>e±cient</a:t>
-            </a:r>
-            <a:r>
-              <a:rPr lang="en-US" dirty="0"/>
-              <a:t> greedy </a:t>
-            </a:r>
-            <a:r>
-              <a:rPr lang="en-US" dirty="0" err="1"/>
-              <a:t>approxima-tion</a:t>
-            </a:r>
-            <a:r>
-              <a:rPr lang="en-US" dirty="0"/>
-              <a:t> algorithms for the problem. Can an </a:t>
-            </a:r>
-            <a:r>
-              <a:rPr lang="en-US" dirty="0" err="1"/>
-              <a:t>approximationalgorithm</a:t>
-            </a:r>
-            <a:r>
-              <a:rPr lang="en-US" dirty="0"/>
-              <a:t> be found whose performance ratio is </a:t>
-            </a:r>
-            <a:r>
-              <a:rPr lang="en-US" dirty="0" err="1"/>
-              <a:t>indepen</a:t>
-            </a:r>
-            <a:r>
-              <a:rPr lang="en-US" dirty="0"/>
-              <a:t>-dent of </a:t>
-            </a:r>
-            <a:r>
-              <a:rPr lang="en-US" i="1" dirty="0"/>
-              <a:t>k</a:t>
-            </a:r>
-            <a:r>
-              <a:rPr lang="en-US" dirty="0"/>
-              <a:t>? We suspect that ­(log </a:t>
-            </a:r>
-            <a:r>
-              <a:rPr lang="en-US" i="1" dirty="0"/>
-              <a:t>k</a:t>
-            </a:r>
-            <a:r>
-              <a:rPr lang="en-US" dirty="0"/>
-              <a:t>) might be a </a:t>
-            </a:r>
-            <a:r>
-              <a:rPr lang="en-US" dirty="0" err="1"/>
-              <a:t>lowerbound</a:t>
-            </a:r>
-            <a:r>
-              <a:rPr lang="en-US" dirty="0"/>
-              <a:t> on the possible approximability of the problem(within polynomial time), given that such a lower bound</a:t>
-            </a:r>
-            <a:r>
-              <a:rPr lang="de-DE" dirty="0" err="1"/>
-              <a:t>exists</a:t>
-            </a:r>
-            <a:r>
-              <a:rPr lang="de-DE" dirty="0"/>
-              <a:t> </a:t>
-            </a:r>
-            <a:r>
-              <a:rPr lang="de-DE" dirty="0" err="1"/>
-              <a:t>for</a:t>
-            </a:r>
-            <a:r>
-              <a:rPr lang="de-DE" dirty="0"/>
-              <a:t> </a:t>
-            </a:r>
-            <a:r>
-              <a:rPr lang="de-DE" i="1" dirty="0"/>
-              <a:t>k</a:t>
-            </a:r>
-            <a:r>
-              <a:rPr lang="de-DE" dirty="0"/>
-              <a:t>-set </a:t>
-            </a:r>
-            <a:r>
-              <a:rPr lang="de-DE" dirty="0" err="1"/>
-              <a:t>cover</a:t>
-            </a:r>
-            <a:r>
-              <a:rPr lang="de-DE" dirty="0"/>
-              <a:t>.</a:t>
-            </a:r>
-          </a:p>
         </p:txBody>
       </p:sp>
       <p:sp>
@@ -14452,7 +11815,7 @@
           <p:cNvPr id="3" name="Datumsplatzhalter 2">
             <a:extLst>
               <a:ext uri="{FF2B5EF4-FFF2-40B4-BE49-F238E27FC236}">
-                <a16:creationId xmlns:a16="http://schemas.microsoft.com/office/drawing/2014/main" id="{D6F7082F-80F5-4BD0-A486-6D2490774289}"/>
+                <a16:creationId xmlns:a16="http://schemas.microsoft.com/office/drawing/2014/main" id="{FF868612-49B8-4170-AACF-882FFF8B4699}"/>
               </a:ext>
             </a:extLst>
           </p:cNvPr>
@@ -14481,7 +11844,7 @@
           <p:cNvPr id="4" name="Fußzeilenplatzhalter 3">
             <a:extLst>
               <a:ext uri="{FF2B5EF4-FFF2-40B4-BE49-F238E27FC236}">
-                <a16:creationId xmlns:a16="http://schemas.microsoft.com/office/drawing/2014/main" id="{FC625E56-3A63-4014-8786-170F790BE14D}"/>
+                <a16:creationId xmlns:a16="http://schemas.microsoft.com/office/drawing/2014/main" id="{FDAAA187-E2BF-4F19-BD61-D96433275B3F}"/>
               </a:ext>
             </a:extLst>
           </p:cNvPr>
@@ -14510,7 +11873,7 @@
           <p:cNvPr id="5" name="Foliennummernplatzhalter 4">
             <a:extLst>
               <a:ext uri="{FF2B5EF4-FFF2-40B4-BE49-F238E27FC236}">
-                <a16:creationId xmlns:a16="http://schemas.microsoft.com/office/drawing/2014/main" id="{E3E06EDC-210D-44B9-8F36-969C6F592CAC}"/>
+                <a16:creationId xmlns:a16="http://schemas.microsoft.com/office/drawing/2014/main" id="{5E857941-B1BD-49F5-B8A9-2257E9083274}"/>
               </a:ext>
             </a:extLst>
           </p:cNvPr>
@@ -14529,7 +11892,7 @@
             <a:fld id="{50E76E58-F275-47A3-BB17-470016A267B6}" type="slidenum">
               <a:rPr lang="de-DE" smtClean="0"/>
               <a:pPr/>
-              <a:t>26</a:t>
+              <a:t>20</a:t>
             </a:fld>
             <a:endParaRPr lang="de-DE"/>
           </a:p>
@@ -14540,7 +11903,7 @@
           <p:cNvPr id="6" name="Titel 5">
             <a:extLst>
               <a:ext uri="{FF2B5EF4-FFF2-40B4-BE49-F238E27FC236}">
-                <a16:creationId xmlns:a16="http://schemas.microsoft.com/office/drawing/2014/main" id="{8408B55F-D343-4B90-B4FA-A9EB5CEA93AF}"/>
+                <a16:creationId xmlns:a16="http://schemas.microsoft.com/office/drawing/2014/main" id="{58A5C443-9097-48B0-A2DC-6B76FC01754E}"/>
               </a:ext>
             </a:extLst>
           </p:cNvPr>
@@ -14557,28 +11920,24 @@
           <a:lstStyle/>
           <a:p>
             <a:r>
-              <a:rPr lang="de-DE" b="1" dirty="0"/>
-              <a:t>5. </a:t>
-            </a:r>
-            <a:r>
-              <a:rPr lang="de-DE" b="1" dirty="0" err="1"/>
-              <a:t>Complexity</a:t>
-            </a:r>
-            <a:r>
-              <a:rPr lang="de-DE" b="1" dirty="0"/>
+              <a:rPr lang="de-DE" dirty="0" err="1"/>
+              <a:t>Finding</a:t>
+            </a:r>
+            <a:r>
+              <a:rPr lang="de-DE" dirty="0"/>
               <a:t> </a:t>
             </a:r>
             <a:r>
-              <a:rPr lang="de-DE" b="1" dirty="0" err="1"/>
-              <a:t>of</a:t>
-            </a:r>
-            <a:r>
-              <a:rPr lang="de-DE" b="1" dirty="0"/>
-              <a:t> Optimal K-</a:t>
-            </a:r>
-            <a:r>
-              <a:rPr lang="de-DE" b="1" dirty="0" err="1"/>
-              <a:t>Anonymity</a:t>
+              <a:rPr lang="de-DE" dirty="0" err="1"/>
+              <a:t>the</a:t>
+            </a:r>
+            <a:r>
+              <a:rPr lang="de-DE" dirty="0"/>
+              <a:t> optimal </a:t>
+            </a:r>
+            <a:r>
+              <a:rPr lang="de-DE" dirty="0" err="1"/>
+              <a:t>solution</a:t>
             </a:r>
             <a:endParaRPr lang="de-DE" dirty="0"/>
           </a:p>
@@ -14587,7 +11946,7 @@
     </p:spTree>
     <p:extLst>
       <p:ext uri="{BB962C8B-B14F-4D97-AF65-F5344CB8AC3E}">
-        <p14:creationId xmlns:p14="http://schemas.microsoft.com/office/powerpoint/2010/main" val="3903238436"/>
+        <p14:creationId xmlns:p14="http://schemas.microsoft.com/office/powerpoint/2010/main" val="614422746"/>
       </p:ext>
     </p:extLst>
   </p:cSld>
@@ -14597,7 +11956,7 @@
 </p:sld>
 </file>
 
-<file path=ppt/slides/slide27.xml><?xml version="1.0" encoding="utf-8"?>
+<file path=ppt/slides/slide21.xml><?xml version="1.0" encoding="utf-8"?>
 <p:sld xmlns:a="http://schemas.openxmlformats.org/drawingml/2006/main" xmlns:r="http://schemas.openxmlformats.org/officeDocument/2006/relationships" xmlns:p="http://schemas.openxmlformats.org/presentationml/2006/main">
   <p:cSld>
     <p:spTree>
@@ -14616,6 +11975,300 @@
       </p:grpSpPr>
       <p:sp>
         <p:nvSpPr>
+          <p:cNvPr id="2" name="Textplatzhalter 1">
+            <a:extLst>
+              <a:ext uri="{FF2B5EF4-FFF2-40B4-BE49-F238E27FC236}">
+                <a16:creationId xmlns:a16="http://schemas.microsoft.com/office/drawing/2014/main" id="{D000CC02-1D8E-45FC-8F9D-589C6291B248}"/>
+              </a:ext>
+            </a:extLst>
+          </p:cNvPr>
+          <p:cNvSpPr>
+            <a:spLocks noGrp="1"/>
+          </p:cNvSpPr>
+          <p:nvPr>
+            <p:ph type="body" sz="quarter" idx="13"/>
+          </p:nvPr>
+        </p:nvSpPr>
+        <p:spPr/>
+        <p:txBody>
+          <a:bodyPr/>
+          <a:lstStyle/>
+          <a:p>
+            <a:r>
+              <a:rPr lang="de-DE" dirty="0"/>
+              <a:t>NP-</a:t>
+            </a:r>
+            <a:r>
+              <a:rPr lang="de-DE" dirty="0" err="1"/>
+              <a:t>hard</a:t>
+            </a:r>
+            <a:endParaRPr lang="de-DE" dirty="0"/>
+          </a:p>
+          <a:p>
+            <a:r>
+              <a:rPr lang="en-US" dirty="0"/>
+              <a:t>Finally, we presented two </a:t>
+            </a:r>
+            <a:r>
+              <a:rPr lang="en-US" dirty="0" err="1"/>
+              <a:t>e±cient</a:t>
+            </a:r>
+            <a:r>
+              <a:rPr lang="en-US" dirty="0"/>
+              <a:t> greedy </a:t>
+            </a:r>
+            <a:r>
+              <a:rPr lang="en-US" dirty="0" err="1"/>
+              <a:t>approxima-tion</a:t>
+            </a:r>
+            <a:r>
+              <a:rPr lang="en-US" dirty="0"/>
+              <a:t> algorithms for the problem. Can an </a:t>
+            </a:r>
+            <a:r>
+              <a:rPr lang="en-US" dirty="0" err="1"/>
+              <a:t>approximationalgorithm</a:t>
+            </a:r>
+            <a:r>
+              <a:rPr lang="en-US" dirty="0"/>
+              <a:t> be found whose performance ratio is </a:t>
+            </a:r>
+            <a:r>
+              <a:rPr lang="en-US" dirty="0" err="1"/>
+              <a:t>indepen</a:t>
+            </a:r>
+            <a:r>
+              <a:rPr lang="en-US" dirty="0"/>
+              <a:t>-dent of </a:t>
+            </a:r>
+            <a:r>
+              <a:rPr lang="en-US" i="1" dirty="0"/>
+              <a:t>k</a:t>
+            </a:r>
+            <a:r>
+              <a:rPr lang="en-US" dirty="0"/>
+              <a:t>? We suspect that ­(log </a:t>
+            </a:r>
+            <a:r>
+              <a:rPr lang="en-US" i="1" dirty="0"/>
+              <a:t>k</a:t>
+            </a:r>
+            <a:r>
+              <a:rPr lang="en-US" dirty="0"/>
+              <a:t>) might be a </a:t>
+            </a:r>
+            <a:r>
+              <a:rPr lang="en-US" dirty="0" err="1"/>
+              <a:t>lowerbound</a:t>
+            </a:r>
+            <a:r>
+              <a:rPr lang="en-US" dirty="0"/>
+              <a:t> on the possible approximability of the problem(within polynomial time), given that such a lower bound</a:t>
+            </a:r>
+            <a:r>
+              <a:rPr lang="de-DE" dirty="0" err="1"/>
+              <a:t>exists</a:t>
+            </a:r>
+            <a:r>
+              <a:rPr lang="de-DE" dirty="0"/>
+              <a:t> </a:t>
+            </a:r>
+            <a:r>
+              <a:rPr lang="de-DE" dirty="0" err="1"/>
+              <a:t>for</a:t>
+            </a:r>
+            <a:r>
+              <a:rPr lang="de-DE" dirty="0"/>
+              <a:t> </a:t>
+            </a:r>
+            <a:r>
+              <a:rPr lang="de-DE" i="1" dirty="0"/>
+              <a:t>k</a:t>
+            </a:r>
+            <a:r>
+              <a:rPr lang="de-DE" dirty="0"/>
+              <a:t>-set </a:t>
+            </a:r>
+            <a:r>
+              <a:rPr lang="de-DE" dirty="0" err="1"/>
+              <a:t>cover</a:t>
+            </a:r>
+            <a:r>
+              <a:rPr lang="de-DE" dirty="0"/>
+              <a:t>.</a:t>
+            </a:r>
+          </a:p>
+        </p:txBody>
+      </p:sp>
+      <p:sp>
+        <p:nvSpPr>
+          <p:cNvPr id="3" name="Datumsplatzhalter 2">
+            <a:extLst>
+              <a:ext uri="{FF2B5EF4-FFF2-40B4-BE49-F238E27FC236}">
+                <a16:creationId xmlns:a16="http://schemas.microsoft.com/office/drawing/2014/main" id="{D6F7082F-80F5-4BD0-A486-6D2490774289}"/>
+              </a:ext>
+            </a:extLst>
+          </p:cNvPr>
+          <p:cNvSpPr>
+            <a:spLocks noGrp="1"/>
+          </p:cNvSpPr>
+          <p:nvPr>
+            <p:ph type="dt" sz="half" idx="14"/>
+          </p:nvPr>
+        </p:nvSpPr>
+        <p:spPr/>
+        <p:txBody>
+          <a:bodyPr/>
+          <a:lstStyle/>
+          <a:p>
+            <a:r>
+              <a:rPr lang="de-DE"/>
+              <a:t>30.01.2018</a:t>
+            </a:r>
+            <a:endParaRPr lang="de-DE" dirty="0"/>
+          </a:p>
+        </p:txBody>
+      </p:sp>
+      <p:sp>
+        <p:nvSpPr>
+          <p:cNvPr id="4" name="Fußzeilenplatzhalter 3">
+            <a:extLst>
+              <a:ext uri="{FF2B5EF4-FFF2-40B4-BE49-F238E27FC236}">
+                <a16:creationId xmlns:a16="http://schemas.microsoft.com/office/drawing/2014/main" id="{FC625E56-3A63-4014-8786-170F790BE14D}"/>
+              </a:ext>
+            </a:extLst>
+          </p:cNvPr>
+          <p:cNvSpPr>
+            <a:spLocks noGrp="1"/>
+          </p:cNvSpPr>
+          <p:nvPr>
+            <p:ph type="ftr" sz="quarter" idx="15"/>
+          </p:nvPr>
+        </p:nvSpPr>
+        <p:spPr/>
+        <p:txBody>
+          <a:bodyPr/>
+          <a:lstStyle/>
+          <a:p>
+            <a:r>
+              <a:rPr lang="de-DE"/>
+              <a:t>Schallner Ludwig, Wiegnand Andreas</a:t>
+            </a:r>
+            <a:endParaRPr lang="de-DE" dirty="0"/>
+          </a:p>
+        </p:txBody>
+      </p:sp>
+      <p:sp>
+        <p:nvSpPr>
+          <p:cNvPr id="5" name="Foliennummernplatzhalter 4">
+            <a:extLst>
+              <a:ext uri="{FF2B5EF4-FFF2-40B4-BE49-F238E27FC236}">
+                <a16:creationId xmlns:a16="http://schemas.microsoft.com/office/drawing/2014/main" id="{E3E06EDC-210D-44B9-8F36-969C6F592CAC}"/>
+              </a:ext>
+            </a:extLst>
+          </p:cNvPr>
+          <p:cNvSpPr>
+            <a:spLocks noGrp="1"/>
+          </p:cNvSpPr>
+          <p:nvPr>
+            <p:ph type="sldNum" sz="quarter" idx="16"/>
+          </p:nvPr>
+        </p:nvSpPr>
+        <p:spPr/>
+        <p:txBody>
+          <a:bodyPr/>
+          <a:lstStyle/>
+          <a:p>
+            <a:fld id="{50E76E58-F275-47A3-BB17-470016A267B6}" type="slidenum">
+              <a:rPr lang="de-DE" smtClean="0"/>
+              <a:pPr/>
+              <a:t>21</a:t>
+            </a:fld>
+            <a:endParaRPr lang="de-DE"/>
+          </a:p>
+        </p:txBody>
+      </p:sp>
+      <p:sp>
+        <p:nvSpPr>
+          <p:cNvPr id="6" name="Titel 5">
+            <a:extLst>
+              <a:ext uri="{FF2B5EF4-FFF2-40B4-BE49-F238E27FC236}">
+                <a16:creationId xmlns:a16="http://schemas.microsoft.com/office/drawing/2014/main" id="{8408B55F-D343-4B90-B4FA-A9EB5CEA93AF}"/>
+              </a:ext>
+            </a:extLst>
+          </p:cNvPr>
+          <p:cNvSpPr>
+            <a:spLocks noGrp="1"/>
+          </p:cNvSpPr>
+          <p:nvPr>
+            <p:ph type="title"/>
+          </p:nvPr>
+        </p:nvSpPr>
+        <p:spPr/>
+        <p:txBody>
+          <a:bodyPr/>
+          <a:lstStyle/>
+          <a:p>
+            <a:r>
+              <a:rPr lang="de-DE" b="1" dirty="0"/>
+              <a:t>5. </a:t>
+            </a:r>
+            <a:r>
+              <a:rPr lang="de-DE" b="1" dirty="0" err="1"/>
+              <a:t>Complexity</a:t>
+            </a:r>
+            <a:r>
+              <a:rPr lang="de-DE" b="1" dirty="0"/>
+              <a:t> </a:t>
+            </a:r>
+            <a:r>
+              <a:rPr lang="de-DE" b="1" dirty="0" err="1"/>
+              <a:t>of</a:t>
+            </a:r>
+            <a:r>
+              <a:rPr lang="de-DE" b="1" dirty="0"/>
+              <a:t> Optimal K-</a:t>
+            </a:r>
+            <a:r>
+              <a:rPr lang="de-DE" b="1" dirty="0" err="1"/>
+              <a:t>Anonymity</a:t>
+            </a:r>
+            <a:endParaRPr lang="de-DE" dirty="0"/>
+          </a:p>
+        </p:txBody>
+      </p:sp>
+    </p:spTree>
+    <p:extLst>
+      <p:ext uri="{BB962C8B-B14F-4D97-AF65-F5344CB8AC3E}">
+        <p14:creationId xmlns:p14="http://schemas.microsoft.com/office/powerpoint/2010/main" val="3903238436"/>
+      </p:ext>
+    </p:extLst>
+  </p:cSld>
+  <p:clrMapOvr>
+    <a:masterClrMapping/>
+  </p:clrMapOvr>
+</p:sld>
+</file>
+
+<file path=ppt/slides/slide22.xml><?xml version="1.0" encoding="utf-8"?>
+<p:sld xmlns:a="http://schemas.openxmlformats.org/drawingml/2006/main" xmlns:r="http://schemas.openxmlformats.org/officeDocument/2006/relationships" xmlns:p="http://schemas.openxmlformats.org/presentationml/2006/main">
+  <p:cSld>
+    <p:spTree>
+      <p:nvGrpSpPr>
+        <p:cNvPr id="1" name=""/>
+        <p:cNvGrpSpPr/>
+        <p:nvPr/>
+      </p:nvGrpSpPr>
+      <p:grpSpPr>
+        <a:xfrm>
+          <a:off x="0" y="0"/>
+          <a:ext cx="0" cy="0"/>
+          <a:chOff x="0" y="0"/>
+          <a:chExt cx="0" cy="0"/>
+        </a:xfrm>
+      </p:grpSpPr>
+      <p:sp>
+        <p:nvSpPr>
           <p:cNvPr id="2" name="Titel 1">
             <a:extLst>
               <a:ext uri="{FF2B5EF4-FFF2-40B4-BE49-F238E27FC236}">
@@ -14789,7 +12442,7 @@
             <a:fld id="{50E76E58-F275-47A3-BB17-470016A267B6}" type="slidenum">
               <a:rPr lang="de-DE" smtClean="0"/>
               <a:pPr/>
-              <a:t>27</a:t>
+              <a:t>22</a:t>
             </a:fld>
             <a:endParaRPr lang="de-DE" dirty="0"/>
           </a:p>
@@ -14849,7 +12502,7 @@
 </p:sld>
 </file>
 
-<file path=ppt/slides/slide28.xml><?xml version="1.0" encoding="utf-8"?>
+<file path=ppt/slides/slide23.xml><?xml version="1.0" encoding="utf-8"?>
 <p:sld xmlns:a="http://schemas.openxmlformats.org/drawingml/2006/main" xmlns:r="http://schemas.openxmlformats.org/officeDocument/2006/relationships" xmlns:p="http://schemas.openxmlformats.org/presentationml/2006/main">
   <p:cSld>
     <p:spTree>
@@ -15011,7 +12664,7 @@
             <a:fld id="{50E76E58-F275-47A3-BB17-470016A267B6}" type="slidenum">
               <a:rPr lang="de-DE" smtClean="0"/>
               <a:pPr/>
-              <a:t>28</a:t>
+              <a:t>23</a:t>
             </a:fld>
             <a:endParaRPr lang="de-DE" dirty="0"/>
           </a:p>
@@ -15136,7 +12789,7 @@
 </p:sld>
 </file>
 
-<file path=ppt/slides/slide29.xml><?xml version="1.0" encoding="utf-8"?>
+<file path=ppt/slides/slide24.xml><?xml version="1.0" encoding="utf-8"?>
 <p:sld xmlns:a="http://schemas.openxmlformats.org/drawingml/2006/main" xmlns:r="http://schemas.openxmlformats.org/officeDocument/2006/relationships" xmlns:p="http://schemas.openxmlformats.org/presentationml/2006/main">
   <p:cSld>
     <p:spTree>
@@ -15321,7 +12974,7 @@
             <a:fld id="{50E76E58-F275-47A3-BB17-470016A267B6}" type="slidenum">
               <a:rPr lang="de-DE" smtClean="0"/>
               <a:pPr/>
-              <a:t>29</a:t>
+              <a:t>24</a:t>
             </a:fld>
             <a:endParaRPr lang="de-DE" dirty="0"/>
           </a:p>
@@ -15422,6 +13075,815 @@
 </p:sld>
 </file>
 
+<file path=ppt/slides/slide25.xml><?xml version="1.0" encoding="utf-8"?>
+<p:sld xmlns:a="http://schemas.openxmlformats.org/drawingml/2006/main" xmlns:r="http://schemas.openxmlformats.org/officeDocument/2006/relationships" xmlns:p="http://schemas.openxmlformats.org/presentationml/2006/main">
+  <p:cSld>
+    <p:spTree>
+      <p:nvGrpSpPr>
+        <p:cNvPr id="1" name=""/>
+        <p:cNvGrpSpPr/>
+        <p:nvPr/>
+      </p:nvGrpSpPr>
+      <p:grpSpPr>
+        <a:xfrm>
+          <a:off x="0" y="0"/>
+          <a:ext cx="0" cy="0"/>
+          <a:chOff x="0" y="0"/>
+          <a:chExt cx="0" cy="0"/>
+        </a:xfrm>
+      </p:grpSpPr>
+      <p:sp>
+        <p:nvSpPr>
+          <p:cNvPr id="2" name="Textplatzhalter 1">
+            <a:extLst>
+              <a:ext uri="{FF2B5EF4-FFF2-40B4-BE49-F238E27FC236}">
+                <a16:creationId xmlns:a16="http://schemas.microsoft.com/office/drawing/2014/main" id="{577C42F9-8E74-40CA-8AA0-C0AD6BFAC4E2}"/>
+              </a:ext>
+            </a:extLst>
+          </p:cNvPr>
+          <p:cNvSpPr>
+            <a:spLocks noGrp="1"/>
+          </p:cNvSpPr>
+          <p:nvPr>
+            <p:ph type="body" sz="quarter" idx="13"/>
+          </p:nvPr>
+        </p:nvSpPr>
+        <p:spPr/>
+        <p:txBody>
+          <a:bodyPr/>
+          <a:lstStyle/>
+          <a:p>
+            <a:r>
+              <a:rPr lang="de-DE" dirty="0" err="1"/>
+              <a:t>Erase</a:t>
+            </a:r>
+            <a:endParaRPr lang="de-DE" dirty="0"/>
+          </a:p>
+          <a:p>
+            <a:r>
+              <a:rPr lang="de-DE" dirty="0" err="1"/>
+              <a:t>However</a:t>
+            </a:r>
+            <a:r>
+              <a:rPr lang="de-DE" dirty="0"/>
+              <a:t>, </a:t>
+            </a:r>
+            <a:r>
+              <a:rPr lang="de-DE" dirty="0" err="1"/>
+              <a:t>the</a:t>
+            </a:r>
+            <a:r>
+              <a:rPr lang="de-DE" dirty="0"/>
+              <a:t> </a:t>
+            </a:r>
+            <a:r>
+              <a:rPr lang="de-DE" dirty="0" err="1"/>
+              <a:t>problem</a:t>
+            </a:r>
+            <a:r>
+              <a:rPr lang="de-DE" dirty="0"/>
+              <a:t> </a:t>
+            </a:r>
+            <a:r>
+              <a:rPr lang="de-DE" dirty="0" err="1"/>
+              <a:t>formulation</a:t>
+            </a:r>
+            <a:r>
+              <a:rPr lang="de-DE" dirty="0"/>
+              <a:t> </a:t>
+            </a:r>
+            <a:r>
+              <a:rPr lang="en-US" dirty="0"/>
+              <a:t>considered in the above setup and ERASE are different. While the goal in the K-anonymization is to anonymize a given  </a:t>
+            </a:r>
+            <a:r>
+              <a:rPr lang="de-DE" dirty="0" err="1"/>
+              <a:t>database</a:t>
+            </a:r>
+            <a:r>
+              <a:rPr lang="de-DE" dirty="0"/>
+              <a:t>, in ERASE, </a:t>
+            </a:r>
+            <a:r>
+              <a:rPr lang="de-DE" dirty="0" err="1"/>
+              <a:t>the</a:t>
+            </a:r>
+            <a:r>
+              <a:rPr lang="de-DE" dirty="0"/>
+              <a:t> </a:t>
+            </a:r>
+            <a:r>
+              <a:rPr lang="de-DE" dirty="0" err="1"/>
+              <a:t>aim</a:t>
+            </a:r>
+            <a:r>
+              <a:rPr lang="de-DE" dirty="0"/>
+              <a:t> </a:t>
+            </a:r>
+            <a:r>
+              <a:rPr lang="de-DE" dirty="0" err="1"/>
+              <a:t>to</a:t>
+            </a:r>
+            <a:r>
+              <a:rPr lang="de-DE" dirty="0"/>
+              <a:t> </a:t>
+            </a:r>
+            <a:r>
+              <a:rPr lang="de-DE" dirty="0" err="1"/>
+              <a:t>sanitize</a:t>
+            </a:r>
+            <a:r>
+              <a:rPr lang="de-DE" dirty="0"/>
+              <a:t> a </a:t>
+            </a:r>
+            <a:r>
+              <a:rPr lang="de-DE" dirty="0" err="1"/>
+              <a:t>single</a:t>
+            </a:r>
+            <a:r>
+              <a:rPr lang="de-DE" dirty="0"/>
+              <a:t> </a:t>
+            </a:r>
+            <a:r>
+              <a:rPr lang="de-DE" dirty="0" err="1"/>
+              <a:t>document</a:t>
+            </a:r>
+            <a:r>
+              <a:rPr lang="de-DE" dirty="0"/>
+              <a:t>. </a:t>
+            </a:r>
+            <a:r>
+              <a:rPr lang="de-DE" b="1" dirty="0"/>
+              <a:t>(</a:t>
+            </a:r>
+            <a:r>
+              <a:rPr lang="de-DE" dirty="0"/>
+              <a:t>K</a:t>
+            </a:r>
+            <a:r>
+              <a:rPr lang="de-DE" b="1" dirty="0"/>
+              <a:t>-</a:t>
+            </a:r>
+            <a:r>
+              <a:rPr lang="de-DE" b="1" dirty="0" err="1"/>
+              <a:t>safety</a:t>
+            </a:r>
+            <a:r>
+              <a:rPr lang="de-DE" b="1" dirty="0"/>
+              <a:t>)</a:t>
+            </a:r>
+          </a:p>
+          <a:p>
+            <a:r>
+              <a:rPr lang="en-US" dirty="0"/>
+              <a:t>E denote the set of entities</a:t>
+            </a:r>
+          </a:p>
+          <a:p>
+            <a:r>
+              <a:rPr lang="de-DE" dirty="0" err="1"/>
+              <a:t>We</a:t>
+            </a:r>
+            <a:r>
+              <a:rPr lang="de-DE" dirty="0"/>
+              <a:t> </a:t>
+            </a:r>
+            <a:r>
+              <a:rPr lang="de-DE" dirty="0" err="1"/>
+              <a:t>associate</a:t>
+            </a:r>
+            <a:r>
+              <a:rPr lang="de-DE" dirty="0"/>
+              <a:t> </a:t>
+            </a:r>
+            <a:r>
+              <a:rPr lang="de-DE" dirty="0" err="1"/>
+              <a:t>each</a:t>
+            </a:r>
+            <a:r>
+              <a:rPr lang="de-DE" dirty="0"/>
+              <a:t> </a:t>
+            </a:r>
+            <a:r>
+              <a:rPr lang="de-DE" dirty="0" err="1"/>
+              <a:t>entity</a:t>
+            </a:r>
+            <a:r>
+              <a:rPr lang="de-DE" dirty="0"/>
+              <a:t> e 2 E </a:t>
+            </a:r>
+            <a:r>
+              <a:rPr lang="en-US" dirty="0"/>
+              <a:t>with a set of terms C(e) which collectively represent the entire knowledge the adversary has about the entity</a:t>
+            </a:r>
+          </a:p>
+          <a:p>
+            <a:r>
+              <a:rPr lang="en-US" dirty="0"/>
+              <a:t>Each disease is an entity, and its context includes the symptoms and the drugs used to cure the disease.</a:t>
+            </a:r>
+            <a:r>
+              <a:rPr lang="de-DE" dirty="0"/>
+              <a:t>P </a:t>
+            </a:r>
+            <a:r>
+              <a:rPr lang="de-DE" dirty="0" err="1"/>
+              <a:t>of</a:t>
+            </a:r>
+            <a:r>
+              <a:rPr lang="de-DE" dirty="0"/>
+              <a:t> </a:t>
+            </a:r>
+            <a:r>
+              <a:rPr lang="de-DE" i="1" dirty="0" err="1"/>
+              <a:t>protected</a:t>
+            </a:r>
+            <a:endParaRPr lang="de-DE" b="1" dirty="0"/>
+          </a:p>
+          <a:p>
+            <a:endParaRPr lang="de-DE" b="1" dirty="0"/>
+          </a:p>
+          <a:p>
+            <a:endParaRPr lang="de-DE" b="1" dirty="0"/>
+          </a:p>
+          <a:p>
+            <a:endParaRPr lang="de-DE" b="1" dirty="0"/>
+          </a:p>
+          <a:p>
+            <a:endParaRPr lang="de-DE" b="1" dirty="0"/>
+          </a:p>
+          <a:p>
+            <a:r>
+              <a:rPr lang="de-DE" dirty="0"/>
+              <a:t>Problem NP-Hard</a:t>
+            </a:r>
+          </a:p>
+        </p:txBody>
+      </p:sp>
+      <p:sp>
+        <p:nvSpPr>
+          <p:cNvPr id="3" name="Datumsplatzhalter 2">
+            <a:extLst>
+              <a:ext uri="{FF2B5EF4-FFF2-40B4-BE49-F238E27FC236}">
+                <a16:creationId xmlns:a16="http://schemas.microsoft.com/office/drawing/2014/main" id="{DD25A7C7-A5B6-4B13-A9D6-3724754DEFDD}"/>
+              </a:ext>
+            </a:extLst>
+          </p:cNvPr>
+          <p:cNvSpPr>
+            <a:spLocks noGrp="1"/>
+          </p:cNvSpPr>
+          <p:nvPr>
+            <p:ph type="dt" sz="half" idx="14"/>
+          </p:nvPr>
+        </p:nvSpPr>
+        <p:spPr/>
+        <p:txBody>
+          <a:bodyPr/>
+          <a:lstStyle/>
+          <a:p>
+            <a:r>
+              <a:rPr lang="de-DE"/>
+              <a:t>30.01.2018</a:t>
+            </a:r>
+            <a:endParaRPr lang="de-DE" dirty="0"/>
+          </a:p>
+        </p:txBody>
+      </p:sp>
+      <p:sp>
+        <p:nvSpPr>
+          <p:cNvPr id="4" name="Fußzeilenplatzhalter 3">
+            <a:extLst>
+              <a:ext uri="{FF2B5EF4-FFF2-40B4-BE49-F238E27FC236}">
+                <a16:creationId xmlns:a16="http://schemas.microsoft.com/office/drawing/2014/main" id="{B6FD571C-9DB0-4F33-8101-9F69BB1DEB36}"/>
+              </a:ext>
+            </a:extLst>
+          </p:cNvPr>
+          <p:cNvSpPr>
+            <a:spLocks noGrp="1"/>
+          </p:cNvSpPr>
+          <p:nvPr>
+            <p:ph type="ftr" sz="quarter" idx="15"/>
+          </p:nvPr>
+        </p:nvSpPr>
+        <p:spPr/>
+        <p:txBody>
+          <a:bodyPr/>
+          <a:lstStyle/>
+          <a:p>
+            <a:r>
+              <a:rPr lang="de-DE"/>
+              <a:t>Schallner Ludwig, Wiegnand Andreas</a:t>
+            </a:r>
+            <a:endParaRPr lang="de-DE" dirty="0"/>
+          </a:p>
+        </p:txBody>
+      </p:sp>
+      <p:sp>
+        <p:nvSpPr>
+          <p:cNvPr id="5" name="Foliennummernplatzhalter 4">
+            <a:extLst>
+              <a:ext uri="{FF2B5EF4-FFF2-40B4-BE49-F238E27FC236}">
+                <a16:creationId xmlns:a16="http://schemas.microsoft.com/office/drawing/2014/main" id="{FF64C9BD-BB48-4958-9EF7-0B9AD95DE67B}"/>
+              </a:ext>
+            </a:extLst>
+          </p:cNvPr>
+          <p:cNvSpPr>
+            <a:spLocks noGrp="1"/>
+          </p:cNvSpPr>
+          <p:nvPr>
+            <p:ph type="sldNum" sz="quarter" idx="16"/>
+          </p:nvPr>
+        </p:nvSpPr>
+        <p:spPr/>
+        <p:txBody>
+          <a:bodyPr/>
+          <a:lstStyle/>
+          <a:p>
+            <a:fld id="{50E76E58-F275-47A3-BB17-470016A267B6}" type="slidenum">
+              <a:rPr lang="de-DE" smtClean="0"/>
+              <a:pPr/>
+              <a:t>25</a:t>
+            </a:fld>
+            <a:endParaRPr lang="de-DE"/>
+          </a:p>
+        </p:txBody>
+      </p:sp>
+      <p:sp>
+        <p:nvSpPr>
+          <p:cNvPr id="6" name="Titel 5">
+            <a:extLst>
+              <a:ext uri="{FF2B5EF4-FFF2-40B4-BE49-F238E27FC236}">
+                <a16:creationId xmlns:a16="http://schemas.microsoft.com/office/drawing/2014/main" id="{F4005843-4524-4142-AAD9-795F09BD1662}"/>
+              </a:ext>
+            </a:extLst>
+          </p:cNvPr>
+          <p:cNvSpPr>
+            <a:spLocks noGrp="1"/>
+          </p:cNvSpPr>
+          <p:nvPr>
+            <p:ph type="title"/>
+          </p:nvPr>
+        </p:nvSpPr>
+        <p:spPr/>
+        <p:txBody>
+          <a:bodyPr/>
+          <a:lstStyle/>
+          <a:p>
+            <a:r>
+              <a:rPr lang="de-DE" b="1" dirty="0" err="1"/>
+              <a:t>Datatyp</a:t>
+            </a:r>
+            <a:r>
+              <a:rPr lang="de-DE" b="1" dirty="0"/>
+              <a:t> - </a:t>
+            </a:r>
+            <a:r>
+              <a:rPr lang="de-DE" b="1" dirty="0" err="1"/>
+              <a:t>Unstructured</a:t>
+            </a:r>
+            <a:r>
+              <a:rPr lang="de-DE" b="1" dirty="0"/>
+              <a:t> Data </a:t>
+            </a:r>
+            <a:r>
+              <a:rPr lang="de-DE" b="1" dirty="0" err="1"/>
+              <a:t>cont‘d</a:t>
+            </a:r>
+            <a:endParaRPr lang="de-DE" dirty="0"/>
+          </a:p>
+        </p:txBody>
+      </p:sp>
+    </p:spTree>
+    <p:extLst>
+      <p:ext uri="{BB962C8B-B14F-4D97-AF65-F5344CB8AC3E}">
+        <p14:creationId xmlns:p14="http://schemas.microsoft.com/office/powerpoint/2010/main" val="1737291820"/>
+      </p:ext>
+    </p:extLst>
+  </p:cSld>
+  <p:clrMapOvr>
+    <a:masterClrMapping/>
+  </p:clrMapOvr>
+</p:sld>
+</file>
+
+<file path=ppt/slides/slide26.xml><?xml version="1.0" encoding="utf-8"?>
+<p:sld xmlns:a="http://schemas.openxmlformats.org/drawingml/2006/main" xmlns:r="http://schemas.openxmlformats.org/officeDocument/2006/relationships" xmlns:p="http://schemas.openxmlformats.org/presentationml/2006/main">
+  <p:cSld>
+    <p:spTree>
+      <p:nvGrpSpPr>
+        <p:cNvPr id="1" name=""/>
+        <p:cNvGrpSpPr/>
+        <p:nvPr/>
+      </p:nvGrpSpPr>
+      <p:grpSpPr>
+        <a:xfrm>
+          <a:off x="0" y="0"/>
+          <a:ext cx="0" cy="0"/>
+          <a:chOff x="0" y="0"/>
+          <a:chExt cx="0" cy="0"/>
+        </a:xfrm>
+      </p:grpSpPr>
+      <p:sp>
+        <p:nvSpPr>
+          <p:cNvPr id="2" name="Textplatzhalter 1">
+            <a:extLst>
+              <a:ext uri="{FF2B5EF4-FFF2-40B4-BE49-F238E27FC236}">
+                <a16:creationId xmlns:a16="http://schemas.microsoft.com/office/drawing/2014/main" id="{567C864D-96CB-4AAD-8F69-46F95369D423}"/>
+              </a:ext>
+            </a:extLst>
+          </p:cNvPr>
+          <p:cNvSpPr>
+            <a:spLocks noGrp="1"/>
+          </p:cNvSpPr>
+          <p:nvPr>
+            <p:ph type="body" sz="quarter" idx="13"/>
+          </p:nvPr>
+        </p:nvSpPr>
+        <p:spPr/>
+        <p:txBody>
+          <a:bodyPr/>
+          <a:lstStyle/>
+          <a:p>
+            <a:r>
+              <a:rPr lang="de-DE" i="1" dirty="0"/>
+              <a:t>k</a:t>
+            </a:r>
+            <a:r>
+              <a:rPr lang="de-DE" dirty="0"/>
+              <a:t>-Same. </a:t>
+            </a:r>
+            <a:r>
+              <a:rPr lang="en-US" b="1" dirty="0"/>
+              <a:t>Face identification </a:t>
+            </a:r>
+            <a:r>
+              <a:rPr lang="en-US" dirty="0"/>
+              <a:t>results when a face image is properly associated with explicit identifiers, such as name and address, of the person who is the subject of the face </a:t>
+            </a:r>
+            <a:r>
+              <a:rPr lang="de-DE" dirty="0" err="1"/>
+              <a:t>image</a:t>
+            </a:r>
+            <a:r>
+              <a:rPr lang="de-DE" dirty="0"/>
+              <a:t>.</a:t>
+            </a:r>
+          </a:p>
+          <a:p>
+            <a:r>
+              <a:rPr lang="en-US" dirty="0"/>
+              <a:t>In the next section, face recognition software is examined in detail. The goal of this work is to alter face images in such a way that automated face recognition cannot be reliably performed on the resulting images. Before claims of thwarting face recognition software can be made, more discussion is </a:t>
+            </a:r>
+            <a:r>
+              <a:rPr lang="en-US"/>
+              <a:t>needed on altering </a:t>
+            </a:r>
+            <a:r>
+              <a:rPr lang="en-US" dirty="0"/>
+              <a:t>face images. This is termed de-identification of face images, as described in Definition 2.7.</a:t>
+            </a:r>
+            <a:endParaRPr lang="de-DE" dirty="0"/>
+          </a:p>
+        </p:txBody>
+      </p:sp>
+      <p:sp>
+        <p:nvSpPr>
+          <p:cNvPr id="3" name="Datumsplatzhalter 2">
+            <a:extLst>
+              <a:ext uri="{FF2B5EF4-FFF2-40B4-BE49-F238E27FC236}">
+                <a16:creationId xmlns:a16="http://schemas.microsoft.com/office/drawing/2014/main" id="{E0A2EFC3-F5F3-44F7-A354-3FDB28A8B478}"/>
+              </a:ext>
+            </a:extLst>
+          </p:cNvPr>
+          <p:cNvSpPr>
+            <a:spLocks noGrp="1"/>
+          </p:cNvSpPr>
+          <p:nvPr>
+            <p:ph type="dt" sz="half" idx="14"/>
+          </p:nvPr>
+        </p:nvSpPr>
+        <p:spPr/>
+        <p:txBody>
+          <a:bodyPr/>
+          <a:lstStyle/>
+          <a:p>
+            <a:r>
+              <a:rPr lang="de-DE"/>
+              <a:t>30.01.2018</a:t>
+            </a:r>
+            <a:endParaRPr lang="de-DE" dirty="0"/>
+          </a:p>
+        </p:txBody>
+      </p:sp>
+      <p:sp>
+        <p:nvSpPr>
+          <p:cNvPr id="4" name="Fußzeilenplatzhalter 3">
+            <a:extLst>
+              <a:ext uri="{FF2B5EF4-FFF2-40B4-BE49-F238E27FC236}">
+                <a16:creationId xmlns:a16="http://schemas.microsoft.com/office/drawing/2014/main" id="{FE989A17-18D4-4F20-8F30-B8827799AFC8}"/>
+              </a:ext>
+            </a:extLst>
+          </p:cNvPr>
+          <p:cNvSpPr>
+            <a:spLocks noGrp="1"/>
+          </p:cNvSpPr>
+          <p:nvPr>
+            <p:ph type="ftr" sz="quarter" idx="15"/>
+          </p:nvPr>
+        </p:nvSpPr>
+        <p:spPr/>
+        <p:txBody>
+          <a:bodyPr/>
+          <a:lstStyle/>
+          <a:p>
+            <a:r>
+              <a:rPr lang="de-DE"/>
+              <a:t>Schallner Ludwig, Wiegnand Andreas</a:t>
+            </a:r>
+            <a:endParaRPr lang="de-DE" dirty="0"/>
+          </a:p>
+        </p:txBody>
+      </p:sp>
+      <p:sp>
+        <p:nvSpPr>
+          <p:cNvPr id="5" name="Foliennummernplatzhalter 4">
+            <a:extLst>
+              <a:ext uri="{FF2B5EF4-FFF2-40B4-BE49-F238E27FC236}">
+                <a16:creationId xmlns:a16="http://schemas.microsoft.com/office/drawing/2014/main" id="{E06B3509-98FF-413B-95F1-D9411CC2C6E7}"/>
+              </a:ext>
+            </a:extLst>
+          </p:cNvPr>
+          <p:cNvSpPr>
+            <a:spLocks noGrp="1"/>
+          </p:cNvSpPr>
+          <p:nvPr>
+            <p:ph type="sldNum" sz="quarter" idx="16"/>
+          </p:nvPr>
+        </p:nvSpPr>
+        <p:spPr/>
+        <p:txBody>
+          <a:bodyPr/>
+          <a:lstStyle/>
+          <a:p>
+            <a:fld id="{50E76E58-F275-47A3-BB17-470016A267B6}" type="slidenum">
+              <a:rPr lang="de-DE" smtClean="0"/>
+              <a:pPr/>
+              <a:t>26</a:t>
+            </a:fld>
+            <a:endParaRPr lang="de-DE"/>
+          </a:p>
+        </p:txBody>
+      </p:sp>
+      <p:sp>
+        <p:nvSpPr>
+          <p:cNvPr id="6" name="Titel 5">
+            <a:extLst>
+              <a:ext uri="{FF2B5EF4-FFF2-40B4-BE49-F238E27FC236}">
+                <a16:creationId xmlns:a16="http://schemas.microsoft.com/office/drawing/2014/main" id="{94496B6B-9684-4747-8FBE-1E47B83F6560}"/>
+              </a:ext>
+            </a:extLst>
+          </p:cNvPr>
+          <p:cNvSpPr>
+            <a:spLocks noGrp="1"/>
+          </p:cNvSpPr>
+          <p:nvPr>
+            <p:ph type="title"/>
+          </p:nvPr>
+        </p:nvSpPr>
+        <p:spPr/>
+        <p:txBody>
+          <a:bodyPr/>
+          <a:lstStyle/>
+          <a:p>
+            <a:r>
+              <a:rPr lang="de-DE" b="1" dirty="0" err="1"/>
+              <a:t>Datatyp</a:t>
+            </a:r>
+            <a:r>
+              <a:rPr lang="de-DE" b="1" dirty="0"/>
+              <a:t> - </a:t>
+            </a:r>
+            <a:r>
+              <a:rPr lang="de-DE" b="1" dirty="0" err="1"/>
+              <a:t>Unstructured</a:t>
+            </a:r>
+            <a:r>
+              <a:rPr lang="de-DE" b="1" dirty="0"/>
+              <a:t> Data </a:t>
+            </a:r>
+            <a:r>
+              <a:rPr lang="de-DE" b="1" dirty="0" err="1"/>
+              <a:t>cont‘d</a:t>
+            </a:r>
+            <a:endParaRPr lang="de-DE" dirty="0"/>
+          </a:p>
+        </p:txBody>
+      </p:sp>
+    </p:spTree>
+    <p:extLst>
+      <p:ext uri="{BB962C8B-B14F-4D97-AF65-F5344CB8AC3E}">
+        <p14:creationId xmlns:p14="http://schemas.microsoft.com/office/powerpoint/2010/main" val="52467605"/>
+      </p:ext>
+    </p:extLst>
+  </p:cSld>
+  <p:clrMapOvr>
+    <a:masterClrMapping/>
+  </p:clrMapOvr>
+</p:sld>
+</file>
+
+<file path=ppt/slides/slide27.xml><?xml version="1.0" encoding="utf-8"?>
+<p:sld xmlns:a="http://schemas.openxmlformats.org/drawingml/2006/main" xmlns:r="http://schemas.openxmlformats.org/officeDocument/2006/relationships" xmlns:p="http://schemas.openxmlformats.org/presentationml/2006/main">
+  <p:cSld>
+    <p:spTree>
+      <p:nvGrpSpPr>
+        <p:cNvPr id="1" name=""/>
+        <p:cNvGrpSpPr/>
+        <p:nvPr/>
+      </p:nvGrpSpPr>
+      <p:grpSpPr>
+        <a:xfrm>
+          <a:off x="0" y="0"/>
+          <a:ext cx="0" cy="0"/>
+          <a:chOff x="0" y="0"/>
+          <a:chExt cx="0" cy="0"/>
+        </a:xfrm>
+      </p:grpSpPr>
+      <p:sp>
+        <p:nvSpPr>
+          <p:cNvPr id="2" name="Titel 1">
+            <a:extLst>
+              <a:ext uri="{FF2B5EF4-FFF2-40B4-BE49-F238E27FC236}">
+                <a16:creationId xmlns:a16="http://schemas.microsoft.com/office/drawing/2014/main" id="{60CF76F7-DA21-4280-B132-DB1CBFFB0632}"/>
+              </a:ext>
+            </a:extLst>
+          </p:cNvPr>
+          <p:cNvSpPr>
+            <a:spLocks noGrp="1"/>
+          </p:cNvSpPr>
+          <p:nvPr>
+            <p:ph type="title"/>
+          </p:nvPr>
+        </p:nvSpPr>
+        <p:spPr/>
+        <p:txBody>
+          <a:bodyPr/>
+          <a:lstStyle/>
+          <a:p>
+            <a:r>
+              <a:rPr lang="de-DE" dirty="0"/>
+              <a:t>7. Summary</a:t>
+            </a:r>
+          </a:p>
+        </p:txBody>
+      </p:sp>
+      <p:sp>
+        <p:nvSpPr>
+          <p:cNvPr id="3" name="Datumsplatzhalter 2">
+            <a:extLst>
+              <a:ext uri="{FF2B5EF4-FFF2-40B4-BE49-F238E27FC236}">
+                <a16:creationId xmlns:a16="http://schemas.microsoft.com/office/drawing/2014/main" id="{3B50A201-5742-48F2-9C76-90EB7278DE8B}"/>
+              </a:ext>
+            </a:extLst>
+          </p:cNvPr>
+          <p:cNvSpPr>
+            <a:spLocks noGrp="1"/>
+          </p:cNvSpPr>
+          <p:nvPr>
+            <p:ph type="dt" sz="half" idx="4294967295"/>
+          </p:nvPr>
+        </p:nvSpPr>
+        <p:spPr>
+          <a:xfrm>
+            <a:off x="1331913" y="6208713"/>
+            <a:ext cx="1296987" cy="476250"/>
+          </a:xfrm>
+        </p:spPr>
+        <p:txBody>
+          <a:bodyPr/>
+          <a:lstStyle/>
+          <a:p>
+            <a:r>
+              <a:rPr lang="de-DE" dirty="0"/>
+              <a:t>30.01.2018</a:t>
+            </a:r>
+          </a:p>
+        </p:txBody>
+      </p:sp>
+      <p:sp>
+        <p:nvSpPr>
+          <p:cNvPr id="4" name="Fußzeilenplatzhalter 3">
+            <a:extLst>
+              <a:ext uri="{FF2B5EF4-FFF2-40B4-BE49-F238E27FC236}">
+                <a16:creationId xmlns:a16="http://schemas.microsoft.com/office/drawing/2014/main" id="{905609BE-6FD9-442B-89BF-1438B615F4CE}"/>
+              </a:ext>
+            </a:extLst>
+          </p:cNvPr>
+          <p:cNvSpPr>
+            <a:spLocks noGrp="1"/>
+          </p:cNvSpPr>
+          <p:nvPr>
+            <p:ph type="ftr" sz="quarter" idx="11"/>
+          </p:nvPr>
+        </p:nvSpPr>
+        <p:spPr/>
+        <p:txBody>
+          <a:bodyPr/>
+          <a:lstStyle/>
+          <a:p>
+            <a:r>
+              <a:rPr lang="de-DE" dirty="0"/>
+              <a:t>Andreas Wiegand &amp; Ludwig Schallner</a:t>
+            </a:r>
+          </a:p>
+        </p:txBody>
+      </p:sp>
+      <p:sp>
+        <p:nvSpPr>
+          <p:cNvPr id="5" name="Textplatzhalter 4">
+            <a:extLst>
+              <a:ext uri="{FF2B5EF4-FFF2-40B4-BE49-F238E27FC236}">
+                <a16:creationId xmlns:a16="http://schemas.microsoft.com/office/drawing/2014/main" id="{BE3AB503-2D36-4EFD-97BC-4FB481D902EA}"/>
+              </a:ext>
+            </a:extLst>
+          </p:cNvPr>
+          <p:cNvSpPr>
+            <a:spLocks noGrp="1"/>
+          </p:cNvSpPr>
+          <p:nvPr>
+            <p:ph type="body" sz="quarter" idx="13"/>
+          </p:nvPr>
+        </p:nvSpPr>
+        <p:spPr/>
+        <p:txBody>
+          <a:bodyPr/>
+          <a:lstStyle/>
+          <a:p>
+            <a:r>
+              <a:rPr lang="de-DE" dirty="0"/>
+              <a:t>K-anonymity, l-Diversity, t-clossness don‘t provide a full privacy protection</a:t>
+            </a:r>
+          </a:p>
+          <a:p>
+            <a:r>
+              <a:rPr lang="de-DE" dirty="0"/>
+              <a:t>Every privacy Modell tries to overcome the downsites of his parent</a:t>
+            </a:r>
+          </a:p>
+          <a:p>
+            <a:r>
+              <a:rPr lang="de-DE" dirty="0"/>
+              <a:t>All kind of data can leak privacy information</a:t>
+            </a:r>
+          </a:p>
+          <a:p>
+            <a:endParaRPr lang="de-DE" dirty="0"/>
+          </a:p>
+        </p:txBody>
+      </p:sp>
+      <p:sp>
+        <p:nvSpPr>
+          <p:cNvPr id="6" name="Foliennummernplatzhalter 5">
+            <a:extLst>
+              <a:ext uri="{FF2B5EF4-FFF2-40B4-BE49-F238E27FC236}">
+                <a16:creationId xmlns:a16="http://schemas.microsoft.com/office/drawing/2014/main" id="{9B878E9B-BDE0-4DC9-9BC7-6B1CE8112B95}"/>
+              </a:ext>
+            </a:extLst>
+          </p:cNvPr>
+          <p:cNvSpPr>
+            <a:spLocks noGrp="1"/>
+          </p:cNvSpPr>
+          <p:nvPr>
+            <p:ph type="sldNum" sz="quarter" idx="12"/>
+          </p:nvPr>
+        </p:nvSpPr>
+        <p:spPr/>
+        <p:txBody>
+          <a:bodyPr/>
+          <a:lstStyle/>
+          <a:p>
+            <a:fld id="{50E76E58-F275-47A3-BB17-470016A267B6}" type="slidenum">
+              <a:rPr lang="de-DE" smtClean="0"/>
+              <a:pPr/>
+              <a:t>27</a:t>
+            </a:fld>
+            <a:endParaRPr lang="de-DE" dirty="0"/>
+          </a:p>
+        </p:txBody>
+      </p:sp>
+    </p:spTree>
+    <p:extLst>
+      <p:ext uri="{BB962C8B-B14F-4D97-AF65-F5344CB8AC3E}">
+        <p14:creationId xmlns:p14="http://schemas.microsoft.com/office/powerpoint/2010/main" val="1427231547"/>
+      </p:ext>
+    </p:extLst>
+  </p:cSld>
+  <p:clrMapOvr>
+    <a:masterClrMapping/>
+  </p:clrMapOvr>
+</p:sld>
+</file>
+
 <file path=ppt/slides/slide3.xml><?xml version="1.0" encoding="utf-8"?>
 <p:sld xmlns:a="http://schemas.openxmlformats.org/drawingml/2006/main" xmlns:r="http://schemas.openxmlformats.org/officeDocument/2006/relationships" xmlns:p="http://schemas.openxmlformats.org/presentationml/2006/main">
   <p:cSld>
@@ -15646,815 +14108,6 @@
     <p:extLst>
       <p:ext uri="{BB962C8B-B14F-4D97-AF65-F5344CB8AC3E}">
         <p14:creationId xmlns:p14="http://schemas.microsoft.com/office/powerpoint/2010/main" val="2903989552"/>
-      </p:ext>
-    </p:extLst>
-  </p:cSld>
-  <p:clrMapOvr>
-    <a:masterClrMapping/>
-  </p:clrMapOvr>
-</p:sld>
-</file>
-
-<file path=ppt/slides/slide30.xml><?xml version="1.0" encoding="utf-8"?>
-<p:sld xmlns:a="http://schemas.openxmlformats.org/drawingml/2006/main" xmlns:r="http://schemas.openxmlformats.org/officeDocument/2006/relationships" xmlns:p="http://schemas.openxmlformats.org/presentationml/2006/main">
-  <p:cSld>
-    <p:spTree>
-      <p:nvGrpSpPr>
-        <p:cNvPr id="1" name=""/>
-        <p:cNvGrpSpPr/>
-        <p:nvPr/>
-      </p:nvGrpSpPr>
-      <p:grpSpPr>
-        <a:xfrm>
-          <a:off x="0" y="0"/>
-          <a:ext cx="0" cy="0"/>
-          <a:chOff x="0" y="0"/>
-          <a:chExt cx="0" cy="0"/>
-        </a:xfrm>
-      </p:grpSpPr>
-      <p:sp>
-        <p:nvSpPr>
-          <p:cNvPr id="2" name="Textplatzhalter 1">
-            <a:extLst>
-              <a:ext uri="{FF2B5EF4-FFF2-40B4-BE49-F238E27FC236}">
-                <a16:creationId xmlns:a16="http://schemas.microsoft.com/office/drawing/2014/main" id="{577C42F9-8E74-40CA-8AA0-C0AD6BFAC4E2}"/>
-              </a:ext>
-            </a:extLst>
-          </p:cNvPr>
-          <p:cNvSpPr>
-            <a:spLocks noGrp="1"/>
-          </p:cNvSpPr>
-          <p:nvPr>
-            <p:ph type="body" sz="quarter" idx="13"/>
-          </p:nvPr>
-        </p:nvSpPr>
-        <p:spPr/>
-        <p:txBody>
-          <a:bodyPr/>
-          <a:lstStyle/>
-          <a:p>
-            <a:r>
-              <a:rPr lang="de-DE" dirty="0" err="1"/>
-              <a:t>Erase</a:t>
-            </a:r>
-            <a:endParaRPr lang="de-DE" dirty="0"/>
-          </a:p>
-          <a:p>
-            <a:r>
-              <a:rPr lang="de-DE" dirty="0" err="1"/>
-              <a:t>However</a:t>
-            </a:r>
-            <a:r>
-              <a:rPr lang="de-DE" dirty="0"/>
-              <a:t>, </a:t>
-            </a:r>
-            <a:r>
-              <a:rPr lang="de-DE" dirty="0" err="1"/>
-              <a:t>the</a:t>
-            </a:r>
-            <a:r>
-              <a:rPr lang="de-DE" dirty="0"/>
-              <a:t> </a:t>
-            </a:r>
-            <a:r>
-              <a:rPr lang="de-DE" dirty="0" err="1"/>
-              <a:t>problem</a:t>
-            </a:r>
-            <a:r>
-              <a:rPr lang="de-DE" dirty="0"/>
-              <a:t> </a:t>
-            </a:r>
-            <a:r>
-              <a:rPr lang="de-DE" dirty="0" err="1"/>
-              <a:t>formulation</a:t>
-            </a:r>
-            <a:r>
-              <a:rPr lang="de-DE" dirty="0"/>
-              <a:t> </a:t>
-            </a:r>
-            <a:r>
-              <a:rPr lang="en-US" dirty="0"/>
-              <a:t>considered in the above setup and ERASE are different. While the goal in the K-anonymization is to anonymize a given  </a:t>
-            </a:r>
-            <a:r>
-              <a:rPr lang="de-DE" dirty="0" err="1"/>
-              <a:t>database</a:t>
-            </a:r>
-            <a:r>
-              <a:rPr lang="de-DE" dirty="0"/>
-              <a:t>, in ERASE, </a:t>
-            </a:r>
-            <a:r>
-              <a:rPr lang="de-DE" dirty="0" err="1"/>
-              <a:t>the</a:t>
-            </a:r>
-            <a:r>
-              <a:rPr lang="de-DE" dirty="0"/>
-              <a:t> </a:t>
-            </a:r>
-            <a:r>
-              <a:rPr lang="de-DE" dirty="0" err="1"/>
-              <a:t>aim</a:t>
-            </a:r>
-            <a:r>
-              <a:rPr lang="de-DE" dirty="0"/>
-              <a:t> </a:t>
-            </a:r>
-            <a:r>
-              <a:rPr lang="de-DE" dirty="0" err="1"/>
-              <a:t>to</a:t>
-            </a:r>
-            <a:r>
-              <a:rPr lang="de-DE" dirty="0"/>
-              <a:t> </a:t>
-            </a:r>
-            <a:r>
-              <a:rPr lang="de-DE" dirty="0" err="1"/>
-              <a:t>sanitize</a:t>
-            </a:r>
-            <a:r>
-              <a:rPr lang="de-DE" dirty="0"/>
-              <a:t> a </a:t>
-            </a:r>
-            <a:r>
-              <a:rPr lang="de-DE" dirty="0" err="1"/>
-              <a:t>single</a:t>
-            </a:r>
-            <a:r>
-              <a:rPr lang="de-DE" dirty="0"/>
-              <a:t> </a:t>
-            </a:r>
-            <a:r>
-              <a:rPr lang="de-DE" dirty="0" err="1"/>
-              <a:t>document</a:t>
-            </a:r>
-            <a:r>
-              <a:rPr lang="de-DE" dirty="0"/>
-              <a:t>. </a:t>
-            </a:r>
-            <a:r>
-              <a:rPr lang="de-DE" b="1" dirty="0"/>
-              <a:t>(</a:t>
-            </a:r>
-            <a:r>
-              <a:rPr lang="de-DE" dirty="0"/>
-              <a:t>K</a:t>
-            </a:r>
-            <a:r>
-              <a:rPr lang="de-DE" b="1" dirty="0"/>
-              <a:t>-</a:t>
-            </a:r>
-            <a:r>
-              <a:rPr lang="de-DE" b="1" dirty="0" err="1"/>
-              <a:t>safety</a:t>
-            </a:r>
-            <a:r>
-              <a:rPr lang="de-DE" b="1" dirty="0"/>
-              <a:t>)</a:t>
-            </a:r>
-          </a:p>
-          <a:p>
-            <a:r>
-              <a:rPr lang="en-US" dirty="0"/>
-              <a:t>E denote the set of entities</a:t>
-            </a:r>
-          </a:p>
-          <a:p>
-            <a:r>
-              <a:rPr lang="de-DE" dirty="0" err="1"/>
-              <a:t>We</a:t>
-            </a:r>
-            <a:r>
-              <a:rPr lang="de-DE" dirty="0"/>
-              <a:t> </a:t>
-            </a:r>
-            <a:r>
-              <a:rPr lang="de-DE" dirty="0" err="1"/>
-              <a:t>associate</a:t>
-            </a:r>
-            <a:r>
-              <a:rPr lang="de-DE" dirty="0"/>
-              <a:t> </a:t>
-            </a:r>
-            <a:r>
-              <a:rPr lang="de-DE" dirty="0" err="1"/>
-              <a:t>each</a:t>
-            </a:r>
-            <a:r>
-              <a:rPr lang="de-DE" dirty="0"/>
-              <a:t> </a:t>
-            </a:r>
-            <a:r>
-              <a:rPr lang="de-DE" dirty="0" err="1"/>
-              <a:t>entity</a:t>
-            </a:r>
-            <a:r>
-              <a:rPr lang="de-DE" dirty="0"/>
-              <a:t> e 2 E </a:t>
-            </a:r>
-            <a:r>
-              <a:rPr lang="en-US" dirty="0"/>
-              <a:t>with a set of terms C(e) which collectively represent the entire knowledge the adversary has about the entity</a:t>
-            </a:r>
-          </a:p>
-          <a:p>
-            <a:r>
-              <a:rPr lang="en-US" dirty="0"/>
-              <a:t>Each disease is an entity, and its context includes the symptoms and the drugs used to cure the disease.</a:t>
-            </a:r>
-            <a:r>
-              <a:rPr lang="de-DE" dirty="0"/>
-              <a:t>P </a:t>
-            </a:r>
-            <a:r>
-              <a:rPr lang="de-DE" dirty="0" err="1"/>
-              <a:t>of</a:t>
-            </a:r>
-            <a:r>
-              <a:rPr lang="de-DE" dirty="0"/>
-              <a:t> </a:t>
-            </a:r>
-            <a:r>
-              <a:rPr lang="de-DE" i="1" dirty="0" err="1"/>
-              <a:t>protected</a:t>
-            </a:r>
-            <a:endParaRPr lang="de-DE" b="1" dirty="0"/>
-          </a:p>
-          <a:p>
-            <a:endParaRPr lang="de-DE" b="1" dirty="0"/>
-          </a:p>
-          <a:p>
-            <a:endParaRPr lang="de-DE" b="1" dirty="0"/>
-          </a:p>
-          <a:p>
-            <a:endParaRPr lang="de-DE" b="1" dirty="0"/>
-          </a:p>
-          <a:p>
-            <a:endParaRPr lang="de-DE" b="1" dirty="0"/>
-          </a:p>
-          <a:p>
-            <a:r>
-              <a:rPr lang="de-DE" dirty="0"/>
-              <a:t>Problem NP-Hard</a:t>
-            </a:r>
-          </a:p>
-        </p:txBody>
-      </p:sp>
-      <p:sp>
-        <p:nvSpPr>
-          <p:cNvPr id="3" name="Datumsplatzhalter 2">
-            <a:extLst>
-              <a:ext uri="{FF2B5EF4-FFF2-40B4-BE49-F238E27FC236}">
-                <a16:creationId xmlns:a16="http://schemas.microsoft.com/office/drawing/2014/main" id="{DD25A7C7-A5B6-4B13-A9D6-3724754DEFDD}"/>
-              </a:ext>
-            </a:extLst>
-          </p:cNvPr>
-          <p:cNvSpPr>
-            <a:spLocks noGrp="1"/>
-          </p:cNvSpPr>
-          <p:nvPr>
-            <p:ph type="dt" sz="half" idx="14"/>
-          </p:nvPr>
-        </p:nvSpPr>
-        <p:spPr/>
-        <p:txBody>
-          <a:bodyPr/>
-          <a:lstStyle/>
-          <a:p>
-            <a:r>
-              <a:rPr lang="de-DE"/>
-              <a:t>30.01.2018</a:t>
-            </a:r>
-            <a:endParaRPr lang="de-DE" dirty="0"/>
-          </a:p>
-        </p:txBody>
-      </p:sp>
-      <p:sp>
-        <p:nvSpPr>
-          <p:cNvPr id="4" name="Fußzeilenplatzhalter 3">
-            <a:extLst>
-              <a:ext uri="{FF2B5EF4-FFF2-40B4-BE49-F238E27FC236}">
-                <a16:creationId xmlns:a16="http://schemas.microsoft.com/office/drawing/2014/main" id="{B6FD571C-9DB0-4F33-8101-9F69BB1DEB36}"/>
-              </a:ext>
-            </a:extLst>
-          </p:cNvPr>
-          <p:cNvSpPr>
-            <a:spLocks noGrp="1"/>
-          </p:cNvSpPr>
-          <p:nvPr>
-            <p:ph type="ftr" sz="quarter" idx="15"/>
-          </p:nvPr>
-        </p:nvSpPr>
-        <p:spPr/>
-        <p:txBody>
-          <a:bodyPr/>
-          <a:lstStyle/>
-          <a:p>
-            <a:r>
-              <a:rPr lang="de-DE"/>
-              <a:t>Schallner Ludwig, Wiegnand Andreas</a:t>
-            </a:r>
-            <a:endParaRPr lang="de-DE" dirty="0"/>
-          </a:p>
-        </p:txBody>
-      </p:sp>
-      <p:sp>
-        <p:nvSpPr>
-          <p:cNvPr id="5" name="Foliennummernplatzhalter 4">
-            <a:extLst>
-              <a:ext uri="{FF2B5EF4-FFF2-40B4-BE49-F238E27FC236}">
-                <a16:creationId xmlns:a16="http://schemas.microsoft.com/office/drawing/2014/main" id="{FF64C9BD-BB48-4958-9EF7-0B9AD95DE67B}"/>
-              </a:ext>
-            </a:extLst>
-          </p:cNvPr>
-          <p:cNvSpPr>
-            <a:spLocks noGrp="1"/>
-          </p:cNvSpPr>
-          <p:nvPr>
-            <p:ph type="sldNum" sz="quarter" idx="16"/>
-          </p:nvPr>
-        </p:nvSpPr>
-        <p:spPr/>
-        <p:txBody>
-          <a:bodyPr/>
-          <a:lstStyle/>
-          <a:p>
-            <a:fld id="{50E76E58-F275-47A3-BB17-470016A267B6}" type="slidenum">
-              <a:rPr lang="de-DE" smtClean="0"/>
-              <a:pPr/>
-              <a:t>30</a:t>
-            </a:fld>
-            <a:endParaRPr lang="de-DE"/>
-          </a:p>
-        </p:txBody>
-      </p:sp>
-      <p:sp>
-        <p:nvSpPr>
-          <p:cNvPr id="6" name="Titel 5">
-            <a:extLst>
-              <a:ext uri="{FF2B5EF4-FFF2-40B4-BE49-F238E27FC236}">
-                <a16:creationId xmlns:a16="http://schemas.microsoft.com/office/drawing/2014/main" id="{F4005843-4524-4142-AAD9-795F09BD1662}"/>
-              </a:ext>
-            </a:extLst>
-          </p:cNvPr>
-          <p:cNvSpPr>
-            <a:spLocks noGrp="1"/>
-          </p:cNvSpPr>
-          <p:nvPr>
-            <p:ph type="title"/>
-          </p:nvPr>
-        </p:nvSpPr>
-        <p:spPr/>
-        <p:txBody>
-          <a:bodyPr/>
-          <a:lstStyle/>
-          <a:p>
-            <a:r>
-              <a:rPr lang="de-DE" b="1" dirty="0" err="1"/>
-              <a:t>Datatyp</a:t>
-            </a:r>
-            <a:r>
-              <a:rPr lang="de-DE" b="1" dirty="0"/>
-              <a:t> - </a:t>
-            </a:r>
-            <a:r>
-              <a:rPr lang="de-DE" b="1" dirty="0" err="1"/>
-              <a:t>Unstructured</a:t>
-            </a:r>
-            <a:r>
-              <a:rPr lang="de-DE" b="1" dirty="0"/>
-              <a:t> Data </a:t>
-            </a:r>
-            <a:r>
-              <a:rPr lang="de-DE" b="1" dirty="0" err="1"/>
-              <a:t>cont‘d</a:t>
-            </a:r>
-            <a:endParaRPr lang="de-DE" dirty="0"/>
-          </a:p>
-        </p:txBody>
-      </p:sp>
-    </p:spTree>
-    <p:extLst>
-      <p:ext uri="{BB962C8B-B14F-4D97-AF65-F5344CB8AC3E}">
-        <p14:creationId xmlns:p14="http://schemas.microsoft.com/office/powerpoint/2010/main" val="1737291820"/>
-      </p:ext>
-    </p:extLst>
-  </p:cSld>
-  <p:clrMapOvr>
-    <a:masterClrMapping/>
-  </p:clrMapOvr>
-</p:sld>
-</file>
-
-<file path=ppt/slides/slide31.xml><?xml version="1.0" encoding="utf-8"?>
-<p:sld xmlns:a="http://schemas.openxmlformats.org/drawingml/2006/main" xmlns:r="http://schemas.openxmlformats.org/officeDocument/2006/relationships" xmlns:p="http://schemas.openxmlformats.org/presentationml/2006/main">
-  <p:cSld>
-    <p:spTree>
-      <p:nvGrpSpPr>
-        <p:cNvPr id="1" name=""/>
-        <p:cNvGrpSpPr/>
-        <p:nvPr/>
-      </p:nvGrpSpPr>
-      <p:grpSpPr>
-        <a:xfrm>
-          <a:off x="0" y="0"/>
-          <a:ext cx="0" cy="0"/>
-          <a:chOff x="0" y="0"/>
-          <a:chExt cx="0" cy="0"/>
-        </a:xfrm>
-      </p:grpSpPr>
-      <p:sp>
-        <p:nvSpPr>
-          <p:cNvPr id="2" name="Textplatzhalter 1">
-            <a:extLst>
-              <a:ext uri="{FF2B5EF4-FFF2-40B4-BE49-F238E27FC236}">
-                <a16:creationId xmlns:a16="http://schemas.microsoft.com/office/drawing/2014/main" id="{567C864D-96CB-4AAD-8F69-46F95369D423}"/>
-              </a:ext>
-            </a:extLst>
-          </p:cNvPr>
-          <p:cNvSpPr>
-            <a:spLocks noGrp="1"/>
-          </p:cNvSpPr>
-          <p:nvPr>
-            <p:ph type="body" sz="quarter" idx="13"/>
-          </p:nvPr>
-        </p:nvSpPr>
-        <p:spPr/>
-        <p:txBody>
-          <a:bodyPr/>
-          <a:lstStyle/>
-          <a:p>
-            <a:r>
-              <a:rPr lang="de-DE" i="1" dirty="0"/>
-              <a:t>k</a:t>
-            </a:r>
-            <a:r>
-              <a:rPr lang="de-DE" dirty="0"/>
-              <a:t>-Same. </a:t>
-            </a:r>
-            <a:r>
-              <a:rPr lang="en-US" b="1" dirty="0"/>
-              <a:t>Face identification </a:t>
-            </a:r>
-            <a:r>
-              <a:rPr lang="en-US" dirty="0"/>
-              <a:t>results when a face image is properly associated with explicit identifiers, such as name and address, of the person who is the subject of the face </a:t>
-            </a:r>
-            <a:r>
-              <a:rPr lang="de-DE" dirty="0" err="1"/>
-              <a:t>image</a:t>
-            </a:r>
-            <a:r>
-              <a:rPr lang="de-DE" dirty="0"/>
-              <a:t>.</a:t>
-            </a:r>
-          </a:p>
-          <a:p>
-            <a:r>
-              <a:rPr lang="en-US" dirty="0"/>
-              <a:t>In the next section, face recognition software is examined in detail. The goal of this work is to alter face images in such a way that automated face recognition cannot be reliably performed on the resulting images. Before claims of thwarting face recognition software can be made, more discussion is </a:t>
-            </a:r>
-            <a:r>
-              <a:rPr lang="en-US"/>
-              <a:t>needed on altering </a:t>
-            </a:r>
-            <a:r>
-              <a:rPr lang="en-US" dirty="0"/>
-              <a:t>face images. This is termed de-identification of face images, as described in Definition 2.7.</a:t>
-            </a:r>
-            <a:endParaRPr lang="de-DE" dirty="0"/>
-          </a:p>
-        </p:txBody>
-      </p:sp>
-      <p:sp>
-        <p:nvSpPr>
-          <p:cNvPr id="3" name="Datumsplatzhalter 2">
-            <a:extLst>
-              <a:ext uri="{FF2B5EF4-FFF2-40B4-BE49-F238E27FC236}">
-                <a16:creationId xmlns:a16="http://schemas.microsoft.com/office/drawing/2014/main" id="{E0A2EFC3-F5F3-44F7-A354-3FDB28A8B478}"/>
-              </a:ext>
-            </a:extLst>
-          </p:cNvPr>
-          <p:cNvSpPr>
-            <a:spLocks noGrp="1"/>
-          </p:cNvSpPr>
-          <p:nvPr>
-            <p:ph type="dt" sz="half" idx="14"/>
-          </p:nvPr>
-        </p:nvSpPr>
-        <p:spPr/>
-        <p:txBody>
-          <a:bodyPr/>
-          <a:lstStyle/>
-          <a:p>
-            <a:r>
-              <a:rPr lang="de-DE"/>
-              <a:t>30.01.2018</a:t>
-            </a:r>
-            <a:endParaRPr lang="de-DE" dirty="0"/>
-          </a:p>
-        </p:txBody>
-      </p:sp>
-      <p:sp>
-        <p:nvSpPr>
-          <p:cNvPr id="4" name="Fußzeilenplatzhalter 3">
-            <a:extLst>
-              <a:ext uri="{FF2B5EF4-FFF2-40B4-BE49-F238E27FC236}">
-                <a16:creationId xmlns:a16="http://schemas.microsoft.com/office/drawing/2014/main" id="{FE989A17-18D4-4F20-8F30-B8827799AFC8}"/>
-              </a:ext>
-            </a:extLst>
-          </p:cNvPr>
-          <p:cNvSpPr>
-            <a:spLocks noGrp="1"/>
-          </p:cNvSpPr>
-          <p:nvPr>
-            <p:ph type="ftr" sz="quarter" idx="15"/>
-          </p:nvPr>
-        </p:nvSpPr>
-        <p:spPr/>
-        <p:txBody>
-          <a:bodyPr/>
-          <a:lstStyle/>
-          <a:p>
-            <a:r>
-              <a:rPr lang="de-DE"/>
-              <a:t>Schallner Ludwig, Wiegnand Andreas</a:t>
-            </a:r>
-            <a:endParaRPr lang="de-DE" dirty="0"/>
-          </a:p>
-        </p:txBody>
-      </p:sp>
-      <p:sp>
-        <p:nvSpPr>
-          <p:cNvPr id="5" name="Foliennummernplatzhalter 4">
-            <a:extLst>
-              <a:ext uri="{FF2B5EF4-FFF2-40B4-BE49-F238E27FC236}">
-                <a16:creationId xmlns:a16="http://schemas.microsoft.com/office/drawing/2014/main" id="{E06B3509-98FF-413B-95F1-D9411CC2C6E7}"/>
-              </a:ext>
-            </a:extLst>
-          </p:cNvPr>
-          <p:cNvSpPr>
-            <a:spLocks noGrp="1"/>
-          </p:cNvSpPr>
-          <p:nvPr>
-            <p:ph type="sldNum" sz="quarter" idx="16"/>
-          </p:nvPr>
-        </p:nvSpPr>
-        <p:spPr/>
-        <p:txBody>
-          <a:bodyPr/>
-          <a:lstStyle/>
-          <a:p>
-            <a:fld id="{50E76E58-F275-47A3-BB17-470016A267B6}" type="slidenum">
-              <a:rPr lang="de-DE" smtClean="0"/>
-              <a:pPr/>
-              <a:t>31</a:t>
-            </a:fld>
-            <a:endParaRPr lang="de-DE"/>
-          </a:p>
-        </p:txBody>
-      </p:sp>
-      <p:sp>
-        <p:nvSpPr>
-          <p:cNvPr id="6" name="Titel 5">
-            <a:extLst>
-              <a:ext uri="{FF2B5EF4-FFF2-40B4-BE49-F238E27FC236}">
-                <a16:creationId xmlns:a16="http://schemas.microsoft.com/office/drawing/2014/main" id="{94496B6B-9684-4747-8FBE-1E47B83F6560}"/>
-              </a:ext>
-            </a:extLst>
-          </p:cNvPr>
-          <p:cNvSpPr>
-            <a:spLocks noGrp="1"/>
-          </p:cNvSpPr>
-          <p:nvPr>
-            <p:ph type="title"/>
-          </p:nvPr>
-        </p:nvSpPr>
-        <p:spPr/>
-        <p:txBody>
-          <a:bodyPr/>
-          <a:lstStyle/>
-          <a:p>
-            <a:r>
-              <a:rPr lang="de-DE" b="1" dirty="0" err="1"/>
-              <a:t>Datatyp</a:t>
-            </a:r>
-            <a:r>
-              <a:rPr lang="de-DE" b="1" dirty="0"/>
-              <a:t> - </a:t>
-            </a:r>
-            <a:r>
-              <a:rPr lang="de-DE" b="1" dirty="0" err="1"/>
-              <a:t>Unstructured</a:t>
-            </a:r>
-            <a:r>
-              <a:rPr lang="de-DE" b="1" dirty="0"/>
-              <a:t> Data </a:t>
-            </a:r>
-            <a:r>
-              <a:rPr lang="de-DE" b="1" dirty="0" err="1"/>
-              <a:t>cont‘d</a:t>
-            </a:r>
-            <a:endParaRPr lang="de-DE" dirty="0"/>
-          </a:p>
-        </p:txBody>
-      </p:sp>
-    </p:spTree>
-    <p:extLst>
-      <p:ext uri="{BB962C8B-B14F-4D97-AF65-F5344CB8AC3E}">
-        <p14:creationId xmlns:p14="http://schemas.microsoft.com/office/powerpoint/2010/main" val="52467605"/>
-      </p:ext>
-    </p:extLst>
-  </p:cSld>
-  <p:clrMapOvr>
-    <a:masterClrMapping/>
-  </p:clrMapOvr>
-</p:sld>
-</file>
-
-<file path=ppt/slides/slide32.xml><?xml version="1.0" encoding="utf-8"?>
-<p:sld xmlns:a="http://schemas.openxmlformats.org/drawingml/2006/main" xmlns:r="http://schemas.openxmlformats.org/officeDocument/2006/relationships" xmlns:p="http://schemas.openxmlformats.org/presentationml/2006/main">
-  <p:cSld>
-    <p:spTree>
-      <p:nvGrpSpPr>
-        <p:cNvPr id="1" name=""/>
-        <p:cNvGrpSpPr/>
-        <p:nvPr/>
-      </p:nvGrpSpPr>
-      <p:grpSpPr>
-        <a:xfrm>
-          <a:off x="0" y="0"/>
-          <a:ext cx="0" cy="0"/>
-          <a:chOff x="0" y="0"/>
-          <a:chExt cx="0" cy="0"/>
-        </a:xfrm>
-      </p:grpSpPr>
-      <p:sp>
-        <p:nvSpPr>
-          <p:cNvPr id="2" name="Titel 1">
-            <a:extLst>
-              <a:ext uri="{FF2B5EF4-FFF2-40B4-BE49-F238E27FC236}">
-                <a16:creationId xmlns:a16="http://schemas.microsoft.com/office/drawing/2014/main" id="{60CF76F7-DA21-4280-B132-DB1CBFFB0632}"/>
-              </a:ext>
-            </a:extLst>
-          </p:cNvPr>
-          <p:cNvSpPr>
-            <a:spLocks noGrp="1"/>
-          </p:cNvSpPr>
-          <p:nvPr>
-            <p:ph type="title"/>
-          </p:nvPr>
-        </p:nvSpPr>
-        <p:spPr/>
-        <p:txBody>
-          <a:bodyPr/>
-          <a:lstStyle/>
-          <a:p>
-            <a:r>
-              <a:rPr lang="de-DE" dirty="0"/>
-              <a:t>7. Summary</a:t>
-            </a:r>
-          </a:p>
-        </p:txBody>
-      </p:sp>
-      <p:sp>
-        <p:nvSpPr>
-          <p:cNvPr id="3" name="Datumsplatzhalter 2">
-            <a:extLst>
-              <a:ext uri="{FF2B5EF4-FFF2-40B4-BE49-F238E27FC236}">
-                <a16:creationId xmlns:a16="http://schemas.microsoft.com/office/drawing/2014/main" id="{3B50A201-5742-48F2-9C76-90EB7278DE8B}"/>
-              </a:ext>
-            </a:extLst>
-          </p:cNvPr>
-          <p:cNvSpPr>
-            <a:spLocks noGrp="1"/>
-          </p:cNvSpPr>
-          <p:nvPr>
-            <p:ph type="dt" sz="half" idx="4294967295"/>
-          </p:nvPr>
-        </p:nvSpPr>
-        <p:spPr>
-          <a:xfrm>
-            <a:off x="1331913" y="6208713"/>
-            <a:ext cx="1296987" cy="476250"/>
-          </a:xfrm>
-        </p:spPr>
-        <p:txBody>
-          <a:bodyPr/>
-          <a:lstStyle/>
-          <a:p>
-            <a:r>
-              <a:rPr lang="de-DE" dirty="0"/>
-              <a:t>30.01.2018</a:t>
-            </a:r>
-          </a:p>
-        </p:txBody>
-      </p:sp>
-      <p:sp>
-        <p:nvSpPr>
-          <p:cNvPr id="4" name="Fußzeilenplatzhalter 3">
-            <a:extLst>
-              <a:ext uri="{FF2B5EF4-FFF2-40B4-BE49-F238E27FC236}">
-                <a16:creationId xmlns:a16="http://schemas.microsoft.com/office/drawing/2014/main" id="{905609BE-6FD9-442B-89BF-1438B615F4CE}"/>
-              </a:ext>
-            </a:extLst>
-          </p:cNvPr>
-          <p:cNvSpPr>
-            <a:spLocks noGrp="1"/>
-          </p:cNvSpPr>
-          <p:nvPr>
-            <p:ph type="ftr" sz="quarter" idx="11"/>
-          </p:nvPr>
-        </p:nvSpPr>
-        <p:spPr/>
-        <p:txBody>
-          <a:bodyPr/>
-          <a:lstStyle/>
-          <a:p>
-            <a:r>
-              <a:rPr lang="de-DE" dirty="0"/>
-              <a:t>Andreas Wiegand &amp; Ludwig Schallner</a:t>
-            </a:r>
-          </a:p>
-        </p:txBody>
-      </p:sp>
-      <p:sp>
-        <p:nvSpPr>
-          <p:cNvPr id="5" name="Textplatzhalter 4">
-            <a:extLst>
-              <a:ext uri="{FF2B5EF4-FFF2-40B4-BE49-F238E27FC236}">
-                <a16:creationId xmlns:a16="http://schemas.microsoft.com/office/drawing/2014/main" id="{BE3AB503-2D36-4EFD-97BC-4FB481D902EA}"/>
-              </a:ext>
-            </a:extLst>
-          </p:cNvPr>
-          <p:cNvSpPr>
-            <a:spLocks noGrp="1"/>
-          </p:cNvSpPr>
-          <p:nvPr>
-            <p:ph type="body" sz="quarter" idx="13"/>
-          </p:nvPr>
-        </p:nvSpPr>
-        <p:spPr/>
-        <p:txBody>
-          <a:bodyPr/>
-          <a:lstStyle/>
-          <a:p>
-            <a:r>
-              <a:rPr lang="de-DE" dirty="0"/>
-              <a:t>K-anonymity, l-Diversity, t-clossness don‘t provide a full privacy protection</a:t>
-            </a:r>
-          </a:p>
-          <a:p>
-            <a:r>
-              <a:rPr lang="de-DE" dirty="0"/>
-              <a:t>Every privacy Modell tries to overcome the downsites of his parent</a:t>
-            </a:r>
-          </a:p>
-          <a:p>
-            <a:r>
-              <a:rPr lang="de-DE" dirty="0"/>
-              <a:t>All kind of data can leak privacy information</a:t>
-            </a:r>
-          </a:p>
-          <a:p>
-            <a:endParaRPr lang="de-DE" dirty="0"/>
-          </a:p>
-        </p:txBody>
-      </p:sp>
-      <p:sp>
-        <p:nvSpPr>
-          <p:cNvPr id="6" name="Foliennummernplatzhalter 5">
-            <a:extLst>
-              <a:ext uri="{FF2B5EF4-FFF2-40B4-BE49-F238E27FC236}">
-                <a16:creationId xmlns:a16="http://schemas.microsoft.com/office/drawing/2014/main" id="{9B878E9B-BDE0-4DC9-9BC7-6B1CE8112B95}"/>
-              </a:ext>
-            </a:extLst>
-          </p:cNvPr>
-          <p:cNvSpPr>
-            <a:spLocks noGrp="1"/>
-          </p:cNvSpPr>
-          <p:nvPr>
-            <p:ph type="sldNum" sz="quarter" idx="12"/>
-          </p:nvPr>
-        </p:nvSpPr>
-        <p:spPr/>
-        <p:txBody>
-          <a:bodyPr/>
-          <a:lstStyle/>
-          <a:p>
-            <a:fld id="{50E76E58-F275-47A3-BB17-470016A267B6}" type="slidenum">
-              <a:rPr lang="de-DE" smtClean="0"/>
-              <a:pPr/>
-              <a:t>32</a:t>
-            </a:fld>
-            <a:endParaRPr lang="de-DE" dirty="0"/>
-          </a:p>
-        </p:txBody>
-      </p:sp>
-    </p:spTree>
-    <p:extLst>
-      <p:ext uri="{BB962C8B-B14F-4D97-AF65-F5344CB8AC3E}">
-        <p14:creationId xmlns:p14="http://schemas.microsoft.com/office/powerpoint/2010/main" val="1427231547"/>
       </p:ext>
     </p:extLst>
   </p:cSld>
@@ -19049,18 +16702,18 @@
 
 <file path=customXml/item1.xml><?xml version="1.0" encoding="utf-8"?>
 <Control xmlns="http://schemas.microsoft.com/VisualStudio/2011/storyboarding/control">
-  <Id Name="dec3670c-0d6f-4455-9c2f-971d108358d4" Revision="1" Stencil="System.MyShapes" StencilVersion="1.0"/>
+  <Id Name="System.Storyboarding.Common.Button" Revision="1" Stencil="System.Storyboarding.Common" StencilVersion="0.1"/>
 </Control>
 </file>
 
 <file path=customXml/item2.xml><?xml version="1.0" encoding="utf-8"?>
 <Control xmlns="http://schemas.microsoft.com/VisualStudio/2011/storyboarding/control">
-  <Id Name="System.Storyboarding.Common.Button" Revision="1" Stencil="System.Storyboarding.Common" StencilVersion="0.1"/>
+  <Id Name="dec3670c-0d6f-4455-9c2f-971d108358d4" Revision="1" Stencil="System.MyShapes" StencilVersion="1.0"/>
 </Control>
 </file>
 
 <file path=customXml/itemProps1.xml><?xml version="1.0" encoding="utf-8"?>
-<ds:datastoreItem xmlns:ds="http://schemas.openxmlformats.org/officeDocument/2006/customXml" ds:itemID="{566C5A5A-5A83-4A95-95C1-260C6D486DE6}">
+<ds:datastoreItem xmlns:ds="http://schemas.openxmlformats.org/officeDocument/2006/customXml" ds:itemID="{206AFEA3-501E-4E71-91B3-BDBE1D839E11}">
   <ds:schemaRefs>
     <ds:schemaRef ds:uri="http://schemas.microsoft.com/VisualStudio/2011/storyboarding/control"/>
   </ds:schemaRefs>
@@ -19068,7 +16721,7 @@
 </file>
 
 <file path=customXml/itemProps2.xml><?xml version="1.0" encoding="utf-8"?>
-<ds:datastoreItem xmlns:ds="http://schemas.openxmlformats.org/officeDocument/2006/customXml" ds:itemID="{206AFEA3-501E-4E71-91B3-BDBE1D839E11}">
+<ds:datastoreItem xmlns:ds="http://schemas.openxmlformats.org/officeDocument/2006/customXml" ds:itemID="{566C5A5A-5A83-4A95-95C1-260C6D486DE6}">
   <ds:schemaRefs>
     <ds:schemaRef ds:uri="http://schemas.microsoft.com/VisualStudio/2011/storyboarding/control"/>
   </ds:schemaRefs>

--- a/presentation/sicherheits_final_an.pptx
+++ b/presentation/sicherheits_final_an.pptx
@@ -5,10 +5,10 @@
     <p:sldMasterId id="2147483678" r:id="rId3"/>
   </p:sldMasterIdLst>
   <p:notesMasterIdLst>
-    <p:notesMasterId r:id="rId31"/>
+    <p:notesMasterId r:id="rId36"/>
   </p:notesMasterIdLst>
   <p:handoutMasterIdLst>
-    <p:handoutMasterId r:id="rId32"/>
+    <p:handoutMasterId r:id="rId37"/>
   </p:handoutMasterIdLst>
   <p:sldIdLst>
     <p:sldId id="256" r:id="rId4"/>
@@ -38,6 +38,11 @@
     <p:sldId id="317" r:id="rId28"/>
     <p:sldId id="318" r:id="rId29"/>
     <p:sldId id="314" r:id="rId30"/>
+    <p:sldId id="322" r:id="rId31"/>
+    <p:sldId id="323" r:id="rId32"/>
+    <p:sldId id="321" r:id="rId33"/>
+    <p:sldId id="320" r:id="rId34"/>
+    <p:sldId id="319" r:id="rId35"/>
   </p:sldIdLst>
   <p:sldSz cx="9144000" cy="6858000" type="screen4x3"/>
   <p:notesSz cx="9942513" cy="6761163"/>
@@ -13884,6 +13889,431 @@
 </p:sld>
 </file>
 
+<file path=ppt/slides/slide28.xml><?xml version="1.0" encoding="utf-8"?>
+<p:sld xmlns:a="http://schemas.openxmlformats.org/drawingml/2006/main" xmlns:r="http://schemas.openxmlformats.org/officeDocument/2006/relationships" xmlns:p="http://schemas.openxmlformats.org/presentationml/2006/main">
+  <p:cSld>
+    <p:spTree>
+      <p:nvGrpSpPr>
+        <p:cNvPr id="1" name=""/>
+        <p:cNvGrpSpPr/>
+        <p:nvPr/>
+      </p:nvGrpSpPr>
+      <p:grpSpPr>
+        <a:xfrm>
+          <a:off x="0" y="0"/>
+          <a:ext cx="0" cy="0"/>
+          <a:chOff x="0" y="0"/>
+          <a:chExt cx="0" cy="0"/>
+        </a:xfrm>
+      </p:grpSpPr>
+      <p:pic>
+        <p:nvPicPr>
+          <p:cNvPr id="7" name="Grafik 6">
+            <a:extLst>
+              <a:ext uri="{FF2B5EF4-FFF2-40B4-BE49-F238E27FC236}">
+                <a16:creationId xmlns:a16="http://schemas.microsoft.com/office/drawing/2014/main" id="{A8156BB6-EC70-48A0-9B51-DFE5080A303E}"/>
+              </a:ext>
+            </a:extLst>
+          </p:cNvPr>
+          <p:cNvPicPr>
+            <a:picLocks noChangeAspect="1"/>
+          </p:cNvPicPr>
+          <p:nvPr/>
+        </p:nvPicPr>
+        <p:blipFill>
+          <a:blip r:embed="rId2"/>
+          <a:stretch>
+            <a:fillRect/>
+          </a:stretch>
+        </p:blipFill>
+        <p:spPr>
+          <a:xfrm>
+            <a:off x="571500" y="1181100"/>
+            <a:ext cx="8001000" cy="4495800"/>
+          </a:xfrm>
+          <a:prstGeom prst="rect">
+            <a:avLst/>
+          </a:prstGeom>
+        </p:spPr>
+      </p:pic>
+      <p:sp>
+        <p:nvSpPr>
+          <p:cNvPr id="2" name="Textplatzhalter 1">
+            <a:extLst>
+              <a:ext uri="{FF2B5EF4-FFF2-40B4-BE49-F238E27FC236}">
+                <a16:creationId xmlns:a16="http://schemas.microsoft.com/office/drawing/2014/main" id="{034F2046-7F40-4A70-A3ED-3150BBCA17B9}"/>
+              </a:ext>
+            </a:extLst>
+          </p:cNvPr>
+          <p:cNvSpPr>
+            <a:spLocks noGrp="1"/>
+          </p:cNvSpPr>
+          <p:nvPr>
+            <p:ph type="body" sz="quarter" idx="13"/>
+          </p:nvPr>
+        </p:nvSpPr>
+        <p:spPr/>
+        <p:txBody>
+          <a:bodyPr/>
+          <a:lstStyle/>
+          <a:p>
+            <a:endParaRPr lang="de-DE" dirty="0"/>
+          </a:p>
+        </p:txBody>
+      </p:sp>
+      <p:sp>
+        <p:nvSpPr>
+          <p:cNvPr id="3" name="Datumsplatzhalter 2">
+            <a:extLst>
+              <a:ext uri="{FF2B5EF4-FFF2-40B4-BE49-F238E27FC236}">
+                <a16:creationId xmlns:a16="http://schemas.microsoft.com/office/drawing/2014/main" id="{E43159F1-4B2B-4D8A-85F3-BE6869DA49B7}"/>
+              </a:ext>
+            </a:extLst>
+          </p:cNvPr>
+          <p:cNvSpPr>
+            <a:spLocks noGrp="1"/>
+          </p:cNvSpPr>
+          <p:nvPr>
+            <p:ph type="dt" sz="half" idx="14"/>
+          </p:nvPr>
+        </p:nvSpPr>
+        <p:spPr/>
+        <p:txBody>
+          <a:bodyPr/>
+          <a:lstStyle/>
+          <a:p>
+            <a:r>
+              <a:rPr lang="de-DE"/>
+              <a:t>30.01.2018</a:t>
+            </a:r>
+            <a:endParaRPr lang="de-DE" dirty="0"/>
+          </a:p>
+        </p:txBody>
+      </p:sp>
+      <p:sp>
+        <p:nvSpPr>
+          <p:cNvPr id="4" name="Fußzeilenplatzhalter 3">
+            <a:extLst>
+              <a:ext uri="{FF2B5EF4-FFF2-40B4-BE49-F238E27FC236}">
+                <a16:creationId xmlns:a16="http://schemas.microsoft.com/office/drawing/2014/main" id="{B03DDF20-3961-43D3-A811-B75326A33DE3}"/>
+              </a:ext>
+            </a:extLst>
+          </p:cNvPr>
+          <p:cNvSpPr>
+            <a:spLocks noGrp="1"/>
+          </p:cNvSpPr>
+          <p:nvPr>
+            <p:ph type="ftr" sz="quarter" idx="15"/>
+          </p:nvPr>
+        </p:nvSpPr>
+        <p:spPr/>
+        <p:txBody>
+          <a:bodyPr/>
+          <a:lstStyle/>
+          <a:p>
+            <a:r>
+              <a:rPr lang="de-DE"/>
+              <a:t>Schallner Ludwig, Wiegnand Andreas</a:t>
+            </a:r>
+            <a:endParaRPr lang="de-DE" dirty="0"/>
+          </a:p>
+        </p:txBody>
+      </p:sp>
+      <p:sp>
+        <p:nvSpPr>
+          <p:cNvPr id="5" name="Foliennummernplatzhalter 4">
+            <a:extLst>
+              <a:ext uri="{FF2B5EF4-FFF2-40B4-BE49-F238E27FC236}">
+                <a16:creationId xmlns:a16="http://schemas.microsoft.com/office/drawing/2014/main" id="{87F80F08-6213-4E62-BB1A-D9FADB986BAD}"/>
+              </a:ext>
+            </a:extLst>
+          </p:cNvPr>
+          <p:cNvSpPr>
+            <a:spLocks noGrp="1"/>
+          </p:cNvSpPr>
+          <p:nvPr>
+            <p:ph type="sldNum" sz="quarter" idx="16"/>
+          </p:nvPr>
+        </p:nvSpPr>
+        <p:spPr/>
+        <p:txBody>
+          <a:bodyPr/>
+          <a:lstStyle/>
+          <a:p>
+            <a:fld id="{50E76E58-F275-47A3-BB17-470016A267B6}" type="slidenum">
+              <a:rPr lang="de-DE" smtClean="0"/>
+              <a:pPr/>
+              <a:t>28</a:t>
+            </a:fld>
+            <a:endParaRPr lang="de-DE"/>
+          </a:p>
+        </p:txBody>
+      </p:sp>
+      <p:sp>
+        <p:nvSpPr>
+          <p:cNvPr id="6" name="Titel 5">
+            <a:extLst>
+              <a:ext uri="{FF2B5EF4-FFF2-40B4-BE49-F238E27FC236}">
+                <a16:creationId xmlns:a16="http://schemas.microsoft.com/office/drawing/2014/main" id="{BD79206F-6FDA-472B-A9F3-982A455FAE6A}"/>
+              </a:ext>
+            </a:extLst>
+          </p:cNvPr>
+          <p:cNvSpPr>
+            <a:spLocks noGrp="1"/>
+          </p:cNvSpPr>
+          <p:nvPr>
+            <p:ph type="title"/>
+          </p:nvPr>
+        </p:nvSpPr>
+        <p:spPr/>
+        <p:txBody>
+          <a:bodyPr/>
+          <a:lstStyle/>
+          <a:p>
+            <a:r>
+              <a:rPr lang="de-DE" dirty="0"/>
+              <a:t>K-</a:t>
+            </a:r>
+            <a:r>
+              <a:rPr lang="de-DE" dirty="0" err="1"/>
+              <a:t>Anonymity</a:t>
+            </a:r>
+            <a:r>
+              <a:rPr lang="de-DE" dirty="0"/>
+              <a:t> </a:t>
+            </a:r>
+            <a:r>
+              <a:rPr lang="de-DE" dirty="0" err="1"/>
+              <a:t>Generalication</a:t>
+            </a:r>
+            <a:r>
+              <a:rPr lang="de-DE" dirty="0"/>
+              <a:t> </a:t>
+            </a:r>
+            <a:r>
+              <a:rPr lang="de-DE" dirty="0" err="1"/>
+              <a:t>latis</a:t>
+            </a:r>
+            <a:endParaRPr lang="de-DE" dirty="0"/>
+          </a:p>
+        </p:txBody>
+      </p:sp>
+    </p:spTree>
+    <p:extLst>
+      <p:ext uri="{BB962C8B-B14F-4D97-AF65-F5344CB8AC3E}">
+        <p14:creationId xmlns:p14="http://schemas.microsoft.com/office/powerpoint/2010/main" val="1502828464"/>
+      </p:ext>
+    </p:extLst>
+  </p:cSld>
+  <p:clrMapOvr>
+    <a:masterClrMapping/>
+  </p:clrMapOvr>
+</p:sld>
+</file>
+
+<file path=ppt/slides/slide29.xml><?xml version="1.0" encoding="utf-8"?>
+<p:sld xmlns:a="http://schemas.openxmlformats.org/drawingml/2006/main" xmlns:r="http://schemas.openxmlformats.org/officeDocument/2006/relationships" xmlns:p="http://schemas.openxmlformats.org/presentationml/2006/main">
+  <p:cSld>
+    <p:spTree>
+      <p:nvGrpSpPr>
+        <p:cNvPr id="1" name=""/>
+        <p:cNvGrpSpPr/>
+        <p:nvPr/>
+      </p:nvGrpSpPr>
+      <p:grpSpPr>
+        <a:xfrm>
+          <a:off x="0" y="0"/>
+          <a:ext cx="0" cy="0"/>
+          <a:chOff x="0" y="0"/>
+          <a:chExt cx="0" cy="0"/>
+        </a:xfrm>
+      </p:grpSpPr>
+      <p:pic>
+        <p:nvPicPr>
+          <p:cNvPr id="7" name="Grafik 6">
+            <a:extLst>
+              <a:ext uri="{FF2B5EF4-FFF2-40B4-BE49-F238E27FC236}">
+                <a16:creationId xmlns:a16="http://schemas.microsoft.com/office/drawing/2014/main" id="{404361C0-34F1-4172-B597-BD63A2DD00C9}"/>
+              </a:ext>
+            </a:extLst>
+          </p:cNvPr>
+          <p:cNvPicPr>
+            <a:picLocks noChangeAspect="1"/>
+          </p:cNvPicPr>
+          <p:nvPr/>
+        </p:nvPicPr>
+        <p:blipFill>
+          <a:blip r:embed="rId2"/>
+          <a:stretch>
+            <a:fillRect/>
+          </a:stretch>
+        </p:blipFill>
+        <p:spPr>
+          <a:xfrm>
+            <a:off x="971550" y="857250"/>
+            <a:ext cx="7200900" cy="5143500"/>
+          </a:xfrm>
+          <a:prstGeom prst="rect">
+            <a:avLst/>
+          </a:prstGeom>
+        </p:spPr>
+      </p:pic>
+      <p:sp>
+        <p:nvSpPr>
+          <p:cNvPr id="2" name="Textplatzhalter 1">
+            <a:extLst>
+              <a:ext uri="{FF2B5EF4-FFF2-40B4-BE49-F238E27FC236}">
+                <a16:creationId xmlns:a16="http://schemas.microsoft.com/office/drawing/2014/main" id="{D81D69B6-3ED0-4715-9352-EDA6248A4339}"/>
+              </a:ext>
+            </a:extLst>
+          </p:cNvPr>
+          <p:cNvSpPr>
+            <a:spLocks noGrp="1"/>
+          </p:cNvSpPr>
+          <p:nvPr>
+            <p:ph type="body" sz="quarter" idx="13"/>
+          </p:nvPr>
+        </p:nvSpPr>
+        <p:spPr>
+          <a:xfrm>
+            <a:off x="430213" y="838200"/>
+            <a:ext cx="7144790" cy="4607024"/>
+          </a:xfrm>
+        </p:spPr>
+        <p:txBody>
+          <a:bodyPr/>
+          <a:lstStyle/>
+          <a:p>
+            <a:endParaRPr lang="de-DE" dirty="0"/>
+          </a:p>
+        </p:txBody>
+      </p:sp>
+      <p:sp>
+        <p:nvSpPr>
+          <p:cNvPr id="3" name="Datumsplatzhalter 2">
+            <a:extLst>
+              <a:ext uri="{FF2B5EF4-FFF2-40B4-BE49-F238E27FC236}">
+                <a16:creationId xmlns:a16="http://schemas.microsoft.com/office/drawing/2014/main" id="{4EB317CE-989D-4B30-A8C6-7028647C0F56}"/>
+              </a:ext>
+            </a:extLst>
+          </p:cNvPr>
+          <p:cNvSpPr>
+            <a:spLocks noGrp="1"/>
+          </p:cNvSpPr>
+          <p:nvPr>
+            <p:ph type="dt" sz="half" idx="14"/>
+          </p:nvPr>
+        </p:nvSpPr>
+        <p:spPr/>
+        <p:txBody>
+          <a:bodyPr/>
+          <a:lstStyle/>
+          <a:p>
+            <a:r>
+              <a:rPr lang="de-DE"/>
+              <a:t>30.01.2018</a:t>
+            </a:r>
+            <a:endParaRPr lang="de-DE" dirty="0"/>
+          </a:p>
+        </p:txBody>
+      </p:sp>
+      <p:sp>
+        <p:nvSpPr>
+          <p:cNvPr id="4" name="Fußzeilenplatzhalter 3">
+            <a:extLst>
+              <a:ext uri="{FF2B5EF4-FFF2-40B4-BE49-F238E27FC236}">
+                <a16:creationId xmlns:a16="http://schemas.microsoft.com/office/drawing/2014/main" id="{1DB02071-4B88-4207-A0BA-496FA298C163}"/>
+              </a:ext>
+            </a:extLst>
+          </p:cNvPr>
+          <p:cNvSpPr>
+            <a:spLocks noGrp="1"/>
+          </p:cNvSpPr>
+          <p:nvPr>
+            <p:ph type="ftr" sz="quarter" idx="15"/>
+          </p:nvPr>
+        </p:nvSpPr>
+        <p:spPr/>
+        <p:txBody>
+          <a:bodyPr/>
+          <a:lstStyle/>
+          <a:p>
+            <a:r>
+              <a:rPr lang="de-DE"/>
+              <a:t>Schallner Ludwig, Wiegnand Andreas</a:t>
+            </a:r>
+            <a:endParaRPr lang="de-DE" dirty="0"/>
+          </a:p>
+        </p:txBody>
+      </p:sp>
+      <p:sp>
+        <p:nvSpPr>
+          <p:cNvPr id="5" name="Foliennummernplatzhalter 4">
+            <a:extLst>
+              <a:ext uri="{FF2B5EF4-FFF2-40B4-BE49-F238E27FC236}">
+                <a16:creationId xmlns:a16="http://schemas.microsoft.com/office/drawing/2014/main" id="{FFB2AEF1-EAC4-4B51-BD15-4750BC6FFC35}"/>
+              </a:ext>
+            </a:extLst>
+          </p:cNvPr>
+          <p:cNvSpPr>
+            <a:spLocks noGrp="1"/>
+          </p:cNvSpPr>
+          <p:nvPr>
+            <p:ph type="sldNum" sz="quarter" idx="16"/>
+          </p:nvPr>
+        </p:nvSpPr>
+        <p:spPr/>
+        <p:txBody>
+          <a:bodyPr/>
+          <a:lstStyle/>
+          <a:p>
+            <a:fld id="{50E76E58-F275-47A3-BB17-470016A267B6}" type="slidenum">
+              <a:rPr lang="de-DE" smtClean="0"/>
+              <a:pPr/>
+              <a:t>29</a:t>
+            </a:fld>
+            <a:endParaRPr lang="de-DE"/>
+          </a:p>
+        </p:txBody>
+      </p:sp>
+      <p:sp>
+        <p:nvSpPr>
+          <p:cNvPr id="6" name="Titel 5">
+            <a:extLst>
+              <a:ext uri="{FF2B5EF4-FFF2-40B4-BE49-F238E27FC236}">
+                <a16:creationId xmlns:a16="http://schemas.microsoft.com/office/drawing/2014/main" id="{5BED4C25-0DB8-433E-99DC-8A6377B5AE22}"/>
+              </a:ext>
+            </a:extLst>
+          </p:cNvPr>
+          <p:cNvSpPr>
+            <a:spLocks noGrp="1"/>
+          </p:cNvSpPr>
+          <p:nvPr>
+            <p:ph type="title"/>
+          </p:nvPr>
+        </p:nvSpPr>
+        <p:spPr/>
+        <p:txBody>
+          <a:bodyPr/>
+          <a:lstStyle/>
+          <a:p>
+            <a:endParaRPr lang="de-DE"/>
+          </a:p>
+        </p:txBody>
+      </p:sp>
+    </p:spTree>
+    <p:extLst>
+      <p:ext uri="{BB962C8B-B14F-4D97-AF65-F5344CB8AC3E}">
+        <p14:creationId xmlns:p14="http://schemas.microsoft.com/office/powerpoint/2010/main" val="1674632603"/>
+      </p:ext>
+    </p:extLst>
+  </p:cSld>
+  <p:clrMapOvr>
+    <a:masterClrMapping/>
+  </p:clrMapOvr>
+</p:sld>
+</file>
+
 <file path=ppt/slides/slide3.xml><?xml version="1.0" encoding="utf-8"?>
 <p:sld xmlns:a="http://schemas.openxmlformats.org/drawingml/2006/main" xmlns:r="http://schemas.openxmlformats.org/officeDocument/2006/relationships" xmlns:p="http://schemas.openxmlformats.org/presentationml/2006/main">
   <p:cSld>
@@ -14108,6 +14538,694 @@
     <p:extLst>
       <p:ext uri="{BB962C8B-B14F-4D97-AF65-F5344CB8AC3E}">
         <p14:creationId xmlns:p14="http://schemas.microsoft.com/office/powerpoint/2010/main" val="2903989552"/>
+      </p:ext>
+    </p:extLst>
+  </p:cSld>
+  <p:clrMapOvr>
+    <a:masterClrMapping/>
+  </p:clrMapOvr>
+</p:sld>
+</file>
+
+<file path=ppt/slides/slide30.xml><?xml version="1.0" encoding="utf-8"?>
+<p:sld xmlns:a="http://schemas.openxmlformats.org/drawingml/2006/main" xmlns:r="http://schemas.openxmlformats.org/officeDocument/2006/relationships" xmlns:p="http://schemas.openxmlformats.org/presentationml/2006/main">
+  <p:cSld>
+    <p:spTree>
+      <p:nvGrpSpPr>
+        <p:cNvPr id="1" name=""/>
+        <p:cNvGrpSpPr/>
+        <p:nvPr/>
+      </p:nvGrpSpPr>
+      <p:grpSpPr>
+        <a:xfrm>
+          <a:off x="0" y="0"/>
+          <a:ext cx="0" cy="0"/>
+          <a:chOff x="0" y="0"/>
+          <a:chExt cx="0" cy="0"/>
+        </a:xfrm>
+      </p:grpSpPr>
+      <p:sp>
+        <p:nvSpPr>
+          <p:cNvPr id="2" name="Textplatzhalter 1">
+            <a:extLst>
+              <a:ext uri="{FF2B5EF4-FFF2-40B4-BE49-F238E27FC236}">
+                <a16:creationId xmlns:a16="http://schemas.microsoft.com/office/drawing/2014/main" id="{7C32DD69-3EF5-415C-990C-1E48C3A326C4}"/>
+              </a:ext>
+            </a:extLst>
+          </p:cNvPr>
+          <p:cNvSpPr>
+            <a:spLocks noGrp="1"/>
+          </p:cNvSpPr>
+          <p:nvPr>
+            <p:ph type="body" sz="quarter" idx="13"/>
+          </p:nvPr>
+        </p:nvSpPr>
+        <p:spPr/>
+        <p:txBody>
+          <a:bodyPr/>
+          <a:lstStyle/>
+          <a:p>
+            <a:r>
+              <a:rPr lang="en-US" dirty="0"/>
+              <a:t>Suppression is preferable to generalization because the former affects single records whereas generalization affects all the records in the dataset.24Therefore, when </a:t>
+            </a:r>
+            <a:r>
+              <a:rPr lang="en-US" dirty="0" err="1"/>
+              <a:t>searchingfor</a:t>
+            </a:r>
+            <a:r>
+              <a:rPr lang="en-US" dirty="0"/>
+              <a:t> an optimal solution, a solution that imposes </a:t>
+            </a:r>
+            <a:r>
+              <a:rPr lang="en-US" dirty="0" err="1"/>
+              <a:t>moresuppression</a:t>
+            </a:r>
+            <a:r>
+              <a:rPr lang="en-US" dirty="0"/>
+              <a:t> would be selected instead of one that </a:t>
+            </a:r>
+            <a:r>
+              <a:rPr lang="en-US" dirty="0" err="1"/>
+              <a:t>imposesmore</a:t>
+            </a:r>
+            <a:r>
+              <a:rPr lang="en-US" dirty="0"/>
+              <a:t> generalization</a:t>
+            </a:r>
+          </a:p>
+          <a:p>
+            <a:r>
+              <a:rPr lang="en-US" dirty="0"/>
+              <a:t>However, because of the negative impact of missingness on the ability to perform meaningful data analysis, 43 the end-users will want to impose limits on the amount of suppression that is allowed. We will refer to this limit as </a:t>
+            </a:r>
+            <a:r>
+              <a:rPr lang="en-US" dirty="0" err="1"/>
+              <a:t>MaxSup</a:t>
+            </a:r>
+            <a:r>
+              <a:rPr lang="en-US" dirty="0"/>
+              <a:t>. It is assumed that the data analyst will specify </a:t>
+            </a:r>
+            <a:r>
+              <a:rPr lang="en-US" dirty="0" err="1"/>
+              <a:t>MaxSup</a:t>
+            </a:r>
+            <a:r>
+              <a:rPr lang="en-US" dirty="0"/>
+              <a:t> such that complete </a:t>
+            </a:r>
+            <a:r>
+              <a:rPr lang="en-US" dirty="0" err="1"/>
+              <a:t>bcase</a:t>
+            </a:r>
+            <a:r>
+              <a:rPr lang="en-US" dirty="0"/>
+              <a:t> analysis can be performed or imputation techniques can be used to compensate for the missing data</a:t>
+            </a:r>
+          </a:p>
+          <a:p>
+            <a:r>
+              <a:rPr lang="en-US" dirty="0"/>
+              <a:t>Suppression refers to removing a certain attribute value</a:t>
+            </a:r>
+          </a:p>
+          <a:p>
+            <a:pPr marL="0" indent="0">
+              <a:buNone/>
+            </a:pPr>
+            <a:r>
+              <a:rPr lang="en-US" dirty="0"/>
+              <a:t>and replacing occurrences of the value with a special value</a:t>
+            </a:r>
+          </a:p>
+          <a:p>
+            <a:pPr marL="0" indent="0">
+              <a:buNone/>
+            </a:pPr>
+            <a:r>
+              <a:rPr lang="en-US" dirty="0"/>
+              <a:t>"?," indicating that any value can be placed instead.</a:t>
+            </a:r>
+          </a:p>
+          <a:p>
+            <a:pPr marL="0" indent="0">
+              <a:buNone/>
+            </a:pPr>
+            <a:r>
+              <a:rPr lang="en-US" dirty="0"/>
+              <a:t>Suppression can drastically reduce the quality of the data</a:t>
+            </a:r>
+          </a:p>
+          <a:p>
+            <a:pPr marL="0" indent="0">
+              <a:buNone/>
+            </a:pPr>
+            <a:r>
+              <a:rPr lang="de-DE" dirty="0" err="1"/>
+              <a:t>if</a:t>
+            </a:r>
+            <a:r>
+              <a:rPr lang="de-DE" dirty="0"/>
+              <a:t> not </a:t>
+            </a:r>
+            <a:r>
+              <a:rPr lang="de-DE" dirty="0" err="1"/>
+              <a:t>properly</a:t>
+            </a:r>
+            <a:r>
+              <a:rPr lang="de-DE" dirty="0"/>
+              <a:t> </a:t>
+            </a:r>
+            <a:r>
+              <a:rPr lang="de-DE" dirty="0" err="1"/>
+              <a:t>used</a:t>
+            </a:r>
+            <a:endParaRPr lang="en-US" dirty="0"/>
+          </a:p>
+          <a:p>
+            <a:endParaRPr lang="en-US" dirty="0"/>
+          </a:p>
+          <a:p>
+            <a:endParaRPr lang="de-DE" dirty="0"/>
+          </a:p>
+        </p:txBody>
+      </p:sp>
+      <p:sp>
+        <p:nvSpPr>
+          <p:cNvPr id="3" name="Datumsplatzhalter 2">
+            <a:extLst>
+              <a:ext uri="{FF2B5EF4-FFF2-40B4-BE49-F238E27FC236}">
+                <a16:creationId xmlns:a16="http://schemas.microsoft.com/office/drawing/2014/main" id="{3B376E2D-21B0-4BCB-B6B7-6911665926D4}"/>
+              </a:ext>
+            </a:extLst>
+          </p:cNvPr>
+          <p:cNvSpPr>
+            <a:spLocks noGrp="1"/>
+          </p:cNvSpPr>
+          <p:nvPr>
+            <p:ph type="dt" sz="half" idx="14"/>
+          </p:nvPr>
+        </p:nvSpPr>
+        <p:spPr/>
+        <p:txBody>
+          <a:bodyPr/>
+          <a:lstStyle/>
+          <a:p>
+            <a:r>
+              <a:rPr lang="de-DE"/>
+              <a:t>30.01.2018</a:t>
+            </a:r>
+            <a:endParaRPr lang="de-DE" dirty="0"/>
+          </a:p>
+        </p:txBody>
+      </p:sp>
+      <p:sp>
+        <p:nvSpPr>
+          <p:cNvPr id="4" name="Fußzeilenplatzhalter 3">
+            <a:extLst>
+              <a:ext uri="{FF2B5EF4-FFF2-40B4-BE49-F238E27FC236}">
+                <a16:creationId xmlns:a16="http://schemas.microsoft.com/office/drawing/2014/main" id="{7F4344EE-8113-4041-BDC8-BFC34AA277B9}"/>
+              </a:ext>
+            </a:extLst>
+          </p:cNvPr>
+          <p:cNvSpPr>
+            <a:spLocks noGrp="1"/>
+          </p:cNvSpPr>
+          <p:nvPr>
+            <p:ph type="ftr" sz="quarter" idx="15"/>
+          </p:nvPr>
+        </p:nvSpPr>
+        <p:spPr/>
+        <p:txBody>
+          <a:bodyPr/>
+          <a:lstStyle/>
+          <a:p>
+            <a:r>
+              <a:rPr lang="de-DE"/>
+              <a:t>Schallner Ludwig, Wiegnand Andreas</a:t>
+            </a:r>
+            <a:endParaRPr lang="de-DE" dirty="0"/>
+          </a:p>
+        </p:txBody>
+      </p:sp>
+      <p:sp>
+        <p:nvSpPr>
+          <p:cNvPr id="5" name="Foliennummernplatzhalter 4">
+            <a:extLst>
+              <a:ext uri="{FF2B5EF4-FFF2-40B4-BE49-F238E27FC236}">
+                <a16:creationId xmlns:a16="http://schemas.microsoft.com/office/drawing/2014/main" id="{AE20C96D-28EE-47F2-8898-160717279F6F}"/>
+              </a:ext>
+            </a:extLst>
+          </p:cNvPr>
+          <p:cNvSpPr>
+            <a:spLocks noGrp="1"/>
+          </p:cNvSpPr>
+          <p:nvPr>
+            <p:ph type="sldNum" sz="quarter" idx="16"/>
+          </p:nvPr>
+        </p:nvSpPr>
+        <p:spPr/>
+        <p:txBody>
+          <a:bodyPr/>
+          <a:lstStyle/>
+          <a:p>
+            <a:fld id="{50E76E58-F275-47A3-BB17-470016A267B6}" type="slidenum">
+              <a:rPr lang="de-DE" smtClean="0"/>
+              <a:pPr/>
+              <a:t>30</a:t>
+            </a:fld>
+            <a:endParaRPr lang="de-DE"/>
+          </a:p>
+        </p:txBody>
+      </p:sp>
+      <p:sp>
+        <p:nvSpPr>
+          <p:cNvPr id="6" name="Titel 5">
+            <a:extLst>
+              <a:ext uri="{FF2B5EF4-FFF2-40B4-BE49-F238E27FC236}">
+                <a16:creationId xmlns:a16="http://schemas.microsoft.com/office/drawing/2014/main" id="{F4C53128-9BE4-4961-B2C1-5007447E2543}"/>
+              </a:ext>
+            </a:extLst>
+          </p:cNvPr>
+          <p:cNvSpPr>
+            <a:spLocks noGrp="1"/>
+          </p:cNvSpPr>
+          <p:nvPr>
+            <p:ph type="title"/>
+          </p:nvPr>
+        </p:nvSpPr>
+        <p:spPr/>
+        <p:txBody>
+          <a:bodyPr/>
+          <a:lstStyle/>
+          <a:p>
+            <a:r>
+              <a:rPr lang="de-DE" dirty="0"/>
+              <a:t>K-</a:t>
+            </a:r>
+            <a:r>
+              <a:rPr lang="de-DE" dirty="0" err="1"/>
+              <a:t>Anonymity</a:t>
+            </a:r>
+            <a:r>
+              <a:rPr lang="de-DE" dirty="0"/>
+              <a:t> </a:t>
+            </a:r>
+            <a:r>
+              <a:rPr lang="de-DE" dirty="0" err="1"/>
+              <a:t>Generalization</a:t>
+            </a:r>
+            <a:r>
+              <a:rPr lang="de-DE" dirty="0"/>
+              <a:t> and </a:t>
+            </a:r>
+            <a:r>
+              <a:rPr lang="de-DE" dirty="0" err="1"/>
+              <a:t>Supression</a:t>
+            </a:r>
+            <a:endParaRPr lang="de-DE" dirty="0"/>
+          </a:p>
+        </p:txBody>
+      </p:sp>
+    </p:spTree>
+    <p:extLst>
+      <p:ext uri="{BB962C8B-B14F-4D97-AF65-F5344CB8AC3E}">
+        <p14:creationId xmlns:p14="http://schemas.microsoft.com/office/powerpoint/2010/main" val="1303133818"/>
+      </p:ext>
+    </p:extLst>
+  </p:cSld>
+  <p:clrMapOvr>
+    <a:masterClrMapping/>
+  </p:clrMapOvr>
+</p:sld>
+</file>
+
+<file path=ppt/slides/slide31.xml><?xml version="1.0" encoding="utf-8"?>
+<p:sld xmlns:a="http://schemas.openxmlformats.org/drawingml/2006/main" xmlns:r="http://schemas.openxmlformats.org/officeDocument/2006/relationships" xmlns:p="http://schemas.openxmlformats.org/presentationml/2006/main">
+  <p:cSld>
+    <p:spTree>
+      <p:nvGrpSpPr>
+        <p:cNvPr id="1" name=""/>
+        <p:cNvGrpSpPr/>
+        <p:nvPr/>
+      </p:nvGrpSpPr>
+      <p:grpSpPr>
+        <a:xfrm>
+          <a:off x="0" y="0"/>
+          <a:ext cx="0" cy="0"/>
+          <a:chOff x="0" y="0"/>
+          <a:chExt cx="0" cy="0"/>
+        </a:xfrm>
+      </p:grpSpPr>
+      <p:sp>
+        <p:nvSpPr>
+          <p:cNvPr id="2" name="Textplatzhalter 1">
+            <a:extLst>
+              <a:ext uri="{FF2B5EF4-FFF2-40B4-BE49-F238E27FC236}">
+                <a16:creationId xmlns:a16="http://schemas.microsoft.com/office/drawing/2014/main" id="{B7F551F4-610E-488D-AB7B-CE0A61388660}"/>
+              </a:ext>
+            </a:extLst>
+          </p:cNvPr>
+          <p:cNvSpPr>
+            <a:spLocks noGrp="1"/>
+          </p:cNvSpPr>
+          <p:nvPr>
+            <p:ph type="body" sz="quarter" idx="13"/>
+          </p:nvPr>
+        </p:nvSpPr>
+        <p:spPr/>
+        <p:txBody>
+          <a:bodyPr/>
+          <a:lstStyle/>
+          <a:p>
+            <a:pPr marL="0" indent="0">
+              <a:buNone/>
+            </a:pPr>
+            <a:r>
+              <a:rPr lang="de-DE" dirty="0"/>
+              <a:t>Find an optimal </a:t>
+            </a:r>
+            <a:r>
+              <a:rPr lang="de-DE" dirty="0" err="1"/>
+              <a:t>solution</a:t>
+            </a:r>
+            <a:endParaRPr lang="de-DE" dirty="0"/>
+          </a:p>
+        </p:txBody>
+      </p:sp>
+      <p:sp>
+        <p:nvSpPr>
+          <p:cNvPr id="3" name="Datumsplatzhalter 2">
+            <a:extLst>
+              <a:ext uri="{FF2B5EF4-FFF2-40B4-BE49-F238E27FC236}">
+                <a16:creationId xmlns:a16="http://schemas.microsoft.com/office/drawing/2014/main" id="{49D056D6-2543-4934-B1CF-0CC279797548}"/>
+              </a:ext>
+            </a:extLst>
+          </p:cNvPr>
+          <p:cNvSpPr>
+            <a:spLocks noGrp="1"/>
+          </p:cNvSpPr>
+          <p:nvPr>
+            <p:ph type="dt" sz="half" idx="14"/>
+          </p:nvPr>
+        </p:nvSpPr>
+        <p:spPr/>
+        <p:txBody>
+          <a:bodyPr/>
+          <a:lstStyle/>
+          <a:p>
+            <a:r>
+              <a:rPr lang="de-DE"/>
+              <a:t>30.01.2018</a:t>
+            </a:r>
+            <a:endParaRPr lang="de-DE" dirty="0"/>
+          </a:p>
+        </p:txBody>
+      </p:sp>
+      <p:sp>
+        <p:nvSpPr>
+          <p:cNvPr id="4" name="Fußzeilenplatzhalter 3">
+            <a:extLst>
+              <a:ext uri="{FF2B5EF4-FFF2-40B4-BE49-F238E27FC236}">
+                <a16:creationId xmlns:a16="http://schemas.microsoft.com/office/drawing/2014/main" id="{ABEE3C34-C2C7-4728-B360-111405533D4C}"/>
+              </a:ext>
+            </a:extLst>
+          </p:cNvPr>
+          <p:cNvSpPr>
+            <a:spLocks noGrp="1"/>
+          </p:cNvSpPr>
+          <p:nvPr>
+            <p:ph type="ftr" sz="quarter" idx="15"/>
+          </p:nvPr>
+        </p:nvSpPr>
+        <p:spPr/>
+        <p:txBody>
+          <a:bodyPr/>
+          <a:lstStyle/>
+          <a:p>
+            <a:r>
+              <a:rPr lang="de-DE"/>
+              <a:t>Schallner Ludwig, Wiegnand Andreas</a:t>
+            </a:r>
+            <a:endParaRPr lang="de-DE" dirty="0"/>
+          </a:p>
+        </p:txBody>
+      </p:sp>
+      <p:sp>
+        <p:nvSpPr>
+          <p:cNvPr id="5" name="Foliennummernplatzhalter 4">
+            <a:extLst>
+              <a:ext uri="{FF2B5EF4-FFF2-40B4-BE49-F238E27FC236}">
+                <a16:creationId xmlns:a16="http://schemas.microsoft.com/office/drawing/2014/main" id="{6EB8AD93-9E3D-4E56-97AA-90997DA25138}"/>
+              </a:ext>
+            </a:extLst>
+          </p:cNvPr>
+          <p:cNvSpPr>
+            <a:spLocks noGrp="1"/>
+          </p:cNvSpPr>
+          <p:nvPr>
+            <p:ph type="sldNum" sz="quarter" idx="16"/>
+          </p:nvPr>
+        </p:nvSpPr>
+        <p:spPr/>
+        <p:txBody>
+          <a:bodyPr/>
+          <a:lstStyle/>
+          <a:p>
+            <a:fld id="{50E76E58-F275-47A3-BB17-470016A267B6}" type="slidenum">
+              <a:rPr lang="de-DE" smtClean="0"/>
+              <a:pPr/>
+              <a:t>31</a:t>
+            </a:fld>
+            <a:endParaRPr lang="de-DE"/>
+          </a:p>
+        </p:txBody>
+      </p:sp>
+      <p:sp>
+        <p:nvSpPr>
+          <p:cNvPr id="6" name="Titel 5">
+            <a:extLst>
+              <a:ext uri="{FF2B5EF4-FFF2-40B4-BE49-F238E27FC236}">
+                <a16:creationId xmlns:a16="http://schemas.microsoft.com/office/drawing/2014/main" id="{4BFCF9A1-69B3-4D2C-8818-7711643B9733}"/>
+              </a:ext>
+            </a:extLst>
+          </p:cNvPr>
+          <p:cNvSpPr>
+            <a:spLocks noGrp="1"/>
+          </p:cNvSpPr>
+          <p:nvPr>
+            <p:ph type="title"/>
+          </p:nvPr>
+        </p:nvSpPr>
+        <p:spPr/>
+        <p:txBody>
+          <a:bodyPr/>
+          <a:lstStyle/>
+          <a:p>
+            <a:r>
+              <a:rPr lang="de-DE" dirty="0"/>
+              <a:t>K-</a:t>
+            </a:r>
+            <a:r>
+              <a:rPr lang="de-DE" dirty="0" err="1"/>
+              <a:t>Anonymity</a:t>
+            </a:r>
+            <a:r>
+              <a:rPr lang="de-DE" dirty="0"/>
+              <a:t> Goal</a:t>
+            </a:r>
+          </a:p>
+        </p:txBody>
+      </p:sp>
+    </p:spTree>
+    <p:extLst>
+      <p:ext uri="{BB962C8B-B14F-4D97-AF65-F5344CB8AC3E}">
+        <p14:creationId xmlns:p14="http://schemas.microsoft.com/office/powerpoint/2010/main" val="1624472290"/>
+      </p:ext>
+    </p:extLst>
+  </p:cSld>
+  <p:clrMapOvr>
+    <a:masterClrMapping/>
+  </p:clrMapOvr>
+</p:sld>
+</file>
+
+<file path=ppt/slides/slide32.xml><?xml version="1.0" encoding="utf-8"?>
+<p:sld xmlns:a="http://schemas.openxmlformats.org/drawingml/2006/main" xmlns:r="http://schemas.openxmlformats.org/officeDocument/2006/relationships" xmlns:p="http://schemas.openxmlformats.org/presentationml/2006/main">
+  <p:cSld>
+    <p:spTree>
+      <p:nvGrpSpPr>
+        <p:cNvPr id="1" name=""/>
+        <p:cNvGrpSpPr/>
+        <p:nvPr/>
+      </p:nvGrpSpPr>
+      <p:grpSpPr>
+        <a:xfrm>
+          <a:off x="0" y="0"/>
+          <a:ext cx="0" cy="0"/>
+          <a:chOff x="0" y="0"/>
+          <a:chExt cx="0" cy="0"/>
+        </a:xfrm>
+      </p:grpSpPr>
+      <p:sp>
+        <p:nvSpPr>
+          <p:cNvPr id="2" name="Textplatzhalter 1">
+            <a:extLst>
+              <a:ext uri="{FF2B5EF4-FFF2-40B4-BE49-F238E27FC236}">
+                <a16:creationId xmlns:a16="http://schemas.microsoft.com/office/drawing/2014/main" id="{E3D17F9A-0A39-4F75-854E-40B22C4A2CA6}"/>
+              </a:ext>
+            </a:extLst>
+          </p:cNvPr>
+          <p:cNvSpPr>
+            <a:spLocks noGrp="1"/>
+          </p:cNvSpPr>
+          <p:nvPr>
+            <p:ph type="body" sz="quarter" idx="13"/>
+          </p:nvPr>
+        </p:nvSpPr>
+        <p:spPr/>
+        <p:txBody>
+          <a:bodyPr/>
+          <a:lstStyle/>
+          <a:p>
+            <a:endParaRPr lang="de-DE"/>
+          </a:p>
+        </p:txBody>
+      </p:sp>
+      <p:sp>
+        <p:nvSpPr>
+          <p:cNvPr id="3" name="Datumsplatzhalter 2">
+            <a:extLst>
+              <a:ext uri="{FF2B5EF4-FFF2-40B4-BE49-F238E27FC236}">
+                <a16:creationId xmlns:a16="http://schemas.microsoft.com/office/drawing/2014/main" id="{A68384B8-66CF-4BD3-A5AB-E87867EF3C2B}"/>
+              </a:ext>
+            </a:extLst>
+          </p:cNvPr>
+          <p:cNvSpPr>
+            <a:spLocks noGrp="1"/>
+          </p:cNvSpPr>
+          <p:nvPr>
+            <p:ph type="dt" sz="half" idx="14"/>
+          </p:nvPr>
+        </p:nvSpPr>
+        <p:spPr/>
+        <p:txBody>
+          <a:bodyPr/>
+          <a:lstStyle/>
+          <a:p>
+            <a:r>
+              <a:rPr lang="de-DE"/>
+              <a:t>30.01.2018</a:t>
+            </a:r>
+            <a:endParaRPr lang="de-DE" dirty="0"/>
+          </a:p>
+        </p:txBody>
+      </p:sp>
+      <p:sp>
+        <p:nvSpPr>
+          <p:cNvPr id="4" name="Fußzeilenplatzhalter 3">
+            <a:extLst>
+              <a:ext uri="{FF2B5EF4-FFF2-40B4-BE49-F238E27FC236}">
+                <a16:creationId xmlns:a16="http://schemas.microsoft.com/office/drawing/2014/main" id="{7E2CE6D8-D5D6-4A15-A2C8-3CA027F30E15}"/>
+              </a:ext>
+            </a:extLst>
+          </p:cNvPr>
+          <p:cNvSpPr>
+            <a:spLocks noGrp="1"/>
+          </p:cNvSpPr>
+          <p:nvPr>
+            <p:ph type="ftr" sz="quarter" idx="15"/>
+          </p:nvPr>
+        </p:nvSpPr>
+        <p:spPr/>
+        <p:txBody>
+          <a:bodyPr/>
+          <a:lstStyle/>
+          <a:p>
+            <a:r>
+              <a:rPr lang="de-DE"/>
+              <a:t>Schallner Ludwig, Wiegnand Andreas</a:t>
+            </a:r>
+            <a:endParaRPr lang="de-DE" dirty="0"/>
+          </a:p>
+        </p:txBody>
+      </p:sp>
+      <p:sp>
+        <p:nvSpPr>
+          <p:cNvPr id="5" name="Foliennummernplatzhalter 4">
+            <a:extLst>
+              <a:ext uri="{FF2B5EF4-FFF2-40B4-BE49-F238E27FC236}">
+                <a16:creationId xmlns:a16="http://schemas.microsoft.com/office/drawing/2014/main" id="{7A8DDBC5-B170-46EA-8A07-9B5F1BA12FA5}"/>
+              </a:ext>
+            </a:extLst>
+          </p:cNvPr>
+          <p:cNvSpPr>
+            <a:spLocks noGrp="1"/>
+          </p:cNvSpPr>
+          <p:nvPr>
+            <p:ph type="sldNum" sz="quarter" idx="16"/>
+          </p:nvPr>
+        </p:nvSpPr>
+        <p:spPr/>
+        <p:txBody>
+          <a:bodyPr/>
+          <a:lstStyle/>
+          <a:p>
+            <a:fld id="{50E76E58-F275-47A3-BB17-470016A267B6}" type="slidenum">
+              <a:rPr lang="de-DE" smtClean="0"/>
+              <a:pPr/>
+              <a:t>32</a:t>
+            </a:fld>
+            <a:endParaRPr lang="de-DE"/>
+          </a:p>
+        </p:txBody>
+      </p:sp>
+      <p:sp>
+        <p:nvSpPr>
+          <p:cNvPr id="6" name="Titel 5">
+            <a:extLst>
+              <a:ext uri="{FF2B5EF4-FFF2-40B4-BE49-F238E27FC236}">
+                <a16:creationId xmlns:a16="http://schemas.microsoft.com/office/drawing/2014/main" id="{978BDDAC-E0CA-49BD-8B75-08F55695DBC8}"/>
+              </a:ext>
+            </a:extLst>
+          </p:cNvPr>
+          <p:cNvSpPr>
+            <a:spLocks noGrp="1"/>
+          </p:cNvSpPr>
+          <p:nvPr>
+            <p:ph type="title"/>
+          </p:nvPr>
+        </p:nvSpPr>
+        <p:spPr/>
+        <p:txBody>
+          <a:bodyPr/>
+          <a:lstStyle/>
+          <a:p>
+            <a:r>
+              <a:rPr lang="de-DE" dirty="0"/>
+              <a:t>K-</a:t>
+            </a:r>
+            <a:r>
+              <a:rPr lang="de-DE" dirty="0" err="1"/>
+              <a:t>anonymity</a:t>
+            </a:r>
+            <a:r>
+              <a:rPr lang="de-DE" dirty="0"/>
+              <a:t> Information Loss </a:t>
+            </a:r>
+            <a:r>
+              <a:rPr lang="de-DE" dirty="0" err="1"/>
+              <a:t>Metric</a:t>
+            </a:r>
+            <a:endParaRPr lang="de-DE" dirty="0"/>
+          </a:p>
+        </p:txBody>
+      </p:sp>
+    </p:spTree>
+    <p:extLst>
+      <p:ext uri="{BB962C8B-B14F-4D97-AF65-F5344CB8AC3E}">
+        <p14:creationId xmlns:p14="http://schemas.microsoft.com/office/powerpoint/2010/main" val="3541022022"/>
       </p:ext>
     </p:extLst>
   </p:cSld>
@@ -16702,18 +17820,18 @@
 
 <file path=customXml/item1.xml><?xml version="1.0" encoding="utf-8"?>
 <Control xmlns="http://schemas.microsoft.com/VisualStudio/2011/storyboarding/control">
-  <Id Name="System.Storyboarding.Common.Button" Revision="1" Stencil="System.Storyboarding.Common" StencilVersion="0.1"/>
+  <Id Name="dec3670c-0d6f-4455-9c2f-971d108358d4" Revision="1" Stencil="System.MyShapes" StencilVersion="1.0"/>
 </Control>
 </file>
 
 <file path=customXml/item2.xml><?xml version="1.0" encoding="utf-8"?>
 <Control xmlns="http://schemas.microsoft.com/VisualStudio/2011/storyboarding/control">
-  <Id Name="dec3670c-0d6f-4455-9c2f-971d108358d4" Revision="1" Stencil="System.MyShapes" StencilVersion="1.0"/>
+  <Id Name="System.Storyboarding.Common.Button" Revision="1" Stencil="System.Storyboarding.Common" StencilVersion="0.1"/>
 </Control>
 </file>
 
 <file path=customXml/itemProps1.xml><?xml version="1.0" encoding="utf-8"?>
-<ds:datastoreItem xmlns:ds="http://schemas.openxmlformats.org/officeDocument/2006/customXml" ds:itemID="{206AFEA3-501E-4E71-91B3-BDBE1D839E11}">
+<ds:datastoreItem xmlns:ds="http://schemas.openxmlformats.org/officeDocument/2006/customXml" ds:itemID="{566C5A5A-5A83-4A95-95C1-260C6D486DE6}">
   <ds:schemaRefs>
     <ds:schemaRef ds:uri="http://schemas.microsoft.com/VisualStudio/2011/storyboarding/control"/>
   </ds:schemaRefs>
@@ -16721,7 +17839,7 @@
 </file>
 
 <file path=customXml/itemProps2.xml><?xml version="1.0" encoding="utf-8"?>
-<ds:datastoreItem xmlns:ds="http://schemas.openxmlformats.org/officeDocument/2006/customXml" ds:itemID="{566C5A5A-5A83-4A95-95C1-260C6D486DE6}">
+<ds:datastoreItem xmlns:ds="http://schemas.openxmlformats.org/officeDocument/2006/customXml" ds:itemID="{206AFEA3-501E-4E71-91B3-BDBE1D839E11}">
   <ds:schemaRefs>
     <ds:schemaRef ds:uri="http://schemas.microsoft.com/VisualStudio/2011/storyboarding/control"/>
   </ds:schemaRefs>
